--- a/High-performance powershell through the magic of runspaces.pptx
+++ b/High-performance powershell through the magic of runspaces.pptx
@@ -5,16 +5,16 @@
     <p:sldMasterId id="2147483648" r:id="rId4"/>
   </p:sldMasterIdLst>
   <p:notesMasterIdLst>
-    <p:notesMasterId r:id="rId42"/>
+    <p:notesMasterId r:id="rId43"/>
   </p:notesMasterIdLst>
   <p:sldIdLst>
     <p:sldId id="256" r:id="rId5"/>
     <p:sldId id="257" r:id="rId6"/>
-    <p:sldId id="281" r:id="rId7"/>
+    <p:sldId id="280" r:id="rId7"/>
     <p:sldId id="284" r:id="rId8"/>
-    <p:sldId id="280" r:id="rId9"/>
+    <p:sldId id="281" r:id="rId9"/>
     <p:sldId id="283" r:id="rId10"/>
-    <p:sldId id="282" r:id="rId11"/>
+    <p:sldId id="295" r:id="rId11"/>
     <p:sldId id="285" r:id="rId12"/>
     <p:sldId id="286" r:id="rId13"/>
     <p:sldId id="287" r:id="rId14"/>
@@ -24,27 +24,28 @@
     <p:sldId id="290" r:id="rId18"/>
     <p:sldId id="291" r:id="rId19"/>
     <p:sldId id="294" r:id="rId20"/>
-    <p:sldId id="292" r:id="rId21"/>
+    <p:sldId id="282" r:id="rId21"/>
     <p:sldId id="259" r:id="rId22"/>
     <p:sldId id="279" r:id="rId23"/>
-    <p:sldId id="258" r:id="rId24"/>
-    <p:sldId id="260" r:id="rId25"/>
-    <p:sldId id="278" r:id="rId26"/>
-    <p:sldId id="262" r:id="rId27"/>
-    <p:sldId id="263" r:id="rId28"/>
-    <p:sldId id="264" r:id="rId29"/>
-    <p:sldId id="265" r:id="rId30"/>
-    <p:sldId id="266" r:id="rId31"/>
-    <p:sldId id="267" r:id="rId32"/>
-    <p:sldId id="268" r:id="rId33"/>
-    <p:sldId id="269" r:id="rId34"/>
-    <p:sldId id="270" r:id="rId35"/>
-    <p:sldId id="271" r:id="rId36"/>
-    <p:sldId id="272" r:id="rId37"/>
-    <p:sldId id="273" r:id="rId38"/>
-    <p:sldId id="274" r:id="rId39"/>
-    <p:sldId id="275" r:id="rId40"/>
-    <p:sldId id="276" r:id="rId41"/>
+    <p:sldId id="292" r:id="rId24"/>
+    <p:sldId id="258" r:id="rId25"/>
+    <p:sldId id="260" r:id="rId26"/>
+    <p:sldId id="278" r:id="rId27"/>
+    <p:sldId id="262" r:id="rId28"/>
+    <p:sldId id="263" r:id="rId29"/>
+    <p:sldId id="264" r:id="rId30"/>
+    <p:sldId id="265" r:id="rId31"/>
+    <p:sldId id="266" r:id="rId32"/>
+    <p:sldId id="267" r:id="rId33"/>
+    <p:sldId id="268" r:id="rId34"/>
+    <p:sldId id="269" r:id="rId35"/>
+    <p:sldId id="270" r:id="rId36"/>
+    <p:sldId id="271" r:id="rId37"/>
+    <p:sldId id="272" r:id="rId38"/>
+    <p:sldId id="273" r:id="rId39"/>
+    <p:sldId id="274" r:id="rId40"/>
+    <p:sldId id="275" r:id="rId41"/>
+    <p:sldId id="276" r:id="rId42"/>
   </p:sldIdLst>
   <p:sldSz cx="12192000" cy="6858000"/>
   <p:notesSz cx="6858000" cy="9144000"/>
@@ -154,11 +155,11 @@
         </p14:section>
         <p14:section name="Presentation" id="{866A3E68-017F-4F94-A6C6-BFF303BC3121}">
           <p14:sldIdLst>
+            <p14:sldId id="280"/>
+            <p14:sldId id="284"/>
             <p14:sldId id="281"/>
-            <p14:sldId id="284"/>
-            <p14:sldId id="280"/>
             <p14:sldId id="283"/>
-            <p14:sldId id="282"/>
+            <p14:sldId id="295"/>
             <p14:sldId id="285"/>
             <p14:sldId id="286"/>
             <p14:sldId id="287"/>
@@ -168,9 +169,10 @@
             <p14:sldId id="290"/>
             <p14:sldId id="291"/>
             <p14:sldId id="294"/>
-            <p14:sldId id="292"/>
+            <p14:sldId id="282"/>
             <p14:sldId id="259"/>
             <p14:sldId id="279"/>
+            <p14:sldId id="292"/>
             <p14:sldId id="258"/>
           </p14:sldIdLst>
         </p14:section>
@@ -296,7 +298,7 @@
           <a:p>
             <a:fld id="{EC2CC04A-C335-487A-8178-6C90F0F29C95}" type="datetimeFigureOut">
               <a:rPr lang="en-US" smtClean="0"/>
-              <a:t>4/13/2019</a:t>
+              <a:t>4/16/2019</a:t>
             </a:fld>
             <a:endParaRPr lang="en-US"/>
           </a:p>
@@ -5901,7 +5903,7 @@
             <p:ph idx="1"/>
             <p:extLst>
               <p:ext uri="{D42A27DB-BD31-4B8C-83A1-F6EECF244321}">
-                <p14:modId xmlns:p14="http://schemas.microsoft.com/office/powerpoint/2010/main" val="3017792601"/>
+                <p14:modId xmlns:p14="http://schemas.microsoft.com/office/powerpoint/2010/main" val="4247080067"/>
               </p:ext>
             </p:extLst>
           </p:nvPr>
@@ -6146,18 +6148,13 @@
                         <a:buChar char="•"/>
                       </a:pPr>
                       <a:r>
-                        <a:rPr lang="en-US" dirty="0" err="1">
+                        <a:rPr lang="en-US" dirty="0">
                           <a:solidFill>
                             <a:schemeClr val="tx1"/>
                           </a:solidFill>
                         </a:rPr>
-                        <a:t>Snapins</a:t>
+                        <a:t>Snap-ins</a:t>
                       </a:r>
-                      <a:endParaRPr lang="en-US" dirty="0">
-                        <a:solidFill>
-                          <a:schemeClr val="tx1"/>
-                        </a:solidFill>
-                      </a:endParaRPr>
                     </a:p>
                     <a:p>
                       <a:pPr marL="285750" indent="-285750">
@@ -6919,7 +6916,7 @@
           <a:p>
             <a:r>
               <a:rPr lang="en-US" dirty="0"/>
-              <a:t>Other </a:t>
+              <a:t>When should I use a </a:t>
             </a:r>
             <a:r>
               <a:rPr lang="en-US" dirty="0" err="1"/>
@@ -6927,17 +6924,17 @@
             </a:r>
             <a:r>
               <a:rPr lang="en-US" dirty="0"/>
-              <a:t> Tricks!</a:t>
+              <a:t>?</a:t>
             </a:r>
           </a:p>
         </p:txBody>
       </p:sp>
       <p:sp>
         <p:nvSpPr>
-          <p:cNvPr id="7" name="Content Placeholder 6">
+          <p:cNvPr id="3" name="Content Placeholder 2">
             <a:extLst>
               <a:ext uri="{FF2B5EF4-FFF2-40B4-BE49-F238E27FC236}">
-                <a16:creationId xmlns:a16="http://schemas.microsoft.com/office/drawing/2014/main" id="{B17E11F6-D4A8-4E38-922E-76305F9FD821}"/>
+                <a16:creationId xmlns:a16="http://schemas.microsoft.com/office/drawing/2014/main" id="{60415FD9-2E2F-4699-8FD5-6FC4008BE6F8}"/>
               </a:ext>
             </a:extLst>
           </p:cNvPr>
@@ -6955,81 +6952,31 @@
           <a:p>
             <a:r>
               <a:rPr lang="en-US" dirty="0"/>
-              <a:t>Credential impersonation</a:t>
-            </a:r>
-          </a:p>
-          <a:p>
-            <a:pPr lvl="1"/>
+              <a:t>You need multithreading performance</a:t>
+            </a:r>
+          </a:p>
+          <a:p>
             <a:r>
               <a:rPr lang="en-US" dirty="0"/>
-              <a:t>This isn’t always stable and requires </a:t>
+              <a:t>You need a high degree of control over your thread</a:t>
+            </a:r>
+          </a:p>
+          <a:p>
+            <a:r>
+              <a:rPr lang="en-US" dirty="0"/>
+              <a:t>You don’t want or need all of the resources associated with the default </a:t>
             </a:r>
             <a:r>
               <a:rPr lang="en-US" dirty="0" err="1"/>
-              <a:t>pinvoke</a:t>
-            </a:r>
+              <a:t>runspace</a:t>
+            </a:r>
+            <a:endParaRPr lang="en-US" dirty="0"/>
+          </a:p>
+          <a:p>
             <a:r>
               <a:rPr lang="en-US" dirty="0"/>
-              <a:t> commands.</a:t>
-            </a:r>
-          </a:p>
-          <a:p>
-            <a:pPr lvl="1"/>
-            <a:endParaRPr lang="en-US" dirty="0"/>
-          </a:p>
-          <a:p>
-            <a:r>
-              <a:rPr lang="en-US" dirty="0"/>
-              <a:t>Remote </a:t>
-            </a:r>
-            <a:r>
-              <a:rPr lang="en-US" dirty="0" err="1"/>
-              <a:t>Runspaces</a:t>
-            </a:r>
-            <a:endParaRPr lang="en-US" dirty="0"/>
-          </a:p>
-          <a:p>
-            <a:pPr lvl="1"/>
-            <a:r>
-              <a:rPr lang="en-US" dirty="0"/>
-              <a:t>Enter-</a:t>
-            </a:r>
-            <a:r>
-              <a:rPr lang="en-US" dirty="0" err="1"/>
-              <a:t>pssession</a:t>
-            </a:r>
-            <a:r>
-              <a:rPr lang="en-US" dirty="0"/>
-              <a:t> – This uses remote </a:t>
-            </a:r>
-            <a:r>
-              <a:rPr lang="en-US" dirty="0" err="1"/>
-              <a:t>runspaces</a:t>
-            </a:r>
-            <a:r>
-              <a:rPr lang="en-US" dirty="0"/>
-              <a:t> via </a:t>
-            </a:r>
-            <a:r>
-              <a:rPr lang="en-US" dirty="0" err="1"/>
-              <a:t>wsman</a:t>
-            </a:r>
-            <a:endParaRPr lang="en-US" dirty="0"/>
-          </a:p>
-          <a:p>
-            <a:pPr lvl="1"/>
-            <a:r>
-              <a:rPr lang="en-US" dirty="0" err="1"/>
-              <a:t>Connectioninfo</a:t>
-            </a:r>
-            <a:r>
-              <a:rPr lang="en-US" dirty="0"/>
-              <a:t> – we can do this on our own too!</a:t>
-            </a:r>
-          </a:p>
-          <a:p>
-            <a:pPr lvl="1"/>
-            <a:endParaRPr lang="en-US" dirty="0"/>
+              <a:t>You need to be able to track and interact each thread individually</a:t>
+            </a:r>
           </a:p>
           <a:p>
             <a:endParaRPr lang="en-US" dirty="0"/>
@@ -7039,7 +6986,7 @@
     </p:spTree>
     <p:extLst>
       <p:ext uri="{BB962C8B-B14F-4D97-AF65-F5344CB8AC3E}">
-        <p14:creationId xmlns:p14="http://schemas.microsoft.com/office/powerpoint/2010/main" val="3627088316"/>
+        <p14:creationId xmlns:p14="http://schemas.microsoft.com/office/powerpoint/2010/main" val="2633855220"/>
       </p:ext>
     </p:extLst>
   </p:cSld>
@@ -7440,6 +7387,176 @@
 </file>
 
 <file path=ppt/slides/slide20.xml><?xml version="1.0" encoding="utf-8"?>
+<p:sld xmlns:a="http://schemas.openxmlformats.org/drawingml/2006/main" xmlns:r="http://schemas.openxmlformats.org/officeDocument/2006/relationships" xmlns:p="http://schemas.openxmlformats.org/presentationml/2006/main">
+  <p:cSld>
+    <p:spTree>
+      <p:nvGrpSpPr>
+        <p:cNvPr id="1" name=""/>
+        <p:cNvGrpSpPr/>
+        <p:nvPr/>
+      </p:nvGrpSpPr>
+      <p:grpSpPr>
+        <a:xfrm>
+          <a:off x="0" y="0"/>
+          <a:ext cx="0" cy="0"/>
+          <a:chOff x="0" y="0"/>
+          <a:chExt cx="0" cy="0"/>
+        </a:xfrm>
+      </p:grpSpPr>
+      <p:sp>
+        <p:nvSpPr>
+          <p:cNvPr id="2" name="Title 1">
+            <a:extLst>
+              <a:ext uri="{FF2B5EF4-FFF2-40B4-BE49-F238E27FC236}">
+                <a16:creationId xmlns:a16="http://schemas.microsoft.com/office/drawing/2014/main" id="{04E6967A-588C-4984-AEE2-4D79DCAC6260}"/>
+              </a:ext>
+            </a:extLst>
+          </p:cNvPr>
+          <p:cNvSpPr>
+            <a:spLocks noGrp="1"/>
+          </p:cNvSpPr>
+          <p:nvPr>
+            <p:ph type="title"/>
+          </p:nvPr>
+        </p:nvSpPr>
+        <p:spPr/>
+        <p:txBody>
+          <a:bodyPr/>
+          <a:lstStyle/>
+          <a:p>
+            <a:r>
+              <a:rPr lang="en-US" dirty="0"/>
+              <a:t>Other </a:t>
+            </a:r>
+            <a:r>
+              <a:rPr lang="en-US" dirty="0" err="1"/>
+              <a:t>runspace</a:t>
+            </a:r>
+            <a:r>
+              <a:rPr lang="en-US" dirty="0"/>
+              <a:t> Tricks!</a:t>
+            </a:r>
+          </a:p>
+        </p:txBody>
+      </p:sp>
+      <p:sp>
+        <p:nvSpPr>
+          <p:cNvPr id="7" name="Content Placeholder 6">
+            <a:extLst>
+              <a:ext uri="{FF2B5EF4-FFF2-40B4-BE49-F238E27FC236}">
+                <a16:creationId xmlns:a16="http://schemas.microsoft.com/office/drawing/2014/main" id="{B17E11F6-D4A8-4E38-922E-76305F9FD821}"/>
+              </a:ext>
+            </a:extLst>
+          </p:cNvPr>
+          <p:cNvSpPr>
+            <a:spLocks noGrp="1"/>
+          </p:cNvSpPr>
+          <p:nvPr>
+            <p:ph idx="1"/>
+          </p:nvPr>
+        </p:nvSpPr>
+        <p:spPr/>
+        <p:txBody>
+          <a:bodyPr/>
+          <a:lstStyle/>
+          <a:p>
+            <a:r>
+              <a:rPr lang="en-US" dirty="0"/>
+              <a:t>Credential impersonation</a:t>
+            </a:r>
+          </a:p>
+          <a:p>
+            <a:pPr lvl="1"/>
+            <a:r>
+              <a:rPr lang="en-US" dirty="0"/>
+              <a:t>This isn’t always stable and requires </a:t>
+            </a:r>
+            <a:r>
+              <a:rPr lang="en-US" dirty="0" err="1"/>
+              <a:t>pinvoke</a:t>
+            </a:r>
+            <a:r>
+              <a:rPr lang="en-US" dirty="0"/>
+              <a:t> commands.</a:t>
+            </a:r>
+          </a:p>
+          <a:p>
+            <a:pPr lvl="1"/>
+            <a:endParaRPr lang="en-US" dirty="0"/>
+          </a:p>
+          <a:p>
+            <a:r>
+              <a:rPr lang="en-US" dirty="0"/>
+              <a:t>Remote </a:t>
+            </a:r>
+            <a:r>
+              <a:rPr lang="en-US" dirty="0" err="1"/>
+              <a:t>Runspaces</a:t>
+            </a:r>
+            <a:endParaRPr lang="en-US" dirty="0"/>
+          </a:p>
+          <a:p>
+            <a:pPr lvl="1"/>
+            <a:r>
+              <a:rPr lang="en-US" dirty="0"/>
+              <a:t>Enter-</a:t>
+            </a:r>
+            <a:r>
+              <a:rPr lang="en-US" dirty="0" err="1"/>
+              <a:t>pssession</a:t>
+            </a:r>
+            <a:r>
+              <a:rPr lang="en-US" dirty="0"/>
+              <a:t> – This uses remote </a:t>
+            </a:r>
+            <a:r>
+              <a:rPr lang="en-US" dirty="0" err="1"/>
+              <a:t>runspaces</a:t>
+            </a:r>
+            <a:r>
+              <a:rPr lang="en-US" dirty="0"/>
+              <a:t> via </a:t>
+            </a:r>
+            <a:r>
+              <a:rPr lang="en-US" dirty="0" err="1"/>
+              <a:t>wsman</a:t>
+            </a:r>
+            <a:endParaRPr lang="en-US" dirty="0"/>
+          </a:p>
+          <a:p>
+            <a:pPr lvl="1"/>
+            <a:r>
+              <a:rPr lang="en-US" dirty="0" err="1"/>
+              <a:t>Connectioninfo</a:t>
+            </a:r>
+            <a:r>
+              <a:rPr lang="en-US" dirty="0"/>
+              <a:t> – we can do this on our own too!</a:t>
+            </a:r>
+          </a:p>
+          <a:p>
+            <a:pPr lvl="1"/>
+            <a:endParaRPr lang="en-US" dirty="0"/>
+          </a:p>
+          <a:p>
+            <a:endParaRPr lang="en-US" dirty="0"/>
+          </a:p>
+        </p:txBody>
+      </p:sp>
+    </p:spTree>
+    <p:extLst>
+      <p:ext uri="{BB962C8B-B14F-4D97-AF65-F5344CB8AC3E}">
+        <p14:creationId xmlns:p14="http://schemas.microsoft.com/office/powerpoint/2010/main" val="3627088316"/>
+      </p:ext>
+    </p:extLst>
+  </p:cSld>
+  <p:clrMapOvr>
+    <a:masterClrMapping/>
+  </p:clrMapOvr>
+</p:sld>
+</file>
+
+<file path=ppt/slides/slide21.xml><?xml version="1.0" encoding="utf-8"?>
 <p:sld xmlns:a="http://schemas.openxmlformats.org/drawingml/2006/main" xmlns:r="http://schemas.openxmlformats.org/officeDocument/2006/relationships" xmlns:p="http://schemas.openxmlformats.org/presentationml/2006/main" show="0">
   <p:cSld>
     <p:spTree>
@@ -7529,7 +7646,7 @@
 </p:sld>
 </file>
 
-<file path=ppt/slides/slide21.xml><?xml version="1.0" encoding="utf-8"?>
+<file path=ppt/slides/slide22.xml><?xml version="1.0" encoding="utf-8"?>
 <p:sld xmlns:a="http://schemas.openxmlformats.org/drawingml/2006/main" xmlns:r="http://schemas.openxmlformats.org/officeDocument/2006/relationships" xmlns:p="http://schemas.openxmlformats.org/presentationml/2006/main" show="0">
   <p:cSld>
     <p:spTree>
@@ -7603,7 +7720,7 @@
 </p:sld>
 </file>
 
-<file path=ppt/slides/slide22.xml><?xml version="1.0" encoding="utf-8"?>
+<file path=ppt/slides/slide23.xml><?xml version="1.0" encoding="utf-8"?>
 <p:sld xmlns:a="http://schemas.openxmlformats.org/drawingml/2006/main" xmlns:r="http://schemas.openxmlformats.org/officeDocument/2006/relationships" xmlns:p="http://schemas.openxmlformats.org/presentationml/2006/main" show="0">
   <p:cSld>
     <p:spTree>
@@ -7701,7 +7818,7 @@
 </p:sld>
 </file>
 
-<file path=ppt/slides/slide23.xml><?xml version="1.0" encoding="utf-8"?>
+<file path=ppt/slides/slide24.xml><?xml version="1.0" encoding="utf-8"?>
 <p:sld xmlns:a="http://schemas.openxmlformats.org/drawingml/2006/main" xmlns:r="http://schemas.openxmlformats.org/officeDocument/2006/relationships" xmlns:p="http://schemas.openxmlformats.org/presentationml/2006/main" show="0">
   <p:cSld>
     <p:spTree>
@@ -7775,7 +7892,7 @@
 </p:sld>
 </file>
 
-<file path=ppt/slides/slide24.xml><?xml version="1.0" encoding="utf-8"?>
+<file path=ppt/slides/slide25.xml><?xml version="1.0" encoding="utf-8"?>
 <p:sld xmlns:a="http://schemas.openxmlformats.org/drawingml/2006/main" xmlns:r="http://schemas.openxmlformats.org/officeDocument/2006/relationships" xmlns:p="http://schemas.openxmlformats.org/presentationml/2006/main" show="0">
   <p:cSld>
     <p:spTree>
@@ -7848,7 +7965,7 @@
 </p:sld>
 </file>
 
-<file path=ppt/slides/slide25.xml><?xml version="1.0" encoding="utf-8"?>
+<file path=ppt/slides/slide26.xml><?xml version="1.0" encoding="utf-8"?>
 <p:sld xmlns:a="http://schemas.openxmlformats.org/drawingml/2006/main" xmlns:r="http://schemas.openxmlformats.org/officeDocument/2006/relationships" xmlns:p="http://schemas.openxmlformats.org/presentationml/2006/main" show="0">
   <p:cSld>
     <p:spTree>
@@ -7921,7 +8038,7 @@
 </p:sld>
 </file>
 
-<file path=ppt/slides/slide26.xml><?xml version="1.0" encoding="utf-8"?>
+<file path=ppt/slides/slide27.xml><?xml version="1.0" encoding="utf-8"?>
 <p:sld xmlns:a="http://schemas.openxmlformats.org/drawingml/2006/main" xmlns:r="http://schemas.openxmlformats.org/officeDocument/2006/relationships" xmlns:p="http://schemas.openxmlformats.org/presentationml/2006/main" show="0">
   <p:cSld>
     <p:spTree>
@@ -8065,7 +8182,7 @@
 </p:sld>
 </file>
 
-<file path=ppt/slides/slide27.xml><?xml version="1.0" encoding="utf-8"?>
+<file path=ppt/slides/slide28.xml><?xml version="1.0" encoding="utf-8"?>
 <p:sld xmlns:a="http://schemas.openxmlformats.org/drawingml/2006/main" xmlns:r="http://schemas.openxmlformats.org/officeDocument/2006/relationships" xmlns:p="http://schemas.openxmlformats.org/presentationml/2006/main" show="0">
   <p:cSld>
     <p:spTree>
@@ -8253,7 +8370,7 @@
 </p:sld>
 </file>
 
-<file path=ppt/slides/slide28.xml><?xml version="1.0" encoding="utf-8"?>
+<file path=ppt/slides/slide29.xml><?xml version="1.0" encoding="utf-8"?>
 <p:sld xmlns:a="http://schemas.openxmlformats.org/drawingml/2006/main" xmlns:r="http://schemas.openxmlformats.org/officeDocument/2006/relationships" xmlns:p="http://schemas.openxmlformats.org/presentationml/2006/main" show="0">
   <p:cSld>
     <p:spTree>
@@ -8305,901 +8422,6 @@
 </p:sld>
 </file>
 
-<file path=ppt/slides/slide29.xml><?xml version="1.0" encoding="utf-8"?>
-<p:sld xmlns:a="http://schemas.openxmlformats.org/drawingml/2006/main" xmlns:r="http://schemas.openxmlformats.org/officeDocument/2006/relationships" xmlns:p="http://schemas.openxmlformats.org/presentationml/2006/main" show="0">
-  <p:cSld>
-    <p:spTree>
-      <p:nvGrpSpPr>
-        <p:cNvPr id="1" name=""/>
-        <p:cNvGrpSpPr/>
-        <p:nvPr/>
-      </p:nvGrpSpPr>
-      <p:grpSpPr>
-        <a:xfrm>
-          <a:off x="0" y="0"/>
-          <a:ext cx="0" cy="0"/>
-          <a:chOff x="0" y="0"/>
-          <a:chExt cx="0" cy="0"/>
-        </a:xfrm>
-      </p:grpSpPr>
-      <p:pic>
-        <p:nvPicPr>
-          <p:cNvPr id="11" name="Picture 10"/>
-          <p:cNvPicPr>
-            <a:picLocks noChangeAspect="1"/>
-          </p:cNvPicPr>
-          <p:nvPr/>
-        </p:nvPicPr>
-        <p:blipFill>
-          <a:blip r:embed="rId2">
-            <a:extLst>
-              <a:ext uri="{28A0092B-C50C-407E-A947-70E740481C1C}">
-                <a14:useLocalDpi xmlns:a14="http://schemas.microsoft.com/office/drawing/2010/main" val="0"/>
-              </a:ext>
-            </a:extLst>
-          </a:blip>
-          <a:stretch>
-            <a:fillRect/>
-          </a:stretch>
-        </p:blipFill>
-        <p:spPr>
-          <a:xfrm>
-            <a:off x="2207458" y="453313"/>
-            <a:ext cx="457200" cy="457200"/>
-          </a:xfrm>
-          <a:prstGeom prst="rect">
-            <a:avLst/>
-          </a:prstGeom>
-        </p:spPr>
-      </p:pic>
-      <p:pic>
-        <p:nvPicPr>
-          <p:cNvPr id="12" name="Picture 11"/>
-          <p:cNvPicPr>
-            <a:picLocks noChangeAspect="1"/>
-          </p:cNvPicPr>
-          <p:nvPr/>
-        </p:nvPicPr>
-        <p:blipFill>
-          <a:blip r:embed="rId3">
-            <a:extLst>
-              <a:ext uri="{28A0092B-C50C-407E-A947-70E740481C1C}">
-                <a14:useLocalDpi xmlns:a14="http://schemas.microsoft.com/office/drawing/2010/main" val="0"/>
-              </a:ext>
-            </a:extLst>
-          </a:blip>
-          <a:stretch>
-            <a:fillRect/>
-          </a:stretch>
-        </p:blipFill>
-        <p:spPr>
-          <a:xfrm>
-            <a:off x="1294229" y="453399"/>
-            <a:ext cx="457200" cy="457200"/>
-          </a:xfrm>
-          <a:prstGeom prst="rect">
-            <a:avLst/>
-          </a:prstGeom>
-        </p:spPr>
-      </p:pic>
-      <p:pic>
-        <p:nvPicPr>
-          <p:cNvPr id="13" name="Picture 12"/>
-          <p:cNvPicPr>
-            <a:picLocks noChangeAspect="1"/>
-          </p:cNvPicPr>
-          <p:nvPr/>
-        </p:nvPicPr>
-        <p:blipFill>
-          <a:blip r:embed="rId4">
-            <a:extLst>
-              <a:ext uri="{28A0092B-C50C-407E-A947-70E740481C1C}">
-                <a14:useLocalDpi xmlns:a14="http://schemas.microsoft.com/office/drawing/2010/main" val="0"/>
-              </a:ext>
-            </a:extLst>
-          </a:blip>
-          <a:stretch>
-            <a:fillRect/>
-          </a:stretch>
-        </p:blipFill>
-        <p:spPr>
-          <a:xfrm>
-            <a:off x="381000" y="453399"/>
-            <a:ext cx="457200" cy="457200"/>
-          </a:xfrm>
-          <a:prstGeom prst="rect">
-            <a:avLst/>
-          </a:prstGeom>
-        </p:spPr>
-      </p:pic>
-      <p:pic>
-        <p:nvPicPr>
-          <p:cNvPr id="15" name="Picture 14"/>
-          <p:cNvPicPr>
-            <a:picLocks noChangeAspect="1"/>
-          </p:cNvPicPr>
-          <p:nvPr/>
-        </p:nvPicPr>
-        <p:blipFill>
-          <a:blip r:embed="rId5">
-            <a:lum bright="70000" contrast="-70000"/>
-            <a:extLst>
-              <a:ext uri="{28A0092B-C50C-407E-A947-70E740481C1C}">
-                <a14:useLocalDpi xmlns:a14="http://schemas.microsoft.com/office/drawing/2010/main" val="0"/>
-              </a:ext>
-            </a:extLst>
-          </a:blip>
-          <a:stretch>
-            <a:fillRect/>
-          </a:stretch>
-        </p:blipFill>
-        <p:spPr>
-          <a:xfrm>
-            <a:off x="303629" y="1070428"/>
-            <a:ext cx="1219200" cy="1219200"/>
-          </a:xfrm>
-          <a:prstGeom prst="rect">
-            <a:avLst/>
-          </a:prstGeom>
-        </p:spPr>
-      </p:pic>
-      <p:pic>
-        <p:nvPicPr>
-          <p:cNvPr id="279" name="Picture 278"/>
-          <p:cNvPicPr>
-            <a:picLocks noChangeAspect="1"/>
-          </p:cNvPicPr>
-          <p:nvPr/>
-        </p:nvPicPr>
-        <p:blipFill>
-          <a:blip r:embed="rId6">
-            <a:lum bright="70000" contrast="-70000"/>
-            <a:extLst>
-              <a:ext uri="{28A0092B-C50C-407E-A947-70E740481C1C}">
-                <a14:useLocalDpi xmlns:a14="http://schemas.microsoft.com/office/drawing/2010/main" val="0"/>
-              </a:ext>
-            </a:extLst>
-          </a:blip>
-          <a:stretch>
-            <a:fillRect/>
-          </a:stretch>
-        </p:blipFill>
-        <p:spPr>
-          <a:xfrm>
-            <a:off x="2950029" y="1070428"/>
-            <a:ext cx="1219200" cy="1219200"/>
-          </a:xfrm>
-          <a:prstGeom prst="rect">
-            <a:avLst/>
-          </a:prstGeom>
-        </p:spPr>
-      </p:pic>
-      <p:pic>
-        <p:nvPicPr>
-          <p:cNvPr id="280" name="Picture 279"/>
-          <p:cNvPicPr>
-            <a:picLocks noChangeAspect="1"/>
-          </p:cNvPicPr>
-          <p:nvPr/>
-        </p:nvPicPr>
-        <p:blipFill>
-          <a:blip r:embed="rId7">
-            <a:lum bright="70000" contrast="-70000"/>
-            <a:extLst>
-              <a:ext uri="{28A0092B-C50C-407E-A947-70E740481C1C}">
-                <a14:useLocalDpi xmlns:a14="http://schemas.microsoft.com/office/drawing/2010/main" val="0"/>
-              </a:ext>
-            </a:extLst>
-          </a:blip>
-          <a:stretch>
-            <a:fillRect/>
-          </a:stretch>
-        </p:blipFill>
-        <p:spPr>
-          <a:xfrm>
-            <a:off x="1626829" y="1070428"/>
-            <a:ext cx="1219200" cy="1219200"/>
-          </a:xfrm>
-          <a:prstGeom prst="rect">
-            <a:avLst/>
-          </a:prstGeom>
-        </p:spPr>
-      </p:pic>
-      <p:pic>
-        <p:nvPicPr>
-          <p:cNvPr id="281" name="Picture 280"/>
-          <p:cNvPicPr>
-            <a:picLocks noChangeAspect="1"/>
-          </p:cNvPicPr>
-          <p:nvPr/>
-        </p:nvPicPr>
-        <p:blipFill>
-          <a:blip r:embed="rId8">
-            <a:lum bright="70000" contrast="-70000"/>
-            <a:extLst>
-              <a:ext uri="{28A0092B-C50C-407E-A947-70E740481C1C}">
-                <a14:useLocalDpi xmlns:a14="http://schemas.microsoft.com/office/drawing/2010/main" val="0"/>
-              </a:ext>
-            </a:extLst>
-          </a:blip>
-          <a:stretch>
-            <a:fillRect/>
-          </a:stretch>
-        </p:blipFill>
-        <p:spPr>
-          <a:xfrm>
-            <a:off x="5596429" y="1107999"/>
-            <a:ext cx="1219200" cy="1219200"/>
-          </a:xfrm>
-          <a:prstGeom prst="rect">
-            <a:avLst/>
-          </a:prstGeom>
-        </p:spPr>
-      </p:pic>
-      <p:pic>
-        <p:nvPicPr>
-          <p:cNvPr id="282" name="Picture 281"/>
-          <p:cNvPicPr>
-            <a:picLocks noChangeAspect="1"/>
-          </p:cNvPicPr>
-          <p:nvPr/>
-        </p:nvPicPr>
-        <p:blipFill>
-          <a:blip r:embed="rId9">
-            <a:lum bright="70000" contrast="-70000"/>
-            <a:extLst>
-              <a:ext uri="{28A0092B-C50C-407E-A947-70E740481C1C}">
-                <a14:useLocalDpi xmlns:a14="http://schemas.microsoft.com/office/drawing/2010/main" val="0"/>
-              </a:ext>
-            </a:extLst>
-          </a:blip>
-          <a:stretch>
-            <a:fillRect/>
-          </a:stretch>
-        </p:blipFill>
-        <p:spPr>
-          <a:xfrm>
-            <a:off x="4273229" y="1070428"/>
-            <a:ext cx="1219200" cy="1219200"/>
-          </a:xfrm>
-          <a:prstGeom prst="rect">
-            <a:avLst/>
-          </a:prstGeom>
-        </p:spPr>
-      </p:pic>
-      <p:pic>
-        <p:nvPicPr>
-          <p:cNvPr id="283" name="Picture 282"/>
-          <p:cNvPicPr>
-            <a:picLocks noChangeAspect="1"/>
-          </p:cNvPicPr>
-          <p:nvPr/>
-        </p:nvPicPr>
-        <p:blipFill>
-          <a:blip r:embed="rId10">
-            <a:lum bright="70000" contrast="-70000"/>
-            <a:extLst>
-              <a:ext uri="{28A0092B-C50C-407E-A947-70E740481C1C}">
-                <a14:useLocalDpi xmlns:a14="http://schemas.microsoft.com/office/drawing/2010/main" val="0"/>
-              </a:ext>
-            </a:extLst>
-          </a:blip>
-          <a:stretch>
-            <a:fillRect/>
-          </a:stretch>
-        </p:blipFill>
-        <p:spPr>
-          <a:xfrm>
-            <a:off x="6919629" y="1107999"/>
-            <a:ext cx="1219200" cy="1219200"/>
-          </a:xfrm>
-          <a:prstGeom prst="rect">
-            <a:avLst/>
-          </a:prstGeom>
-        </p:spPr>
-      </p:pic>
-      <p:pic>
-        <p:nvPicPr>
-          <p:cNvPr id="284" name="Picture 283"/>
-          <p:cNvPicPr>
-            <a:picLocks noChangeAspect="1"/>
-          </p:cNvPicPr>
-          <p:nvPr/>
-        </p:nvPicPr>
-        <p:blipFill>
-          <a:blip r:embed="rId11">
-            <a:lum bright="70000" contrast="-70000"/>
-            <a:extLst>
-              <a:ext uri="{28A0092B-C50C-407E-A947-70E740481C1C}">
-                <a14:useLocalDpi xmlns:a14="http://schemas.microsoft.com/office/drawing/2010/main" val="0"/>
-              </a:ext>
-            </a:extLst>
-          </a:blip>
-          <a:stretch>
-            <a:fillRect/>
-          </a:stretch>
-        </p:blipFill>
-        <p:spPr>
-          <a:xfrm>
-            <a:off x="9105600" y="1070428"/>
-            <a:ext cx="1219200" cy="1219200"/>
-          </a:xfrm>
-          <a:prstGeom prst="rect">
-            <a:avLst/>
-          </a:prstGeom>
-        </p:spPr>
-      </p:pic>
-      <p:pic>
-        <p:nvPicPr>
-          <p:cNvPr id="285" name="Picture 284"/>
-          <p:cNvPicPr>
-            <a:picLocks noChangeAspect="1"/>
-          </p:cNvPicPr>
-          <p:nvPr/>
-        </p:nvPicPr>
-        <p:blipFill>
-          <a:blip r:embed="rId12">
-            <a:lum bright="70000" contrast="-70000"/>
-            <a:extLst>
-              <a:ext uri="{28A0092B-C50C-407E-A947-70E740481C1C}">
-                <a14:useLocalDpi xmlns:a14="http://schemas.microsoft.com/office/drawing/2010/main" val="0"/>
-              </a:ext>
-            </a:extLst>
-          </a:blip>
-          <a:stretch>
-            <a:fillRect/>
-          </a:stretch>
-        </p:blipFill>
-        <p:spPr>
-          <a:xfrm>
-            <a:off x="7988286" y="1070428"/>
-            <a:ext cx="1219200" cy="1219200"/>
-          </a:xfrm>
-          <a:prstGeom prst="rect">
-            <a:avLst/>
-          </a:prstGeom>
-        </p:spPr>
-      </p:pic>
-      <p:pic>
-        <p:nvPicPr>
-          <p:cNvPr id="286" name="Picture 285"/>
-          <p:cNvPicPr>
-            <a:picLocks noChangeAspect="1"/>
-          </p:cNvPicPr>
-          <p:nvPr/>
-        </p:nvPicPr>
-        <p:blipFill>
-          <a:blip r:embed="rId13">
-            <a:lum bright="70000" contrast="-70000"/>
-            <a:extLst>
-              <a:ext uri="{28A0092B-C50C-407E-A947-70E740481C1C}">
-                <a14:useLocalDpi xmlns:a14="http://schemas.microsoft.com/office/drawing/2010/main" val="0"/>
-              </a:ext>
-            </a:extLst>
-          </a:blip>
-          <a:stretch>
-            <a:fillRect/>
-          </a:stretch>
-        </p:blipFill>
-        <p:spPr>
-          <a:xfrm>
-            <a:off x="303629" y="2185742"/>
-            <a:ext cx="1219200" cy="1219200"/>
-          </a:xfrm>
-          <a:prstGeom prst="rect">
-            <a:avLst/>
-          </a:prstGeom>
-        </p:spPr>
-      </p:pic>
-      <p:pic>
-        <p:nvPicPr>
-          <p:cNvPr id="287" name="Picture 286"/>
-          <p:cNvPicPr>
-            <a:picLocks noChangeAspect="1"/>
-          </p:cNvPicPr>
-          <p:nvPr/>
-        </p:nvPicPr>
-        <p:blipFill>
-          <a:blip r:embed="rId14">
-            <a:lum bright="70000" contrast="-70000"/>
-            <a:extLst>
-              <a:ext uri="{28A0092B-C50C-407E-A947-70E740481C1C}">
-                <a14:useLocalDpi xmlns:a14="http://schemas.microsoft.com/office/drawing/2010/main" val="0"/>
-              </a:ext>
-            </a:extLst>
-          </a:blip>
-          <a:stretch>
-            <a:fillRect/>
-          </a:stretch>
-        </p:blipFill>
-        <p:spPr>
-          <a:xfrm>
-            <a:off x="10484143" y="1070428"/>
-            <a:ext cx="1219200" cy="1219200"/>
-          </a:xfrm>
-          <a:prstGeom prst="rect">
-            <a:avLst/>
-          </a:prstGeom>
-        </p:spPr>
-      </p:pic>
-      <p:pic>
-        <p:nvPicPr>
-          <p:cNvPr id="288" name="Picture 287"/>
-          <p:cNvPicPr>
-            <a:picLocks noChangeAspect="1"/>
-          </p:cNvPicPr>
-          <p:nvPr/>
-        </p:nvPicPr>
-        <p:blipFill>
-          <a:blip r:embed="rId15">
-            <a:lum bright="70000" contrast="-70000"/>
-            <a:extLst>
-              <a:ext uri="{28A0092B-C50C-407E-A947-70E740481C1C}">
-                <a14:useLocalDpi xmlns:a14="http://schemas.microsoft.com/office/drawing/2010/main" val="0"/>
-              </a:ext>
-            </a:extLst>
-          </a:blip>
-          <a:stretch>
-            <a:fillRect/>
-          </a:stretch>
-        </p:blipFill>
-        <p:spPr>
-          <a:xfrm>
-            <a:off x="2923629" y="2421599"/>
-            <a:ext cx="1219200" cy="1219200"/>
-          </a:xfrm>
-          <a:prstGeom prst="rect">
-            <a:avLst/>
-          </a:prstGeom>
-        </p:spPr>
-      </p:pic>
-      <p:pic>
-        <p:nvPicPr>
-          <p:cNvPr id="289" name="Picture 288"/>
-          <p:cNvPicPr>
-            <a:picLocks noChangeAspect="1"/>
-          </p:cNvPicPr>
-          <p:nvPr/>
-        </p:nvPicPr>
-        <p:blipFill>
-          <a:blip r:embed="rId16">
-            <a:lum bright="70000" contrast="-70000"/>
-            <a:extLst>
-              <a:ext uri="{28A0092B-C50C-407E-A947-70E740481C1C}">
-                <a14:useLocalDpi xmlns:a14="http://schemas.microsoft.com/office/drawing/2010/main" val="0"/>
-              </a:ext>
-            </a:extLst>
-          </a:blip>
-          <a:stretch>
-            <a:fillRect/>
-          </a:stretch>
-        </p:blipFill>
-        <p:spPr>
-          <a:xfrm>
-            <a:off x="4273229" y="2454485"/>
-            <a:ext cx="1219200" cy="1219200"/>
-          </a:xfrm>
-          <a:prstGeom prst="rect">
-            <a:avLst/>
-          </a:prstGeom>
-        </p:spPr>
-      </p:pic>
-      <p:pic>
-        <p:nvPicPr>
-          <p:cNvPr id="290" name="Picture 289"/>
-          <p:cNvPicPr>
-            <a:picLocks noChangeAspect="1"/>
-          </p:cNvPicPr>
-          <p:nvPr/>
-        </p:nvPicPr>
-        <p:blipFill>
-          <a:blip r:embed="rId17">
-            <a:lum bright="70000" contrast="-70000"/>
-            <a:extLst>
-              <a:ext uri="{28A0092B-C50C-407E-A947-70E740481C1C}">
-                <a14:useLocalDpi xmlns:a14="http://schemas.microsoft.com/office/drawing/2010/main" val="0"/>
-              </a:ext>
-            </a:extLst>
-          </a:blip>
-          <a:stretch>
-            <a:fillRect/>
-          </a:stretch>
-        </p:blipFill>
-        <p:spPr>
-          <a:xfrm>
-            <a:off x="1704429" y="2421599"/>
-            <a:ext cx="1219200" cy="1219200"/>
-          </a:xfrm>
-          <a:prstGeom prst="rect">
-            <a:avLst/>
-          </a:prstGeom>
-        </p:spPr>
-      </p:pic>
-      <p:pic>
-        <p:nvPicPr>
-          <p:cNvPr id="291" name="Picture 290"/>
-          <p:cNvPicPr>
-            <a:picLocks noChangeAspect="1"/>
-          </p:cNvPicPr>
-          <p:nvPr/>
-        </p:nvPicPr>
-        <p:blipFill>
-          <a:blip r:embed="rId18">
-            <a:lum bright="70000" contrast="-70000"/>
-            <a:extLst>
-              <a:ext uri="{28A0092B-C50C-407E-A947-70E740481C1C}">
-                <a14:useLocalDpi xmlns:a14="http://schemas.microsoft.com/office/drawing/2010/main" val="0"/>
-              </a:ext>
-            </a:extLst>
-          </a:blip>
-          <a:stretch>
-            <a:fillRect/>
-          </a:stretch>
-        </p:blipFill>
-        <p:spPr>
-          <a:xfrm>
-            <a:off x="6976800" y="2439628"/>
-            <a:ext cx="1219200" cy="1219200"/>
-          </a:xfrm>
-          <a:prstGeom prst="rect">
-            <a:avLst/>
-          </a:prstGeom>
-        </p:spPr>
-      </p:pic>
-      <p:pic>
-        <p:nvPicPr>
-          <p:cNvPr id="292" name="Picture 291"/>
-          <p:cNvPicPr>
-            <a:picLocks noChangeAspect="1"/>
-          </p:cNvPicPr>
-          <p:nvPr/>
-        </p:nvPicPr>
-        <p:blipFill>
-          <a:blip r:embed="rId19">
-            <a:lum bright="70000" contrast="-70000"/>
-            <a:extLst>
-              <a:ext uri="{28A0092B-C50C-407E-A947-70E740481C1C}">
-                <a14:useLocalDpi xmlns:a14="http://schemas.microsoft.com/office/drawing/2010/main" val="0"/>
-              </a:ext>
-            </a:extLst>
-          </a:blip>
-          <a:stretch>
-            <a:fillRect/>
-          </a:stretch>
-        </p:blipFill>
-        <p:spPr>
-          <a:xfrm>
-            <a:off x="5622829" y="2454485"/>
-            <a:ext cx="1219200" cy="1219200"/>
-          </a:xfrm>
-          <a:prstGeom prst="rect">
-            <a:avLst/>
-          </a:prstGeom>
-        </p:spPr>
-      </p:pic>
-      <p:pic>
-        <p:nvPicPr>
-          <p:cNvPr id="293" name="Picture 292"/>
-          <p:cNvPicPr>
-            <a:picLocks noChangeAspect="1"/>
-          </p:cNvPicPr>
-          <p:nvPr/>
-        </p:nvPicPr>
-        <p:blipFill>
-          <a:blip r:embed="rId20">
-            <a:lum bright="70000" contrast="-70000"/>
-            <a:extLst>
-              <a:ext uri="{28A0092B-C50C-407E-A947-70E740481C1C}">
-                <a14:useLocalDpi xmlns:a14="http://schemas.microsoft.com/office/drawing/2010/main" val="0"/>
-              </a:ext>
-            </a:extLst>
-          </a:blip>
-          <a:stretch>
-            <a:fillRect/>
-          </a:stretch>
-        </p:blipFill>
-        <p:spPr>
-          <a:xfrm>
-            <a:off x="8336400" y="2534314"/>
-            <a:ext cx="1219200" cy="1219200"/>
-          </a:xfrm>
-          <a:prstGeom prst="rect">
-            <a:avLst/>
-          </a:prstGeom>
-        </p:spPr>
-      </p:pic>
-      <p:pic>
-        <p:nvPicPr>
-          <p:cNvPr id="294" name="Picture 293"/>
-          <p:cNvPicPr>
-            <a:picLocks noChangeAspect="1"/>
-          </p:cNvPicPr>
-          <p:nvPr/>
-        </p:nvPicPr>
-        <p:blipFill>
-          <a:blip r:embed="rId21">
-            <a:lum bright="70000" contrast="-70000"/>
-            <a:extLst>
-              <a:ext uri="{28A0092B-C50C-407E-A947-70E740481C1C}">
-                <a14:useLocalDpi xmlns:a14="http://schemas.microsoft.com/office/drawing/2010/main" val="0"/>
-              </a:ext>
-            </a:extLst>
-          </a:blip>
-          <a:stretch>
-            <a:fillRect/>
-          </a:stretch>
-        </p:blipFill>
-        <p:spPr>
-          <a:xfrm>
-            <a:off x="1522829" y="3910656"/>
-            <a:ext cx="1219200" cy="1219200"/>
-          </a:xfrm>
-          <a:prstGeom prst="rect">
-            <a:avLst/>
-          </a:prstGeom>
-        </p:spPr>
-      </p:pic>
-      <p:pic>
-        <p:nvPicPr>
-          <p:cNvPr id="295" name="Picture 294"/>
-          <p:cNvPicPr>
-            <a:picLocks noChangeAspect="1"/>
-          </p:cNvPicPr>
-          <p:nvPr/>
-        </p:nvPicPr>
-        <p:blipFill>
-          <a:blip r:embed="rId22">
-            <a:lum bright="70000" contrast="-70000"/>
-            <a:extLst>
-              <a:ext uri="{28A0092B-C50C-407E-A947-70E740481C1C}">
-                <a14:useLocalDpi xmlns:a14="http://schemas.microsoft.com/office/drawing/2010/main" val="0"/>
-              </a:ext>
-            </a:extLst>
-          </a:blip>
-          <a:stretch>
-            <a:fillRect/>
-          </a:stretch>
-        </p:blipFill>
-        <p:spPr>
-          <a:xfrm>
-            <a:off x="303629" y="4021971"/>
-            <a:ext cx="1219200" cy="1219200"/>
-          </a:xfrm>
-          <a:prstGeom prst="rect">
-            <a:avLst/>
-          </a:prstGeom>
-        </p:spPr>
-      </p:pic>
-      <p:pic>
-        <p:nvPicPr>
-          <p:cNvPr id="296" name="Picture 295"/>
-          <p:cNvPicPr>
-            <a:picLocks noChangeAspect="1"/>
-          </p:cNvPicPr>
-          <p:nvPr/>
-        </p:nvPicPr>
-        <p:blipFill>
-          <a:blip r:embed="rId23">
-            <a:lum bright="70000" contrast="-70000"/>
-            <a:extLst>
-              <a:ext uri="{28A0092B-C50C-407E-A947-70E740481C1C}">
-                <a14:useLocalDpi xmlns:a14="http://schemas.microsoft.com/office/drawing/2010/main" val="0"/>
-              </a:ext>
-            </a:extLst>
-          </a:blip>
-          <a:stretch>
-            <a:fillRect/>
-          </a:stretch>
-        </p:blipFill>
-        <p:spPr>
-          <a:xfrm>
-            <a:off x="9762315" y="2534314"/>
-            <a:ext cx="1219200" cy="1219200"/>
-          </a:xfrm>
-          <a:prstGeom prst="rect">
-            <a:avLst/>
-          </a:prstGeom>
-        </p:spPr>
-      </p:pic>
-      <p:pic>
-        <p:nvPicPr>
-          <p:cNvPr id="297" name="Picture 296"/>
-          <p:cNvPicPr>
-            <a:picLocks noChangeAspect="1"/>
-          </p:cNvPicPr>
-          <p:nvPr/>
-        </p:nvPicPr>
-        <p:blipFill>
-          <a:blip r:embed="rId24">
-            <a:lum bright="70000" contrast="-70000"/>
-            <a:extLst>
-              <a:ext uri="{28A0092B-C50C-407E-A947-70E740481C1C}">
-                <a14:useLocalDpi xmlns:a14="http://schemas.microsoft.com/office/drawing/2010/main" val="0"/>
-              </a:ext>
-            </a:extLst>
-          </a:blip>
-          <a:stretch>
-            <a:fillRect/>
-          </a:stretch>
-        </p:blipFill>
-        <p:spPr>
-          <a:xfrm>
-            <a:off x="5998771" y="4004171"/>
-            <a:ext cx="1219200" cy="1219200"/>
-          </a:xfrm>
-          <a:prstGeom prst="rect">
-            <a:avLst/>
-          </a:prstGeom>
-        </p:spPr>
-      </p:pic>
-      <p:pic>
-        <p:nvPicPr>
-          <p:cNvPr id="298" name="Picture 297"/>
-          <p:cNvPicPr>
-            <a:picLocks noChangeAspect="1"/>
-          </p:cNvPicPr>
-          <p:nvPr/>
-        </p:nvPicPr>
-        <p:blipFill>
-          <a:blip r:embed="rId25">
-            <a:lum bright="70000" contrast="-70000"/>
-            <a:extLst>
-              <a:ext uri="{28A0092B-C50C-407E-A947-70E740481C1C}">
-                <a14:useLocalDpi xmlns:a14="http://schemas.microsoft.com/office/drawing/2010/main" val="0"/>
-              </a:ext>
-            </a:extLst>
-          </a:blip>
-          <a:stretch>
-            <a:fillRect/>
-          </a:stretch>
-        </p:blipFill>
-        <p:spPr>
-          <a:xfrm>
-            <a:off x="4526400" y="4021971"/>
-            <a:ext cx="1219200" cy="1219200"/>
-          </a:xfrm>
-          <a:prstGeom prst="rect">
-            <a:avLst/>
-          </a:prstGeom>
-        </p:spPr>
-      </p:pic>
-      <p:pic>
-        <p:nvPicPr>
-          <p:cNvPr id="299" name="Picture 298"/>
-          <p:cNvPicPr>
-            <a:picLocks noChangeAspect="1"/>
-          </p:cNvPicPr>
-          <p:nvPr/>
-        </p:nvPicPr>
-        <p:blipFill>
-          <a:blip r:embed="rId26">
-            <a:lum bright="70000" contrast="-70000"/>
-            <a:extLst>
-              <a:ext uri="{28A0092B-C50C-407E-A947-70E740481C1C}">
-                <a14:useLocalDpi xmlns:a14="http://schemas.microsoft.com/office/drawing/2010/main" val="0"/>
-              </a:ext>
-            </a:extLst>
-          </a:blip>
-          <a:stretch>
-            <a:fillRect/>
-          </a:stretch>
-        </p:blipFill>
-        <p:spPr>
-          <a:xfrm>
-            <a:off x="3054029" y="4021971"/>
-            <a:ext cx="1219200" cy="1219200"/>
-          </a:xfrm>
-          <a:prstGeom prst="rect">
-            <a:avLst/>
-          </a:prstGeom>
-        </p:spPr>
-      </p:pic>
-      <p:pic>
-        <p:nvPicPr>
-          <p:cNvPr id="300" name="Picture 299"/>
-          <p:cNvPicPr>
-            <a:picLocks noChangeAspect="1"/>
-          </p:cNvPicPr>
-          <p:nvPr/>
-        </p:nvPicPr>
-        <p:blipFill>
-          <a:blip r:embed="rId27">
-            <a:lum bright="70000" contrast="-70000"/>
-            <a:extLst>
-              <a:ext uri="{28A0092B-C50C-407E-A947-70E740481C1C}">
-                <a14:useLocalDpi xmlns:a14="http://schemas.microsoft.com/office/drawing/2010/main" val="0"/>
-              </a:ext>
-            </a:extLst>
-          </a:blip>
-          <a:stretch>
-            <a:fillRect/>
-          </a:stretch>
-        </p:blipFill>
-        <p:spPr>
-          <a:xfrm>
-            <a:off x="10221542" y="4145971"/>
-            <a:ext cx="1219200" cy="1219200"/>
-          </a:xfrm>
-          <a:prstGeom prst="rect">
-            <a:avLst/>
-          </a:prstGeom>
-        </p:spPr>
-      </p:pic>
-      <p:pic>
-        <p:nvPicPr>
-          <p:cNvPr id="301" name="Picture 300"/>
-          <p:cNvPicPr>
-            <a:picLocks noChangeAspect="1"/>
-          </p:cNvPicPr>
-          <p:nvPr/>
-        </p:nvPicPr>
-        <p:blipFill>
-          <a:blip r:embed="rId28">
-            <a:lum bright="70000" contrast="-70000"/>
-            <a:extLst>
-              <a:ext uri="{28A0092B-C50C-407E-A947-70E740481C1C}">
-                <a14:useLocalDpi xmlns:a14="http://schemas.microsoft.com/office/drawing/2010/main" val="0"/>
-              </a:ext>
-            </a:extLst>
-          </a:blip>
-          <a:stretch>
-            <a:fillRect/>
-          </a:stretch>
-        </p:blipFill>
-        <p:spPr>
-          <a:xfrm>
-            <a:off x="8858971" y="4120114"/>
-            <a:ext cx="1219200" cy="1219200"/>
-          </a:xfrm>
-          <a:prstGeom prst="rect">
-            <a:avLst/>
-          </a:prstGeom>
-        </p:spPr>
-      </p:pic>
-      <p:pic>
-        <p:nvPicPr>
-          <p:cNvPr id="302" name="Picture 301"/>
-          <p:cNvPicPr>
-            <a:picLocks noChangeAspect="1"/>
-          </p:cNvPicPr>
-          <p:nvPr/>
-        </p:nvPicPr>
-        <p:blipFill>
-          <a:blip r:embed="rId29">
-            <a:lum bright="70000" contrast="-70000"/>
-            <a:extLst>
-              <a:ext uri="{28A0092B-C50C-407E-A947-70E740481C1C}">
-                <a14:useLocalDpi xmlns:a14="http://schemas.microsoft.com/office/drawing/2010/main" val="0"/>
-              </a:ext>
-            </a:extLst>
-          </a:blip>
-          <a:stretch>
-            <a:fillRect/>
-          </a:stretch>
-        </p:blipFill>
-        <p:spPr>
-          <a:xfrm>
-            <a:off x="7471142" y="4120114"/>
-            <a:ext cx="1219200" cy="1219200"/>
-          </a:xfrm>
-          <a:prstGeom prst="rect">
-            <a:avLst/>
-          </a:prstGeom>
-        </p:spPr>
-      </p:pic>
-    </p:spTree>
-    <p:extLst>
-      <p:ext uri="{BB962C8B-B14F-4D97-AF65-F5344CB8AC3E}">
-        <p14:creationId xmlns:p14="http://schemas.microsoft.com/office/powerpoint/2010/main" val="2451305448"/>
-      </p:ext>
-    </p:extLst>
-  </p:cSld>
-  <p:clrMapOvr>
-    <a:masterClrMapping/>
-  </p:clrMapOvr>
-</p:sld>
-</file>
-
 <file path=ppt/slides/slide3.xml><?xml version="1.0" encoding="utf-8"?>
 <p:sld xmlns:a="http://schemas.openxmlformats.org/drawingml/2006/main" xmlns:r="http://schemas.openxmlformats.org/officeDocument/2006/relationships" xmlns:p="http://schemas.openxmlformats.org/presentationml/2006/main">
   <p:cSld>
@@ -9222,7 +8444,7 @@
           <p:cNvPr id="2" name="Title 1">
             <a:extLst>
               <a:ext uri="{FF2B5EF4-FFF2-40B4-BE49-F238E27FC236}">
-                <a16:creationId xmlns:a16="http://schemas.microsoft.com/office/drawing/2014/main" id="{38496E2A-78C1-4385-9EB9-E1D286757780}"/>
+                <a16:creationId xmlns:a16="http://schemas.microsoft.com/office/drawing/2014/main" id="{C3926DCF-E66B-45A3-8BC2-833F3C5A8AE7}"/>
               </a:ext>
             </a:extLst>
           </p:cNvPr>
@@ -9240,300 +8462,124 @@
           <a:p>
             <a:r>
               <a:rPr lang="en-US" dirty="0"/>
-              <a:t>What is Threading?</a:t>
+              <a:t>What are </a:t>
+            </a:r>
+            <a:r>
+              <a:rPr lang="en-US" dirty="0" err="1"/>
+              <a:t>runspaces</a:t>
+            </a:r>
+            <a:r>
+              <a:rPr lang="en-US" dirty="0"/>
+              <a:t>?</a:t>
             </a:r>
           </a:p>
         </p:txBody>
       </p:sp>
       <p:sp>
         <p:nvSpPr>
-          <p:cNvPr id="4" name="Content Placeholder 2">
+          <p:cNvPr id="3" name="Content Placeholder 2">
             <a:extLst>
               <a:ext uri="{FF2B5EF4-FFF2-40B4-BE49-F238E27FC236}">
-                <a16:creationId xmlns:a16="http://schemas.microsoft.com/office/drawing/2014/main" id="{BAD88C20-43F1-47F2-8647-94F1B84C1480}"/>
+                <a16:creationId xmlns:a16="http://schemas.microsoft.com/office/drawing/2014/main" id="{C4D8A890-4F84-4279-9A8A-D0751B1CE3AD}"/>
               </a:ext>
             </a:extLst>
           </p:cNvPr>
-          <p:cNvSpPr txBox="1">
-            <a:spLocks/>
+          <p:cNvSpPr>
+            <a:spLocks noGrp="1"/>
           </p:cNvSpPr>
-          <p:nvPr/>
+          <p:nvPr>
+            <p:ph idx="1"/>
+          </p:nvPr>
         </p:nvSpPr>
-        <p:spPr>
-          <a:xfrm>
-            <a:off x="609600" y="1257300"/>
-            <a:ext cx="10972800" cy="4800600"/>
-          </a:xfrm>
-          <a:prstGeom prst="rect">
-            <a:avLst/>
-          </a:prstGeom>
-        </p:spPr>
+        <p:spPr/>
         <p:txBody>
           <a:bodyPr/>
-          <a:lstStyle>
-            <a:lvl1pPr marL="285750" indent="-285750" algn="l" defTabSz="457200" rtl="0" eaLnBrk="1" latinLnBrk="0" hangingPunct="1">
-              <a:spcBef>
-                <a:spcPct val="20000"/>
-              </a:spcBef>
-              <a:spcAft>
-                <a:spcPts val="600"/>
-              </a:spcAft>
-              <a:buClr>
-                <a:schemeClr val="tx1"/>
-              </a:buClr>
-              <a:buSzPct val="80000"/>
-              <a:buFont typeface="Wingdings 3" panose="05040102010807070707" pitchFamily="18" charset="2"/>
-              <a:buChar char=""/>
-              <a:defRPr sz="2000" kern="1200" cap="none">
-                <a:solidFill>
-                  <a:schemeClr val="tx1"/>
-                </a:solidFill>
-                <a:effectLst/>
-                <a:latin typeface="+mn-lt"/>
-                <a:ea typeface="+mn-ea"/>
-                <a:cs typeface="+mn-cs"/>
-              </a:defRPr>
-            </a:lvl1pPr>
-            <a:lvl2pPr marL="742950" indent="-285750" algn="l" defTabSz="457200" rtl="0" eaLnBrk="1" latinLnBrk="0" hangingPunct="1">
-              <a:spcBef>
-                <a:spcPct val="20000"/>
-              </a:spcBef>
-              <a:spcAft>
-                <a:spcPts val="600"/>
-              </a:spcAft>
-              <a:buClr>
-                <a:schemeClr val="tx1"/>
-              </a:buClr>
-              <a:buSzPct val="80000"/>
-              <a:buFont typeface="Wingdings 3" panose="05040102010807070707" pitchFamily="18" charset="2"/>
-              <a:buChar char=""/>
-              <a:defRPr sz="1800" kern="1200" cap="none">
-                <a:solidFill>
-                  <a:schemeClr val="tx1"/>
-                </a:solidFill>
-                <a:effectLst/>
-                <a:latin typeface="+mn-lt"/>
-                <a:ea typeface="+mn-ea"/>
-                <a:cs typeface="+mn-cs"/>
-              </a:defRPr>
-            </a:lvl2pPr>
-            <a:lvl3pPr marL="1200150" indent="-285750" algn="l" defTabSz="457200" rtl="0" eaLnBrk="1" latinLnBrk="0" hangingPunct="1">
-              <a:spcBef>
-                <a:spcPct val="20000"/>
-              </a:spcBef>
-              <a:spcAft>
-                <a:spcPts val="600"/>
-              </a:spcAft>
-              <a:buClr>
-                <a:schemeClr val="tx1"/>
-              </a:buClr>
-              <a:buSzPct val="80000"/>
-              <a:buFont typeface="Wingdings 3" panose="05040102010807070707" pitchFamily="18" charset="2"/>
-              <a:buChar char=""/>
-              <a:defRPr sz="1600" kern="1200" cap="none">
-                <a:solidFill>
-                  <a:schemeClr val="tx1"/>
-                </a:solidFill>
-                <a:effectLst/>
-                <a:latin typeface="+mn-lt"/>
-                <a:ea typeface="+mn-ea"/>
-                <a:cs typeface="+mn-cs"/>
-              </a:defRPr>
-            </a:lvl3pPr>
-            <a:lvl4pPr marL="1543050" indent="-171450" algn="l" defTabSz="457200" rtl="0" eaLnBrk="1" latinLnBrk="0" hangingPunct="1">
-              <a:spcBef>
-                <a:spcPct val="20000"/>
-              </a:spcBef>
-              <a:spcAft>
-                <a:spcPts val="600"/>
-              </a:spcAft>
-              <a:buClr>
-                <a:schemeClr val="tx1"/>
-              </a:buClr>
-              <a:buSzPct val="80000"/>
-              <a:buFont typeface="Wingdings 3" panose="05040102010807070707" pitchFamily="18" charset="2"/>
-              <a:buChar char=""/>
-              <a:defRPr sz="1400" kern="1200" cap="none">
-                <a:solidFill>
-                  <a:schemeClr val="tx1"/>
-                </a:solidFill>
-                <a:effectLst/>
-                <a:latin typeface="+mn-lt"/>
-                <a:ea typeface="+mn-ea"/>
-                <a:cs typeface="+mn-cs"/>
-              </a:defRPr>
-            </a:lvl4pPr>
-            <a:lvl5pPr marL="2000250" indent="-171450" algn="l" defTabSz="457200" rtl="0" eaLnBrk="1" latinLnBrk="0" hangingPunct="1">
-              <a:spcBef>
-                <a:spcPct val="20000"/>
-              </a:spcBef>
-              <a:spcAft>
-                <a:spcPts val="600"/>
-              </a:spcAft>
-              <a:buClr>
-                <a:schemeClr val="tx1"/>
-              </a:buClr>
-              <a:buSzPct val="80000"/>
-              <a:buFont typeface="Wingdings 3" panose="05040102010807070707" pitchFamily="18" charset="2"/>
-              <a:buChar char=""/>
-              <a:defRPr sz="1400" kern="1200" cap="none">
-                <a:solidFill>
-                  <a:schemeClr val="tx1"/>
-                </a:solidFill>
-                <a:effectLst/>
-                <a:latin typeface="+mn-lt"/>
-                <a:ea typeface="+mn-ea"/>
-                <a:cs typeface="+mn-cs"/>
-              </a:defRPr>
-            </a:lvl5pPr>
-            <a:lvl6pPr marL="2514600" indent="-228600" algn="l" defTabSz="457200" rtl="0" eaLnBrk="1" latinLnBrk="0" hangingPunct="1">
-              <a:spcBef>
-                <a:spcPct val="20000"/>
-              </a:spcBef>
-              <a:spcAft>
-                <a:spcPts val="600"/>
-              </a:spcAft>
-              <a:buClr>
-                <a:schemeClr val="tx1"/>
-              </a:buClr>
-              <a:buSzPct val="80000"/>
-              <a:buFont typeface="Wingdings 3" panose="05040102010807070707" pitchFamily="18" charset="2"/>
-              <a:buChar char=""/>
-              <a:defRPr sz="1400" kern="1200" cap="none">
-                <a:solidFill>
-                  <a:schemeClr val="bg2">
-                    <a:lumMod val="75000"/>
-                  </a:schemeClr>
-                </a:solidFill>
-                <a:effectLst/>
-                <a:latin typeface="+mn-lt"/>
-                <a:ea typeface="+mn-ea"/>
-                <a:cs typeface="+mn-cs"/>
-              </a:defRPr>
-            </a:lvl6pPr>
-            <a:lvl7pPr marL="2971800" indent="-228600" algn="l" defTabSz="457200" rtl="0" eaLnBrk="1" latinLnBrk="0" hangingPunct="1">
-              <a:spcBef>
-                <a:spcPct val="20000"/>
-              </a:spcBef>
-              <a:spcAft>
-                <a:spcPts val="600"/>
-              </a:spcAft>
-              <a:buClr>
-                <a:schemeClr val="tx1"/>
-              </a:buClr>
-              <a:buSzPct val="80000"/>
-              <a:buFont typeface="Wingdings 3" panose="05040102010807070707" pitchFamily="18" charset="2"/>
-              <a:buChar char=""/>
-              <a:defRPr sz="1400" kern="1200" cap="none">
-                <a:solidFill>
-                  <a:schemeClr val="bg2">
-                    <a:lumMod val="75000"/>
-                  </a:schemeClr>
-                </a:solidFill>
-                <a:effectLst/>
-                <a:latin typeface="+mn-lt"/>
-                <a:ea typeface="+mn-ea"/>
-                <a:cs typeface="+mn-cs"/>
-              </a:defRPr>
-            </a:lvl7pPr>
-            <a:lvl8pPr marL="3429000" indent="-228600" algn="l" defTabSz="457200" rtl="0" eaLnBrk="1" latinLnBrk="0" hangingPunct="1">
-              <a:spcBef>
-                <a:spcPct val="20000"/>
-              </a:spcBef>
-              <a:spcAft>
-                <a:spcPts val="600"/>
-              </a:spcAft>
-              <a:buClr>
-                <a:schemeClr val="tx1"/>
-              </a:buClr>
-              <a:buSzPct val="80000"/>
-              <a:buFont typeface="Wingdings 3" panose="05040102010807070707" pitchFamily="18" charset="2"/>
-              <a:buChar char=""/>
-              <a:defRPr sz="1400" kern="1200" cap="none">
-                <a:solidFill>
-                  <a:schemeClr val="bg2">
-                    <a:lumMod val="75000"/>
-                  </a:schemeClr>
-                </a:solidFill>
-                <a:effectLst/>
-                <a:latin typeface="+mn-lt"/>
-                <a:ea typeface="+mn-ea"/>
-                <a:cs typeface="+mn-cs"/>
-              </a:defRPr>
-            </a:lvl8pPr>
-            <a:lvl9pPr marL="3886200" indent="-228600" algn="l" defTabSz="457200" rtl="0" eaLnBrk="1" latinLnBrk="0" hangingPunct="1">
-              <a:spcBef>
-                <a:spcPct val="20000"/>
-              </a:spcBef>
-              <a:spcAft>
-                <a:spcPts val="600"/>
-              </a:spcAft>
-              <a:buClr>
-                <a:schemeClr val="tx1"/>
-              </a:buClr>
-              <a:buSzPct val="80000"/>
-              <a:buFont typeface="Wingdings 3" panose="05040102010807070707" pitchFamily="18" charset="2"/>
-              <a:buChar char=""/>
-              <a:defRPr sz="1400" kern="1200" cap="none">
-                <a:solidFill>
-                  <a:schemeClr val="bg2">
-                    <a:lumMod val="75000"/>
-                  </a:schemeClr>
-                </a:solidFill>
-                <a:effectLst/>
-                <a:latin typeface="+mn-lt"/>
-                <a:ea typeface="+mn-ea"/>
-                <a:cs typeface="+mn-cs"/>
-              </a:defRPr>
-            </a:lvl9pPr>
-          </a:lstStyle>
+          <a:lstStyle/>
           <a:p>
             <a:r>
               <a:rPr lang="en-US" dirty="0"/>
-              <a:t>Threads are a component of a process that Asynchronously execute commands/instructions.</a:t>
-            </a:r>
-          </a:p>
-          <a:p>
+              <a:t>A </a:t>
+            </a:r>
+            <a:r>
+              <a:rPr lang="en-US" dirty="0" err="1"/>
+              <a:t>runspace</a:t>
+            </a:r>
             <a:r>
               <a:rPr lang="en-US" dirty="0"/>
-              <a:t>They share resources and memory.</a:t>
+              <a:t> is the operating environment for the commands that are invoked by the host application.</a:t>
             </a:r>
           </a:p>
           <a:p>
             <a:r>
               <a:rPr lang="en-US" dirty="0"/>
-              <a:t>Typically used for performance. </a:t>
-            </a:r>
-          </a:p>
-          <a:p>
-            <a:pPr lvl="1"/>
+              <a:t>Part of the </a:t>
+            </a:r>
+            <a:r>
+              <a:rPr lang="en-US" dirty="0" err="1"/>
+              <a:t>System.Managment.Automation</a:t>
+            </a:r>
             <a:r>
               <a:rPr lang="en-US" dirty="0"/>
-              <a:t>Break-up Large workloads into asynchronous tasks.</a:t>
-            </a:r>
-          </a:p>
-          <a:p>
-            <a:pPr lvl="1"/>
+              <a:t> namespace.</a:t>
+            </a:r>
+          </a:p>
+          <a:p>
             <a:r>
               <a:rPr lang="en-US" dirty="0"/>
-              <a:t>Preventing GUIs from being unresponsive.</a:t>
-            </a:r>
-          </a:p>
-          <a:p>
-            <a:pPr lvl="1"/>
+              <a:t>Host applications can use the default </a:t>
+            </a:r>
+            <a:r>
+              <a:rPr lang="en-US" dirty="0" err="1"/>
+              <a:t>runspace</a:t>
+            </a:r>
             <a:r>
               <a:rPr lang="en-US" dirty="0"/>
-              <a:t>Isolate actions and prevent variable collisions. </a:t>
-            </a:r>
-          </a:p>
-          <a:p>
+              <a:t> provided by Windows PowerShell or create a custom </a:t>
+            </a:r>
+            <a:r>
+              <a:rPr lang="en-US" dirty="0" err="1"/>
+              <a:t>runspace</a:t>
+            </a:r>
             <a:r>
               <a:rPr lang="en-US" dirty="0"/>
-              <a:t>Can run under different credentials than the main process or other threads.</a:t>
-            </a:r>
-          </a:p>
-          <a:p>
-            <a:endParaRPr lang="en-US" dirty="0"/>
+              <a:t>.</a:t>
+            </a:r>
+          </a:p>
+          <a:p>
+            <a:r>
+              <a:rPr lang="en-US" dirty="0"/>
+              <a:t>Multiple </a:t>
+            </a:r>
+            <a:r>
+              <a:rPr lang="en-US" dirty="0" err="1"/>
+              <a:t>runspaces</a:t>
+            </a:r>
+            <a:r>
+              <a:rPr lang="en-US" dirty="0"/>
+              <a:t> can be collectively run via </a:t>
+            </a:r>
+            <a:r>
+              <a:rPr lang="en-US" dirty="0" err="1"/>
+              <a:t>runspace</a:t>
+            </a:r>
+            <a:r>
+              <a:rPr lang="en-US" dirty="0"/>
+              <a:t> pools.</a:t>
+            </a:r>
+          </a:p>
+          <a:p>
+            <a:r>
+              <a:rPr lang="en-US" dirty="0"/>
+              <a:t>All PowerShell instances are run from within a </a:t>
+            </a:r>
+            <a:r>
+              <a:rPr lang="en-US" dirty="0" err="1"/>
+              <a:t>runspace</a:t>
+            </a:r>
+            <a:r>
+              <a:rPr lang="en-US" dirty="0"/>
+              <a:t>.</a:t>
+            </a:r>
           </a:p>
           <a:p>
             <a:endParaRPr lang="en-US" dirty="0"/>
@@ -9543,7 +8589,7 @@
     </p:spTree>
     <p:extLst>
       <p:ext uri="{BB962C8B-B14F-4D97-AF65-F5344CB8AC3E}">
-        <p14:creationId xmlns:p14="http://schemas.microsoft.com/office/powerpoint/2010/main" val="2029769849"/>
+        <p14:creationId xmlns:p14="http://schemas.microsoft.com/office/powerpoint/2010/main" val="321357401"/>
       </p:ext>
     </p:extLst>
   </p:cSld>
@@ -9572,7 +8618,7 @@
       </p:grpSpPr>
       <p:pic>
         <p:nvPicPr>
-          <p:cNvPr id="2" name="Picture 1"/>
+          <p:cNvPr id="11" name="Picture 10"/>
           <p:cNvPicPr>
             <a:picLocks noChangeAspect="1"/>
           </p:cNvPicPr>
@@ -9580,30 +8626,29 @@
         </p:nvPicPr>
         <p:blipFill>
           <a:blip r:embed="rId2">
-            <a:lum bright="70000" contrast="-70000"/>
-            <a:extLst>
-              <a:ext uri="{28A0092B-C50C-407E-A947-70E740481C1C}">
-                <a14:useLocalDpi xmlns:a14="http://schemas.microsoft.com/office/drawing/2010/main" val="0"/>
-              </a:ext>
-            </a:extLst>
-          </a:blip>
-          <a:stretch>
-            <a:fillRect/>
-          </a:stretch>
-        </p:blipFill>
-        <p:spPr>
-          <a:xfrm>
-            <a:off x="322686" y="250829"/>
-            <a:ext cx="1219200" cy="1219200"/>
-          </a:xfrm>
-          <a:prstGeom prst="rect">
-            <a:avLst/>
-          </a:prstGeom>
-        </p:spPr>
-      </p:pic>
-      <p:pic>
-        <p:nvPicPr>
-          <p:cNvPr id="3" name="Picture 2"/>
+            <a:extLst>
+              <a:ext uri="{28A0092B-C50C-407E-A947-70E740481C1C}">
+                <a14:useLocalDpi xmlns:a14="http://schemas.microsoft.com/office/drawing/2010/main" val="0"/>
+              </a:ext>
+            </a:extLst>
+          </a:blip>
+          <a:stretch>
+            <a:fillRect/>
+          </a:stretch>
+        </p:blipFill>
+        <p:spPr>
+          <a:xfrm>
+            <a:off x="2207458" y="453313"/>
+            <a:ext cx="457200" cy="457200"/>
+          </a:xfrm>
+          <a:prstGeom prst="rect">
+            <a:avLst/>
+          </a:prstGeom>
+        </p:spPr>
+      </p:pic>
+      <p:pic>
+        <p:nvPicPr>
+          <p:cNvPr id="12" name="Picture 11"/>
           <p:cNvPicPr>
             <a:picLocks noChangeAspect="1"/>
           </p:cNvPicPr>
@@ -9611,30 +8656,29 @@
         </p:nvPicPr>
         <p:blipFill>
           <a:blip r:embed="rId3">
-            <a:lum bright="70000" contrast="-70000"/>
-            <a:extLst>
-              <a:ext uri="{28A0092B-C50C-407E-A947-70E740481C1C}">
-                <a14:useLocalDpi xmlns:a14="http://schemas.microsoft.com/office/drawing/2010/main" val="0"/>
-              </a:ext>
-            </a:extLst>
-          </a:blip>
-          <a:stretch>
-            <a:fillRect/>
-          </a:stretch>
-        </p:blipFill>
-        <p:spPr>
-          <a:xfrm>
-            <a:off x="1841371" y="306486"/>
-            <a:ext cx="1219200" cy="1219200"/>
-          </a:xfrm>
-          <a:prstGeom prst="rect">
-            <a:avLst/>
-          </a:prstGeom>
-        </p:spPr>
-      </p:pic>
-      <p:pic>
-        <p:nvPicPr>
-          <p:cNvPr id="4" name="Picture 3"/>
+            <a:extLst>
+              <a:ext uri="{28A0092B-C50C-407E-A947-70E740481C1C}">
+                <a14:useLocalDpi xmlns:a14="http://schemas.microsoft.com/office/drawing/2010/main" val="0"/>
+              </a:ext>
+            </a:extLst>
+          </a:blip>
+          <a:stretch>
+            <a:fillRect/>
+          </a:stretch>
+        </p:blipFill>
+        <p:spPr>
+          <a:xfrm>
+            <a:off x="1294229" y="453399"/>
+            <a:ext cx="457200" cy="457200"/>
+          </a:xfrm>
+          <a:prstGeom prst="rect">
+            <a:avLst/>
+          </a:prstGeom>
+        </p:spPr>
+      </p:pic>
+      <p:pic>
+        <p:nvPicPr>
+          <p:cNvPr id="13" name="Picture 12"/>
           <p:cNvPicPr>
             <a:picLocks noChangeAspect="1"/>
           </p:cNvPicPr>
@@ -9642,30 +8686,29 @@
         </p:nvPicPr>
         <p:blipFill>
           <a:blip r:embed="rId4">
-            <a:lum bright="70000" contrast="-70000"/>
-            <a:extLst>
-              <a:ext uri="{28A0092B-C50C-407E-A947-70E740481C1C}">
-                <a14:useLocalDpi xmlns:a14="http://schemas.microsoft.com/office/drawing/2010/main" val="0"/>
-              </a:ext>
-            </a:extLst>
-          </a:blip>
-          <a:stretch>
-            <a:fillRect/>
-          </a:stretch>
-        </p:blipFill>
-        <p:spPr>
-          <a:xfrm>
-            <a:off x="3360056" y="250829"/>
-            <a:ext cx="1219200" cy="1219200"/>
-          </a:xfrm>
-          <a:prstGeom prst="rect">
-            <a:avLst/>
-          </a:prstGeom>
-        </p:spPr>
-      </p:pic>
-      <p:pic>
-        <p:nvPicPr>
-          <p:cNvPr id="5" name="Picture 4"/>
+            <a:extLst>
+              <a:ext uri="{28A0092B-C50C-407E-A947-70E740481C1C}">
+                <a14:useLocalDpi xmlns:a14="http://schemas.microsoft.com/office/drawing/2010/main" val="0"/>
+              </a:ext>
+            </a:extLst>
+          </a:blip>
+          <a:stretch>
+            <a:fillRect/>
+          </a:stretch>
+        </p:blipFill>
+        <p:spPr>
+          <a:xfrm>
+            <a:off x="381000" y="453399"/>
+            <a:ext cx="457200" cy="457200"/>
+          </a:xfrm>
+          <a:prstGeom prst="rect">
+            <a:avLst/>
+          </a:prstGeom>
+        </p:spPr>
+      </p:pic>
+      <p:pic>
+        <p:nvPicPr>
+          <p:cNvPr id="15" name="Picture 14"/>
           <p:cNvPicPr>
             <a:picLocks noChangeAspect="1"/>
           </p:cNvPicPr>
@@ -9686,17 +8729,17 @@
         </p:blipFill>
         <p:spPr>
           <a:xfrm>
-            <a:off x="4878741" y="249715"/>
-            <a:ext cx="1219200" cy="1219200"/>
-          </a:xfrm>
-          <a:prstGeom prst="rect">
-            <a:avLst/>
-          </a:prstGeom>
-        </p:spPr>
-      </p:pic>
-      <p:pic>
-        <p:nvPicPr>
-          <p:cNvPr id="6" name="Picture 5"/>
+            <a:off x="303629" y="1070428"/>
+            <a:ext cx="1219200" cy="1219200"/>
+          </a:xfrm>
+          <a:prstGeom prst="rect">
+            <a:avLst/>
+          </a:prstGeom>
+        </p:spPr>
+      </p:pic>
+      <p:pic>
+        <p:nvPicPr>
+          <p:cNvPr id="279" name="Picture 278"/>
           <p:cNvPicPr>
             <a:picLocks noChangeAspect="1"/>
           </p:cNvPicPr>
@@ -9717,17 +8760,17 @@
         </p:blipFill>
         <p:spPr>
           <a:xfrm>
-            <a:off x="7736400" y="249715"/>
-            <a:ext cx="1219200" cy="1219200"/>
-          </a:xfrm>
-          <a:prstGeom prst="rect">
-            <a:avLst/>
-          </a:prstGeom>
-        </p:spPr>
-      </p:pic>
-      <p:pic>
-        <p:nvPicPr>
-          <p:cNvPr id="7" name="Picture 6"/>
+            <a:off x="2950029" y="1070428"/>
+            <a:ext cx="1219200" cy="1219200"/>
+          </a:xfrm>
+          <a:prstGeom prst="rect">
+            <a:avLst/>
+          </a:prstGeom>
+        </p:spPr>
+      </p:pic>
+      <p:pic>
+        <p:nvPicPr>
+          <p:cNvPr id="280" name="Picture 279"/>
           <p:cNvPicPr>
             <a:picLocks noChangeAspect="1"/>
           </p:cNvPicPr>
@@ -9748,17 +8791,17 @@
         </p:blipFill>
         <p:spPr>
           <a:xfrm>
-            <a:off x="6396057" y="249715"/>
-            <a:ext cx="1219200" cy="1219200"/>
-          </a:xfrm>
-          <a:prstGeom prst="rect">
-            <a:avLst/>
-          </a:prstGeom>
-        </p:spPr>
-      </p:pic>
-      <p:pic>
-        <p:nvPicPr>
-          <p:cNvPr id="8" name="Picture 7"/>
+            <a:off x="1626829" y="1070428"/>
+            <a:ext cx="1219200" cy="1219200"/>
+          </a:xfrm>
+          <a:prstGeom prst="rect">
+            <a:avLst/>
+          </a:prstGeom>
+        </p:spPr>
+      </p:pic>
+      <p:pic>
+        <p:nvPicPr>
+          <p:cNvPr id="281" name="Picture 280"/>
           <p:cNvPicPr>
             <a:picLocks noChangeAspect="1"/>
           </p:cNvPicPr>
@@ -9779,17 +8822,17 @@
         </p:blipFill>
         <p:spPr>
           <a:xfrm>
-            <a:off x="322686" y="1525686"/>
-            <a:ext cx="1219200" cy="1219200"/>
-          </a:xfrm>
-          <a:prstGeom prst="rect">
-            <a:avLst/>
-          </a:prstGeom>
-        </p:spPr>
-      </p:pic>
-      <p:pic>
-        <p:nvPicPr>
-          <p:cNvPr id="9" name="Picture 8"/>
+            <a:off x="5596429" y="1107999"/>
+            <a:ext cx="1219200" cy="1219200"/>
+          </a:xfrm>
+          <a:prstGeom prst="rect">
+            <a:avLst/>
+          </a:prstGeom>
+        </p:spPr>
+      </p:pic>
+      <p:pic>
+        <p:nvPicPr>
+          <p:cNvPr id="282" name="Picture 281"/>
           <p:cNvPicPr>
             <a:picLocks noChangeAspect="1"/>
           </p:cNvPicPr>
@@ -9810,17 +8853,17 @@
         </p:blipFill>
         <p:spPr>
           <a:xfrm>
-            <a:off x="9120229" y="275315"/>
-            <a:ext cx="1219200" cy="1219200"/>
-          </a:xfrm>
-          <a:prstGeom prst="rect">
-            <a:avLst/>
-          </a:prstGeom>
-        </p:spPr>
-      </p:pic>
-      <p:pic>
-        <p:nvPicPr>
-          <p:cNvPr id="10" name="Picture 9"/>
+            <a:off x="4273229" y="1070428"/>
+            <a:ext cx="1219200" cy="1219200"/>
+          </a:xfrm>
+          <a:prstGeom prst="rect">
+            <a:avLst/>
+          </a:prstGeom>
+        </p:spPr>
+      </p:pic>
+      <p:pic>
+        <p:nvPicPr>
+          <p:cNvPr id="283" name="Picture 282"/>
           <p:cNvPicPr>
             <a:picLocks noChangeAspect="1"/>
           </p:cNvPicPr>
@@ -9841,17 +8884,17 @@
         </p:blipFill>
         <p:spPr>
           <a:xfrm>
-            <a:off x="10460572" y="306486"/>
-            <a:ext cx="1219200" cy="1219200"/>
-          </a:xfrm>
-          <a:prstGeom prst="rect">
-            <a:avLst/>
-          </a:prstGeom>
-        </p:spPr>
-      </p:pic>
-      <p:pic>
-        <p:nvPicPr>
-          <p:cNvPr id="11" name="Picture 10"/>
+            <a:off x="6919629" y="1107999"/>
+            <a:ext cx="1219200" cy="1219200"/>
+          </a:xfrm>
+          <a:prstGeom prst="rect">
+            <a:avLst/>
+          </a:prstGeom>
+        </p:spPr>
+      </p:pic>
+      <p:pic>
+        <p:nvPicPr>
+          <p:cNvPr id="284" name="Picture 283"/>
           <p:cNvPicPr>
             <a:picLocks noChangeAspect="1"/>
           </p:cNvPicPr>
@@ -9872,17 +8915,17 @@
         </p:blipFill>
         <p:spPr>
           <a:xfrm>
-            <a:off x="3179485" y="1494515"/>
-            <a:ext cx="1219200" cy="1219200"/>
-          </a:xfrm>
-          <a:prstGeom prst="rect">
-            <a:avLst/>
-          </a:prstGeom>
-        </p:spPr>
-      </p:pic>
-      <p:pic>
-        <p:nvPicPr>
-          <p:cNvPr id="12" name="Picture 11"/>
+            <a:off x="9105600" y="1070428"/>
+            <a:ext cx="1219200" cy="1219200"/>
+          </a:xfrm>
+          <a:prstGeom prst="rect">
+            <a:avLst/>
+          </a:prstGeom>
+        </p:spPr>
+      </p:pic>
+      <p:pic>
+        <p:nvPicPr>
+          <p:cNvPr id="285" name="Picture 284"/>
           <p:cNvPicPr>
             <a:picLocks noChangeAspect="1"/>
           </p:cNvPicPr>
@@ -9903,17 +8946,17 @@
         </p:blipFill>
         <p:spPr>
           <a:xfrm>
-            <a:off x="1841371" y="1525686"/>
-            <a:ext cx="1219200" cy="1219200"/>
-          </a:xfrm>
-          <a:prstGeom prst="rect">
-            <a:avLst/>
-          </a:prstGeom>
-        </p:spPr>
-      </p:pic>
-      <p:pic>
-        <p:nvPicPr>
-          <p:cNvPr id="13" name="Picture 12"/>
+            <a:off x="7988286" y="1070428"/>
+            <a:ext cx="1219200" cy="1219200"/>
+          </a:xfrm>
+          <a:prstGeom prst="rect">
+            <a:avLst/>
+          </a:prstGeom>
+        </p:spPr>
+      </p:pic>
+      <p:pic>
+        <p:nvPicPr>
+          <p:cNvPr id="286" name="Picture 285"/>
           <p:cNvPicPr>
             <a:picLocks noChangeAspect="1"/>
           </p:cNvPicPr>
@@ -9934,17 +8977,17 @@
         </p:blipFill>
         <p:spPr>
           <a:xfrm>
-            <a:off x="4728943" y="1468915"/>
-            <a:ext cx="1219200" cy="1219200"/>
-          </a:xfrm>
-          <a:prstGeom prst="rect">
-            <a:avLst/>
-          </a:prstGeom>
-        </p:spPr>
-      </p:pic>
-      <p:pic>
-        <p:nvPicPr>
-          <p:cNvPr id="14" name="Picture 13"/>
+            <a:off x="303629" y="2185742"/>
+            <a:ext cx="1219200" cy="1219200"/>
+          </a:xfrm>
+          <a:prstGeom prst="rect">
+            <a:avLst/>
+          </a:prstGeom>
+        </p:spPr>
+      </p:pic>
+      <p:pic>
+        <p:nvPicPr>
+          <p:cNvPr id="287" name="Picture 286"/>
           <p:cNvPicPr>
             <a:picLocks noChangeAspect="1"/>
           </p:cNvPicPr>
@@ -9965,17 +9008,17 @@
         </p:blipFill>
         <p:spPr>
           <a:xfrm>
-            <a:off x="7809086" y="1525686"/>
-            <a:ext cx="1219200" cy="1219200"/>
-          </a:xfrm>
-          <a:prstGeom prst="rect">
-            <a:avLst/>
-          </a:prstGeom>
-        </p:spPr>
-      </p:pic>
-      <p:pic>
-        <p:nvPicPr>
-          <p:cNvPr id="15" name="Picture 14"/>
+            <a:off x="10484143" y="1070428"/>
+            <a:ext cx="1219200" cy="1219200"/>
+          </a:xfrm>
+          <a:prstGeom prst="rect">
+            <a:avLst/>
+          </a:prstGeom>
+        </p:spPr>
+      </p:pic>
+      <p:pic>
+        <p:nvPicPr>
+          <p:cNvPr id="288" name="Picture 287"/>
           <p:cNvPicPr>
             <a:picLocks noChangeAspect="1"/>
           </p:cNvPicPr>
@@ -9996,17 +9039,17 @@
         </p:blipFill>
         <p:spPr>
           <a:xfrm>
-            <a:off x="6376800" y="1525686"/>
-            <a:ext cx="1219200" cy="1219200"/>
-          </a:xfrm>
-          <a:prstGeom prst="rect">
-            <a:avLst/>
-          </a:prstGeom>
-        </p:spPr>
-      </p:pic>
-      <p:pic>
-        <p:nvPicPr>
-          <p:cNvPr id="16" name="Picture 15"/>
+            <a:off x="2923629" y="2421599"/>
+            <a:ext cx="1219200" cy="1219200"/>
+          </a:xfrm>
+          <a:prstGeom prst="rect">
+            <a:avLst/>
+          </a:prstGeom>
+        </p:spPr>
+      </p:pic>
+      <p:pic>
+        <p:nvPicPr>
+          <p:cNvPr id="289" name="Picture 288"/>
           <p:cNvPicPr>
             <a:picLocks noChangeAspect="1"/>
           </p:cNvPicPr>
@@ -10027,17 +9070,17 @@
         </p:blipFill>
         <p:spPr>
           <a:xfrm>
-            <a:off x="9237900" y="1525686"/>
-            <a:ext cx="1219200" cy="1219200"/>
-          </a:xfrm>
-          <a:prstGeom prst="rect">
-            <a:avLst/>
-          </a:prstGeom>
-        </p:spPr>
-      </p:pic>
-      <p:pic>
-        <p:nvPicPr>
-          <p:cNvPr id="17" name="Picture 16"/>
+            <a:off x="4273229" y="2454485"/>
+            <a:ext cx="1219200" cy="1219200"/>
+          </a:xfrm>
+          <a:prstGeom prst="rect">
+            <a:avLst/>
+          </a:prstGeom>
+        </p:spPr>
+      </p:pic>
+      <p:pic>
+        <p:nvPicPr>
+          <p:cNvPr id="290" name="Picture 289"/>
           <p:cNvPicPr>
             <a:picLocks noChangeAspect="1"/>
           </p:cNvPicPr>
@@ -10058,17 +9101,17 @@
         </p:blipFill>
         <p:spPr>
           <a:xfrm>
-            <a:off x="10404571" y="1519943"/>
-            <a:ext cx="1219200" cy="1219200"/>
-          </a:xfrm>
-          <a:prstGeom prst="rect">
-            <a:avLst/>
-          </a:prstGeom>
-        </p:spPr>
-      </p:pic>
-      <p:pic>
-        <p:nvPicPr>
-          <p:cNvPr id="18" name="Picture 17"/>
+            <a:off x="1704429" y="2421599"/>
+            <a:ext cx="1219200" cy="1219200"/>
+          </a:xfrm>
+          <a:prstGeom prst="rect">
+            <a:avLst/>
+          </a:prstGeom>
+        </p:spPr>
+      </p:pic>
+      <p:pic>
+        <p:nvPicPr>
+          <p:cNvPr id="291" name="Picture 290"/>
           <p:cNvPicPr>
             <a:picLocks noChangeAspect="1"/>
           </p:cNvPicPr>
@@ -10089,17 +9132,17 @@
         </p:blipFill>
         <p:spPr>
           <a:xfrm>
-            <a:off x="1841371" y="3030143"/>
-            <a:ext cx="1219200" cy="1219200"/>
-          </a:xfrm>
-          <a:prstGeom prst="rect">
-            <a:avLst/>
-          </a:prstGeom>
-        </p:spPr>
-      </p:pic>
-      <p:pic>
-        <p:nvPicPr>
-          <p:cNvPr id="19" name="Picture 18"/>
+            <a:off x="6976800" y="2439628"/>
+            <a:ext cx="1219200" cy="1219200"/>
+          </a:xfrm>
+          <a:prstGeom prst="rect">
+            <a:avLst/>
+          </a:prstGeom>
+        </p:spPr>
+      </p:pic>
+      <p:pic>
+        <p:nvPicPr>
+          <p:cNvPr id="292" name="Picture 291"/>
           <p:cNvPicPr>
             <a:picLocks noChangeAspect="1"/>
           </p:cNvPicPr>
@@ -10120,17 +9163,17 @@
         </p:blipFill>
         <p:spPr>
           <a:xfrm>
-            <a:off x="322686" y="3030143"/>
-            <a:ext cx="1219200" cy="1219200"/>
-          </a:xfrm>
-          <a:prstGeom prst="rect">
-            <a:avLst/>
-          </a:prstGeom>
-        </p:spPr>
-      </p:pic>
-      <p:pic>
-        <p:nvPicPr>
-          <p:cNvPr id="20" name="Picture 19"/>
+            <a:off x="5622829" y="2454485"/>
+            <a:ext cx="1219200" cy="1219200"/>
+          </a:xfrm>
+          <a:prstGeom prst="rect">
+            <a:avLst/>
+          </a:prstGeom>
+        </p:spPr>
+      </p:pic>
+      <p:pic>
+        <p:nvPicPr>
+          <p:cNvPr id="293" name="Picture 292"/>
           <p:cNvPicPr>
             <a:picLocks noChangeAspect="1"/>
           </p:cNvPicPr>
@@ -10151,17 +9194,17 @@
         </p:blipFill>
         <p:spPr>
           <a:xfrm>
-            <a:off x="4728943" y="3030143"/>
-            <a:ext cx="1219200" cy="1219200"/>
-          </a:xfrm>
-          <a:prstGeom prst="rect">
-            <a:avLst/>
-          </a:prstGeom>
-        </p:spPr>
-      </p:pic>
-      <p:pic>
-        <p:nvPicPr>
-          <p:cNvPr id="21" name="Picture 20"/>
+            <a:off x="8336400" y="2534314"/>
+            <a:ext cx="1219200" cy="1219200"/>
+          </a:xfrm>
+          <a:prstGeom prst="rect">
+            <a:avLst/>
+          </a:prstGeom>
+        </p:spPr>
+      </p:pic>
+      <p:pic>
+        <p:nvPicPr>
+          <p:cNvPr id="294" name="Picture 293"/>
           <p:cNvPicPr>
             <a:picLocks noChangeAspect="1"/>
           </p:cNvPicPr>
@@ -10182,17 +9225,17 @@
         </p:blipFill>
         <p:spPr>
           <a:xfrm>
-            <a:off x="3338570" y="3030143"/>
-            <a:ext cx="1219200" cy="1219200"/>
-          </a:xfrm>
-          <a:prstGeom prst="rect">
-            <a:avLst/>
-          </a:prstGeom>
-        </p:spPr>
-      </p:pic>
-      <p:pic>
-        <p:nvPicPr>
-          <p:cNvPr id="22" name="Picture 21"/>
+            <a:off x="1522829" y="3910656"/>
+            <a:ext cx="1219200" cy="1219200"/>
+          </a:xfrm>
+          <a:prstGeom prst="rect">
+            <a:avLst/>
+          </a:prstGeom>
+        </p:spPr>
+      </p:pic>
+      <p:pic>
+        <p:nvPicPr>
+          <p:cNvPr id="295" name="Picture 294"/>
           <p:cNvPicPr>
             <a:picLocks noChangeAspect="1"/>
           </p:cNvPicPr>
@@ -10213,17 +9256,17 @@
         </p:blipFill>
         <p:spPr>
           <a:xfrm>
-            <a:off x="1835343" y="4534600"/>
-            <a:ext cx="1219200" cy="1219200"/>
-          </a:xfrm>
-          <a:prstGeom prst="rect">
-            <a:avLst/>
-          </a:prstGeom>
-        </p:spPr>
-      </p:pic>
-      <p:pic>
-        <p:nvPicPr>
-          <p:cNvPr id="23" name="Picture 22"/>
+            <a:off x="303629" y="4021971"/>
+            <a:ext cx="1219200" cy="1219200"/>
+          </a:xfrm>
+          <a:prstGeom prst="rect">
+            <a:avLst/>
+          </a:prstGeom>
+        </p:spPr>
+      </p:pic>
+      <p:pic>
+        <p:nvPicPr>
+          <p:cNvPr id="296" name="Picture 295"/>
           <p:cNvPicPr>
             <a:picLocks noChangeAspect="1"/>
           </p:cNvPicPr>
@@ -10244,17 +9287,17 @@
         </p:blipFill>
         <p:spPr>
           <a:xfrm>
-            <a:off x="322686" y="4534600"/>
-            <a:ext cx="1219200" cy="1219200"/>
-          </a:xfrm>
-          <a:prstGeom prst="rect">
-            <a:avLst/>
-          </a:prstGeom>
-        </p:spPr>
-      </p:pic>
-      <p:pic>
-        <p:nvPicPr>
-          <p:cNvPr id="24" name="Picture 23"/>
+            <a:off x="9762315" y="2534314"/>
+            <a:ext cx="1219200" cy="1219200"/>
+          </a:xfrm>
+          <a:prstGeom prst="rect">
+            <a:avLst/>
+          </a:prstGeom>
+        </p:spPr>
+      </p:pic>
+      <p:pic>
+        <p:nvPicPr>
+          <p:cNvPr id="297" name="Picture 296"/>
           <p:cNvPicPr>
             <a:picLocks noChangeAspect="1"/>
           </p:cNvPicPr>
@@ -10275,17 +9318,17 @@
         </p:blipFill>
         <p:spPr>
           <a:xfrm>
-            <a:off x="6376800" y="3162943"/>
-            <a:ext cx="1219200" cy="1219200"/>
-          </a:xfrm>
-          <a:prstGeom prst="rect">
-            <a:avLst/>
-          </a:prstGeom>
-        </p:spPr>
-      </p:pic>
-      <p:pic>
-        <p:nvPicPr>
-          <p:cNvPr id="25" name="Picture 24"/>
+            <a:off x="5998771" y="4004171"/>
+            <a:ext cx="1219200" cy="1219200"/>
+          </a:xfrm>
+          <a:prstGeom prst="rect">
+            <a:avLst/>
+          </a:prstGeom>
+        </p:spPr>
+      </p:pic>
+      <p:pic>
+        <p:nvPicPr>
+          <p:cNvPr id="298" name="Picture 297"/>
           <p:cNvPicPr>
             <a:picLocks noChangeAspect="1"/>
           </p:cNvPicPr>
@@ -10306,17 +9349,17 @@
         </p:blipFill>
         <p:spPr>
           <a:xfrm>
-            <a:off x="10404571" y="3109800"/>
-            <a:ext cx="1219200" cy="1219200"/>
-          </a:xfrm>
-          <a:prstGeom prst="rect">
-            <a:avLst/>
-          </a:prstGeom>
-        </p:spPr>
-      </p:pic>
-      <p:pic>
-        <p:nvPicPr>
-          <p:cNvPr id="26" name="Picture 25"/>
+            <a:off x="4526400" y="4021971"/>
+            <a:ext cx="1219200" cy="1219200"/>
+          </a:xfrm>
+          <a:prstGeom prst="rect">
+            <a:avLst/>
+          </a:prstGeom>
+        </p:spPr>
+      </p:pic>
+      <p:pic>
+        <p:nvPicPr>
+          <p:cNvPr id="299" name="Picture 298"/>
           <p:cNvPicPr>
             <a:picLocks noChangeAspect="1"/>
           </p:cNvPicPr>
@@ -10337,17 +9380,17 @@
         </p:blipFill>
         <p:spPr>
           <a:xfrm>
-            <a:off x="3338570" y="4534600"/>
-            <a:ext cx="1219200" cy="1219200"/>
-          </a:xfrm>
-          <a:prstGeom prst="rect">
-            <a:avLst/>
-          </a:prstGeom>
-        </p:spPr>
-      </p:pic>
-      <p:pic>
-        <p:nvPicPr>
-          <p:cNvPr id="27" name="Picture 26"/>
+            <a:off x="3054029" y="4021971"/>
+            <a:ext cx="1219200" cy="1219200"/>
+          </a:xfrm>
+          <a:prstGeom prst="rect">
+            <a:avLst/>
+          </a:prstGeom>
+        </p:spPr>
+      </p:pic>
+      <p:pic>
+        <p:nvPicPr>
+          <p:cNvPr id="300" name="Picture 299"/>
           <p:cNvPicPr>
             <a:picLocks noChangeAspect="1"/>
           </p:cNvPicPr>
@@ -10368,17 +9411,17 @@
         </p:blipFill>
         <p:spPr>
           <a:xfrm>
-            <a:off x="4831171" y="4560286"/>
-            <a:ext cx="1219200" cy="1219200"/>
-          </a:xfrm>
-          <a:prstGeom prst="rect">
-            <a:avLst/>
-          </a:prstGeom>
-        </p:spPr>
-      </p:pic>
-      <p:pic>
-        <p:nvPicPr>
-          <p:cNvPr id="28" name="Picture 27"/>
+            <a:off x="10221542" y="4145971"/>
+            <a:ext cx="1219200" cy="1219200"/>
+          </a:xfrm>
+          <a:prstGeom prst="rect">
+            <a:avLst/>
+          </a:prstGeom>
+        </p:spPr>
+      </p:pic>
+      <p:pic>
+        <p:nvPicPr>
+          <p:cNvPr id="301" name="Picture 300"/>
           <p:cNvPicPr>
             <a:picLocks noChangeAspect="1"/>
           </p:cNvPicPr>
@@ -10399,17 +9442,17 @@
         </p:blipFill>
         <p:spPr>
           <a:xfrm>
-            <a:off x="9028286" y="4560286"/>
-            <a:ext cx="1219200" cy="1219200"/>
-          </a:xfrm>
-          <a:prstGeom prst="rect">
-            <a:avLst/>
-          </a:prstGeom>
-        </p:spPr>
-      </p:pic>
-      <p:pic>
-        <p:nvPicPr>
-          <p:cNvPr id="29" name="Picture 28"/>
+            <a:off x="8858971" y="4120114"/>
+            <a:ext cx="1219200" cy="1219200"/>
+          </a:xfrm>
+          <a:prstGeom prst="rect">
+            <a:avLst/>
+          </a:prstGeom>
+        </p:spPr>
+      </p:pic>
+      <p:pic>
+        <p:nvPicPr>
+          <p:cNvPr id="302" name="Picture 301"/>
           <p:cNvPicPr>
             <a:picLocks noChangeAspect="1"/>
           </p:cNvPicPr>
@@ -10430,38 +9473,7 @@
         </p:blipFill>
         <p:spPr>
           <a:xfrm>
-            <a:off x="8955600" y="3315400"/>
-            <a:ext cx="1219200" cy="1219200"/>
-          </a:xfrm>
-          <a:prstGeom prst="rect">
-            <a:avLst/>
-          </a:prstGeom>
-        </p:spPr>
-      </p:pic>
-      <p:pic>
-        <p:nvPicPr>
-          <p:cNvPr id="30" name="Picture 29"/>
-          <p:cNvPicPr>
-            <a:picLocks noChangeAspect="1"/>
-          </p:cNvPicPr>
-          <p:nvPr/>
-        </p:nvPicPr>
-        <p:blipFill>
-          <a:blip r:embed="rId30">
-            <a:lum bright="70000" contrast="-70000"/>
-            <a:extLst>
-              <a:ext uri="{28A0092B-C50C-407E-A947-70E740481C1C}">
-                <a14:useLocalDpi xmlns:a14="http://schemas.microsoft.com/office/drawing/2010/main" val="0"/>
-              </a:ext>
-            </a:extLst>
-          </a:blip>
-          <a:stretch>
-            <a:fillRect/>
-          </a:stretch>
-        </p:blipFill>
-        <p:spPr>
-          <a:xfrm>
-            <a:off x="10457100" y="4534600"/>
+            <a:off x="7471142" y="4120114"/>
             <a:ext cx="1219200" cy="1219200"/>
           </a:xfrm>
           <a:prstGeom prst="rect">
@@ -10472,7 +9484,7 @@
     </p:spTree>
     <p:extLst>
       <p:ext uri="{BB962C8B-B14F-4D97-AF65-F5344CB8AC3E}">
-        <p14:creationId xmlns:p14="http://schemas.microsoft.com/office/powerpoint/2010/main" val="823657930"/>
+        <p14:creationId xmlns:p14="http://schemas.microsoft.com/office/powerpoint/2010/main" val="2451305448"/>
       </p:ext>
     </p:extLst>
   </p:cSld>
@@ -10522,7 +9534,7 @@
         </p:blipFill>
         <p:spPr>
           <a:xfrm>
-            <a:off x="130628" y="359229"/>
+            <a:off x="322686" y="250829"/>
             <a:ext cx="1219200" cy="1219200"/>
           </a:xfrm>
           <a:prstGeom prst="rect">
@@ -10553,7 +9565,7 @@
         </p:blipFill>
         <p:spPr>
           <a:xfrm>
-            <a:off x="94399" y="4550571"/>
+            <a:off x="1841371" y="306486"/>
             <a:ext cx="1219200" cy="1219200"/>
           </a:xfrm>
           <a:prstGeom prst="rect">
@@ -10584,7 +9596,7 @@
         </p:blipFill>
         <p:spPr>
           <a:xfrm>
-            <a:off x="94399" y="3153457"/>
+            <a:off x="3360056" y="250829"/>
             <a:ext cx="1219200" cy="1219200"/>
           </a:xfrm>
           <a:prstGeom prst="rect">
@@ -10615,7 +9627,7 @@
         </p:blipFill>
         <p:spPr>
           <a:xfrm>
-            <a:off x="94399" y="1756343"/>
+            <a:off x="4878741" y="249715"/>
             <a:ext cx="1219200" cy="1219200"/>
           </a:xfrm>
           <a:prstGeom prst="rect">
@@ -10646,7 +9658,7 @@
         </p:blipFill>
         <p:spPr>
           <a:xfrm>
-            <a:off x="1652285" y="359229"/>
+            <a:off x="7736400" y="249715"/>
             <a:ext cx="1219200" cy="1219200"/>
           </a:xfrm>
           <a:prstGeom prst="rect">
@@ -10677,7 +9689,7 @@
         </p:blipFill>
         <p:spPr>
           <a:xfrm>
-            <a:off x="1652285" y="1756343"/>
+            <a:off x="6396057" y="249715"/>
             <a:ext cx="1219200" cy="1219200"/>
           </a:xfrm>
           <a:prstGeom prst="rect">
@@ -10708,7 +9720,7 @@
         </p:blipFill>
         <p:spPr>
           <a:xfrm>
-            <a:off x="1652285" y="4550571"/>
+            <a:off x="322686" y="1525686"/>
             <a:ext cx="1219200" cy="1219200"/>
           </a:xfrm>
           <a:prstGeom prst="rect">
@@ -10739,7 +9751,7 @@
         </p:blipFill>
         <p:spPr>
           <a:xfrm>
-            <a:off x="1613599" y="3153457"/>
+            <a:off x="9120229" y="275315"/>
             <a:ext cx="1219200" cy="1219200"/>
           </a:xfrm>
           <a:prstGeom prst="rect">
@@ -10770,7 +9782,7 @@
         </p:blipFill>
         <p:spPr>
           <a:xfrm>
-            <a:off x="3173942" y="1813229"/>
+            <a:off x="10460572" y="306486"/>
             <a:ext cx="1219200" cy="1219200"/>
           </a:xfrm>
           <a:prstGeom prst="rect">
@@ -10801,7 +9813,7 @@
         </p:blipFill>
         <p:spPr>
           <a:xfrm>
-            <a:off x="3173942" y="359229"/>
+            <a:off x="3179485" y="1494515"/>
             <a:ext cx="1219200" cy="1219200"/>
           </a:xfrm>
           <a:prstGeom prst="rect">
@@ -10832,7 +9844,7 @@
         </p:blipFill>
         <p:spPr>
           <a:xfrm>
-            <a:off x="3198342" y="3153457"/>
+            <a:off x="1841371" y="1525686"/>
             <a:ext cx="1219200" cy="1219200"/>
           </a:xfrm>
           <a:prstGeom prst="rect">
@@ -10863,7 +9875,7 @@
         </p:blipFill>
         <p:spPr>
           <a:xfrm>
-            <a:off x="3157485" y="4607457"/>
+            <a:off x="4728943" y="1468915"/>
             <a:ext cx="1219200" cy="1219200"/>
           </a:xfrm>
           <a:prstGeom prst="rect">
@@ -10894,7 +9906,7 @@
         </p:blipFill>
         <p:spPr>
           <a:xfrm>
-            <a:off x="4695599" y="1756343"/>
+            <a:off x="7809086" y="1525686"/>
             <a:ext cx="1219200" cy="1219200"/>
           </a:xfrm>
           <a:prstGeom prst="rect">
@@ -10925,7 +9937,7 @@
         </p:blipFill>
         <p:spPr>
           <a:xfrm>
-            <a:off x="4727399" y="360686"/>
+            <a:off x="6376800" y="1525686"/>
             <a:ext cx="1219200" cy="1219200"/>
           </a:xfrm>
           <a:prstGeom prst="rect">
@@ -10956,7 +9968,7 @@
         </p:blipFill>
         <p:spPr>
           <a:xfrm>
-            <a:off x="6280856" y="359229"/>
+            <a:off x="9237900" y="1525686"/>
             <a:ext cx="1219200" cy="1219200"/>
           </a:xfrm>
           <a:prstGeom prst="rect">
@@ -10987,7 +9999,7 @@
         </p:blipFill>
         <p:spPr>
           <a:xfrm>
-            <a:off x="4783085" y="3247857"/>
+            <a:off x="10404571" y="1519943"/>
             <a:ext cx="1219200" cy="1219200"/>
           </a:xfrm>
           <a:prstGeom prst="rect">
@@ -11018,7 +10030,7 @@
         </p:blipFill>
         <p:spPr>
           <a:xfrm>
-            <a:off x="4826685" y="4643514"/>
+            <a:off x="1841371" y="3030143"/>
             <a:ext cx="1219200" cy="1219200"/>
           </a:xfrm>
           <a:prstGeom prst="rect">
@@ -11049,7 +10061,7 @@
         </p:blipFill>
         <p:spPr>
           <a:xfrm>
-            <a:off x="6280856" y="3247857"/>
+            <a:off x="322686" y="3030143"/>
             <a:ext cx="1219200" cy="1219200"/>
           </a:xfrm>
           <a:prstGeom prst="rect">
@@ -11080,7 +10092,7 @@
         </p:blipFill>
         <p:spPr>
           <a:xfrm>
-            <a:off x="6217256" y="1813229"/>
+            <a:off x="4728943" y="3030143"/>
             <a:ext cx="1219200" cy="1219200"/>
           </a:xfrm>
           <a:prstGeom prst="rect">
@@ -11111,7 +10123,7 @@
         </p:blipFill>
         <p:spPr>
           <a:xfrm>
-            <a:off x="7804999" y="1938286"/>
+            <a:off x="3338570" y="3030143"/>
             <a:ext cx="1219200" cy="1219200"/>
           </a:xfrm>
           <a:prstGeom prst="rect">
@@ -11142,7 +10154,7 @@
         </p:blipFill>
         <p:spPr>
           <a:xfrm>
-            <a:off x="7804999" y="412829"/>
+            <a:off x="1835343" y="4534600"/>
             <a:ext cx="1219200" cy="1219200"/>
           </a:xfrm>
           <a:prstGeom prst="rect">
@@ -11173,7 +10185,7 @@
         </p:blipFill>
         <p:spPr>
           <a:xfrm>
-            <a:off x="6280856" y="4607457"/>
+            <a:off x="322686" y="4534600"/>
             <a:ext cx="1219200" cy="1219200"/>
           </a:xfrm>
           <a:prstGeom prst="rect">
@@ -11204,7 +10216,7 @@
         </p:blipFill>
         <p:spPr>
           <a:xfrm>
-            <a:off x="9324170" y="412829"/>
+            <a:off x="6376800" y="3162943"/>
             <a:ext cx="1219200" cy="1219200"/>
           </a:xfrm>
           <a:prstGeom prst="rect">
@@ -11235,7 +10247,7 @@
         </p:blipFill>
         <p:spPr>
           <a:xfrm>
-            <a:off x="7778627" y="3247857"/>
+            <a:off x="10404571" y="3109800"/>
             <a:ext cx="1219200" cy="1219200"/>
           </a:xfrm>
           <a:prstGeom prst="rect">
@@ -11266,7 +10278,7 @@
         </p:blipFill>
         <p:spPr>
           <a:xfrm>
-            <a:off x="7804999" y="4683628"/>
+            <a:off x="3338570" y="4534600"/>
             <a:ext cx="1219200" cy="1219200"/>
           </a:xfrm>
           <a:prstGeom prst="rect">
@@ -11297,7 +10309,7 @@
         </p:blipFill>
         <p:spPr>
           <a:xfrm>
-            <a:off x="9392742" y="3247857"/>
+            <a:off x="4831171" y="4560286"/>
             <a:ext cx="1219200" cy="1219200"/>
           </a:xfrm>
           <a:prstGeom prst="rect">
@@ -11328,7 +10340,69 @@
         </p:blipFill>
         <p:spPr>
           <a:xfrm>
-            <a:off x="9392742" y="1813229"/>
+            <a:off x="9028286" y="4560286"/>
+            <a:ext cx="1219200" cy="1219200"/>
+          </a:xfrm>
+          <a:prstGeom prst="rect">
+            <a:avLst/>
+          </a:prstGeom>
+        </p:spPr>
+      </p:pic>
+      <p:pic>
+        <p:nvPicPr>
+          <p:cNvPr id="29" name="Picture 28"/>
+          <p:cNvPicPr>
+            <a:picLocks noChangeAspect="1"/>
+          </p:cNvPicPr>
+          <p:nvPr/>
+        </p:nvPicPr>
+        <p:blipFill>
+          <a:blip r:embed="rId29">
+            <a:lum bright="70000" contrast="-70000"/>
+            <a:extLst>
+              <a:ext uri="{28A0092B-C50C-407E-A947-70E740481C1C}">
+                <a14:useLocalDpi xmlns:a14="http://schemas.microsoft.com/office/drawing/2010/main" val="0"/>
+              </a:ext>
+            </a:extLst>
+          </a:blip>
+          <a:stretch>
+            <a:fillRect/>
+          </a:stretch>
+        </p:blipFill>
+        <p:spPr>
+          <a:xfrm>
+            <a:off x="8955600" y="3315400"/>
+            <a:ext cx="1219200" cy="1219200"/>
+          </a:xfrm>
+          <a:prstGeom prst="rect">
+            <a:avLst/>
+          </a:prstGeom>
+        </p:spPr>
+      </p:pic>
+      <p:pic>
+        <p:nvPicPr>
+          <p:cNvPr id="30" name="Picture 29"/>
+          <p:cNvPicPr>
+            <a:picLocks noChangeAspect="1"/>
+          </p:cNvPicPr>
+          <p:nvPr/>
+        </p:nvPicPr>
+        <p:blipFill>
+          <a:blip r:embed="rId30">
+            <a:lum bright="70000" contrast="-70000"/>
+            <a:extLst>
+              <a:ext uri="{28A0092B-C50C-407E-A947-70E740481C1C}">
+                <a14:useLocalDpi xmlns:a14="http://schemas.microsoft.com/office/drawing/2010/main" val="0"/>
+              </a:ext>
+            </a:extLst>
+          </a:blip>
+          <a:stretch>
+            <a:fillRect/>
+          </a:stretch>
+        </p:blipFill>
+        <p:spPr>
+          <a:xfrm>
+            <a:off x="10457100" y="4534600"/>
             <a:ext cx="1219200" cy="1219200"/>
           </a:xfrm>
           <a:prstGeom prst="rect">
@@ -11339,7 +10413,7 @@
     </p:spTree>
     <p:extLst>
       <p:ext uri="{BB962C8B-B14F-4D97-AF65-F5344CB8AC3E}">
-        <p14:creationId xmlns:p14="http://schemas.microsoft.com/office/powerpoint/2010/main" val="3126433562"/>
+        <p14:creationId xmlns:p14="http://schemas.microsoft.com/office/powerpoint/2010/main" val="823657930"/>
       </p:ext>
     </p:extLst>
   </p:cSld>
@@ -11389,7 +10463,7 @@
         </p:blipFill>
         <p:spPr>
           <a:xfrm>
-            <a:off x="643486" y="520286"/>
+            <a:off x="130628" y="359229"/>
             <a:ext cx="1219200" cy="1219200"/>
           </a:xfrm>
           <a:prstGeom prst="rect">
@@ -11420,7 +10494,7 @@
         </p:blipFill>
         <p:spPr>
           <a:xfrm>
-            <a:off x="654401" y="3364486"/>
+            <a:off x="94399" y="4550571"/>
             <a:ext cx="1219200" cy="1219200"/>
           </a:xfrm>
           <a:prstGeom prst="rect">
@@ -11451,7 +10525,7 @@
         </p:blipFill>
         <p:spPr>
           <a:xfrm>
-            <a:off x="571600" y="4830522"/>
+            <a:off x="94399" y="3153457"/>
             <a:ext cx="1219200" cy="1219200"/>
           </a:xfrm>
           <a:prstGeom prst="rect">
@@ -11482,7 +10556,7 @@
         </p:blipFill>
         <p:spPr>
           <a:xfrm>
-            <a:off x="2286800" y="4852844"/>
+            <a:off x="94399" y="1756343"/>
             <a:ext cx="1219200" cy="1219200"/>
           </a:xfrm>
           <a:prstGeom prst="rect">
@@ -11513,7 +10587,7 @@
         </p:blipFill>
         <p:spPr>
           <a:xfrm>
-            <a:off x="2155658" y="3397482"/>
+            <a:off x="1652285" y="359229"/>
             <a:ext cx="1219200" cy="1219200"/>
           </a:xfrm>
           <a:prstGeom prst="rect">
@@ -11544,7 +10618,7 @@
         </p:blipFill>
         <p:spPr>
           <a:xfrm>
-            <a:off x="2303086" y="1959441"/>
+            <a:off x="1652285" y="1756343"/>
             <a:ext cx="1219200" cy="1219200"/>
           </a:xfrm>
           <a:prstGeom prst="rect">
@@ -11575,7 +10649,7 @@
         </p:blipFill>
         <p:spPr>
           <a:xfrm>
-            <a:off x="2303086" y="521400"/>
+            <a:off x="1652285" y="4550571"/>
             <a:ext cx="1219200" cy="1219200"/>
           </a:xfrm>
           <a:prstGeom prst="rect">
@@ -11606,7 +10680,7 @@
         </p:blipFill>
         <p:spPr>
           <a:xfrm>
-            <a:off x="3878400" y="4868530"/>
+            <a:off x="1613599" y="3153457"/>
             <a:ext cx="1219200" cy="1219200"/>
           </a:xfrm>
           <a:prstGeom prst="rect">
@@ -11637,7 +10711,7 @@
         </p:blipFill>
         <p:spPr>
           <a:xfrm>
-            <a:off x="3907314" y="3421143"/>
+            <a:off x="3173942" y="1813229"/>
             <a:ext cx="1219200" cy="1219200"/>
           </a:xfrm>
           <a:prstGeom prst="rect">
@@ -11668,7 +10742,7 @@
         </p:blipFill>
         <p:spPr>
           <a:xfrm>
-            <a:off x="3907314" y="1750200"/>
+            <a:off x="3173942" y="359229"/>
             <a:ext cx="1219200" cy="1219200"/>
           </a:xfrm>
           <a:prstGeom prst="rect">
@@ -11699,7 +10773,7 @@
         </p:blipFill>
         <p:spPr>
           <a:xfrm>
-            <a:off x="4074799" y="371400"/>
+            <a:off x="3198342" y="3153457"/>
             <a:ext cx="1219200" cy="1219200"/>
           </a:xfrm>
           <a:prstGeom prst="rect">
@@ -11730,7 +10804,7 @@
         </p:blipFill>
         <p:spPr>
           <a:xfrm>
-            <a:off x="5554400" y="4868530"/>
+            <a:off x="3157485" y="4607457"/>
             <a:ext cx="1219200" cy="1219200"/>
           </a:xfrm>
           <a:prstGeom prst="rect">
@@ -11761,7 +10835,7 @@
         </p:blipFill>
         <p:spPr>
           <a:xfrm>
-            <a:off x="5554400" y="3364486"/>
+            <a:off x="4695599" y="1756343"/>
             <a:ext cx="1219200" cy="1219200"/>
           </a:xfrm>
           <a:prstGeom prst="rect">
@@ -11792,7 +10866,7 @@
         </p:blipFill>
         <p:spPr>
           <a:xfrm>
-            <a:off x="5554400" y="1750200"/>
+            <a:off x="4727399" y="360686"/>
             <a:ext cx="1219200" cy="1219200"/>
           </a:xfrm>
           <a:prstGeom prst="rect">
@@ -11823,7 +10897,7 @@
         </p:blipFill>
         <p:spPr>
           <a:xfrm>
-            <a:off x="5734399" y="361800"/>
+            <a:off x="6280856" y="359229"/>
             <a:ext cx="1219200" cy="1219200"/>
           </a:xfrm>
           <a:prstGeom prst="rect">
@@ -11854,7 +10928,7 @@
         </p:blipFill>
         <p:spPr>
           <a:xfrm>
-            <a:off x="7228400" y="4868530"/>
+            <a:off x="4783085" y="3247857"/>
             <a:ext cx="1219200" cy="1219200"/>
           </a:xfrm>
           <a:prstGeom prst="rect">
@@ -11885,7 +10959,7 @@
         </p:blipFill>
         <p:spPr>
           <a:xfrm>
-            <a:off x="8984800" y="4872758"/>
+            <a:off x="4826685" y="4643514"/>
             <a:ext cx="1219200" cy="1219200"/>
           </a:xfrm>
           <a:prstGeom prst="rect">
@@ -11916,7 +10990,7 @@
         </p:blipFill>
         <p:spPr>
           <a:xfrm>
-            <a:off x="10576400" y="4872758"/>
+            <a:off x="6280856" y="3247857"/>
             <a:ext cx="1219200" cy="1219200"/>
           </a:xfrm>
           <a:prstGeom prst="rect">
@@ -11947,7 +11021,7 @@
         </p:blipFill>
         <p:spPr>
           <a:xfrm>
-            <a:off x="7337714" y="3421143"/>
+            <a:off x="6217256" y="1813229"/>
             <a:ext cx="1219200" cy="1219200"/>
           </a:xfrm>
           <a:prstGeom prst="rect">
@@ -11978,7 +11052,7 @@
         </p:blipFill>
         <p:spPr>
           <a:xfrm>
-            <a:off x="7337714" y="1791156"/>
+            <a:off x="7804999" y="1938286"/>
             <a:ext cx="1219200" cy="1219200"/>
           </a:xfrm>
           <a:prstGeom prst="rect">
@@ -12009,7 +11083,7 @@
         </p:blipFill>
         <p:spPr>
           <a:xfrm>
-            <a:off x="7337714" y="435085"/>
+            <a:off x="7804999" y="412829"/>
             <a:ext cx="1219200" cy="1219200"/>
           </a:xfrm>
           <a:prstGeom prst="rect">
@@ -12040,7 +11114,7 @@
         </p:blipFill>
         <p:spPr>
           <a:xfrm>
-            <a:off x="8953200" y="3384857"/>
+            <a:off x="6280856" y="4607457"/>
             <a:ext cx="1219200" cy="1219200"/>
           </a:xfrm>
           <a:prstGeom prst="rect">
@@ -12071,7 +11145,7 @@
         </p:blipFill>
         <p:spPr>
           <a:xfrm>
-            <a:off x="8984800" y="1816042"/>
+            <a:off x="9324170" y="412829"/>
             <a:ext cx="1219200" cy="1219200"/>
           </a:xfrm>
           <a:prstGeom prst="rect">
@@ -12102,7 +11176,7 @@
         </p:blipFill>
         <p:spPr>
           <a:xfrm>
-            <a:off x="10683085" y="3400200"/>
+            <a:off x="7778627" y="3247857"/>
             <a:ext cx="1219200" cy="1219200"/>
           </a:xfrm>
           <a:prstGeom prst="rect">
@@ -12133,7 +11207,7 @@
         </p:blipFill>
         <p:spPr>
           <a:xfrm>
-            <a:off x="8984800" y="326114"/>
+            <a:off x="7804999" y="4683628"/>
             <a:ext cx="1219200" cy="1219200"/>
           </a:xfrm>
           <a:prstGeom prst="rect">
@@ -12164,7 +11238,7 @@
         </p:blipFill>
         <p:spPr>
           <a:xfrm>
-            <a:off x="10504000" y="1927642"/>
+            <a:off x="9392742" y="3247857"/>
             <a:ext cx="1219200" cy="1219200"/>
           </a:xfrm>
           <a:prstGeom prst="rect">
@@ -12195,7 +11269,7 @@
         </p:blipFill>
         <p:spPr>
           <a:xfrm>
-            <a:off x="10504000" y="314828"/>
+            <a:off x="9392742" y="1813229"/>
             <a:ext cx="1219200" cy="1219200"/>
           </a:xfrm>
           <a:prstGeom prst="rect">
@@ -12206,7 +11280,7 @@
     </p:spTree>
     <p:extLst>
       <p:ext uri="{BB962C8B-B14F-4D97-AF65-F5344CB8AC3E}">
-        <p14:creationId xmlns:p14="http://schemas.microsoft.com/office/powerpoint/2010/main" val="399454265"/>
+        <p14:creationId xmlns:p14="http://schemas.microsoft.com/office/powerpoint/2010/main" val="3126433562"/>
       </p:ext>
     </p:extLst>
   </p:cSld>
@@ -12256,7 +11330,7 @@
         </p:blipFill>
         <p:spPr>
           <a:xfrm>
-            <a:off x="166914" y="286715"/>
+            <a:off x="643486" y="520286"/>
             <a:ext cx="1219200" cy="1219200"/>
           </a:xfrm>
           <a:prstGeom prst="rect">
@@ -12287,7 +11361,7 @@
         </p:blipFill>
         <p:spPr>
           <a:xfrm>
-            <a:off x="166914" y="4395429"/>
+            <a:off x="654401" y="3364486"/>
             <a:ext cx="1219200" cy="1219200"/>
           </a:xfrm>
           <a:prstGeom prst="rect">
@@ -12318,7 +11392,7 @@
         </p:blipFill>
         <p:spPr>
           <a:xfrm>
-            <a:off x="166914" y="3069944"/>
+            <a:off x="571600" y="4830522"/>
             <a:ext cx="1219200" cy="1219200"/>
           </a:xfrm>
           <a:prstGeom prst="rect">
@@ -12349,7 +11423,7 @@
         </p:blipFill>
         <p:spPr>
           <a:xfrm>
-            <a:off x="254057" y="1744459"/>
+            <a:off x="2286800" y="4852844"/>
             <a:ext cx="1219200" cy="1219200"/>
           </a:xfrm>
           <a:prstGeom prst="rect">
@@ -12380,7 +11454,7 @@
         </p:blipFill>
         <p:spPr>
           <a:xfrm>
-            <a:off x="2114343" y="1662173"/>
+            <a:off x="2155658" y="3397482"/>
             <a:ext cx="1219200" cy="1219200"/>
           </a:xfrm>
           <a:prstGeom prst="rect">
@@ -12411,7 +11485,7 @@
         </p:blipFill>
         <p:spPr>
           <a:xfrm>
-            <a:off x="2114343" y="286715"/>
+            <a:off x="2303086" y="1959441"/>
             <a:ext cx="1219200" cy="1219200"/>
           </a:xfrm>
           <a:prstGeom prst="rect">
@@ -12442,7 +11516,7 @@
         </p:blipFill>
         <p:spPr>
           <a:xfrm>
-            <a:off x="2114343" y="3037631"/>
+            <a:off x="2303086" y="521400"/>
             <a:ext cx="1219200" cy="1219200"/>
           </a:xfrm>
           <a:prstGeom prst="rect">
@@ -12473,7 +11547,7 @@
         </p:blipFill>
         <p:spPr>
           <a:xfrm>
-            <a:off x="3873029" y="286715"/>
+            <a:off x="3878400" y="4868530"/>
             <a:ext cx="1219200" cy="1219200"/>
           </a:xfrm>
           <a:prstGeom prst="rect">
@@ -12504,7 +11578,7 @@
         </p:blipFill>
         <p:spPr>
           <a:xfrm>
-            <a:off x="2040743" y="4414490"/>
+            <a:off x="3907314" y="3421143"/>
             <a:ext cx="1219200" cy="1219200"/>
           </a:xfrm>
           <a:prstGeom prst="rect">
@@ -12535,7 +11609,7 @@
         </p:blipFill>
         <p:spPr>
           <a:xfrm>
-            <a:off x="3733828" y="4505915"/>
+            <a:off x="3907314" y="1750200"/>
             <a:ext cx="1219200" cy="1219200"/>
           </a:xfrm>
           <a:prstGeom prst="rect">
@@ -12566,7 +11640,7 @@
         </p:blipFill>
         <p:spPr>
           <a:xfrm>
-            <a:off x="3873029" y="1636715"/>
+            <a:off x="4074799" y="371400"/>
             <a:ext cx="1219200" cy="1219200"/>
           </a:xfrm>
           <a:prstGeom prst="rect">
@@ -12597,7 +11671,7 @@
         </p:blipFill>
         <p:spPr>
           <a:xfrm>
-            <a:off x="3899200" y="3136715"/>
+            <a:off x="5554400" y="4868530"/>
             <a:ext cx="1219200" cy="1219200"/>
           </a:xfrm>
           <a:prstGeom prst="rect">
@@ -12628,7 +11702,7 @@
         </p:blipFill>
         <p:spPr>
           <a:xfrm>
-            <a:off x="7286457" y="286715"/>
+            <a:off x="5554400" y="3364486"/>
             <a:ext cx="1219200" cy="1219200"/>
           </a:xfrm>
           <a:prstGeom prst="rect">
@@ -12659,7 +11733,7 @@
         </p:blipFill>
         <p:spPr>
           <a:xfrm>
-            <a:off x="5634543" y="1636715"/>
+            <a:off x="5554400" y="1750200"/>
             <a:ext cx="1219200" cy="1219200"/>
           </a:xfrm>
           <a:prstGeom prst="rect">
@@ -12690,7 +11764,7 @@
         </p:blipFill>
         <p:spPr>
           <a:xfrm>
-            <a:off x="10680457" y="3202203"/>
+            <a:off x="5734399" y="361800"/>
             <a:ext cx="1219200" cy="1219200"/>
           </a:xfrm>
           <a:prstGeom prst="rect">
@@ -12721,7 +11795,7 @@
         </p:blipFill>
         <p:spPr>
           <a:xfrm>
-            <a:off x="9215543" y="1744459"/>
+            <a:off x="7228400" y="4868530"/>
             <a:ext cx="1219200" cy="1219200"/>
           </a:xfrm>
           <a:prstGeom prst="rect">
@@ -12752,7 +11826,7 @@
         </p:blipFill>
         <p:spPr>
           <a:xfrm>
-            <a:off x="7396057" y="1805915"/>
+            <a:off x="8984800" y="4872758"/>
             <a:ext cx="1219200" cy="1219200"/>
           </a:xfrm>
           <a:prstGeom prst="rect">
@@ -12783,7 +11857,7 @@
         </p:blipFill>
         <p:spPr>
           <a:xfrm>
-            <a:off x="9167543" y="286715"/>
+            <a:off x="10576400" y="4872758"/>
             <a:ext cx="1219200" cy="1219200"/>
           </a:xfrm>
           <a:prstGeom prst="rect">
@@ -12814,7 +11888,7 @@
         </p:blipFill>
         <p:spPr>
           <a:xfrm>
-            <a:off x="10680457" y="1744459"/>
+            <a:off x="7337714" y="3421143"/>
             <a:ext cx="1219200" cy="1219200"/>
           </a:xfrm>
           <a:prstGeom prst="rect">
@@ -12845,7 +11919,7 @@
         </p:blipFill>
         <p:spPr>
           <a:xfrm>
-            <a:off x="10680457" y="286715"/>
+            <a:off x="7337714" y="1791156"/>
             <a:ext cx="1219200" cy="1219200"/>
           </a:xfrm>
           <a:prstGeom prst="rect">
@@ -12876,7 +11950,7 @@
         </p:blipFill>
         <p:spPr>
           <a:xfrm>
-            <a:off x="7396057" y="3202203"/>
+            <a:off x="7337714" y="435085"/>
             <a:ext cx="1219200" cy="1219200"/>
           </a:xfrm>
           <a:prstGeom prst="rect">
@@ -12907,7 +11981,7 @@
         </p:blipFill>
         <p:spPr>
           <a:xfrm>
-            <a:off x="9285314" y="3202203"/>
+            <a:off x="8953200" y="3384857"/>
             <a:ext cx="1219200" cy="1219200"/>
           </a:xfrm>
           <a:prstGeom prst="rect">
@@ -12938,7 +12012,7 @@
         </p:blipFill>
         <p:spPr>
           <a:xfrm>
-            <a:off x="7396057" y="4665515"/>
+            <a:off x="8984800" y="1816042"/>
             <a:ext cx="1219200" cy="1219200"/>
           </a:xfrm>
           <a:prstGeom prst="rect">
@@ -12969,7 +12043,7 @@
         </p:blipFill>
         <p:spPr>
           <a:xfrm>
-            <a:off x="9279343" y="4665515"/>
+            <a:off x="10683085" y="3400200"/>
             <a:ext cx="1219200" cy="1219200"/>
           </a:xfrm>
           <a:prstGeom prst="rect">
@@ -13000,7 +12074,7 @@
         </p:blipFill>
         <p:spPr>
           <a:xfrm>
-            <a:off x="10694114" y="4665515"/>
+            <a:off x="8984800" y="326114"/>
             <a:ext cx="1219200" cy="1219200"/>
           </a:xfrm>
           <a:prstGeom prst="rect">
@@ -13031,7 +12105,7 @@
         </p:blipFill>
         <p:spPr>
           <a:xfrm>
-            <a:off x="5634543" y="3176229"/>
+            <a:off x="10504000" y="1927642"/>
             <a:ext cx="1219200" cy="1219200"/>
           </a:xfrm>
           <a:prstGeom prst="rect">
@@ -13062,7 +12136,7 @@
         </p:blipFill>
         <p:spPr>
           <a:xfrm>
-            <a:off x="5634543" y="286715"/>
+            <a:off x="10504000" y="314828"/>
             <a:ext cx="1219200" cy="1219200"/>
           </a:xfrm>
           <a:prstGeom prst="rect">
@@ -13073,7 +12147,7 @@
     </p:spTree>
     <p:extLst>
       <p:ext uri="{BB962C8B-B14F-4D97-AF65-F5344CB8AC3E}">
-        <p14:creationId xmlns:p14="http://schemas.microsoft.com/office/powerpoint/2010/main" val="3324423259"/>
+        <p14:creationId xmlns:p14="http://schemas.microsoft.com/office/powerpoint/2010/main" val="399454265"/>
       </p:ext>
     </p:extLst>
   </p:cSld>
@@ -13123,7 +12197,7 @@
         </p:blipFill>
         <p:spPr>
           <a:xfrm>
-            <a:off x="2066300" y="4482743"/>
+            <a:off x="166914" y="286715"/>
             <a:ext cx="1219200" cy="1219200"/>
           </a:xfrm>
           <a:prstGeom prst="rect">
@@ -13154,7 +12228,7 @@
         </p:blipFill>
         <p:spPr>
           <a:xfrm>
-            <a:off x="3544387" y="3100200"/>
+            <a:off x="166914" y="4395429"/>
             <a:ext cx="1219200" cy="1219200"/>
           </a:xfrm>
           <a:prstGeom prst="rect">
@@ -13185,7 +12259,7 @@
         </p:blipFill>
         <p:spPr>
           <a:xfrm>
-            <a:off x="1959644" y="3077257"/>
+            <a:off x="166914" y="3069944"/>
             <a:ext cx="1219200" cy="1219200"/>
           </a:xfrm>
           <a:prstGeom prst="rect">
@@ -13216,7 +12290,7 @@
         </p:blipFill>
         <p:spPr>
           <a:xfrm>
-            <a:off x="220687" y="3077257"/>
+            <a:off x="254057" y="1744459"/>
             <a:ext cx="1219200" cy="1219200"/>
           </a:xfrm>
           <a:prstGeom prst="rect">
@@ -13247,7 +12321,7 @@
         </p:blipFill>
         <p:spPr>
           <a:xfrm>
-            <a:off x="252087" y="4629000"/>
+            <a:off x="2114343" y="1662173"/>
             <a:ext cx="1219200" cy="1219200"/>
           </a:xfrm>
           <a:prstGeom prst="rect">
@@ -13278,7 +12352,7 @@
         </p:blipFill>
         <p:spPr>
           <a:xfrm>
-            <a:off x="1959644" y="1565771"/>
+            <a:off x="2114343" y="286715"/>
             <a:ext cx="1219200" cy="1219200"/>
           </a:xfrm>
           <a:prstGeom prst="rect">
@@ -13309,7 +12383,7 @@
         </p:blipFill>
         <p:spPr>
           <a:xfrm>
-            <a:off x="3652987" y="4539457"/>
+            <a:off x="2114343" y="3037631"/>
             <a:ext cx="1219200" cy="1219200"/>
           </a:xfrm>
           <a:prstGeom prst="rect">
@@ -13340,7 +12414,7 @@
         </p:blipFill>
         <p:spPr>
           <a:xfrm>
-            <a:off x="2066300" y="346571"/>
+            <a:off x="3873029" y="286715"/>
             <a:ext cx="1219200" cy="1219200"/>
           </a:xfrm>
           <a:prstGeom prst="rect">
@@ -13371,7 +12445,7 @@
         </p:blipFill>
         <p:spPr>
           <a:xfrm>
-            <a:off x="5317644" y="358887"/>
+            <a:off x="2040743" y="4414490"/>
             <a:ext cx="1219200" cy="1219200"/>
           </a:xfrm>
           <a:prstGeom prst="rect">
@@ -13402,7 +12476,7 @@
         </p:blipFill>
         <p:spPr>
           <a:xfrm>
-            <a:off x="3638644" y="1685343"/>
+            <a:off x="3733828" y="4505915"/>
             <a:ext cx="1219200" cy="1219200"/>
           </a:xfrm>
           <a:prstGeom prst="rect">
@@ -13433,7 +12507,7 @@
         </p:blipFill>
         <p:spPr>
           <a:xfrm>
-            <a:off x="3638644" y="368315"/>
+            <a:off x="3873029" y="1636715"/>
             <a:ext cx="1219200" cy="1219200"/>
           </a:xfrm>
           <a:prstGeom prst="rect">
@@ -13464,7 +12538,7 @@
         </p:blipFill>
         <p:spPr>
           <a:xfrm>
-            <a:off x="5317644" y="4609800"/>
+            <a:off x="3899200" y="3136715"/>
             <a:ext cx="1219200" cy="1219200"/>
           </a:xfrm>
           <a:prstGeom prst="rect">
@@ -13495,7 +12569,7 @@
         </p:blipFill>
         <p:spPr>
           <a:xfrm>
-            <a:off x="5317644" y="1823228"/>
+            <a:off x="7286457" y="286715"/>
             <a:ext cx="1219200" cy="1219200"/>
           </a:xfrm>
           <a:prstGeom prst="rect">
@@ -13526,7 +12600,7 @@
         </p:blipFill>
         <p:spPr>
           <a:xfrm>
-            <a:off x="5317644" y="3208114"/>
+            <a:off x="5634543" y="1636715"/>
             <a:ext cx="1219200" cy="1219200"/>
           </a:xfrm>
           <a:prstGeom prst="rect">
@@ -13557,7 +12631,7 @@
         </p:blipFill>
         <p:spPr>
           <a:xfrm>
-            <a:off x="7078800" y="368315"/>
+            <a:off x="10680457" y="3202203"/>
             <a:ext cx="1219200" cy="1219200"/>
           </a:xfrm>
           <a:prstGeom prst="rect">
@@ -13588,7 +12662,7 @@
         </p:blipFill>
         <p:spPr>
           <a:xfrm>
-            <a:off x="7129600" y="1793142"/>
+            <a:off x="9215543" y="1744459"/>
             <a:ext cx="1219200" cy="1219200"/>
           </a:xfrm>
           <a:prstGeom prst="rect">
@@ -13619,7 +12693,7 @@
         </p:blipFill>
         <p:spPr>
           <a:xfrm>
-            <a:off x="7129600" y="3320257"/>
+            <a:off x="7396057" y="1805915"/>
             <a:ext cx="1219200" cy="1219200"/>
           </a:xfrm>
           <a:prstGeom prst="rect">
@@ -13650,7 +12724,7 @@
         </p:blipFill>
         <p:spPr>
           <a:xfrm>
-            <a:off x="7192200" y="4609800"/>
+            <a:off x="9167543" y="286715"/>
             <a:ext cx="1219200" cy="1219200"/>
           </a:xfrm>
           <a:prstGeom prst="rect">
@@ -13681,7 +12755,7 @@
         </p:blipFill>
         <p:spPr>
           <a:xfrm>
-            <a:off x="8757800" y="466143"/>
+            <a:off x="10680457" y="1744459"/>
             <a:ext cx="1219200" cy="1219200"/>
           </a:xfrm>
           <a:prstGeom prst="rect">
@@ -13712,7 +12786,7 @@
         </p:blipFill>
         <p:spPr>
           <a:xfrm>
-            <a:off x="8736429" y="3349857"/>
+            <a:off x="10680457" y="286715"/>
             <a:ext cx="1219200" cy="1219200"/>
           </a:xfrm>
           <a:prstGeom prst="rect">
@@ -13743,7 +12817,7 @@
         </p:blipFill>
         <p:spPr>
           <a:xfrm>
-            <a:off x="8786400" y="1865429"/>
+            <a:off x="7396057" y="3202203"/>
             <a:ext cx="1219200" cy="1219200"/>
           </a:xfrm>
           <a:prstGeom prst="rect">
@@ -13774,7 +12848,7 @@
         </p:blipFill>
         <p:spPr>
           <a:xfrm>
-            <a:off x="8729630" y="4750200"/>
+            <a:off x="9285314" y="3202203"/>
             <a:ext cx="1219200" cy="1219200"/>
           </a:xfrm>
           <a:prstGeom prst="rect">
@@ -13805,7 +12879,7 @@
         </p:blipFill>
         <p:spPr>
           <a:xfrm>
-            <a:off x="10436800" y="3320257"/>
+            <a:off x="7396057" y="4665515"/>
             <a:ext cx="1219200" cy="1219200"/>
           </a:xfrm>
           <a:prstGeom prst="rect">
@@ -13836,7 +12910,7 @@
         </p:blipFill>
         <p:spPr>
           <a:xfrm>
-            <a:off x="10525357" y="1988914"/>
+            <a:off x="9279343" y="4665515"/>
             <a:ext cx="1219200" cy="1219200"/>
           </a:xfrm>
           <a:prstGeom prst="rect">
@@ -13867,7 +12941,7 @@
         </p:blipFill>
         <p:spPr>
           <a:xfrm>
-            <a:off x="10436800" y="466143"/>
+            <a:off x="10694114" y="4665515"/>
             <a:ext cx="1219200" cy="1219200"/>
           </a:xfrm>
           <a:prstGeom prst="rect">
@@ -13898,7 +12972,7 @@
         </p:blipFill>
         <p:spPr>
           <a:xfrm>
-            <a:off x="249658" y="1685343"/>
+            <a:off x="5634543" y="3176229"/>
             <a:ext cx="1219200" cy="1219200"/>
           </a:xfrm>
           <a:prstGeom prst="rect">
@@ -13929,7 +13003,7 @@
         </p:blipFill>
         <p:spPr>
           <a:xfrm>
-            <a:off x="249658" y="325857"/>
+            <a:off x="5634543" y="286715"/>
             <a:ext cx="1219200" cy="1219200"/>
           </a:xfrm>
           <a:prstGeom prst="rect">
@@ -13940,7 +13014,7 @@
     </p:spTree>
     <p:extLst>
       <p:ext uri="{BB962C8B-B14F-4D97-AF65-F5344CB8AC3E}">
-        <p14:creationId xmlns:p14="http://schemas.microsoft.com/office/powerpoint/2010/main" val="438152526"/>
+        <p14:creationId xmlns:p14="http://schemas.microsoft.com/office/powerpoint/2010/main" val="3324423259"/>
       </p:ext>
     </p:extLst>
   </p:cSld>
@@ -13990,7 +13064,7 @@
         </p:blipFill>
         <p:spPr>
           <a:xfrm>
-            <a:off x="297543" y="293914"/>
+            <a:off x="2066300" y="4482743"/>
             <a:ext cx="1219200" cy="1219200"/>
           </a:xfrm>
           <a:prstGeom prst="rect">
@@ -14021,7 +13095,7 @@
         </p:blipFill>
         <p:spPr>
           <a:xfrm>
-            <a:off x="297543" y="1670372"/>
+            <a:off x="3544387" y="3100200"/>
             <a:ext cx="1219200" cy="1219200"/>
           </a:xfrm>
           <a:prstGeom prst="rect">
@@ -14052,7 +13126,7 @@
         </p:blipFill>
         <p:spPr>
           <a:xfrm>
-            <a:off x="375086" y="4580546"/>
+            <a:off x="1959644" y="3077257"/>
             <a:ext cx="1219200" cy="1219200"/>
           </a:xfrm>
           <a:prstGeom prst="rect">
@@ -14083,7 +13157,7 @@
         </p:blipFill>
         <p:spPr>
           <a:xfrm>
-            <a:off x="355657" y="3046830"/>
+            <a:off x="220687" y="3077257"/>
             <a:ext cx="1219200" cy="1219200"/>
           </a:xfrm>
           <a:prstGeom prst="rect">
@@ -14114,7 +13188,7 @@
         </p:blipFill>
         <p:spPr>
           <a:xfrm>
-            <a:off x="2065943" y="219000"/>
+            <a:off x="252087" y="4629000"/>
             <a:ext cx="1219200" cy="1219200"/>
           </a:xfrm>
           <a:prstGeom prst="rect">
@@ -14145,7 +13219,7 @@
         </p:blipFill>
         <p:spPr>
           <a:xfrm>
-            <a:off x="2065943" y="3100200"/>
+            <a:off x="1959644" y="1565771"/>
             <a:ext cx="1219200" cy="1219200"/>
           </a:xfrm>
           <a:prstGeom prst="rect">
@@ -14176,7 +13250,7 @@
         </p:blipFill>
         <p:spPr>
           <a:xfrm>
-            <a:off x="1974058" y="1670372"/>
+            <a:off x="3652987" y="4539457"/>
             <a:ext cx="1219200" cy="1219200"/>
           </a:xfrm>
           <a:prstGeom prst="rect">
@@ -14207,7 +13281,7 @@
         </p:blipFill>
         <p:spPr>
           <a:xfrm>
-            <a:off x="2030971" y="4594343"/>
+            <a:off x="2066300" y="346571"/>
             <a:ext cx="1219200" cy="1219200"/>
           </a:xfrm>
           <a:prstGeom prst="rect">
@@ -14238,7 +13312,7 @@
         </p:blipFill>
         <p:spPr>
           <a:xfrm>
-            <a:off x="3834343" y="219000"/>
+            <a:off x="5317644" y="358887"/>
             <a:ext cx="1219200" cy="1219200"/>
           </a:xfrm>
           <a:prstGeom prst="rect">
@@ -14269,7 +13343,7 @@
         </p:blipFill>
         <p:spPr>
           <a:xfrm>
-            <a:off x="3939743" y="4580546"/>
+            <a:off x="3638644" y="1685343"/>
             <a:ext cx="1219200" cy="1219200"/>
           </a:xfrm>
           <a:prstGeom prst="rect">
@@ -14300,7 +13374,7 @@
         </p:blipFill>
         <p:spPr>
           <a:xfrm>
-            <a:off x="3894857" y="1708115"/>
+            <a:off x="3638644" y="368315"/>
             <a:ext cx="1219200" cy="1219200"/>
           </a:xfrm>
           <a:prstGeom prst="rect">
@@ -14331,7 +13405,7 @@
         </p:blipFill>
         <p:spPr>
           <a:xfrm>
-            <a:off x="3941886" y="3046830"/>
+            <a:off x="5317644" y="4609800"/>
             <a:ext cx="1219200" cy="1219200"/>
           </a:xfrm>
           <a:prstGeom prst="rect">
@@ -14362,7 +13436,7 @@
         </p:blipFill>
         <p:spPr>
           <a:xfrm>
-            <a:off x="5571372" y="1767343"/>
+            <a:off x="5317644" y="1823228"/>
             <a:ext cx="1219200" cy="1219200"/>
           </a:xfrm>
           <a:prstGeom prst="rect">
@@ -14393,7 +13467,7 @@
         </p:blipFill>
         <p:spPr>
           <a:xfrm>
-            <a:off x="5602743" y="293914"/>
+            <a:off x="5317644" y="3208114"/>
             <a:ext cx="1219200" cy="1219200"/>
           </a:xfrm>
           <a:prstGeom prst="rect">
@@ -14424,7 +13498,7 @@
         </p:blipFill>
         <p:spPr>
           <a:xfrm>
-            <a:off x="5571372" y="3240772"/>
+            <a:off x="7078800" y="368315"/>
             <a:ext cx="1219200" cy="1219200"/>
           </a:xfrm>
           <a:prstGeom prst="rect">
@@ -14455,7 +13529,7 @@
         </p:blipFill>
         <p:spPr>
           <a:xfrm>
-            <a:off x="7117200" y="388543"/>
+            <a:off x="7129600" y="1793142"/>
             <a:ext cx="1219200" cy="1219200"/>
           </a:xfrm>
           <a:prstGeom prst="rect">
@@ -14486,7 +13560,7 @@
         </p:blipFill>
         <p:spPr>
           <a:xfrm>
-            <a:off x="7211944" y="1819487"/>
+            <a:off x="7129600" y="3320257"/>
             <a:ext cx="1219200" cy="1219200"/>
           </a:xfrm>
           <a:prstGeom prst="rect">
@@ -14517,7 +13591,7 @@
         </p:blipFill>
         <p:spPr>
           <a:xfrm>
-            <a:off x="5624857" y="4609800"/>
+            <a:off x="7192200" y="4609800"/>
             <a:ext cx="1219200" cy="1219200"/>
           </a:xfrm>
           <a:prstGeom prst="rect">
@@ -14548,7 +13622,7 @@
         </p:blipFill>
         <p:spPr>
           <a:xfrm>
-            <a:off x="7284514" y="3295545"/>
+            <a:off x="8757800" y="466143"/>
             <a:ext cx="1219200" cy="1219200"/>
           </a:xfrm>
           <a:prstGeom prst="rect">
@@ -14579,7 +13653,7 @@
         </p:blipFill>
         <p:spPr>
           <a:xfrm>
-            <a:off x="7309971" y="4675172"/>
+            <a:off x="8736429" y="3349857"/>
             <a:ext cx="1219200" cy="1219200"/>
           </a:xfrm>
           <a:prstGeom prst="rect">
@@ -14610,7 +13684,7 @@
         </p:blipFill>
         <p:spPr>
           <a:xfrm>
-            <a:off x="8636400" y="399829"/>
+            <a:off x="8786400" y="1865429"/>
             <a:ext cx="1219200" cy="1219200"/>
           </a:xfrm>
           <a:prstGeom prst="rect">
@@ -14641,7 +13715,7 @@
         </p:blipFill>
         <p:spPr>
           <a:xfrm>
-            <a:off x="10392629" y="488915"/>
+            <a:off x="8729630" y="4750200"/>
             <a:ext cx="1219200" cy="1219200"/>
           </a:xfrm>
           <a:prstGeom prst="rect">
@@ -14672,7 +13746,7 @@
         </p:blipFill>
         <p:spPr>
           <a:xfrm>
-            <a:off x="8731257" y="1827630"/>
+            <a:off x="10436800" y="3320257"/>
             <a:ext cx="1219200" cy="1219200"/>
           </a:xfrm>
           <a:prstGeom prst="rect">
@@ -14703,7 +13777,7 @@
         </p:blipFill>
         <p:spPr>
           <a:xfrm>
-            <a:off x="8784057" y="4774428"/>
+            <a:off x="10525357" y="1988914"/>
             <a:ext cx="1219200" cy="1219200"/>
           </a:xfrm>
           <a:prstGeom prst="rect">
@@ -14734,7 +13808,7 @@
         </p:blipFill>
         <p:spPr>
           <a:xfrm>
-            <a:off x="10396399" y="3390600"/>
+            <a:off x="10436800" y="466143"/>
             <a:ext cx="1219200" cy="1219200"/>
           </a:xfrm>
           <a:prstGeom prst="rect">
@@ -14765,7 +13839,7 @@
         </p:blipFill>
         <p:spPr>
           <a:xfrm>
-            <a:off x="10349658" y="2076345"/>
+            <a:off x="249658" y="1685343"/>
             <a:ext cx="1219200" cy="1219200"/>
           </a:xfrm>
           <a:prstGeom prst="rect">
@@ -14796,7 +13870,7 @@
         </p:blipFill>
         <p:spPr>
           <a:xfrm>
-            <a:off x="8773943" y="3438915"/>
+            <a:off x="249658" y="325857"/>
             <a:ext cx="1219200" cy="1219200"/>
           </a:xfrm>
           <a:prstGeom prst="rect">
@@ -14807,7 +13881,7 @@
     </p:spTree>
     <p:extLst>
       <p:ext uri="{BB962C8B-B14F-4D97-AF65-F5344CB8AC3E}">
-        <p14:creationId xmlns:p14="http://schemas.microsoft.com/office/powerpoint/2010/main" val="214978686"/>
+        <p14:creationId xmlns:p14="http://schemas.microsoft.com/office/powerpoint/2010/main" val="438152526"/>
       </p:ext>
     </p:extLst>
   </p:cSld>
@@ -14857,6 +13931,873 @@
         </p:blipFill>
         <p:spPr>
           <a:xfrm>
+            <a:off x="297543" y="293914"/>
+            <a:ext cx="1219200" cy="1219200"/>
+          </a:xfrm>
+          <a:prstGeom prst="rect">
+            <a:avLst/>
+          </a:prstGeom>
+        </p:spPr>
+      </p:pic>
+      <p:pic>
+        <p:nvPicPr>
+          <p:cNvPr id="3" name="Picture 2"/>
+          <p:cNvPicPr>
+            <a:picLocks noChangeAspect="1"/>
+          </p:cNvPicPr>
+          <p:nvPr/>
+        </p:nvPicPr>
+        <p:blipFill>
+          <a:blip r:embed="rId3">
+            <a:lum bright="70000" contrast="-70000"/>
+            <a:extLst>
+              <a:ext uri="{28A0092B-C50C-407E-A947-70E740481C1C}">
+                <a14:useLocalDpi xmlns:a14="http://schemas.microsoft.com/office/drawing/2010/main" val="0"/>
+              </a:ext>
+            </a:extLst>
+          </a:blip>
+          <a:stretch>
+            <a:fillRect/>
+          </a:stretch>
+        </p:blipFill>
+        <p:spPr>
+          <a:xfrm>
+            <a:off x="297543" y="1670372"/>
+            <a:ext cx="1219200" cy="1219200"/>
+          </a:xfrm>
+          <a:prstGeom prst="rect">
+            <a:avLst/>
+          </a:prstGeom>
+        </p:spPr>
+      </p:pic>
+      <p:pic>
+        <p:nvPicPr>
+          <p:cNvPr id="4" name="Picture 3"/>
+          <p:cNvPicPr>
+            <a:picLocks noChangeAspect="1"/>
+          </p:cNvPicPr>
+          <p:nvPr/>
+        </p:nvPicPr>
+        <p:blipFill>
+          <a:blip r:embed="rId4">
+            <a:lum bright="70000" contrast="-70000"/>
+            <a:extLst>
+              <a:ext uri="{28A0092B-C50C-407E-A947-70E740481C1C}">
+                <a14:useLocalDpi xmlns:a14="http://schemas.microsoft.com/office/drawing/2010/main" val="0"/>
+              </a:ext>
+            </a:extLst>
+          </a:blip>
+          <a:stretch>
+            <a:fillRect/>
+          </a:stretch>
+        </p:blipFill>
+        <p:spPr>
+          <a:xfrm>
+            <a:off x="375086" y="4580546"/>
+            <a:ext cx="1219200" cy="1219200"/>
+          </a:xfrm>
+          <a:prstGeom prst="rect">
+            <a:avLst/>
+          </a:prstGeom>
+        </p:spPr>
+      </p:pic>
+      <p:pic>
+        <p:nvPicPr>
+          <p:cNvPr id="5" name="Picture 4"/>
+          <p:cNvPicPr>
+            <a:picLocks noChangeAspect="1"/>
+          </p:cNvPicPr>
+          <p:nvPr/>
+        </p:nvPicPr>
+        <p:blipFill>
+          <a:blip r:embed="rId5">
+            <a:lum bright="70000" contrast="-70000"/>
+            <a:extLst>
+              <a:ext uri="{28A0092B-C50C-407E-A947-70E740481C1C}">
+                <a14:useLocalDpi xmlns:a14="http://schemas.microsoft.com/office/drawing/2010/main" val="0"/>
+              </a:ext>
+            </a:extLst>
+          </a:blip>
+          <a:stretch>
+            <a:fillRect/>
+          </a:stretch>
+        </p:blipFill>
+        <p:spPr>
+          <a:xfrm>
+            <a:off x="355657" y="3046830"/>
+            <a:ext cx="1219200" cy="1219200"/>
+          </a:xfrm>
+          <a:prstGeom prst="rect">
+            <a:avLst/>
+          </a:prstGeom>
+        </p:spPr>
+      </p:pic>
+      <p:pic>
+        <p:nvPicPr>
+          <p:cNvPr id="6" name="Picture 5"/>
+          <p:cNvPicPr>
+            <a:picLocks noChangeAspect="1"/>
+          </p:cNvPicPr>
+          <p:nvPr/>
+        </p:nvPicPr>
+        <p:blipFill>
+          <a:blip r:embed="rId6">
+            <a:lum bright="70000" contrast="-70000"/>
+            <a:extLst>
+              <a:ext uri="{28A0092B-C50C-407E-A947-70E740481C1C}">
+                <a14:useLocalDpi xmlns:a14="http://schemas.microsoft.com/office/drawing/2010/main" val="0"/>
+              </a:ext>
+            </a:extLst>
+          </a:blip>
+          <a:stretch>
+            <a:fillRect/>
+          </a:stretch>
+        </p:blipFill>
+        <p:spPr>
+          <a:xfrm>
+            <a:off x="2065943" y="219000"/>
+            <a:ext cx="1219200" cy="1219200"/>
+          </a:xfrm>
+          <a:prstGeom prst="rect">
+            <a:avLst/>
+          </a:prstGeom>
+        </p:spPr>
+      </p:pic>
+      <p:pic>
+        <p:nvPicPr>
+          <p:cNvPr id="7" name="Picture 6"/>
+          <p:cNvPicPr>
+            <a:picLocks noChangeAspect="1"/>
+          </p:cNvPicPr>
+          <p:nvPr/>
+        </p:nvPicPr>
+        <p:blipFill>
+          <a:blip r:embed="rId7">
+            <a:lum bright="70000" contrast="-70000"/>
+            <a:extLst>
+              <a:ext uri="{28A0092B-C50C-407E-A947-70E740481C1C}">
+                <a14:useLocalDpi xmlns:a14="http://schemas.microsoft.com/office/drawing/2010/main" val="0"/>
+              </a:ext>
+            </a:extLst>
+          </a:blip>
+          <a:stretch>
+            <a:fillRect/>
+          </a:stretch>
+        </p:blipFill>
+        <p:spPr>
+          <a:xfrm>
+            <a:off x="2065943" y="3100200"/>
+            <a:ext cx="1219200" cy="1219200"/>
+          </a:xfrm>
+          <a:prstGeom prst="rect">
+            <a:avLst/>
+          </a:prstGeom>
+        </p:spPr>
+      </p:pic>
+      <p:pic>
+        <p:nvPicPr>
+          <p:cNvPr id="8" name="Picture 7"/>
+          <p:cNvPicPr>
+            <a:picLocks noChangeAspect="1"/>
+          </p:cNvPicPr>
+          <p:nvPr/>
+        </p:nvPicPr>
+        <p:blipFill>
+          <a:blip r:embed="rId8">
+            <a:lum bright="70000" contrast="-70000"/>
+            <a:extLst>
+              <a:ext uri="{28A0092B-C50C-407E-A947-70E740481C1C}">
+                <a14:useLocalDpi xmlns:a14="http://schemas.microsoft.com/office/drawing/2010/main" val="0"/>
+              </a:ext>
+            </a:extLst>
+          </a:blip>
+          <a:stretch>
+            <a:fillRect/>
+          </a:stretch>
+        </p:blipFill>
+        <p:spPr>
+          <a:xfrm>
+            <a:off x="1974058" y="1670372"/>
+            <a:ext cx="1219200" cy="1219200"/>
+          </a:xfrm>
+          <a:prstGeom prst="rect">
+            <a:avLst/>
+          </a:prstGeom>
+        </p:spPr>
+      </p:pic>
+      <p:pic>
+        <p:nvPicPr>
+          <p:cNvPr id="9" name="Picture 8"/>
+          <p:cNvPicPr>
+            <a:picLocks noChangeAspect="1"/>
+          </p:cNvPicPr>
+          <p:nvPr/>
+        </p:nvPicPr>
+        <p:blipFill>
+          <a:blip r:embed="rId9">
+            <a:lum bright="70000" contrast="-70000"/>
+            <a:extLst>
+              <a:ext uri="{28A0092B-C50C-407E-A947-70E740481C1C}">
+                <a14:useLocalDpi xmlns:a14="http://schemas.microsoft.com/office/drawing/2010/main" val="0"/>
+              </a:ext>
+            </a:extLst>
+          </a:blip>
+          <a:stretch>
+            <a:fillRect/>
+          </a:stretch>
+        </p:blipFill>
+        <p:spPr>
+          <a:xfrm>
+            <a:off x="2030971" y="4594343"/>
+            <a:ext cx="1219200" cy="1219200"/>
+          </a:xfrm>
+          <a:prstGeom prst="rect">
+            <a:avLst/>
+          </a:prstGeom>
+        </p:spPr>
+      </p:pic>
+      <p:pic>
+        <p:nvPicPr>
+          <p:cNvPr id="10" name="Picture 9"/>
+          <p:cNvPicPr>
+            <a:picLocks noChangeAspect="1"/>
+          </p:cNvPicPr>
+          <p:nvPr/>
+        </p:nvPicPr>
+        <p:blipFill>
+          <a:blip r:embed="rId10">
+            <a:lum bright="70000" contrast="-70000"/>
+            <a:extLst>
+              <a:ext uri="{28A0092B-C50C-407E-A947-70E740481C1C}">
+                <a14:useLocalDpi xmlns:a14="http://schemas.microsoft.com/office/drawing/2010/main" val="0"/>
+              </a:ext>
+            </a:extLst>
+          </a:blip>
+          <a:stretch>
+            <a:fillRect/>
+          </a:stretch>
+        </p:blipFill>
+        <p:spPr>
+          <a:xfrm>
+            <a:off x="3834343" y="219000"/>
+            <a:ext cx="1219200" cy="1219200"/>
+          </a:xfrm>
+          <a:prstGeom prst="rect">
+            <a:avLst/>
+          </a:prstGeom>
+        </p:spPr>
+      </p:pic>
+      <p:pic>
+        <p:nvPicPr>
+          <p:cNvPr id="11" name="Picture 10"/>
+          <p:cNvPicPr>
+            <a:picLocks noChangeAspect="1"/>
+          </p:cNvPicPr>
+          <p:nvPr/>
+        </p:nvPicPr>
+        <p:blipFill>
+          <a:blip r:embed="rId11">
+            <a:lum bright="70000" contrast="-70000"/>
+            <a:extLst>
+              <a:ext uri="{28A0092B-C50C-407E-A947-70E740481C1C}">
+                <a14:useLocalDpi xmlns:a14="http://schemas.microsoft.com/office/drawing/2010/main" val="0"/>
+              </a:ext>
+            </a:extLst>
+          </a:blip>
+          <a:stretch>
+            <a:fillRect/>
+          </a:stretch>
+        </p:blipFill>
+        <p:spPr>
+          <a:xfrm>
+            <a:off x="3939743" y="4580546"/>
+            <a:ext cx="1219200" cy="1219200"/>
+          </a:xfrm>
+          <a:prstGeom prst="rect">
+            <a:avLst/>
+          </a:prstGeom>
+        </p:spPr>
+      </p:pic>
+      <p:pic>
+        <p:nvPicPr>
+          <p:cNvPr id="12" name="Picture 11"/>
+          <p:cNvPicPr>
+            <a:picLocks noChangeAspect="1"/>
+          </p:cNvPicPr>
+          <p:nvPr/>
+        </p:nvPicPr>
+        <p:blipFill>
+          <a:blip r:embed="rId12">
+            <a:lum bright="70000" contrast="-70000"/>
+            <a:extLst>
+              <a:ext uri="{28A0092B-C50C-407E-A947-70E740481C1C}">
+                <a14:useLocalDpi xmlns:a14="http://schemas.microsoft.com/office/drawing/2010/main" val="0"/>
+              </a:ext>
+            </a:extLst>
+          </a:blip>
+          <a:stretch>
+            <a:fillRect/>
+          </a:stretch>
+        </p:blipFill>
+        <p:spPr>
+          <a:xfrm>
+            <a:off x="3894857" y="1708115"/>
+            <a:ext cx="1219200" cy="1219200"/>
+          </a:xfrm>
+          <a:prstGeom prst="rect">
+            <a:avLst/>
+          </a:prstGeom>
+        </p:spPr>
+      </p:pic>
+      <p:pic>
+        <p:nvPicPr>
+          <p:cNvPr id="13" name="Picture 12"/>
+          <p:cNvPicPr>
+            <a:picLocks noChangeAspect="1"/>
+          </p:cNvPicPr>
+          <p:nvPr/>
+        </p:nvPicPr>
+        <p:blipFill>
+          <a:blip r:embed="rId13">
+            <a:lum bright="70000" contrast="-70000"/>
+            <a:extLst>
+              <a:ext uri="{28A0092B-C50C-407E-A947-70E740481C1C}">
+                <a14:useLocalDpi xmlns:a14="http://schemas.microsoft.com/office/drawing/2010/main" val="0"/>
+              </a:ext>
+            </a:extLst>
+          </a:blip>
+          <a:stretch>
+            <a:fillRect/>
+          </a:stretch>
+        </p:blipFill>
+        <p:spPr>
+          <a:xfrm>
+            <a:off x="3941886" y="3046830"/>
+            <a:ext cx="1219200" cy="1219200"/>
+          </a:xfrm>
+          <a:prstGeom prst="rect">
+            <a:avLst/>
+          </a:prstGeom>
+        </p:spPr>
+      </p:pic>
+      <p:pic>
+        <p:nvPicPr>
+          <p:cNvPr id="14" name="Picture 13"/>
+          <p:cNvPicPr>
+            <a:picLocks noChangeAspect="1"/>
+          </p:cNvPicPr>
+          <p:nvPr/>
+        </p:nvPicPr>
+        <p:blipFill>
+          <a:blip r:embed="rId14">
+            <a:lum bright="70000" contrast="-70000"/>
+            <a:extLst>
+              <a:ext uri="{28A0092B-C50C-407E-A947-70E740481C1C}">
+                <a14:useLocalDpi xmlns:a14="http://schemas.microsoft.com/office/drawing/2010/main" val="0"/>
+              </a:ext>
+            </a:extLst>
+          </a:blip>
+          <a:stretch>
+            <a:fillRect/>
+          </a:stretch>
+        </p:blipFill>
+        <p:spPr>
+          <a:xfrm>
+            <a:off x="5571372" y="1767343"/>
+            <a:ext cx="1219200" cy="1219200"/>
+          </a:xfrm>
+          <a:prstGeom prst="rect">
+            <a:avLst/>
+          </a:prstGeom>
+        </p:spPr>
+      </p:pic>
+      <p:pic>
+        <p:nvPicPr>
+          <p:cNvPr id="15" name="Picture 14"/>
+          <p:cNvPicPr>
+            <a:picLocks noChangeAspect="1"/>
+          </p:cNvPicPr>
+          <p:nvPr/>
+        </p:nvPicPr>
+        <p:blipFill>
+          <a:blip r:embed="rId15">
+            <a:lum bright="70000" contrast="-70000"/>
+            <a:extLst>
+              <a:ext uri="{28A0092B-C50C-407E-A947-70E740481C1C}">
+                <a14:useLocalDpi xmlns:a14="http://schemas.microsoft.com/office/drawing/2010/main" val="0"/>
+              </a:ext>
+            </a:extLst>
+          </a:blip>
+          <a:stretch>
+            <a:fillRect/>
+          </a:stretch>
+        </p:blipFill>
+        <p:spPr>
+          <a:xfrm>
+            <a:off x="5602743" y="293914"/>
+            <a:ext cx="1219200" cy="1219200"/>
+          </a:xfrm>
+          <a:prstGeom prst="rect">
+            <a:avLst/>
+          </a:prstGeom>
+        </p:spPr>
+      </p:pic>
+      <p:pic>
+        <p:nvPicPr>
+          <p:cNvPr id="16" name="Picture 15"/>
+          <p:cNvPicPr>
+            <a:picLocks noChangeAspect="1"/>
+          </p:cNvPicPr>
+          <p:nvPr/>
+        </p:nvPicPr>
+        <p:blipFill>
+          <a:blip r:embed="rId16">
+            <a:lum bright="70000" contrast="-70000"/>
+            <a:extLst>
+              <a:ext uri="{28A0092B-C50C-407E-A947-70E740481C1C}">
+                <a14:useLocalDpi xmlns:a14="http://schemas.microsoft.com/office/drawing/2010/main" val="0"/>
+              </a:ext>
+            </a:extLst>
+          </a:blip>
+          <a:stretch>
+            <a:fillRect/>
+          </a:stretch>
+        </p:blipFill>
+        <p:spPr>
+          <a:xfrm>
+            <a:off x="5571372" y="3240772"/>
+            <a:ext cx="1219200" cy="1219200"/>
+          </a:xfrm>
+          <a:prstGeom prst="rect">
+            <a:avLst/>
+          </a:prstGeom>
+        </p:spPr>
+      </p:pic>
+      <p:pic>
+        <p:nvPicPr>
+          <p:cNvPr id="17" name="Picture 16"/>
+          <p:cNvPicPr>
+            <a:picLocks noChangeAspect="1"/>
+          </p:cNvPicPr>
+          <p:nvPr/>
+        </p:nvPicPr>
+        <p:blipFill>
+          <a:blip r:embed="rId17">
+            <a:lum bright="70000" contrast="-70000"/>
+            <a:extLst>
+              <a:ext uri="{28A0092B-C50C-407E-A947-70E740481C1C}">
+                <a14:useLocalDpi xmlns:a14="http://schemas.microsoft.com/office/drawing/2010/main" val="0"/>
+              </a:ext>
+            </a:extLst>
+          </a:blip>
+          <a:stretch>
+            <a:fillRect/>
+          </a:stretch>
+        </p:blipFill>
+        <p:spPr>
+          <a:xfrm>
+            <a:off x="7117200" y="388543"/>
+            <a:ext cx="1219200" cy="1219200"/>
+          </a:xfrm>
+          <a:prstGeom prst="rect">
+            <a:avLst/>
+          </a:prstGeom>
+        </p:spPr>
+      </p:pic>
+      <p:pic>
+        <p:nvPicPr>
+          <p:cNvPr id="18" name="Picture 17"/>
+          <p:cNvPicPr>
+            <a:picLocks noChangeAspect="1"/>
+          </p:cNvPicPr>
+          <p:nvPr/>
+        </p:nvPicPr>
+        <p:blipFill>
+          <a:blip r:embed="rId18">
+            <a:lum bright="70000" contrast="-70000"/>
+            <a:extLst>
+              <a:ext uri="{28A0092B-C50C-407E-A947-70E740481C1C}">
+                <a14:useLocalDpi xmlns:a14="http://schemas.microsoft.com/office/drawing/2010/main" val="0"/>
+              </a:ext>
+            </a:extLst>
+          </a:blip>
+          <a:stretch>
+            <a:fillRect/>
+          </a:stretch>
+        </p:blipFill>
+        <p:spPr>
+          <a:xfrm>
+            <a:off x="7211944" y="1819487"/>
+            <a:ext cx="1219200" cy="1219200"/>
+          </a:xfrm>
+          <a:prstGeom prst="rect">
+            <a:avLst/>
+          </a:prstGeom>
+        </p:spPr>
+      </p:pic>
+      <p:pic>
+        <p:nvPicPr>
+          <p:cNvPr id="19" name="Picture 18"/>
+          <p:cNvPicPr>
+            <a:picLocks noChangeAspect="1"/>
+          </p:cNvPicPr>
+          <p:nvPr/>
+        </p:nvPicPr>
+        <p:blipFill>
+          <a:blip r:embed="rId19">
+            <a:lum bright="70000" contrast="-70000"/>
+            <a:extLst>
+              <a:ext uri="{28A0092B-C50C-407E-A947-70E740481C1C}">
+                <a14:useLocalDpi xmlns:a14="http://schemas.microsoft.com/office/drawing/2010/main" val="0"/>
+              </a:ext>
+            </a:extLst>
+          </a:blip>
+          <a:stretch>
+            <a:fillRect/>
+          </a:stretch>
+        </p:blipFill>
+        <p:spPr>
+          <a:xfrm>
+            <a:off x="5624857" y="4609800"/>
+            <a:ext cx="1219200" cy="1219200"/>
+          </a:xfrm>
+          <a:prstGeom prst="rect">
+            <a:avLst/>
+          </a:prstGeom>
+        </p:spPr>
+      </p:pic>
+      <p:pic>
+        <p:nvPicPr>
+          <p:cNvPr id="20" name="Picture 19"/>
+          <p:cNvPicPr>
+            <a:picLocks noChangeAspect="1"/>
+          </p:cNvPicPr>
+          <p:nvPr/>
+        </p:nvPicPr>
+        <p:blipFill>
+          <a:blip r:embed="rId20">
+            <a:lum bright="70000" contrast="-70000"/>
+            <a:extLst>
+              <a:ext uri="{28A0092B-C50C-407E-A947-70E740481C1C}">
+                <a14:useLocalDpi xmlns:a14="http://schemas.microsoft.com/office/drawing/2010/main" val="0"/>
+              </a:ext>
+            </a:extLst>
+          </a:blip>
+          <a:stretch>
+            <a:fillRect/>
+          </a:stretch>
+        </p:blipFill>
+        <p:spPr>
+          <a:xfrm>
+            <a:off x="7284514" y="3295545"/>
+            <a:ext cx="1219200" cy="1219200"/>
+          </a:xfrm>
+          <a:prstGeom prst="rect">
+            <a:avLst/>
+          </a:prstGeom>
+        </p:spPr>
+      </p:pic>
+      <p:pic>
+        <p:nvPicPr>
+          <p:cNvPr id="21" name="Picture 20"/>
+          <p:cNvPicPr>
+            <a:picLocks noChangeAspect="1"/>
+          </p:cNvPicPr>
+          <p:nvPr/>
+        </p:nvPicPr>
+        <p:blipFill>
+          <a:blip r:embed="rId21">
+            <a:lum bright="70000" contrast="-70000"/>
+            <a:extLst>
+              <a:ext uri="{28A0092B-C50C-407E-A947-70E740481C1C}">
+                <a14:useLocalDpi xmlns:a14="http://schemas.microsoft.com/office/drawing/2010/main" val="0"/>
+              </a:ext>
+            </a:extLst>
+          </a:blip>
+          <a:stretch>
+            <a:fillRect/>
+          </a:stretch>
+        </p:blipFill>
+        <p:spPr>
+          <a:xfrm>
+            <a:off x="7309971" y="4675172"/>
+            <a:ext cx="1219200" cy="1219200"/>
+          </a:xfrm>
+          <a:prstGeom prst="rect">
+            <a:avLst/>
+          </a:prstGeom>
+        </p:spPr>
+      </p:pic>
+      <p:pic>
+        <p:nvPicPr>
+          <p:cNvPr id="22" name="Picture 21"/>
+          <p:cNvPicPr>
+            <a:picLocks noChangeAspect="1"/>
+          </p:cNvPicPr>
+          <p:nvPr/>
+        </p:nvPicPr>
+        <p:blipFill>
+          <a:blip r:embed="rId22">
+            <a:lum bright="70000" contrast="-70000"/>
+            <a:extLst>
+              <a:ext uri="{28A0092B-C50C-407E-A947-70E740481C1C}">
+                <a14:useLocalDpi xmlns:a14="http://schemas.microsoft.com/office/drawing/2010/main" val="0"/>
+              </a:ext>
+            </a:extLst>
+          </a:blip>
+          <a:stretch>
+            <a:fillRect/>
+          </a:stretch>
+        </p:blipFill>
+        <p:spPr>
+          <a:xfrm>
+            <a:off x="8636400" y="399829"/>
+            <a:ext cx="1219200" cy="1219200"/>
+          </a:xfrm>
+          <a:prstGeom prst="rect">
+            <a:avLst/>
+          </a:prstGeom>
+        </p:spPr>
+      </p:pic>
+      <p:pic>
+        <p:nvPicPr>
+          <p:cNvPr id="23" name="Picture 22"/>
+          <p:cNvPicPr>
+            <a:picLocks noChangeAspect="1"/>
+          </p:cNvPicPr>
+          <p:nvPr/>
+        </p:nvPicPr>
+        <p:blipFill>
+          <a:blip r:embed="rId23">
+            <a:lum bright="70000" contrast="-70000"/>
+            <a:extLst>
+              <a:ext uri="{28A0092B-C50C-407E-A947-70E740481C1C}">
+                <a14:useLocalDpi xmlns:a14="http://schemas.microsoft.com/office/drawing/2010/main" val="0"/>
+              </a:ext>
+            </a:extLst>
+          </a:blip>
+          <a:stretch>
+            <a:fillRect/>
+          </a:stretch>
+        </p:blipFill>
+        <p:spPr>
+          <a:xfrm>
+            <a:off x="10392629" y="488915"/>
+            <a:ext cx="1219200" cy="1219200"/>
+          </a:xfrm>
+          <a:prstGeom prst="rect">
+            <a:avLst/>
+          </a:prstGeom>
+        </p:spPr>
+      </p:pic>
+      <p:pic>
+        <p:nvPicPr>
+          <p:cNvPr id="24" name="Picture 23"/>
+          <p:cNvPicPr>
+            <a:picLocks noChangeAspect="1"/>
+          </p:cNvPicPr>
+          <p:nvPr/>
+        </p:nvPicPr>
+        <p:blipFill>
+          <a:blip r:embed="rId24">
+            <a:lum bright="70000" contrast="-70000"/>
+            <a:extLst>
+              <a:ext uri="{28A0092B-C50C-407E-A947-70E740481C1C}">
+                <a14:useLocalDpi xmlns:a14="http://schemas.microsoft.com/office/drawing/2010/main" val="0"/>
+              </a:ext>
+            </a:extLst>
+          </a:blip>
+          <a:stretch>
+            <a:fillRect/>
+          </a:stretch>
+        </p:blipFill>
+        <p:spPr>
+          <a:xfrm>
+            <a:off x="8731257" y="1827630"/>
+            <a:ext cx="1219200" cy="1219200"/>
+          </a:xfrm>
+          <a:prstGeom prst="rect">
+            <a:avLst/>
+          </a:prstGeom>
+        </p:spPr>
+      </p:pic>
+      <p:pic>
+        <p:nvPicPr>
+          <p:cNvPr id="25" name="Picture 24"/>
+          <p:cNvPicPr>
+            <a:picLocks noChangeAspect="1"/>
+          </p:cNvPicPr>
+          <p:nvPr/>
+        </p:nvPicPr>
+        <p:blipFill>
+          <a:blip r:embed="rId25">
+            <a:lum bright="70000" contrast="-70000"/>
+            <a:extLst>
+              <a:ext uri="{28A0092B-C50C-407E-A947-70E740481C1C}">
+                <a14:useLocalDpi xmlns:a14="http://schemas.microsoft.com/office/drawing/2010/main" val="0"/>
+              </a:ext>
+            </a:extLst>
+          </a:blip>
+          <a:stretch>
+            <a:fillRect/>
+          </a:stretch>
+        </p:blipFill>
+        <p:spPr>
+          <a:xfrm>
+            <a:off x="8784057" y="4774428"/>
+            <a:ext cx="1219200" cy="1219200"/>
+          </a:xfrm>
+          <a:prstGeom prst="rect">
+            <a:avLst/>
+          </a:prstGeom>
+        </p:spPr>
+      </p:pic>
+      <p:pic>
+        <p:nvPicPr>
+          <p:cNvPr id="26" name="Picture 25"/>
+          <p:cNvPicPr>
+            <a:picLocks noChangeAspect="1"/>
+          </p:cNvPicPr>
+          <p:nvPr/>
+        </p:nvPicPr>
+        <p:blipFill>
+          <a:blip r:embed="rId26">
+            <a:lum bright="70000" contrast="-70000"/>
+            <a:extLst>
+              <a:ext uri="{28A0092B-C50C-407E-A947-70E740481C1C}">
+                <a14:useLocalDpi xmlns:a14="http://schemas.microsoft.com/office/drawing/2010/main" val="0"/>
+              </a:ext>
+            </a:extLst>
+          </a:blip>
+          <a:stretch>
+            <a:fillRect/>
+          </a:stretch>
+        </p:blipFill>
+        <p:spPr>
+          <a:xfrm>
+            <a:off x="10396399" y="3390600"/>
+            <a:ext cx="1219200" cy="1219200"/>
+          </a:xfrm>
+          <a:prstGeom prst="rect">
+            <a:avLst/>
+          </a:prstGeom>
+        </p:spPr>
+      </p:pic>
+      <p:pic>
+        <p:nvPicPr>
+          <p:cNvPr id="27" name="Picture 26"/>
+          <p:cNvPicPr>
+            <a:picLocks noChangeAspect="1"/>
+          </p:cNvPicPr>
+          <p:nvPr/>
+        </p:nvPicPr>
+        <p:blipFill>
+          <a:blip r:embed="rId27">
+            <a:lum bright="70000" contrast="-70000"/>
+            <a:extLst>
+              <a:ext uri="{28A0092B-C50C-407E-A947-70E740481C1C}">
+                <a14:useLocalDpi xmlns:a14="http://schemas.microsoft.com/office/drawing/2010/main" val="0"/>
+              </a:ext>
+            </a:extLst>
+          </a:blip>
+          <a:stretch>
+            <a:fillRect/>
+          </a:stretch>
+        </p:blipFill>
+        <p:spPr>
+          <a:xfrm>
+            <a:off x="10349658" y="2076345"/>
+            <a:ext cx="1219200" cy="1219200"/>
+          </a:xfrm>
+          <a:prstGeom prst="rect">
+            <a:avLst/>
+          </a:prstGeom>
+        </p:spPr>
+      </p:pic>
+      <p:pic>
+        <p:nvPicPr>
+          <p:cNvPr id="28" name="Picture 27"/>
+          <p:cNvPicPr>
+            <a:picLocks noChangeAspect="1"/>
+          </p:cNvPicPr>
+          <p:nvPr/>
+        </p:nvPicPr>
+        <p:blipFill>
+          <a:blip r:embed="rId28">
+            <a:lum bright="70000" contrast="-70000"/>
+            <a:extLst>
+              <a:ext uri="{28A0092B-C50C-407E-A947-70E740481C1C}">
+                <a14:useLocalDpi xmlns:a14="http://schemas.microsoft.com/office/drawing/2010/main" val="0"/>
+              </a:ext>
+            </a:extLst>
+          </a:blip>
+          <a:stretch>
+            <a:fillRect/>
+          </a:stretch>
+        </p:blipFill>
+        <p:spPr>
+          <a:xfrm>
+            <a:off x="8773943" y="3438915"/>
+            <a:ext cx="1219200" cy="1219200"/>
+          </a:xfrm>
+          <a:prstGeom prst="rect">
+            <a:avLst/>
+          </a:prstGeom>
+        </p:spPr>
+      </p:pic>
+    </p:spTree>
+    <p:extLst>
+      <p:ext uri="{BB962C8B-B14F-4D97-AF65-F5344CB8AC3E}">
+        <p14:creationId xmlns:p14="http://schemas.microsoft.com/office/powerpoint/2010/main" val="214978686"/>
+      </p:ext>
+    </p:extLst>
+  </p:cSld>
+  <p:clrMapOvr>
+    <a:masterClrMapping/>
+  </p:clrMapOvr>
+</p:sld>
+</file>
+
+<file path=ppt/slides/slide37.xml><?xml version="1.0" encoding="utf-8"?>
+<p:sld xmlns:a="http://schemas.openxmlformats.org/drawingml/2006/main" xmlns:r="http://schemas.openxmlformats.org/officeDocument/2006/relationships" xmlns:p="http://schemas.openxmlformats.org/presentationml/2006/main" show="0">
+  <p:cSld>
+    <p:spTree>
+      <p:nvGrpSpPr>
+        <p:cNvPr id="1" name=""/>
+        <p:cNvGrpSpPr/>
+        <p:nvPr/>
+      </p:nvGrpSpPr>
+      <p:grpSpPr>
+        <a:xfrm>
+          <a:off x="0" y="0"/>
+          <a:ext cx="0" cy="0"/>
+          <a:chOff x="0" y="0"/>
+          <a:chExt cx="0" cy="0"/>
+        </a:xfrm>
+      </p:grpSpPr>
+      <p:pic>
+        <p:nvPicPr>
+          <p:cNvPr id="2" name="Picture 1"/>
+          <p:cNvPicPr>
+            <a:picLocks noChangeAspect="1"/>
+          </p:cNvPicPr>
+          <p:nvPr/>
+        </p:nvPicPr>
+        <p:blipFill>
+          <a:blip r:embed="rId2">
+            <a:lum bright="70000" contrast="-70000"/>
+            <a:extLst>
+              <a:ext uri="{28A0092B-C50C-407E-A947-70E740481C1C}">
+                <a14:useLocalDpi xmlns:a14="http://schemas.microsoft.com/office/drawing/2010/main" val="0"/>
+              </a:ext>
+            </a:extLst>
+          </a:blip>
+          <a:stretch>
+            <a:fillRect/>
+          </a:stretch>
+        </p:blipFill>
+        <p:spPr>
+          <a:xfrm>
             <a:off x="304800" y="373743"/>
             <a:ext cx="1219200" cy="1219200"/>
           </a:xfrm>
@@ -15529,7 +15470,7 @@
 </p:sld>
 </file>
 
-<file path=ppt/slides/slide37.xml><?xml version="1.0" encoding="utf-8"?>
+<file path=ppt/slides/slide38.xml><?xml version="1.0" encoding="utf-8"?>
 <p:sld xmlns:a="http://schemas.openxmlformats.org/drawingml/2006/main" xmlns:r="http://schemas.openxmlformats.org/officeDocument/2006/relationships" xmlns:p="http://schemas.openxmlformats.org/presentationml/2006/main" show="0">
   <p:cSld>
     <p:spTree>
@@ -16100,7 +16041,15 @@
           <a:p>
             <a:r>
               <a:rPr lang="en-US" dirty="0"/>
-              <a:t>What’s the difference?</a:t>
+              <a:t>Why are </a:t>
+            </a:r>
+            <a:r>
+              <a:rPr lang="en-US" dirty="0" err="1"/>
+              <a:t>Runspaces</a:t>
+            </a:r>
+            <a:r>
+              <a:rPr lang="en-US" dirty="0"/>
+              <a:t> special?</a:t>
             </a:r>
           </a:p>
         </p:txBody>
@@ -16680,7 +16629,7 @@
           <p:cNvPr id="2" name="Title 1">
             <a:extLst>
               <a:ext uri="{FF2B5EF4-FFF2-40B4-BE49-F238E27FC236}">
-                <a16:creationId xmlns:a16="http://schemas.microsoft.com/office/drawing/2014/main" id="{C3926DCF-E66B-45A3-8BC2-833F3C5A8AE7}"/>
+                <a16:creationId xmlns:a16="http://schemas.microsoft.com/office/drawing/2014/main" id="{38496E2A-78C1-4385-9EB9-E1D286757780}"/>
               </a:ext>
             </a:extLst>
           </p:cNvPr>
@@ -16698,124 +16647,300 @@
           <a:p>
             <a:r>
               <a:rPr lang="en-US" dirty="0"/>
-              <a:t>What are </a:t>
-            </a:r>
-            <a:r>
-              <a:rPr lang="en-US" dirty="0" err="1"/>
-              <a:t>runspaces</a:t>
-            </a:r>
-            <a:r>
-              <a:rPr lang="en-US" dirty="0"/>
-              <a:t>?</a:t>
+              <a:t>What is Threading?</a:t>
             </a:r>
           </a:p>
         </p:txBody>
       </p:sp>
       <p:sp>
         <p:nvSpPr>
-          <p:cNvPr id="3" name="Content Placeholder 2">
+          <p:cNvPr id="4" name="Content Placeholder 2">
             <a:extLst>
               <a:ext uri="{FF2B5EF4-FFF2-40B4-BE49-F238E27FC236}">
-                <a16:creationId xmlns:a16="http://schemas.microsoft.com/office/drawing/2014/main" id="{C4D8A890-4F84-4279-9A8A-D0751B1CE3AD}"/>
+                <a16:creationId xmlns:a16="http://schemas.microsoft.com/office/drawing/2014/main" id="{BAD88C20-43F1-47F2-8647-94F1B84C1480}"/>
               </a:ext>
             </a:extLst>
           </p:cNvPr>
-          <p:cNvSpPr>
-            <a:spLocks noGrp="1"/>
+          <p:cNvSpPr txBox="1">
+            <a:spLocks/>
           </p:cNvSpPr>
-          <p:nvPr>
-            <p:ph idx="1"/>
-          </p:nvPr>
+          <p:nvPr/>
         </p:nvSpPr>
-        <p:spPr/>
+        <p:spPr>
+          <a:xfrm>
+            <a:off x="609600" y="1257300"/>
+            <a:ext cx="10972800" cy="4800600"/>
+          </a:xfrm>
+          <a:prstGeom prst="rect">
+            <a:avLst/>
+          </a:prstGeom>
+        </p:spPr>
         <p:txBody>
           <a:bodyPr/>
-          <a:lstStyle/>
+          <a:lstStyle>
+            <a:lvl1pPr marL="285750" indent="-285750" algn="l" defTabSz="457200" rtl="0" eaLnBrk="1" latinLnBrk="0" hangingPunct="1">
+              <a:spcBef>
+                <a:spcPct val="20000"/>
+              </a:spcBef>
+              <a:spcAft>
+                <a:spcPts val="600"/>
+              </a:spcAft>
+              <a:buClr>
+                <a:schemeClr val="tx1"/>
+              </a:buClr>
+              <a:buSzPct val="80000"/>
+              <a:buFont typeface="Wingdings 3" panose="05040102010807070707" pitchFamily="18" charset="2"/>
+              <a:buChar char=""/>
+              <a:defRPr sz="2000" kern="1200" cap="none">
+                <a:solidFill>
+                  <a:schemeClr val="tx1"/>
+                </a:solidFill>
+                <a:effectLst/>
+                <a:latin typeface="+mn-lt"/>
+                <a:ea typeface="+mn-ea"/>
+                <a:cs typeface="+mn-cs"/>
+              </a:defRPr>
+            </a:lvl1pPr>
+            <a:lvl2pPr marL="742950" indent="-285750" algn="l" defTabSz="457200" rtl="0" eaLnBrk="1" latinLnBrk="0" hangingPunct="1">
+              <a:spcBef>
+                <a:spcPct val="20000"/>
+              </a:spcBef>
+              <a:spcAft>
+                <a:spcPts val="600"/>
+              </a:spcAft>
+              <a:buClr>
+                <a:schemeClr val="tx1"/>
+              </a:buClr>
+              <a:buSzPct val="80000"/>
+              <a:buFont typeface="Wingdings 3" panose="05040102010807070707" pitchFamily="18" charset="2"/>
+              <a:buChar char=""/>
+              <a:defRPr sz="1800" kern="1200" cap="none">
+                <a:solidFill>
+                  <a:schemeClr val="tx1"/>
+                </a:solidFill>
+                <a:effectLst/>
+                <a:latin typeface="+mn-lt"/>
+                <a:ea typeface="+mn-ea"/>
+                <a:cs typeface="+mn-cs"/>
+              </a:defRPr>
+            </a:lvl2pPr>
+            <a:lvl3pPr marL="1200150" indent="-285750" algn="l" defTabSz="457200" rtl="0" eaLnBrk="1" latinLnBrk="0" hangingPunct="1">
+              <a:spcBef>
+                <a:spcPct val="20000"/>
+              </a:spcBef>
+              <a:spcAft>
+                <a:spcPts val="600"/>
+              </a:spcAft>
+              <a:buClr>
+                <a:schemeClr val="tx1"/>
+              </a:buClr>
+              <a:buSzPct val="80000"/>
+              <a:buFont typeface="Wingdings 3" panose="05040102010807070707" pitchFamily="18" charset="2"/>
+              <a:buChar char=""/>
+              <a:defRPr sz="1600" kern="1200" cap="none">
+                <a:solidFill>
+                  <a:schemeClr val="tx1"/>
+                </a:solidFill>
+                <a:effectLst/>
+                <a:latin typeface="+mn-lt"/>
+                <a:ea typeface="+mn-ea"/>
+                <a:cs typeface="+mn-cs"/>
+              </a:defRPr>
+            </a:lvl3pPr>
+            <a:lvl4pPr marL="1543050" indent="-171450" algn="l" defTabSz="457200" rtl="0" eaLnBrk="1" latinLnBrk="0" hangingPunct="1">
+              <a:spcBef>
+                <a:spcPct val="20000"/>
+              </a:spcBef>
+              <a:spcAft>
+                <a:spcPts val="600"/>
+              </a:spcAft>
+              <a:buClr>
+                <a:schemeClr val="tx1"/>
+              </a:buClr>
+              <a:buSzPct val="80000"/>
+              <a:buFont typeface="Wingdings 3" panose="05040102010807070707" pitchFamily="18" charset="2"/>
+              <a:buChar char=""/>
+              <a:defRPr sz="1400" kern="1200" cap="none">
+                <a:solidFill>
+                  <a:schemeClr val="tx1"/>
+                </a:solidFill>
+                <a:effectLst/>
+                <a:latin typeface="+mn-lt"/>
+                <a:ea typeface="+mn-ea"/>
+                <a:cs typeface="+mn-cs"/>
+              </a:defRPr>
+            </a:lvl4pPr>
+            <a:lvl5pPr marL="2000250" indent="-171450" algn="l" defTabSz="457200" rtl="0" eaLnBrk="1" latinLnBrk="0" hangingPunct="1">
+              <a:spcBef>
+                <a:spcPct val="20000"/>
+              </a:spcBef>
+              <a:spcAft>
+                <a:spcPts val="600"/>
+              </a:spcAft>
+              <a:buClr>
+                <a:schemeClr val="tx1"/>
+              </a:buClr>
+              <a:buSzPct val="80000"/>
+              <a:buFont typeface="Wingdings 3" panose="05040102010807070707" pitchFamily="18" charset="2"/>
+              <a:buChar char=""/>
+              <a:defRPr sz="1400" kern="1200" cap="none">
+                <a:solidFill>
+                  <a:schemeClr val="tx1"/>
+                </a:solidFill>
+                <a:effectLst/>
+                <a:latin typeface="+mn-lt"/>
+                <a:ea typeface="+mn-ea"/>
+                <a:cs typeface="+mn-cs"/>
+              </a:defRPr>
+            </a:lvl5pPr>
+            <a:lvl6pPr marL="2514600" indent="-228600" algn="l" defTabSz="457200" rtl="0" eaLnBrk="1" latinLnBrk="0" hangingPunct="1">
+              <a:spcBef>
+                <a:spcPct val="20000"/>
+              </a:spcBef>
+              <a:spcAft>
+                <a:spcPts val="600"/>
+              </a:spcAft>
+              <a:buClr>
+                <a:schemeClr val="tx1"/>
+              </a:buClr>
+              <a:buSzPct val="80000"/>
+              <a:buFont typeface="Wingdings 3" panose="05040102010807070707" pitchFamily="18" charset="2"/>
+              <a:buChar char=""/>
+              <a:defRPr sz="1400" kern="1200" cap="none">
+                <a:solidFill>
+                  <a:schemeClr val="bg2">
+                    <a:lumMod val="75000"/>
+                  </a:schemeClr>
+                </a:solidFill>
+                <a:effectLst/>
+                <a:latin typeface="+mn-lt"/>
+                <a:ea typeface="+mn-ea"/>
+                <a:cs typeface="+mn-cs"/>
+              </a:defRPr>
+            </a:lvl6pPr>
+            <a:lvl7pPr marL="2971800" indent="-228600" algn="l" defTabSz="457200" rtl="0" eaLnBrk="1" latinLnBrk="0" hangingPunct="1">
+              <a:spcBef>
+                <a:spcPct val="20000"/>
+              </a:spcBef>
+              <a:spcAft>
+                <a:spcPts val="600"/>
+              </a:spcAft>
+              <a:buClr>
+                <a:schemeClr val="tx1"/>
+              </a:buClr>
+              <a:buSzPct val="80000"/>
+              <a:buFont typeface="Wingdings 3" panose="05040102010807070707" pitchFamily="18" charset="2"/>
+              <a:buChar char=""/>
+              <a:defRPr sz="1400" kern="1200" cap="none">
+                <a:solidFill>
+                  <a:schemeClr val="bg2">
+                    <a:lumMod val="75000"/>
+                  </a:schemeClr>
+                </a:solidFill>
+                <a:effectLst/>
+                <a:latin typeface="+mn-lt"/>
+                <a:ea typeface="+mn-ea"/>
+                <a:cs typeface="+mn-cs"/>
+              </a:defRPr>
+            </a:lvl7pPr>
+            <a:lvl8pPr marL="3429000" indent="-228600" algn="l" defTabSz="457200" rtl="0" eaLnBrk="1" latinLnBrk="0" hangingPunct="1">
+              <a:spcBef>
+                <a:spcPct val="20000"/>
+              </a:spcBef>
+              <a:spcAft>
+                <a:spcPts val="600"/>
+              </a:spcAft>
+              <a:buClr>
+                <a:schemeClr val="tx1"/>
+              </a:buClr>
+              <a:buSzPct val="80000"/>
+              <a:buFont typeface="Wingdings 3" panose="05040102010807070707" pitchFamily="18" charset="2"/>
+              <a:buChar char=""/>
+              <a:defRPr sz="1400" kern="1200" cap="none">
+                <a:solidFill>
+                  <a:schemeClr val="bg2">
+                    <a:lumMod val="75000"/>
+                  </a:schemeClr>
+                </a:solidFill>
+                <a:effectLst/>
+                <a:latin typeface="+mn-lt"/>
+                <a:ea typeface="+mn-ea"/>
+                <a:cs typeface="+mn-cs"/>
+              </a:defRPr>
+            </a:lvl8pPr>
+            <a:lvl9pPr marL="3886200" indent="-228600" algn="l" defTabSz="457200" rtl="0" eaLnBrk="1" latinLnBrk="0" hangingPunct="1">
+              <a:spcBef>
+                <a:spcPct val="20000"/>
+              </a:spcBef>
+              <a:spcAft>
+                <a:spcPts val="600"/>
+              </a:spcAft>
+              <a:buClr>
+                <a:schemeClr val="tx1"/>
+              </a:buClr>
+              <a:buSzPct val="80000"/>
+              <a:buFont typeface="Wingdings 3" panose="05040102010807070707" pitchFamily="18" charset="2"/>
+              <a:buChar char=""/>
+              <a:defRPr sz="1400" kern="1200" cap="none">
+                <a:solidFill>
+                  <a:schemeClr val="bg2">
+                    <a:lumMod val="75000"/>
+                  </a:schemeClr>
+                </a:solidFill>
+                <a:effectLst/>
+                <a:latin typeface="+mn-lt"/>
+                <a:ea typeface="+mn-ea"/>
+                <a:cs typeface="+mn-cs"/>
+              </a:defRPr>
+            </a:lvl9pPr>
+          </a:lstStyle>
           <a:p>
             <a:r>
               <a:rPr lang="en-US" dirty="0"/>
-              <a:t>A </a:t>
-            </a:r>
-            <a:r>
-              <a:rPr lang="en-US" dirty="0" err="1"/>
-              <a:t>runspace</a:t>
-            </a:r>
+              <a:t>Threads are a component of a process that Asynchronously execute commands/instructions.</a:t>
+            </a:r>
+          </a:p>
+          <a:p>
             <a:r>
               <a:rPr lang="en-US" dirty="0"/>
-              <a:t> is the operating environment for the commands that are invoked by the host application.</a:t>
+              <a:t>They share resources and memory.</a:t>
             </a:r>
           </a:p>
           <a:p>
             <a:r>
               <a:rPr lang="en-US" dirty="0"/>
-              <a:t>Part of the </a:t>
-            </a:r>
-            <a:r>
-              <a:rPr lang="en-US" dirty="0" err="1"/>
-              <a:t>System.Managment.Automation</a:t>
-            </a:r>
+              <a:t>Typically used for performance. </a:t>
+            </a:r>
+          </a:p>
+          <a:p>
+            <a:pPr lvl="1"/>
             <a:r>
               <a:rPr lang="en-US" dirty="0"/>
-              <a:t> namespace.</a:t>
-            </a:r>
-          </a:p>
-          <a:p>
+              <a:t>Break-up Large workloads into asynchronous tasks.</a:t>
+            </a:r>
+          </a:p>
+          <a:p>
+            <a:pPr lvl="1"/>
             <a:r>
               <a:rPr lang="en-US" dirty="0"/>
-              <a:t>Host applications can use the default </a:t>
-            </a:r>
-            <a:r>
-              <a:rPr lang="en-US" dirty="0" err="1"/>
-              <a:t>runspace</a:t>
-            </a:r>
+              <a:t>Preventing GUIs from being unresponsive.</a:t>
+            </a:r>
+          </a:p>
+          <a:p>
+            <a:pPr lvl="1"/>
             <a:r>
               <a:rPr lang="en-US" dirty="0"/>
-              <a:t> provided by Windows PowerShell or create a custom </a:t>
-            </a:r>
-            <a:r>
-              <a:rPr lang="en-US" dirty="0" err="1"/>
-              <a:t>runspace</a:t>
-            </a:r>
+              <a:t>Isolate actions and prevent variable collisions. </a:t>
+            </a:r>
+          </a:p>
+          <a:p>
             <a:r>
               <a:rPr lang="en-US" dirty="0"/>
-              <a:t>.</a:t>
-            </a:r>
-          </a:p>
-          <a:p>
-            <a:r>
-              <a:rPr lang="en-US" dirty="0"/>
-              <a:t>Multiple </a:t>
-            </a:r>
-            <a:r>
-              <a:rPr lang="en-US" dirty="0" err="1"/>
-              <a:t>runspaces</a:t>
-            </a:r>
-            <a:r>
-              <a:rPr lang="en-US" dirty="0"/>
-              <a:t> can be collectively run via </a:t>
-            </a:r>
-            <a:r>
-              <a:rPr lang="en-US" dirty="0" err="1"/>
-              <a:t>runspace</a:t>
-            </a:r>
-            <a:r>
-              <a:rPr lang="en-US" dirty="0"/>
-              <a:t> pools.</a:t>
-            </a:r>
-          </a:p>
-          <a:p>
-            <a:r>
-              <a:rPr lang="en-US" dirty="0"/>
-              <a:t>All PowerShell instances are run from within a </a:t>
-            </a:r>
-            <a:r>
-              <a:rPr lang="en-US" dirty="0" err="1"/>
-              <a:t>runspace</a:t>
-            </a:r>
-            <a:r>
-              <a:rPr lang="en-US" dirty="0"/>
-              <a:t>.</a:t>
-            </a:r>
+              <a:t>Can run under different credentials than the main process or other threads.</a:t>
+            </a:r>
+          </a:p>
+          <a:p>
+            <a:endParaRPr lang="en-US" dirty="0"/>
           </a:p>
           <a:p>
             <a:endParaRPr lang="en-US" dirty="0"/>
@@ -16825,7 +16950,7 @@
     </p:spTree>
     <p:extLst>
       <p:ext uri="{BB962C8B-B14F-4D97-AF65-F5344CB8AC3E}">
-        <p14:creationId xmlns:p14="http://schemas.microsoft.com/office/powerpoint/2010/main" val="321357401"/>
+        <p14:creationId xmlns:p14="http://schemas.microsoft.com/office/powerpoint/2010/main" val="2029769849"/>
       </p:ext>
     </p:extLst>
   </p:cSld>
@@ -16918,98 +17043,38 @@
       </p:grpSpPr>
       <p:sp>
         <p:nvSpPr>
-          <p:cNvPr id="2" name="Title 1">
-            <a:extLst>
-              <a:ext uri="{FF2B5EF4-FFF2-40B4-BE49-F238E27FC236}">
-                <a16:creationId xmlns:a16="http://schemas.microsoft.com/office/drawing/2014/main" id="{04E6967A-588C-4984-AEE2-4D79DCAC6260}"/>
-              </a:ext>
-            </a:extLst>
-          </p:cNvPr>
+          <p:cNvPr id="7" name="Text Placeholder 6"/>
           <p:cNvSpPr>
             <a:spLocks noGrp="1"/>
           </p:cNvSpPr>
           <p:nvPr>
-            <p:ph type="title"/>
+            <p:ph type="body" idx="1"/>
           </p:nvPr>
         </p:nvSpPr>
         <p:spPr/>
         <p:txBody>
-          <a:bodyPr/>
+          <a:bodyPr>
+            <a:normAutofit fontScale="92500" lnSpcReduction="10000"/>
+          </a:bodyPr>
           <a:lstStyle/>
           <a:p>
             <a:r>
               <a:rPr lang="en-US" dirty="0"/>
-              <a:t>When should I use a </a:t>
-            </a:r>
-            <a:r>
-              <a:rPr lang="en-US" dirty="0" err="1"/>
-              <a:t>runspace</a:t>
-            </a:r>
+              <a:t>Threading</a:t>
+            </a:r>
+          </a:p>
+          <a:p>
             <a:r>
               <a:rPr lang="en-US" dirty="0"/>
-              <a:t>?</a:t>
-            </a:r>
-          </a:p>
-        </p:txBody>
-      </p:sp>
-      <p:sp>
-        <p:nvSpPr>
-          <p:cNvPr id="3" name="Content Placeholder 2">
-            <a:extLst>
-              <a:ext uri="{FF2B5EF4-FFF2-40B4-BE49-F238E27FC236}">
-                <a16:creationId xmlns:a16="http://schemas.microsoft.com/office/drawing/2014/main" id="{60415FD9-2E2F-4699-8FD5-6FC4008BE6F8}"/>
-              </a:ext>
-            </a:extLst>
-          </p:cNvPr>
-          <p:cNvSpPr>
-            <a:spLocks noGrp="1"/>
-          </p:cNvSpPr>
-          <p:nvPr>
-            <p:ph idx="1"/>
-          </p:nvPr>
-        </p:nvSpPr>
-        <p:spPr/>
-        <p:txBody>
-          <a:bodyPr/>
-          <a:lstStyle/>
-          <a:p>
-            <a:r>
-              <a:rPr lang="en-US" dirty="0"/>
-              <a:t>You need multithreading performance</a:t>
-            </a:r>
-          </a:p>
-          <a:p>
-            <a:r>
-              <a:rPr lang="en-US" dirty="0"/>
-              <a:t>You need a high degree of control over your thread</a:t>
-            </a:r>
-          </a:p>
-          <a:p>
-            <a:r>
-              <a:rPr lang="en-US" dirty="0"/>
-              <a:t>You don’t want or need all of the resources associated with the default </a:t>
-            </a:r>
-            <a:r>
-              <a:rPr lang="en-US" dirty="0" err="1"/>
-              <a:t>runspace</a:t>
-            </a:r>
-            <a:endParaRPr lang="en-US" dirty="0"/>
-          </a:p>
-          <a:p>
-            <a:r>
-              <a:rPr lang="en-US" dirty="0"/>
-              <a:t>You need to be able to track and interact each thread individually</a:t>
-            </a:r>
-          </a:p>
-          <a:p>
-            <a:endParaRPr lang="en-US" dirty="0"/>
+              <a:t>Q&amp;A</a:t>
+            </a:r>
           </a:p>
         </p:txBody>
       </p:sp>
     </p:spTree>
     <p:extLst>
       <p:ext uri="{BB962C8B-B14F-4D97-AF65-F5344CB8AC3E}">
-        <p14:creationId xmlns:p14="http://schemas.microsoft.com/office/powerpoint/2010/main" val="1651199129"/>
+        <p14:creationId xmlns:p14="http://schemas.microsoft.com/office/powerpoint/2010/main" val="1094768578"/>
       </p:ext>
     </p:extLst>
   </p:cSld>
@@ -18134,21 +18199,6 @@
 </file>
 
 <file path=customXml/item1.xml><?xml version="1.0" encoding="utf-8"?>
-<?mso-contentType ?>
-<FormTemplates xmlns="http://schemas.microsoft.com/sharepoint/v3/contenttype/forms">
-  <Display>DocumentLibraryForm</Display>
-  <Edit>DocumentLibraryForm</Edit>
-  <New>DocumentLibraryForm</New>
-</FormTemplates>
-</file>
-
-<file path=customXml/item2.xml><?xml version="1.0" encoding="utf-8"?>
-<p:properties xmlns:p="http://schemas.microsoft.com/office/2006/metadata/properties" xmlns:xsi="http://www.w3.org/2001/XMLSchema-instance" xmlns:pc="http://schemas.microsoft.com/office/infopath/2007/PartnerControls">
-  <documentManagement/>
-</p:properties>
-</file>
-
-<file path=customXml/item3.xml><?xml version="1.0" encoding="utf-8"?>
 <ct:contentTypeSchema xmlns:ct="http://schemas.microsoft.com/office/2006/metadata/contentType" xmlns:ma="http://schemas.microsoft.com/office/2006/metadata/properties/metaAttributes" ct:_="" ma:_="" ma:contentTypeName="Document" ma:contentTypeID="0x010100CFD7474EC5F9804A8C0915A0D2B3E72B" ma:contentTypeVersion="6" ma:contentTypeDescription="Create a new document." ma:contentTypeScope="" ma:versionID="1e506071d132a47b68c5589909b09f0e">
   <xsd:schema xmlns:xsd="http://www.w3.org/2001/XMLSchema" xmlns:xs="http://www.w3.org/2001/XMLSchema" xmlns:p="http://schemas.microsoft.com/office/2006/metadata/properties" xmlns:ns2="437d3976-146d-487e-9b32-45ade7cdb3c3" xmlns:ns3="ba924082-f255-4689-bc14-7c311a17681c" targetNamespace="http://schemas.microsoft.com/office/2006/metadata/properties" ma:root="true" ma:fieldsID="d9451a99ae5dfcf301f63b02ef9f83d5" ns2:_="" ns3:_="">
     <xsd:import namespace="437d3976-146d-487e-9b32-45ade7cdb3c3"/>
@@ -18327,10 +18377,36 @@
 </ct:contentTypeSchema>
 </file>
 
+<file path=customXml/item2.xml><?xml version="1.0" encoding="utf-8"?>
+<p:properties xmlns:p="http://schemas.microsoft.com/office/2006/metadata/properties" xmlns:xsi="http://www.w3.org/2001/XMLSchema-instance" xmlns:pc="http://schemas.microsoft.com/office/infopath/2007/PartnerControls">
+  <documentManagement/>
+</p:properties>
+</file>
+
+<file path=customXml/item3.xml><?xml version="1.0" encoding="utf-8"?>
+<?mso-contentType ?>
+<FormTemplates xmlns="http://schemas.microsoft.com/sharepoint/v3/contenttype/forms">
+  <Display>DocumentLibraryForm</Display>
+  <Edit>DocumentLibraryForm</Edit>
+  <New>DocumentLibraryForm</New>
+</FormTemplates>
+</file>
+
 <file path=customXml/itemProps1.xml><?xml version="1.0" encoding="utf-8"?>
-<ds:datastoreItem xmlns:ds="http://schemas.openxmlformats.org/officeDocument/2006/customXml" ds:itemID="{8F9099B0-B9E3-45A6-848D-7EA25626C078}">
+<ds:datastoreItem xmlns:ds="http://schemas.openxmlformats.org/officeDocument/2006/customXml" ds:itemID="{1881FD18-C877-47D9-A9C8-9B9EB7A5D424}">
   <ds:schemaRefs>
-    <ds:schemaRef ds:uri="http://schemas.microsoft.com/sharepoint/v3/contenttype/forms"/>
+    <ds:schemaRef ds:uri="http://schemas.microsoft.com/office/2006/metadata/contentType"/>
+    <ds:schemaRef ds:uri="http://schemas.microsoft.com/office/2006/metadata/properties/metaAttributes"/>
+    <ds:schemaRef ds:uri="http://www.w3.org/2001/XMLSchema"/>
+    <ds:schemaRef ds:uri="http://schemas.microsoft.com/office/2006/metadata/properties"/>
+    <ds:schemaRef ds:uri="437d3976-146d-487e-9b32-45ade7cdb3c3"/>
+    <ds:schemaRef ds:uri="ba924082-f255-4689-bc14-7c311a17681c"/>
+    <ds:schemaRef ds:uri="http://schemas.microsoft.com/office/2006/documentManagement/types"/>
+    <ds:schemaRef ds:uri="http://schemas.microsoft.com/office/infopath/2007/PartnerControls"/>
+    <ds:schemaRef ds:uri="http://schemas.openxmlformats.org/package/2006/metadata/core-properties"/>
+    <ds:schemaRef ds:uri="http://purl.org/dc/elements/1.1/"/>
+    <ds:schemaRef ds:uri="http://purl.org/dc/terms/"/>
+    <ds:schemaRef ds:uri="http://schemas.microsoft.com/internal/obd"/>
   </ds:schemaRefs>
 </ds:datastoreItem>
 </file>
@@ -18353,20 +18429,9 @@
 </file>
 
 <file path=customXml/itemProps3.xml><?xml version="1.0" encoding="utf-8"?>
-<ds:datastoreItem xmlns:ds="http://schemas.openxmlformats.org/officeDocument/2006/customXml" ds:itemID="{1881FD18-C877-47D9-A9C8-9B9EB7A5D424}">
+<ds:datastoreItem xmlns:ds="http://schemas.openxmlformats.org/officeDocument/2006/customXml" ds:itemID="{8F9099B0-B9E3-45A6-848D-7EA25626C078}">
   <ds:schemaRefs>
-    <ds:schemaRef ds:uri="http://schemas.microsoft.com/office/2006/metadata/contentType"/>
-    <ds:schemaRef ds:uri="http://schemas.microsoft.com/office/2006/metadata/properties/metaAttributes"/>
-    <ds:schemaRef ds:uri="http://www.w3.org/2001/XMLSchema"/>
-    <ds:schemaRef ds:uri="http://schemas.microsoft.com/office/2006/metadata/properties"/>
-    <ds:schemaRef ds:uri="437d3976-146d-487e-9b32-45ade7cdb3c3"/>
-    <ds:schemaRef ds:uri="ba924082-f255-4689-bc14-7c311a17681c"/>
-    <ds:schemaRef ds:uri="http://schemas.microsoft.com/office/2006/documentManagement/types"/>
-    <ds:schemaRef ds:uri="http://schemas.microsoft.com/office/infopath/2007/PartnerControls"/>
-    <ds:schemaRef ds:uri="http://schemas.openxmlformats.org/package/2006/metadata/core-properties"/>
-    <ds:schemaRef ds:uri="http://purl.org/dc/elements/1.1/"/>
-    <ds:schemaRef ds:uri="http://purl.org/dc/terms/"/>
-    <ds:schemaRef ds:uri="http://schemas.microsoft.com/internal/obd"/>
+    <ds:schemaRef ds:uri="http://schemas.microsoft.com/sharepoint/v3/contenttype/forms"/>
   </ds:schemaRefs>
 </ds:datastoreItem>
 </file>
--- a/High-performance powershell through the magic of runspaces.pptx
+++ b/High-performance powershell through the magic of runspaces.pptx
@@ -5,7 +5,7 @@
     <p:sldMasterId id="2147483648" r:id="rId4"/>
   </p:sldMasterIdLst>
   <p:notesMasterIdLst>
-    <p:notesMasterId r:id="rId45"/>
+    <p:notesMasterId r:id="rId46"/>
   </p:notesMasterIdLst>
   <p:sldIdLst>
     <p:sldId id="256" r:id="rId5"/>
@@ -27,27 +27,28 @@
     <p:sldId id="291" r:id="rId21"/>
     <p:sldId id="294" r:id="rId22"/>
     <p:sldId id="292" r:id="rId23"/>
-    <p:sldId id="259" r:id="rId24"/>
-    <p:sldId id="279" r:id="rId25"/>
-    <p:sldId id="295" r:id="rId26"/>
-    <p:sldId id="258" r:id="rId27"/>
-    <p:sldId id="260" r:id="rId28"/>
-    <p:sldId id="278" r:id="rId29"/>
-    <p:sldId id="262" r:id="rId30"/>
-    <p:sldId id="263" r:id="rId31"/>
-    <p:sldId id="264" r:id="rId32"/>
-    <p:sldId id="265" r:id="rId33"/>
-    <p:sldId id="266" r:id="rId34"/>
-    <p:sldId id="267" r:id="rId35"/>
-    <p:sldId id="268" r:id="rId36"/>
-    <p:sldId id="269" r:id="rId37"/>
-    <p:sldId id="270" r:id="rId38"/>
-    <p:sldId id="271" r:id="rId39"/>
-    <p:sldId id="272" r:id="rId40"/>
-    <p:sldId id="273" r:id="rId41"/>
-    <p:sldId id="274" r:id="rId42"/>
-    <p:sldId id="275" r:id="rId43"/>
-    <p:sldId id="276" r:id="rId44"/>
+    <p:sldId id="298" r:id="rId24"/>
+    <p:sldId id="259" r:id="rId25"/>
+    <p:sldId id="279" r:id="rId26"/>
+    <p:sldId id="295" r:id="rId27"/>
+    <p:sldId id="258" r:id="rId28"/>
+    <p:sldId id="260" r:id="rId29"/>
+    <p:sldId id="278" r:id="rId30"/>
+    <p:sldId id="262" r:id="rId31"/>
+    <p:sldId id="263" r:id="rId32"/>
+    <p:sldId id="264" r:id="rId33"/>
+    <p:sldId id="265" r:id="rId34"/>
+    <p:sldId id="266" r:id="rId35"/>
+    <p:sldId id="267" r:id="rId36"/>
+    <p:sldId id="268" r:id="rId37"/>
+    <p:sldId id="269" r:id="rId38"/>
+    <p:sldId id="270" r:id="rId39"/>
+    <p:sldId id="271" r:id="rId40"/>
+    <p:sldId id="272" r:id="rId41"/>
+    <p:sldId id="273" r:id="rId42"/>
+    <p:sldId id="274" r:id="rId43"/>
+    <p:sldId id="275" r:id="rId44"/>
+    <p:sldId id="276" r:id="rId45"/>
   </p:sldIdLst>
   <p:sldSz cx="12192000" cy="6858000"/>
   <p:notesSz cx="6858000" cy="9144000"/>
@@ -174,6 +175,7 @@
             <p14:sldId id="291"/>
             <p14:sldId id="294"/>
             <p14:sldId id="292"/>
+            <p14:sldId id="298"/>
             <p14:sldId id="259"/>
             <p14:sldId id="279"/>
             <p14:sldId id="295"/>
@@ -302,7 +304,7 @@
           <a:p>
             <a:fld id="{EC2CC04A-C335-487A-8178-6C90F0F29C95}" type="datetimeFigureOut">
               <a:rPr lang="en-US" smtClean="0"/>
-              <a:t>4/25/2019</a:t>
+              <a:t>5/7/2019</a:t>
             </a:fld>
             <a:endParaRPr lang="en-US"/>
           </a:p>
@@ -7077,7 +7079,7 @@
 </file>
 
 <file path=ppt/slides/slide19.xml><?xml version="1.0" encoding="utf-8"?>
-<p:sld xmlns:a="http://schemas.openxmlformats.org/drawingml/2006/main" xmlns:r="http://schemas.openxmlformats.org/officeDocument/2006/relationships" xmlns:p="http://schemas.openxmlformats.org/presentationml/2006/main">
+<p:sld xmlns:a="http://schemas.openxmlformats.org/drawingml/2006/main" xmlns:r="http://schemas.openxmlformats.org/officeDocument/2006/relationships" xmlns:p="http://schemas.openxmlformats.org/presentationml/2006/main" show="0">
   <p:cSld>
     <p:spTree>
       <p:nvGrpSpPr>
@@ -7523,10 +7525,157 @@
           <a:chExt cx="0" cy="0"/>
         </a:xfrm>
       </p:grpSpPr>
+      <p:sp>
+        <p:nvSpPr>
+          <p:cNvPr id="2" name="Title 1">
+            <a:extLst>
+              <a:ext uri="{FF2B5EF4-FFF2-40B4-BE49-F238E27FC236}">
+                <a16:creationId xmlns:a16="http://schemas.microsoft.com/office/drawing/2014/main" id="{04E6967A-588C-4984-AEE2-4D79DCAC6260}"/>
+              </a:ext>
+            </a:extLst>
+          </p:cNvPr>
+          <p:cNvSpPr>
+            <a:spLocks noGrp="1"/>
+          </p:cNvSpPr>
+          <p:nvPr>
+            <p:ph type="title"/>
+          </p:nvPr>
+        </p:nvSpPr>
+        <p:spPr/>
+        <p:txBody>
+          <a:bodyPr/>
+          <a:lstStyle/>
+          <a:p>
+            <a:r>
+              <a:rPr lang="en-US" dirty="0"/>
+              <a:t>Wrap up</a:t>
+            </a:r>
+          </a:p>
+        </p:txBody>
+      </p:sp>
+      <p:sp>
+        <p:nvSpPr>
+          <p:cNvPr id="7" name="Content Placeholder 6">
+            <a:extLst>
+              <a:ext uri="{FF2B5EF4-FFF2-40B4-BE49-F238E27FC236}">
+                <a16:creationId xmlns:a16="http://schemas.microsoft.com/office/drawing/2014/main" id="{B17E11F6-D4A8-4E38-922E-76305F9FD821}"/>
+              </a:ext>
+            </a:extLst>
+          </p:cNvPr>
+          <p:cNvSpPr>
+            <a:spLocks noGrp="1"/>
+          </p:cNvSpPr>
+          <p:nvPr>
+            <p:ph idx="1"/>
+          </p:nvPr>
+        </p:nvSpPr>
+        <p:spPr/>
+        <p:txBody>
+          <a:bodyPr/>
+          <a:lstStyle/>
+          <a:p>
+            <a:r>
+              <a:rPr lang="en-US" dirty="0" err="1"/>
+              <a:t>Runspaces</a:t>
+            </a:r>
+            <a:r>
+              <a:rPr lang="en-US" dirty="0"/>
+              <a:t> can have great performance!</a:t>
+            </a:r>
+          </a:p>
+          <a:p>
+            <a:pPr marL="0" indent="0">
+              <a:buNone/>
+            </a:pPr>
+            <a:endParaRPr lang="en-US" dirty="0"/>
+          </a:p>
+          <a:p>
+            <a:r>
+              <a:rPr lang="en-US" dirty="0"/>
+              <a:t>Three main parts:</a:t>
+            </a:r>
+          </a:p>
+          <a:p>
+            <a:pPr lvl="1"/>
+            <a:r>
+              <a:rPr lang="en-US" dirty="0" err="1"/>
+              <a:t>InitialSessionState</a:t>
+            </a:r>
+            <a:r>
+              <a:rPr lang="en-US" dirty="0"/>
+              <a:t>/</a:t>
+            </a:r>
+            <a:r>
+              <a:rPr lang="en-US" dirty="0" err="1"/>
+              <a:t>SessionStateProxy</a:t>
+            </a:r>
+            <a:endParaRPr lang="en-US" dirty="0"/>
+          </a:p>
+          <a:p>
+            <a:pPr lvl="1"/>
+            <a:r>
+              <a:rPr lang="en-US" dirty="0" err="1"/>
+              <a:t>Runspace</a:t>
+            </a:r>
+            <a:r>
+              <a:rPr lang="en-US" dirty="0"/>
+              <a:t>/</a:t>
+            </a:r>
+            <a:r>
+              <a:rPr lang="en-US" dirty="0" err="1"/>
+              <a:t>RunspacePool</a:t>
+            </a:r>
+            <a:endParaRPr lang="en-US" dirty="0"/>
+          </a:p>
+          <a:p>
+            <a:pPr lvl="1"/>
+            <a:r>
+              <a:rPr lang="en-US" dirty="0" err="1"/>
+              <a:t>Powershell</a:t>
+            </a:r>
+            <a:r>
+              <a:rPr lang="en-US" dirty="0"/>
+              <a:t> </a:t>
+            </a:r>
+          </a:p>
+          <a:p>
+            <a:pPr marL="0" indent="0">
+              <a:buNone/>
+            </a:pPr>
+            <a:endParaRPr lang="en-US" dirty="0"/>
+          </a:p>
+          <a:p>
+            <a:r>
+              <a:rPr lang="en-US" dirty="0"/>
+              <a:t>Debugging uses native </a:t>
+            </a:r>
+            <a:r>
+              <a:rPr lang="en-US" dirty="0" err="1"/>
+              <a:t>powershell</a:t>
+            </a:r>
+            <a:r>
+              <a:rPr lang="en-US" dirty="0"/>
+              <a:t> commands</a:t>
+            </a:r>
+          </a:p>
+          <a:p>
+            <a:endParaRPr lang="en-US" dirty="0"/>
+          </a:p>
+          <a:p>
+            <a:endParaRPr lang="en-US" dirty="0"/>
+          </a:p>
+          <a:p>
+            <a:endParaRPr lang="en-US" dirty="0"/>
+          </a:p>
+          <a:p>
+            <a:endParaRPr lang="en-US" dirty="0"/>
+          </a:p>
+        </p:txBody>
+      </p:sp>
     </p:spTree>
     <p:extLst>
       <p:ext uri="{BB962C8B-B14F-4D97-AF65-F5344CB8AC3E}">
-        <p14:creationId xmlns:p14="http://schemas.microsoft.com/office/powerpoint/2010/main" val="4063178677"/>
+        <p14:creationId xmlns:p14="http://schemas.microsoft.com/office/powerpoint/2010/main" val="1262331667"/>
       </p:ext>
     </p:extLst>
   </p:cSld>
@@ -7553,86 +7702,10 @@
           <a:chExt cx="0" cy="0"/>
         </a:xfrm>
       </p:grpSpPr>
-      <p:pic>
-        <p:nvPicPr>
-          <p:cNvPr id="6" name="Picture 5"/>
-          <p:cNvPicPr>
-            <a:picLocks noChangeAspect="1"/>
-          </p:cNvPicPr>
-          <p:nvPr/>
-        </p:nvPicPr>
-        <p:blipFill>
-          <a:blip r:embed="rId2">
-            <a:extLst>
-              <a:ext uri="{28A0092B-C50C-407E-A947-70E740481C1C}">
-                <a14:useLocalDpi xmlns:a14="http://schemas.microsoft.com/office/drawing/2010/main" val="0"/>
-              </a:ext>
-            </a:extLst>
-          </a:blip>
-          <a:stretch>
-            <a:fillRect/>
-          </a:stretch>
-        </p:blipFill>
-        <p:spPr>
-          <a:xfrm>
-            <a:off x="1066800" y="1304223"/>
-            <a:ext cx="10058400" cy="3730913"/>
-          </a:xfrm>
-          <a:prstGeom prst="rect">
-            <a:avLst/>
-          </a:prstGeom>
-        </p:spPr>
-      </p:pic>
-      <p:sp>
-        <p:nvSpPr>
-          <p:cNvPr id="2" name="Rectangle 1"/>
-          <p:cNvSpPr/>
-          <p:nvPr/>
-        </p:nvSpPr>
-        <p:spPr>
-          <a:xfrm>
-            <a:off x="10671048" y="6309360"/>
-            <a:ext cx="1508760" cy="548640"/>
-          </a:xfrm>
-          <a:prstGeom prst="rect">
-            <a:avLst/>
-          </a:prstGeom>
-          <a:solidFill>
-            <a:schemeClr val="bg1"/>
-          </a:solidFill>
-          <a:ln>
-            <a:noFill/>
-          </a:ln>
-        </p:spPr>
-        <p:style>
-          <a:lnRef idx="2">
-            <a:schemeClr val="accent1">
-              <a:shade val="50000"/>
-            </a:schemeClr>
-          </a:lnRef>
-          <a:fillRef idx="1">
-            <a:schemeClr val="accent1"/>
-          </a:fillRef>
-          <a:effectRef idx="0">
-            <a:schemeClr val="accent1"/>
-          </a:effectRef>
-          <a:fontRef idx="minor">
-            <a:schemeClr val="lt1"/>
-          </a:fontRef>
-        </p:style>
-        <p:txBody>
-          <a:bodyPr rtlCol="0" anchor="ctr"/>
-          <a:lstStyle/>
-          <a:p>
-            <a:pPr algn="ctr"/>
-            <a:endParaRPr lang="en-US" dirty="0"/>
-          </a:p>
-        </p:txBody>
-      </p:sp>
     </p:spTree>
     <p:extLst>
       <p:ext uri="{BB962C8B-B14F-4D97-AF65-F5344CB8AC3E}">
-        <p14:creationId xmlns:p14="http://schemas.microsoft.com/office/powerpoint/2010/main" val="525927402"/>
+        <p14:creationId xmlns:p14="http://schemas.microsoft.com/office/powerpoint/2010/main" val="4063178677"/>
       </p:ext>
     </p:extLst>
   </p:cSld>
@@ -7659,6 +7732,112 @@
           <a:chExt cx="0" cy="0"/>
         </a:xfrm>
       </p:grpSpPr>
+      <p:pic>
+        <p:nvPicPr>
+          <p:cNvPr id="6" name="Picture 5"/>
+          <p:cNvPicPr>
+            <a:picLocks noChangeAspect="1"/>
+          </p:cNvPicPr>
+          <p:nvPr/>
+        </p:nvPicPr>
+        <p:blipFill>
+          <a:blip r:embed="rId2">
+            <a:extLst>
+              <a:ext uri="{28A0092B-C50C-407E-A947-70E740481C1C}">
+                <a14:useLocalDpi xmlns:a14="http://schemas.microsoft.com/office/drawing/2010/main" val="0"/>
+              </a:ext>
+            </a:extLst>
+          </a:blip>
+          <a:stretch>
+            <a:fillRect/>
+          </a:stretch>
+        </p:blipFill>
+        <p:spPr>
+          <a:xfrm>
+            <a:off x="1066800" y="1304223"/>
+            <a:ext cx="10058400" cy="3730913"/>
+          </a:xfrm>
+          <a:prstGeom prst="rect">
+            <a:avLst/>
+          </a:prstGeom>
+        </p:spPr>
+      </p:pic>
+      <p:sp>
+        <p:nvSpPr>
+          <p:cNvPr id="2" name="Rectangle 1"/>
+          <p:cNvSpPr/>
+          <p:nvPr/>
+        </p:nvSpPr>
+        <p:spPr>
+          <a:xfrm>
+            <a:off x="10671048" y="6309360"/>
+            <a:ext cx="1508760" cy="548640"/>
+          </a:xfrm>
+          <a:prstGeom prst="rect">
+            <a:avLst/>
+          </a:prstGeom>
+          <a:solidFill>
+            <a:schemeClr val="bg1"/>
+          </a:solidFill>
+          <a:ln>
+            <a:noFill/>
+          </a:ln>
+        </p:spPr>
+        <p:style>
+          <a:lnRef idx="2">
+            <a:schemeClr val="accent1">
+              <a:shade val="50000"/>
+            </a:schemeClr>
+          </a:lnRef>
+          <a:fillRef idx="1">
+            <a:schemeClr val="accent1"/>
+          </a:fillRef>
+          <a:effectRef idx="0">
+            <a:schemeClr val="accent1"/>
+          </a:effectRef>
+          <a:fontRef idx="minor">
+            <a:schemeClr val="lt1"/>
+          </a:fontRef>
+        </p:style>
+        <p:txBody>
+          <a:bodyPr rtlCol="0" anchor="ctr"/>
+          <a:lstStyle/>
+          <a:p>
+            <a:pPr algn="ctr"/>
+            <a:endParaRPr lang="en-US" dirty="0"/>
+          </a:p>
+        </p:txBody>
+      </p:sp>
+    </p:spTree>
+    <p:extLst>
+      <p:ext uri="{BB962C8B-B14F-4D97-AF65-F5344CB8AC3E}">
+        <p14:creationId xmlns:p14="http://schemas.microsoft.com/office/powerpoint/2010/main" val="525927402"/>
+      </p:ext>
+    </p:extLst>
+  </p:cSld>
+  <p:clrMapOvr>
+    <a:masterClrMapping/>
+  </p:clrMapOvr>
+</p:sld>
+</file>
+
+<file path=ppt/slides/slide23.xml><?xml version="1.0" encoding="utf-8"?>
+<p:sld xmlns:a="http://schemas.openxmlformats.org/drawingml/2006/main" xmlns:r="http://schemas.openxmlformats.org/officeDocument/2006/relationships" xmlns:p="http://schemas.openxmlformats.org/presentationml/2006/main">
+  <p:cSld>
+    <p:spTree>
+      <p:nvGrpSpPr>
+        <p:cNvPr id="1" name=""/>
+        <p:cNvGrpSpPr/>
+        <p:nvPr/>
+      </p:nvGrpSpPr>
+      <p:grpSpPr>
+        <a:xfrm>
+          <a:off x="0" y="0"/>
+          <a:ext cx="0" cy="0"/>
+          <a:chOff x="0" y="0"/>
+          <a:chExt cx="0" cy="0"/>
+        </a:xfrm>
+      </p:grpSpPr>
       <p:sp>
         <p:nvSpPr>
           <p:cNvPr id="2" name="Title 1">
@@ -7752,7 +7931,7 @@
 </p:sld>
 </file>
 
-<file path=ppt/slides/slide23.xml><?xml version="1.0" encoding="utf-8"?>
+<file path=ppt/slides/slide24.xml><?xml version="1.0" encoding="utf-8"?>
 <p:sld xmlns:a="http://schemas.openxmlformats.org/drawingml/2006/main" xmlns:r="http://schemas.openxmlformats.org/officeDocument/2006/relationships" xmlns:p="http://schemas.openxmlformats.org/presentationml/2006/main" show="0">
   <p:cSld>
     <p:spTree>
@@ -7842,7 +8021,7 @@
 </p:sld>
 </file>
 
-<file path=ppt/slides/slide24.xml><?xml version="1.0" encoding="utf-8"?>
+<file path=ppt/slides/slide25.xml><?xml version="1.0" encoding="utf-8"?>
 <p:sld xmlns:a="http://schemas.openxmlformats.org/drawingml/2006/main" xmlns:r="http://schemas.openxmlformats.org/officeDocument/2006/relationships" xmlns:p="http://schemas.openxmlformats.org/presentationml/2006/main" show="0">
   <p:cSld>
     <p:spTree>
@@ -7916,7 +8095,7 @@
 </p:sld>
 </file>
 
-<file path=ppt/slides/slide25.xml><?xml version="1.0" encoding="utf-8"?>
+<file path=ppt/slides/slide26.xml><?xml version="1.0" encoding="utf-8"?>
 <p:sld xmlns:a="http://schemas.openxmlformats.org/drawingml/2006/main" xmlns:r="http://schemas.openxmlformats.org/officeDocument/2006/relationships" xmlns:p="http://schemas.openxmlformats.org/presentationml/2006/main" show="0">
   <p:cSld>
     <p:spTree>
@@ -8014,7 +8193,7 @@
 </p:sld>
 </file>
 
-<file path=ppt/slides/slide26.xml><?xml version="1.0" encoding="utf-8"?>
+<file path=ppt/slides/slide27.xml><?xml version="1.0" encoding="utf-8"?>
 <p:sld xmlns:a="http://schemas.openxmlformats.org/drawingml/2006/main" xmlns:r="http://schemas.openxmlformats.org/officeDocument/2006/relationships" xmlns:p="http://schemas.openxmlformats.org/presentationml/2006/main" show="0">
   <p:cSld>
     <p:spTree>
@@ -8088,7 +8267,7 @@
 </p:sld>
 </file>
 
-<file path=ppt/slides/slide27.xml><?xml version="1.0" encoding="utf-8"?>
+<file path=ppt/slides/slide28.xml><?xml version="1.0" encoding="utf-8"?>
 <p:sld xmlns:a="http://schemas.openxmlformats.org/drawingml/2006/main" xmlns:r="http://schemas.openxmlformats.org/officeDocument/2006/relationships" xmlns:p="http://schemas.openxmlformats.org/presentationml/2006/main" show="0">
   <p:cSld>
     <p:spTree>
@@ -8161,7 +8340,7 @@
 </p:sld>
 </file>
 
-<file path=ppt/slides/slide28.xml><?xml version="1.0" encoding="utf-8"?>
+<file path=ppt/slides/slide29.xml><?xml version="1.0" encoding="utf-8"?>
 <p:sld xmlns:a="http://schemas.openxmlformats.org/drawingml/2006/main" xmlns:r="http://schemas.openxmlformats.org/officeDocument/2006/relationships" xmlns:p="http://schemas.openxmlformats.org/presentationml/2006/main" show="0">
   <p:cSld>
     <p:spTree>
@@ -8225,150 +8404,6 @@
     <p:extLst>
       <p:ext uri="{BB962C8B-B14F-4D97-AF65-F5344CB8AC3E}">
         <p14:creationId xmlns:p14="http://schemas.microsoft.com/office/powerpoint/2010/main" val="2094311673"/>
-      </p:ext>
-    </p:extLst>
-  </p:cSld>
-  <p:clrMapOvr>
-    <a:masterClrMapping/>
-  </p:clrMapOvr>
-</p:sld>
-</file>
-
-<file path=ppt/slides/slide29.xml><?xml version="1.0" encoding="utf-8"?>
-<p:sld xmlns:a="http://schemas.openxmlformats.org/drawingml/2006/main" xmlns:r="http://schemas.openxmlformats.org/officeDocument/2006/relationships" xmlns:p="http://schemas.openxmlformats.org/presentationml/2006/main" show="0">
-  <p:cSld>
-    <p:spTree>
-      <p:nvGrpSpPr>
-        <p:cNvPr id="1" name=""/>
-        <p:cNvGrpSpPr/>
-        <p:nvPr/>
-      </p:nvGrpSpPr>
-      <p:grpSpPr>
-        <a:xfrm>
-          <a:off x="0" y="0"/>
-          <a:ext cx="0" cy="0"/>
-          <a:chOff x="0" y="0"/>
-          <a:chExt cx="0" cy="0"/>
-        </a:xfrm>
-      </p:grpSpPr>
-      <p:sp>
-        <p:nvSpPr>
-          <p:cNvPr id="3" name="Title 2"/>
-          <p:cNvSpPr>
-            <a:spLocks noGrp="1"/>
-          </p:cNvSpPr>
-          <p:nvPr>
-            <p:ph type="title"/>
-          </p:nvPr>
-        </p:nvSpPr>
-        <p:spPr/>
-        <p:txBody>
-          <a:bodyPr/>
-          <a:lstStyle/>
-          <a:p>
-            <a:r>
-              <a:rPr lang="en-US" dirty="0"/>
-              <a:t>Title</a:t>
-            </a:r>
-          </a:p>
-        </p:txBody>
-      </p:sp>
-      <p:sp>
-        <p:nvSpPr>
-          <p:cNvPr id="4" name="Content Placeholder 3"/>
-          <p:cNvSpPr>
-            <a:spLocks noGrp="1"/>
-          </p:cNvSpPr>
-          <p:nvPr>
-            <p:ph sz="half" idx="1"/>
-          </p:nvPr>
-        </p:nvSpPr>
-        <p:spPr/>
-        <p:txBody>
-          <a:bodyPr/>
-          <a:lstStyle/>
-          <a:p>
-            <a:r>
-              <a:rPr lang="en-US" dirty="0"/>
-              <a:t>Text 1</a:t>
-            </a:r>
-          </a:p>
-          <a:p>
-            <a:pPr lvl="1"/>
-            <a:r>
-              <a:rPr lang="en-US" dirty="0"/>
-              <a:t>Level 1</a:t>
-            </a:r>
-          </a:p>
-          <a:p>
-            <a:pPr lvl="2"/>
-            <a:r>
-              <a:rPr lang="en-US" dirty="0"/>
-              <a:t>Level 2</a:t>
-            </a:r>
-          </a:p>
-          <a:p>
-            <a:pPr lvl="3"/>
-            <a:r>
-              <a:rPr lang="en-US" dirty="0"/>
-              <a:t>Level 3</a:t>
-            </a:r>
-          </a:p>
-          <a:p>
-            <a:endParaRPr lang="en-US" dirty="0"/>
-          </a:p>
-        </p:txBody>
-      </p:sp>
-      <p:sp>
-        <p:nvSpPr>
-          <p:cNvPr id="5" name="Content Placeholder 4"/>
-          <p:cNvSpPr>
-            <a:spLocks noGrp="1"/>
-          </p:cNvSpPr>
-          <p:nvPr>
-            <p:ph sz="half" idx="2"/>
-          </p:nvPr>
-        </p:nvSpPr>
-        <p:spPr/>
-        <p:txBody>
-          <a:bodyPr/>
-          <a:lstStyle/>
-          <a:p>
-            <a:r>
-              <a:rPr lang="en-US" dirty="0"/>
-              <a:t>Text 2</a:t>
-            </a:r>
-          </a:p>
-          <a:p>
-            <a:pPr lvl="1"/>
-            <a:r>
-              <a:rPr lang="en-US" dirty="0"/>
-              <a:t>Level 1</a:t>
-            </a:r>
-          </a:p>
-          <a:p>
-            <a:pPr lvl="2"/>
-            <a:r>
-              <a:rPr lang="en-US" dirty="0"/>
-              <a:t>Level 2</a:t>
-            </a:r>
-          </a:p>
-          <a:p>
-            <a:pPr lvl="3"/>
-            <a:r>
-              <a:rPr lang="en-US" dirty="0"/>
-              <a:t>Level 3</a:t>
-            </a:r>
-          </a:p>
-          <a:p>
-            <a:endParaRPr lang="en-US" dirty="0"/>
-          </a:p>
-        </p:txBody>
-      </p:sp>
-    </p:spTree>
-    <p:extLst>
-      <p:ext uri="{BB962C8B-B14F-4D97-AF65-F5344CB8AC3E}">
-        <p14:creationId xmlns:p14="http://schemas.microsoft.com/office/powerpoint/2010/main" val="2554539812"/>
       </p:ext>
     </p:extLst>
   </p:cSld>
@@ -8574,6 +8609,150 @@
       </p:grpSpPr>
       <p:sp>
         <p:nvSpPr>
+          <p:cNvPr id="3" name="Title 2"/>
+          <p:cNvSpPr>
+            <a:spLocks noGrp="1"/>
+          </p:cNvSpPr>
+          <p:nvPr>
+            <p:ph type="title"/>
+          </p:nvPr>
+        </p:nvSpPr>
+        <p:spPr/>
+        <p:txBody>
+          <a:bodyPr/>
+          <a:lstStyle/>
+          <a:p>
+            <a:r>
+              <a:rPr lang="en-US" dirty="0"/>
+              <a:t>Title</a:t>
+            </a:r>
+          </a:p>
+        </p:txBody>
+      </p:sp>
+      <p:sp>
+        <p:nvSpPr>
+          <p:cNvPr id="4" name="Content Placeholder 3"/>
+          <p:cNvSpPr>
+            <a:spLocks noGrp="1"/>
+          </p:cNvSpPr>
+          <p:nvPr>
+            <p:ph sz="half" idx="1"/>
+          </p:nvPr>
+        </p:nvSpPr>
+        <p:spPr/>
+        <p:txBody>
+          <a:bodyPr/>
+          <a:lstStyle/>
+          <a:p>
+            <a:r>
+              <a:rPr lang="en-US" dirty="0"/>
+              <a:t>Text 1</a:t>
+            </a:r>
+          </a:p>
+          <a:p>
+            <a:pPr lvl="1"/>
+            <a:r>
+              <a:rPr lang="en-US" dirty="0"/>
+              <a:t>Level 1</a:t>
+            </a:r>
+          </a:p>
+          <a:p>
+            <a:pPr lvl="2"/>
+            <a:r>
+              <a:rPr lang="en-US" dirty="0"/>
+              <a:t>Level 2</a:t>
+            </a:r>
+          </a:p>
+          <a:p>
+            <a:pPr lvl="3"/>
+            <a:r>
+              <a:rPr lang="en-US" dirty="0"/>
+              <a:t>Level 3</a:t>
+            </a:r>
+          </a:p>
+          <a:p>
+            <a:endParaRPr lang="en-US" dirty="0"/>
+          </a:p>
+        </p:txBody>
+      </p:sp>
+      <p:sp>
+        <p:nvSpPr>
+          <p:cNvPr id="5" name="Content Placeholder 4"/>
+          <p:cNvSpPr>
+            <a:spLocks noGrp="1"/>
+          </p:cNvSpPr>
+          <p:nvPr>
+            <p:ph sz="half" idx="2"/>
+          </p:nvPr>
+        </p:nvSpPr>
+        <p:spPr/>
+        <p:txBody>
+          <a:bodyPr/>
+          <a:lstStyle/>
+          <a:p>
+            <a:r>
+              <a:rPr lang="en-US" dirty="0"/>
+              <a:t>Text 2</a:t>
+            </a:r>
+          </a:p>
+          <a:p>
+            <a:pPr lvl="1"/>
+            <a:r>
+              <a:rPr lang="en-US" dirty="0"/>
+              <a:t>Level 1</a:t>
+            </a:r>
+          </a:p>
+          <a:p>
+            <a:pPr lvl="2"/>
+            <a:r>
+              <a:rPr lang="en-US" dirty="0"/>
+              <a:t>Level 2</a:t>
+            </a:r>
+          </a:p>
+          <a:p>
+            <a:pPr lvl="3"/>
+            <a:r>
+              <a:rPr lang="en-US" dirty="0"/>
+              <a:t>Level 3</a:t>
+            </a:r>
+          </a:p>
+          <a:p>
+            <a:endParaRPr lang="en-US" dirty="0"/>
+          </a:p>
+        </p:txBody>
+      </p:sp>
+    </p:spTree>
+    <p:extLst>
+      <p:ext uri="{BB962C8B-B14F-4D97-AF65-F5344CB8AC3E}">
+        <p14:creationId xmlns:p14="http://schemas.microsoft.com/office/powerpoint/2010/main" val="2554539812"/>
+      </p:ext>
+    </p:extLst>
+  </p:cSld>
+  <p:clrMapOvr>
+    <a:masterClrMapping/>
+  </p:clrMapOvr>
+</p:sld>
+</file>
+
+<file path=ppt/slides/slide31.xml><?xml version="1.0" encoding="utf-8"?>
+<p:sld xmlns:a="http://schemas.openxmlformats.org/drawingml/2006/main" xmlns:r="http://schemas.openxmlformats.org/officeDocument/2006/relationships" xmlns:p="http://schemas.openxmlformats.org/presentationml/2006/main" show="0">
+  <p:cSld>
+    <p:spTree>
+      <p:nvGrpSpPr>
+        <p:cNvPr id="1" name=""/>
+        <p:cNvGrpSpPr/>
+        <p:nvPr/>
+      </p:nvGrpSpPr>
+      <p:grpSpPr>
+        <a:xfrm>
+          <a:off x="0" y="0"/>
+          <a:ext cx="0" cy="0"/>
+          <a:chOff x="0" y="0"/>
+          <a:chExt cx="0" cy="0"/>
+        </a:xfrm>
+      </p:grpSpPr>
+      <p:sp>
+        <p:nvSpPr>
           <p:cNvPr id="6" name="Text Placeholder 5"/>
           <p:cNvSpPr>
             <a:spLocks noGrp="1"/>
@@ -8743,7 +8922,7 @@
 </p:sld>
 </file>
 
-<file path=ppt/slides/slide31.xml><?xml version="1.0" encoding="utf-8"?>
+<file path=ppt/slides/slide32.xml><?xml version="1.0" encoding="utf-8"?>
 <p:sld xmlns:a="http://schemas.openxmlformats.org/drawingml/2006/main" xmlns:r="http://schemas.openxmlformats.org/officeDocument/2006/relationships" xmlns:p="http://schemas.openxmlformats.org/presentationml/2006/main" show="0">
   <p:cSld>
     <p:spTree>
@@ -8795,901 +8974,6 @@
 </p:sld>
 </file>
 
-<file path=ppt/slides/slide32.xml><?xml version="1.0" encoding="utf-8"?>
-<p:sld xmlns:a="http://schemas.openxmlformats.org/drawingml/2006/main" xmlns:r="http://schemas.openxmlformats.org/officeDocument/2006/relationships" xmlns:p="http://schemas.openxmlformats.org/presentationml/2006/main" show="0">
-  <p:cSld>
-    <p:spTree>
-      <p:nvGrpSpPr>
-        <p:cNvPr id="1" name=""/>
-        <p:cNvGrpSpPr/>
-        <p:nvPr/>
-      </p:nvGrpSpPr>
-      <p:grpSpPr>
-        <a:xfrm>
-          <a:off x="0" y="0"/>
-          <a:ext cx="0" cy="0"/>
-          <a:chOff x="0" y="0"/>
-          <a:chExt cx="0" cy="0"/>
-        </a:xfrm>
-      </p:grpSpPr>
-      <p:pic>
-        <p:nvPicPr>
-          <p:cNvPr id="11" name="Picture 10"/>
-          <p:cNvPicPr>
-            <a:picLocks noChangeAspect="1"/>
-          </p:cNvPicPr>
-          <p:nvPr/>
-        </p:nvPicPr>
-        <p:blipFill>
-          <a:blip r:embed="rId2">
-            <a:extLst>
-              <a:ext uri="{28A0092B-C50C-407E-A947-70E740481C1C}">
-                <a14:useLocalDpi xmlns:a14="http://schemas.microsoft.com/office/drawing/2010/main" val="0"/>
-              </a:ext>
-            </a:extLst>
-          </a:blip>
-          <a:stretch>
-            <a:fillRect/>
-          </a:stretch>
-        </p:blipFill>
-        <p:spPr>
-          <a:xfrm>
-            <a:off x="2207458" y="453313"/>
-            <a:ext cx="457200" cy="457200"/>
-          </a:xfrm>
-          <a:prstGeom prst="rect">
-            <a:avLst/>
-          </a:prstGeom>
-        </p:spPr>
-      </p:pic>
-      <p:pic>
-        <p:nvPicPr>
-          <p:cNvPr id="12" name="Picture 11"/>
-          <p:cNvPicPr>
-            <a:picLocks noChangeAspect="1"/>
-          </p:cNvPicPr>
-          <p:nvPr/>
-        </p:nvPicPr>
-        <p:blipFill>
-          <a:blip r:embed="rId3">
-            <a:extLst>
-              <a:ext uri="{28A0092B-C50C-407E-A947-70E740481C1C}">
-                <a14:useLocalDpi xmlns:a14="http://schemas.microsoft.com/office/drawing/2010/main" val="0"/>
-              </a:ext>
-            </a:extLst>
-          </a:blip>
-          <a:stretch>
-            <a:fillRect/>
-          </a:stretch>
-        </p:blipFill>
-        <p:spPr>
-          <a:xfrm>
-            <a:off x="1294229" y="453399"/>
-            <a:ext cx="457200" cy="457200"/>
-          </a:xfrm>
-          <a:prstGeom prst="rect">
-            <a:avLst/>
-          </a:prstGeom>
-        </p:spPr>
-      </p:pic>
-      <p:pic>
-        <p:nvPicPr>
-          <p:cNvPr id="13" name="Picture 12"/>
-          <p:cNvPicPr>
-            <a:picLocks noChangeAspect="1"/>
-          </p:cNvPicPr>
-          <p:nvPr/>
-        </p:nvPicPr>
-        <p:blipFill>
-          <a:blip r:embed="rId4">
-            <a:extLst>
-              <a:ext uri="{28A0092B-C50C-407E-A947-70E740481C1C}">
-                <a14:useLocalDpi xmlns:a14="http://schemas.microsoft.com/office/drawing/2010/main" val="0"/>
-              </a:ext>
-            </a:extLst>
-          </a:blip>
-          <a:stretch>
-            <a:fillRect/>
-          </a:stretch>
-        </p:blipFill>
-        <p:spPr>
-          <a:xfrm>
-            <a:off x="381000" y="453399"/>
-            <a:ext cx="457200" cy="457200"/>
-          </a:xfrm>
-          <a:prstGeom prst="rect">
-            <a:avLst/>
-          </a:prstGeom>
-        </p:spPr>
-      </p:pic>
-      <p:pic>
-        <p:nvPicPr>
-          <p:cNvPr id="15" name="Picture 14"/>
-          <p:cNvPicPr>
-            <a:picLocks noChangeAspect="1"/>
-          </p:cNvPicPr>
-          <p:nvPr/>
-        </p:nvPicPr>
-        <p:blipFill>
-          <a:blip r:embed="rId5">
-            <a:lum bright="70000" contrast="-70000"/>
-            <a:extLst>
-              <a:ext uri="{28A0092B-C50C-407E-A947-70E740481C1C}">
-                <a14:useLocalDpi xmlns:a14="http://schemas.microsoft.com/office/drawing/2010/main" val="0"/>
-              </a:ext>
-            </a:extLst>
-          </a:blip>
-          <a:stretch>
-            <a:fillRect/>
-          </a:stretch>
-        </p:blipFill>
-        <p:spPr>
-          <a:xfrm>
-            <a:off x="303629" y="1070428"/>
-            <a:ext cx="1219200" cy="1219200"/>
-          </a:xfrm>
-          <a:prstGeom prst="rect">
-            <a:avLst/>
-          </a:prstGeom>
-        </p:spPr>
-      </p:pic>
-      <p:pic>
-        <p:nvPicPr>
-          <p:cNvPr id="279" name="Picture 278"/>
-          <p:cNvPicPr>
-            <a:picLocks noChangeAspect="1"/>
-          </p:cNvPicPr>
-          <p:nvPr/>
-        </p:nvPicPr>
-        <p:blipFill>
-          <a:blip r:embed="rId6">
-            <a:lum bright="70000" contrast="-70000"/>
-            <a:extLst>
-              <a:ext uri="{28A0092B-C50C-407E-A947-70E740481C1C}">
-                <a14:useLocalDpi xmlns:a14="http://schemas.microsoft.com/office/drawing/2010/main" val="0"/>
-              </a:ext>
-            </a:extLst>
-          </a:blip>
-          <a:stretch>
-            <a:fillRect/>
-          </a:stretch>
-        </p:blipFill>
-        <p:spPr>
-          <a:xfrm>
-            <a:off x="2950029" y="1070428"/>
-            <a:ext cx="1219200" cy="1219200"/>
-          </a:xfrm>
-          <a:prstGeom prst="rect">
-            <a:avLst/>
-          </a:prstGeom>
-        </p:spPr>
-      </p:pic>
-      <p:pic>
-        <p:nvPicPr>
-          <p:cNvPr id="280" name="Picture 279"/>
-          <p:cNvPicPr>
-            <a:picLocks noChangeAspect="1"/>
-          </p:cNvPicPr>
-          <p:nvPr/>
-        </p:nvPicPr>
-        <p:blipFill>
-          <a:blip r:embed="rId7">
-            <a:lum bright="70000" contrast="-70000"/>
-            <a:extLst>
-              <a:ext uri="{28A0092B-C50C-407E-A947-70E740481C1C}">
-                <a14:useLocalDpi xmlns:a14="http://schemas.microsoft.com/office/drawing/2010/main" val="0"/>
-              </a:ext>
-            </a:extLst>
-          </a:blip>
-          <a:stretch>
-            <a:fillRect/>
-          </a:stretch>
-        </p:blipFill>
-        <p:spPr>
-          <a:xfrm>
-            <a:off x="1626829" y="1070428"/>
-            <a:ext cx="1219200" cy="1219200"/>
-          </a:xfrm>
-          <a:prstGeom prst="rect">
-            <a:avLst/>
-          </a:prstGeom>
-        </p:spPr>
-      </p:pic>
-      <p:pic>
-        <p:nvPicPr>
-          <p:cNvPr id="281" name="Picture 280"/>
-          <p:cNvPicPr>
-            <a:picLocks noChangeAspect="1"/>
-          </p:cNvPicPr>
-          <p:nvPr/>
-        </p:nvPicPr>
-        <p:blipFill>
-          <a:blip r:embed="rId8">
-            <a:lum bright="70000" contrast="-70000"/>
-            <a:extLst>
-              <a:ext uri="{28A0092B-C50C-407E-A947-70E740481C1C}">
-                <a14:useLocalDpi xmlns:a14="http://schemas.microsoft.com/office/drawing/2010/main" val="0"/>
-              </a:ext>
-            </a:extLst>
-          </a:blip>
-          <a:stretch>
-            <a:fillRect/>
-          </a:stretch>
-        </p:blipFill>
-        <p:spPr>
-          <a:xfrm>
-            <a:off x="5596429" y="1107999"/>
-            <a:ext cx="1219200" cy="1219200"/>
-          </a:xfrm>
-          <a:prstGeom prst="rect">
-            <a:avLst/>
-          </a:prstGeom>
-        </p:spPr>
-      </p:pic>
-      <p:pic>
-        <p:nvPicPr>
-          <p:cNvPr id="282" name="Picture 281"/>
-          <p:cNvPicPr>
-            <a:picLocks noChangeAspect="1"/>
-          </p:cNvPicPr>
-          <p:nvPr/>
-        </p:nvPicPr>
-        <p:blipFill>
-          <a:blip r:embed="rId9">
-            <a:lum bright="70000" contrast="-70000"/>
-            <a:extLst>
-              <a:ext uri="{28A0092B-C50C-407E-A947-70E740481C1C}">
-                <a14:useLocalDpi xmlns:a14="http://schemas.microsoft.com/office/drawing/2010/main" val="0"/>
-              </a:ext>
-            </a:extLst>
-          </a:blip>
-          <a:stretch>
-            <a:fillRect/>
-          </a:stretch>
-        </p:blipFill>
-        <p:spPr>
-          <a:xfrm>
-            <a:off x="4273229" y="1070428"/>
-            <a:ext cx="1219200" cy="1219200"/>
-          </a:xfrm>
-          <a:prstGeom prst="rect">
-            <a:avLst/>
-          </a:prstGeom>
-        </p:spPr>
-      </p:pic>
-      <p:pic>
-        <p:nvPicPr>
-          <p:cNvPr id="283" name="Picture 282"/>
-          <p:cNvPicPr>
-            <a:picLocks noChangeAspect="1"/>
-          </p:cNvPicPr>
-          <p:nvPr/>
-        </p:nvPicPr>
-        <p:blipFill>
-          <a:blip r:embed="rId10">
-            <a:lum bright="70000" contrast="-70000"/>
-            <a:extLst>
-              <a:ext uri="{28A0092B-C50C-407E-A947-70E740481C1C}">
-                <a14:useLocalDpi xmlns:a14="http://schemas.microsoft.com/office/drawing/2010/main" val="0"/>
-              </a:ext>
-            </a:extLst>
-          </a:blip>
-          <a:stretch>
-            <a:fillRect/>
-          </a:stretch>
-        </p:blipFill>
-        <p:spPr>
-          <a:xfrm>
-            <a:off x="6919629" y="1107999"/>
-            <a:ext cx="1219200" cy="1219200"/>
-          </a:xfrm>
-          <a:prstGeom prst="rect">
-            <a:avLst/>
-          </a:prstGeom>
-        </p:spPr>
-      </p:pic>
-      <p:pic>
-        <p:nvPicPr>
-          <p:cNvPr id="284" name="Picture 283"/>
-          <p:cNvPicPr>
-            <a:picLocks noChangeAspect="1"/>
-          </p:cNvPicPr>
-          <p:nvPr/>
-        </p:nvPicPr>
-        <p:blipFill>
-          <a:blip r:embed="rId11">
-            <a:lum bright="70000" contrast="-70000"/>
-            <a:extLst>
-              <a:ext uri="{28A0092B-C50C-407E-A947-70E740481C1C}">
-                <a14:useLocalDpi xmlns:a14="http://schemas.microsoft.com/office/drawing/2010/main" val="0"/>
-              </a:ext>
-            </a:extLst>
-          </a:blip>
-          <a:stretch>
-            <a:fillRect/>
-          </a:stretch>
-        </p:blipFill>
-        <p:spPr>
-          <a:xfrm>
-            <a:off x="9105600" y="1070428"/>
-            <a:ext cx="1219200" cy="1219200"/>
-          </a:xfrm>
-          <a:prstGeom prst="rect">
-            <a:avLst/>
-          </a:prstGeom>
-        </p:spPr>
-      </p:pic>
-      <p:pic>
-        <p:nvPicPr>
-          <p:cNvPr id="285" name="Picture 284"/>
-          <p:cNvPicPr>
-            <a:picLocks noChangeAspect="1"/>
-          </p:cNvPicPr>
-          <p:nvPr/>
-        </p:nvPicPr>
-        <p:blipFill>
-          <a:blip r:embed="rId12">
-            <a:lum bright="70000" contrast="-70000"/>
-            <a:extLst>
-              <a:ext uri="{28A0092B-C50C-407E-A947-70E740481C1C}">
-                <a14:useLocalDpi xmlns:a14="http://schemas.microsoft.com/office/drawing/2010/main" val="0"/>
-              </a:ext>
-            </a:extLst>
-          </a:blip>
-          <a:stretch>
-            <a:fillRect/>
-          </a:stretch>
-        </p:blipFill>
-        <p:spPr>
-          <a:xfrm>
-            <a:off x="7988286" y="1070428"/>
-            <a:ext cx="1219200" cy="1219200"/>
-          </a:xfrm>
-          <a:prstGeom prst="rect">
-            <a:avLst/>
-          </a:prstGeom>
-        </p:spPr>
-      </p:pic>
-      <p:pic>
-        <p:nvPicPr>
-          <p:cNvPr id="286" name="Picture 285"/>
-          <p:cNvPicPr>
-            <a:picLocks noChangeAspect="1"/>
-          </p:cNvPicPr>
-          <p:nvPr/>
-        </p:nvPicPr>
-        <p:blipFill>
-          <a:blip r:embed="rId13">
-            <a:lum bright="70000" contrast="-70000"/>
-            <a:extLst>
-              <a:ext uri="{28A0092B-C50C-407E-A947-70E740481C1C}">
-                <a14:useLocalDpi xmlns:a14="http://schemas.microsoft.com/office/drawing/2010/main" val="0"/>
-              </a:ext>
-            </a:extLst>
-          </a:blip>
-          <a:stretch>
-            <a:fillRect/>
-          </a:stretch>
-        </p:blipFill>
-        <p:spPr>
-          <a:xfrm>
-            <a:off x="303629" y="2185742"/>
-            <a:ext cx="1219200" cy="1219200"/>
-          </a:xfrm>
-          <a:prstGeom prst="rect">
-            <a:avLst/>
-          </a:prstGeom>
-        </p:spPr>
-      </p:pic>
-      <p:pic>
-        <p:nvPicPr>
-          <p:cNvPr id="287" name="Picture 286"/>
-          <p:cNvPicPr>
-            <a:picLocks noChangeAspect="1"/>
-          </p:cNvPicPr>
-          <p:nvPr/>
-        </p:nvPicPr>
-        <p:blipFill>
-          <a:blip r:embed="rId14">
-            <a:lum bright="70000" contrast="-70000"/>
-            <a:extLst>
-              <a:ext uri="{28A0092B-C50C-407E-A947-70E740481C1C}">
-                <a14:useLocalDpi xmlns:a14="http://schemas.microsoft.com/office/drawing/2010/main" val="0"/>
-              </a:ext>
-            </a:extLst>
-          </a:blip>
-          <a:stretch>
-            <a:fillRect/>
-          </a:stretch>
-        </p:blipFill>
-        <p:spPr>
-          <a:xfrm>
-            <a:off x="10484143" y="1070428"/>
-            <a:ext cx="1219200" cy="1219200"/>
-          </a:xfrm>
-          <a:prstGeom prst="rect">
-            <a:avLst/>
-          </a:prstGeom>
-        </p:spPr>
-      </p:pic>
-      <p:pic>
-        <p:nvPicPr>
-          <p:cNvPr id="288" name="Picture 287"/>
-          <p:cNvPicPr>
-            <a:picLocks noChangeAspect="1"/>
-          </p:cNvPicPr>
-          <p:nvPr/>
-        </p:nvPicPr>
-        <p:blipFill>
-          <a:blip r:embed="rId15">
-            <a:lum bright="70000" contrast="-70000"/>
-            <a:extLst>
-              <a:ext uri="{28A0092B-C50C-407E-A947-70E740481C1C}">
-                <a14:useLocalDpi xmlns:a14="http://schemas.microsoft.com/office/drawing/2010/main" val="0"/>
-              </a:ext>
-            </a:extLst>
-          </a:blip>
-          <a:stretch>
-            <a:fillRect/>
-          </a:stretch>
-        </p:blipFill>
-        <p:spPr>
-          <a:xfrm>
-            <a:off x="2923629" y="2421599"/>
-            <a:ext cx="1219200" cy="1219200"/>
-          </a:xfrm>
-          <a:prstGeom prst="rect">
-            <a:avLst/>
-          </a:prstGeom>
-        </p:spPr>
-      </p:pic>
-      <p:pic>
-        <p:nvPicPr>
-          <p:cNvPr id="289" name="Picture 288"/>
-          <p:cNvPicPr>
-            <a:picLocks noChangeAspect="1"/>
-          </p:cNvPicPr>
-          <p:nvPr/>
-        </p:nvPicPr>
-        <p:blipFill>
-          <a:blip r:embed="rId16">
-            <a:lum bright="70000" contrast="-70000"/>
-            <a:extLst>
-              <a:ext uri="{28A0092B-C50C-407E-A947-70E740481C1C}">
-                <a14:useLocalDpi xmlns:a14="http://schemas.microsoft.com/office/drawing/2010/main" val="0"/>
-              </a:ext>
-            </a:extLst>
-          </a:blip>
-          <a:stretch>
-            <a:fillRect/>
-          </a:stretch>
-        </p:blipFill>
-        <p:spPr>
-          <a:xfrm>
-            <a:off x="4273229" y="2454485"/>
-            <a:ext cx="1219200" cy="1219200"/>
-          </a:xfrm>
-          <a:prstGeom prst="rect">
-            <a:avLst/>
-          </a:prstGeom>
-        </p:spPr>
-      </p:pic>
-      <p:pic>
-        <p:nvPicPr>
-          <p:cNvPr id="290" name="Picture 289"/>
-          <p:cNvPicPr>
-            <a:picLocks noChangeAspect="1"/>
-          </p:cNvPicPr>
-          <p:nvPr/>
-        </p:nvPicPr>
-        <p:blipFill>
-          <a:blip r:embed="rId17">
-            <a:lum bright="70000" contrast="-70000"/>
-            <a:extLst>
-              <a:ext uri="{28A0092B-C50C-407E-A947-70E740481C1C}">
-                <a14:useLocalDpi xmlns:a14="http://schemas.microsoft.com/office/drawing/2010/main" val="0"/>
-              </a:ext>
-            </a:extLst>
-          </a:blip>
-          <a:stretch>
-            <a:fillRect/>
-          </a:stretch>
-        </p:blipFill>
-        <p:spPr>
-          <a:xfrm>
-            <a:off x="1704429" y="2421599"/>
-            <a:ext cx="1219200" cy="1219200"/>
-          </a:xfrm>
-          <a:prstGeom prst="rect">
-            <a:avLst/>
-          </a:prstGeom>
-        </p:spPr>
-      </p:pic>
-      <p:pic>
-        <p:nvPicPr>
-          <p:cNvPr id="291" name="Picture 290"/>
-          <p:cNvPicPr>
-            <a:picLocks noChangeAspect="1"/>
-          </p:cNvPicPr>
-          <p:nvPr/>
-        </p:nvPicPr>
-        <p:blipFill>
-          <a:blip r:embed="rId18">
-            <a:lum bright="70000" contrast="-70000"/>
-            <a:extLst>
-              <a:ext uri="{28A0092B-C50C-407E-A947-70E740481C1C}">
-                <a14:useLocalDpi xmlns:a14="http://schemas.microsoft.com/office/drawing/2010/main" val="0"/>
-              </a:ext>
-            </a:extLst>
-          </a:blip>
-          <a:stretch>
-            <a:fillRect/>
-          </a:stretch>
-        </p:blipFill>
-        <p:spPr>
-          <a:xfrm>
-            <a:off x="6976800" y="2439628"/>
-            <a:ext cx="1219200" cy="1219200"/>
-          </a:xfrm>
-          <a:prstGeom prst="rect">
-            <a:avLst/>
-          </a:prstGeom>
-        </p:spPr>
-      </p:pic>
-      <p:pic>
-        <p:nvPicPr>
-          <p:cNvPr id="292" name="Picture 291"/>
-          <p:cNvPicPr>
-            <a:picLocks noChangeAspect="1"/>
-          </p:cNvPicPr>
-          <p:nvPr/>
-        </p:nvPicPr>
-        <p:blipFill>
-          <a:blip r:embed="rId19">
-            <a:lum bright="70000" contrast="-70000"/>
-            <a:extLst>
-              <a:ext uri="{28A0092B-C50C-407E-A947-70E740481C1C}">
-                <a14:useLocalDpi xmlns:a14="http://schemas.microsoft.com/office/drawing/2010/main" val="0"/>
-              </a:ext>
-            </a:extLst>
-          </a:blip>
-          <a:stretch>
-            <a:fillRect/>
-          </a:stretch>
-        </p:blipFill>
-        <p:spPr>
-          <a:xfrm>
-            <a:off x="5622829" y="2454485"/>
-            <a:ext cx="1219200" cy="1219200"/>
-          </a:xfrm>
-          <a:prstGeom prst="rect">
-            <a:avLst/>
-          </a:prstGeom>
-        </p:spPr>
-      </p:pic>
-      <p:pic>
-        <p:nvPicPr>
-          <p:cNvPr id="293" name="Picture 292"/>
-          <p:cNvPicPr>
-            <a:picLocks noChangeAspect="1"/>
-          </p:cNvPicPr>
-          <p:nvPr/>
-        </p:nvPicPr>
-        <p:blipFill>
-          <a:blip r:embed="rId20">
-            <a:lum bright="70000" contrast="-70000"/>
-            <a:extLst>
-              <a:ext uri="{28A0092B-C50C-407E-A947-70E740481C1C}">
-                <a14:useLocalDpi xmlns:a14="http://schemas.microsoft.com/office/drawing/2010/main" val="0"/>
-              </a:ext>
-            </a:extLst>
-          </a:blip>
-          <a:stretch>
-            <a:fillRect/>
-          </a:stretch>
-        </p:blipFill>
-        <p:spPr>
-          <a:xfrm>
-            <a:off x="8336400" y="2534314"/>
-            <a:ext cx="1219200" cy="1219200"/>
-          </a:xfrm>
-          <a:prstGeom prst="rect">
-            <a:avLst/>
-          </a:prstGeom>
-        </p:spPr>
-      </p:pic>
-      <p:pic>
-        <p:nvPicPr>
-          <p:cNvPr id="294" name="Picture 293"/>
-          <p:cNvPicPr>
-            <a:picLocks noChangeAspect="1"/>
-          </p:cNvPicPr>
-          <p:nvPr/>
-        </p:nvPicPr>
-        <p:blipFill>
-          <a:blip r:embed="rId21">
-            <a:lum bright="70000" contrast="-70000"/>
-            <a:extLst>
-              <a:ext uri="{28A0092B-C50C-407E-A947-70E740481C1C}">
-                <a14:useLocalDpi xmlns:a14="http://schemas.microsoft.com/office/drawing/2010/main" val="0"/>
-              </a:ext>
-            </a:extLst>
-          </a:blip>
-          <a:stretch>
-            <a:fillRect/>
-          </a:stretch>
-        </p:blipFill>
-        <p:spPr>
-          <a:xfrm>
-            <a:off x="1522829" y="3910656"/>
-            <a:ext cx="1219200" cy="1219200"/>
-          </a:xfrm>
-          <a:prstGeom prst="rect">
-            <a:avLst/>
-          </a:prstGeom>
-        </p:spPr>
-      </p:pic>
-      <p:pic>
-        <p:nvPicPr>
-          <p:cNvPr id="295" name="Picture 294"/>
-          <p:cNvPicPr>
-            <a:picLocks noChangeAspect="1"/>
-          </p:cNvPicPr>
-          <p:nvPr/>
-        </p:nvPicPr>
-        <p:blipFill>
-          <a:blip r:embed="rId22">
-            <a:lum bright="70000" contrast="-70000"/>
-            <a:extLst>
-              <a:ext uri="{28A0092B-C50C-407E-A947-70E740481C1C}">
-                <a14:useLocalDpi xmlns:a14="http://schemas.microsoft.com/office/drawing/2010/main" val="0"/>
-              </a:ext>
-            </a:extLst>
-          </a:blip>
-          <a:stretch>
-            <a:fillRect/>
-          </a:stretch>
-        </p:blipFill>
-        <p:spPr>
-          <a:xfrm>
-            <a:off x="303629" y="4021971"/>
-            <a:ext cx="1219200" cy="1219200"/>
-          </a:xfrm>
-          <a:prstGeom prst="rect">
-            <a:avLst/>
-          </a:prstGeom>
-        </p:spPr>
-      </p:pic>
-      <p:pic>
-        <p:nvPicPr>
-          <p:cNvPr id="296" name="Picture 295"/>
-          <p:cNvPicPr>
-            <a:picLocks noChangeAspect="1"/>
-          </p:cNvPicPr>
-          <p:nvPr/>
-        </p:nvPicPr>
-        <p:blipFill>
-          <a:blip r:embed="rId23">
-            <a:lum bright="70000" contrast="-70000"/>
-            <a:extLst>
-              <a:ext uri="{28A0092B-C50C-407E-A947-70E740481C1C}">
-                <a14:useLocalDpi xmlns:a14="http://schemas.microsoft.com/office/drawing/2010/main" val="0"/>
-              </a:ext>
-            </a:extLst>
-          </a:blip>
-          <a:stretch>
-            <a:fillRect/>
-          </a:stretch>
-        </p:blipFill>
-        <p:spPr>
-          <a:xfrm>
-            <a:off x="9762315" y="2534314"/>
-            <a:ext cx="1219200" cy="1219200"/>
-          </a:xfrm>
-          <a:prstGeom prst="rect">
-            <a:avLst/>
-          </a:prstGeom>
-        </p:spPr>
-      </p:pic>
-      <p:pic>
-        <p:nvPicPr>
-          <p:cNvPr id="297" name="Picture 296"/>
-          <p:cNvPicPr>
-            <a:picLocks noChangeAspect="1"/>
-          </p:cNvPicPr>
-          <p:nvPr/>
-        </p:nvPicPr>
-        <p:blipFill>
-          <a:blip r:embed="rId24">
-            <a:lum bright="70000" contrast="-70000"/>
-            <a:extLst>
-              <a:ext uri="{28A0092B-C50C-407E-A947-70E740481C1C}">
-                <a14:useLocalDpi xmlns:a14="http://schemas.microsoft.com/office/drawing/2010/main" val="0"/>
-              </a:ext>
-            </a:extLst>
-          </a:blip>
-          <a:stretch>
-            <a:fillRect/>
-          </a:stretch>
-        </p:blipFill>
-        <p:spPr>
-          <a:xfrm>
-            <a:off x="5998771" y="4004171"/>
-            <a:ext cx="1219200" cy="1219200"/>
-          </a:xfrm>
-          <a:prstGeom prst="rect">
-            <a:avLst/>
-          </a:prstGeom>
-        </p:spPr>
-      </p:pic>
-      <p:pic>
-        <p:nvPicPr>
-          <p:cNvPr id="298" name="Picture 297"/>
-          <p:cNvPicPr>
-            <a:picLocks noChangeAspect="1"/>
-          </p:cNvPicPr>
-          <p:nvPr/>
-        </p:nvPicPr>
-        <p:blipFill>
-          <a:blip r:embed="rId25">
-            <a:lum bright="70000" contrast="-70000"/>
-            <a:extLst>
-              <a:ext uri="{28A0092B-C50C-407E-A947-70E740481C1C}">
-                <a14:useLocalDpi xmlns:a14="http://schemas.microsoft.com/office/drawing/2010/main" val="0"/>
-              </a:ext>
-            </a:extLst>
-          </a:blip>
-          <a:stretch>
-            <a:fillRect/>
-          </a:stretch>
-        </p:blipFill>
-        <p:spPr>
-          <a:xfrm>
-            <a:off x="4526400" y="4021971"/>
-            <a:ext cx="1219200" cy="1219200"/>
-          </a:xfrm>
-          <a:prstGeom prst="rect">
-            <a:avLst/>
-          </a:prstGeom>
-        </p:spPr>
-      </p:pic>
-      <p:pic>
-        <p:nvPicPr>
-          <p:cNvPr id="299" name="Picture 298"/>
-          <p:cNvPicPr>
-            <a:picLocks noChangeAspect="1"/>
-          </p:cNvPicPr>
-          <p:nvPr/>
-        </p:nvPicPr>
-        <p:blipFill>
-          <a:blip r:embed="rId26">
-            <a:lum bright="70000" contrast="-70000"/>
-            <a:extLst>
-              <a:ext uri="{28A0092B-C50C-407E-A947-70E740481C1C}">
-                <a14:useLocalDpi xmlns:a14="http://schemas.microsoft.com/office/drawing/2010/main" val="0"/>
-              </a:ext>
-            </a:extLst>
-          </a:blip>
-          <a:stretch>
-            <a:fillRect/>
-          </a:stretch>
-        </p:blipFill>
-        <p:spPr>
-          <a:xfrm>
-            <a:off x="3054029" y="4021971"/>
-            <a:ext cx="1219200" cy="1219200"/>
-          </a:xfrm>
-          <a:prstGeom prst="rect">
-            <a:avLst/>
-          </a:prstGeom>
-        </p:spPr>
-      </p:pic>
-      <p:pic>
-        <p:nvPicPr>
-          <p:cNvPr id="300" name="Picture 299"/>
-          <p:cNvPicPr>
-            <a:picLocks noChangeAspect="1"/>
-          </p:cNvPicPr>
-          <p:nvPr/>
-        </p:nvPicPr>
-        <p:blipFill>
-          <a:blip r:embed="rId27">
-            <a:lum bright="70000" contrast="-70000"/>
-            <a:extLst>
-              <a:ext uri="{28A0092B-C50C-407E-A947-70E740481C1C}">
-                <a14:useLocalDpi xmlns:a14="http://schemas.microsoft.com/office/drawing/2010/main" val="0"/>
-              </a:ext>
-            </a:extLst>
-          </a:blip>
-          <a:stretch>
-            <a:fillRect/>
-          </a:stretch>
-        </p:blipFill>
-        <p:spPr>
-          <a:xfrm>
-            <a:off x="10221542" y="4145971"/>
-            <a:ext cx="1219200" cy="1219200"/>
-          </a:xfrm>
-          <a:prstGeom prst="rect">
-            <a:avLst/>
-          </a:prstGeom>
-        </p:spPr>
-      </p:pic>
-      <p:pic>
-        <p:nvPicPr>
-          <p:cNvPr id="301" name="Picture 300"/>
-          <p:cNvPicPr>
-            <a:picLocks noChangeAspect="1"/>
-          </p:cNvPicPr>
-          <p:nvPr/>
-        </p:nvPicPr>
-        <p:blipFill>
-          <a:blip r:embed="rId28">
-            <a:lum bright="70000" contrast="-70000"/>
-            <a:extLst>
-              <a:ext uri="{28A0092B-C50C-407E-A947-70E740481C1C}">
-                <a14:useLocalDpi xmlns:a14="http://schemas.microsoft.com/office/drawing/2010/main" val="0"/>
-              </a:ext>
-            </a:extLst>
-          </a:blip>
-          <a:stretch>
-            <a:fillRect/>
-          </a:stretch>
-        </p:blipFill>
-        <p:spPr>
-          <a:xfrm>
-            <a:off x="8858971" y="4120114"/>
-            <a:ext cx="1219200" cy="1219200"/>
-          </a:xfrm>
-          <a:prstGeom prst="rect">
-            <a:avLst/>
-          </a:prstGeom>
-        </p:spPr>
-      </p:pic>
-      <p:pic>
-        <p:nvPicPr>
-          <p:cNvPr id="302" name="Picture 301"/>
-          <p:cNvPicPr>
-            <a:picLocks noChangeAspect="1"/>
-          </p:cNvPicPr>
-          <p:nvPr/>
-        </p:nvPicPr>
-        <p:blipFill>
-          <a:blip r:embed="rId29">
-            <a:lum bright="70000" contrast="-70000"/>
-            <a:extLst>
-              <a:ext uri="{28A0092B-C50C-407E-A947-70E740481C1C}">
-                <a14:useLocalDpi xmlns:a14="http://schemas.microsoft.com/office/drawing/2010/main" val="0"/>
-              </a:ext>
-            </a:extLst>
-          </a:blip>
-          <a:stretch>
-            <a:fillRect/>
-          </a:stretch>
-        </p:blipFill>
-        <p:spPr>
-          <a:xfrm>
-            <a:off x="7471142" y="4120114"/>
-            <a:ext cx="1219200" cy="1219200"/>
-          </a:xfrm>
-          <a:prstGeom prst="rect">
-            <a:avLst/>
-          </a:prstGeom>
-        </p:spPr>
-      </p:pic>
-    </p:spTree>
-    <p:extLst>
-      <p:ext uri="{BB962C8B-B14F-4D97-AF65-F5344CB8AC3E}">
-        <p14:creationId xmlns:p14="http://schemas.microsoft.com/office/powerpoint/2010/main" val="2451305448"/>
-      </p:ext>
-    </p:extLst>
-  </p:cSld>
-  <p:clrMapOvr>
-    <a:masterClrMapping/>
-  </p:clrMapOvr>
-</p:sld>
-</file>
-
 <file path=ppt/slides/slide33.xml><?xml version="1.0" encoding="utf-8"?>
 <p:sld xmlns:a="http://schemas.openxmlformats.org/drawingml/2006/main" xmlns:r="http://schemas.openxmlformats.org/officeDocument/2006/relationships" xmlns:p="http://schemas.openxmlformats.org/presentationml/2006/main" show="0">
   <p:cSld>
@@ -9709,7 +8993,7 @@
       </p:grpSpPr>
       <p:pic>
         <p:nvPicPr>
-          <p:cNvPr id="2" name="Picture 1"/>
+          <p:cNvPr id="11" name="Picture 10"/>
           <p:cNvPicPr>
             <a:picLocks noChangeAspect="1"/>
           </p:cNvPicPr>
@@ -9717,30 +9001,29 @@
         </p:nvPicPr>
         <p:blipFill>
           <a:blip r:embed="rId2">
-            <a:lum bright="70000" contrast="-70000"/>
-            <a:extLst>
-              <a:ext uri="{28A0092B-C50C-407E-A947-70E740481C1C}">
-                <a14:useLocalDpi xmlns:a14="http://schemas.microsoft.com/office/drawing/2010/main" val="0"/>
-              </a:ext>
-            </a:extLst>
-          </a:blip>
-          <a:stretch>
-            <a:fillRect/>
-          </a:stretch>
-        </p:blipFill>
-        <p:spPr>
-          <a:xfrm>
-            <a:off x="322686" y="250829"/>
-            <a:ext cx="1219200" cy="1219200"/>
-          </a:xfrm>
-          <a:prstGeom prst="rect">
-            <a:avLst/>
-          </a:prstGeom>
-        </p:spPr>
-      </p:pic>
-      <p:pic>
-        <p:nvPicPr>
-          <p:cNvPr id="3" name="Picture 2"/>
+            <a:extLst>
+              <a:ext uri="{28A0092B-C50C-407E-A947-70E740481C1C}">
+                <a14:useLocalDpi xmlns:a14="http://schemas.microsoft.com/office/drawing/2010/main" val="0"/>
+              </a:ext>
+            </a:extLst>
+          </a:blip>
+          <a:stretch>
+            <a:fillRect/>
+          </a:stretch>
+        </p:blipFill>
+        <p:spPr>
+          <a:xfrm>
+            <a:off x="2207458" y="453313"/>
+            <a:ext cx="457200" cy="457200"/>
+          </a:xfrm>
+          <a:prstGeom prst="rect">
+            <a:avLst/>
+          </a:prstGeom>
+        </p:spPr>
+      </p:pic>
+      <p:pic>
+        <p:nvPicPr>
+          <p:cNvPr id="12" name="Picture 11"/>
           <p:cNvPicPr>
             <a:picLocks noChangeAspect="1"/>
           </p:cNvPicPr>
@@ -9748,30 +9031,29 @@
         </p:nvPicPr>
         <p:blipFill>
           <a:blip r:embed="rId3">
-            <a:lum bright="70000" contrast="-70000"/>
-            <a:extLst>
-              <a:ext uri="{28A0092B-C50C-407E-A947-70E740481C1C}">
-                <a14:useLocalDpi xmlns:a14="http://schemas.microsoft.com/office/drawing/2010/main" val="0"/>
-              </a:ext>
-            </a:extLst>
-          </a:blip>
-          <a:stretch>
-            <a:fillRect/>
-          </a:stretch>
-        </p:blipFill>
-        <p:spPr>
-          <a:xfrm>
-            <a:off x="1841371" y="306486"/>
-            <a:ext cx="1219200" cy="1219200"/>
-          </a:xfrm>
-          <a:prstGeom prst="rect">
-            <a:avLst/>
-          </a:prstGeom>
-        </p:spPr>
-      </p:pic>
-      <p:pic>
-        <p:nvPicPr>
-          <p:cNvPr id="4" name="Picture 3"/>
+            <a:extLst>
+              <a:ext uri="{28A0092B-C50C-407E-A947-70E740481C1C}">
+                <a14:useLocalDpi xmlns:a14="http://schemas.microsoft.com/office/drawing/2010/main" val="0"/>
+              </a:ext>
+            </a:extLst>
+          </a:blip>
+          <a:stretch>
+            <a:fillRect/>
+          </a:stretch>
+        </p:blipFill>
+        <p:spPr>
+          <a:xfrm>
+            <a:off x="1294229" y="453399"/>
+            <a:ext cx="457200" cy="457200"/>
+          </a:xfrm>
+          <a:prstGeom prst="rect">
+            <a:avLst/>
+          </a:prstGeom>
+        </p:spPr>
+      </p:pic>
+      <p:pic>
+        <p:nvPicPr>
+          <p:cNvPr id="13" name="Picture 12"/>
           <p:cNvPicPr>
             <a:picLocks noChangeAspect="1"/>
           </p:cNvPicPr>
@@ -9779,30 +9061,29 @@
         </p:nvPicPr>
         <p:blipFill>
           <a:blip r:embed="rId4">
-            <a:lum bright="70000" contrast="-70000"/>
-            <a:extLst>
-              <a:ext uri="{28A0092B-C50C-407E-A947-70E740481C1C}">
-                <a14:useLocalDpi xmlns:a14="http://schemas.microsoft.com/office/drawing/2010/main" val="0"/>
-              </a:ext>
-            </a:extLst>
-          </a:blip>
-          <a:stretch>
-            <a:fillRect/>
-          </a:stretch>
-        </p:blipFill>
-        <p:spPr>
-          <a:xfrm>
-            <a:off x="3360056" y="250829"/>
-            <a:ext cx="1219200" cy="1219200"/>
-          </a:xfrm>
-          <a:prstGeom prst="rect">
-            <a:avLst/>
-          </a:prstGeom>
-        </p:spPr>
-      </p:pic>
-      <p:pic>
-        <p:nvPicPr>
-          <p:cNvPr id="5" name="Picture 4"/>
+            <a:extLst>
+              <a:ext uri="{28A0092B-C50C-407E-A947-70E740481C1C}">
+                <a14:useLocalDpi xmlns:a14="http://schemas.microsoft.com/office/drawing/2010/main" val="0"/>
+              </a:ext>
+            </a:extLst>
+          </a:blip>
+          <a:stretch>
+            <a:fillRect/>
+          </a:stretch>
+        </p:blipFill>
+        <p:spPr>
+          <a:xfrm>
+            <a:off x="381000" y="453399"/>
+            <a:ext cx="457200" cy="457200"/>
+          </a:xfrm>
+          <a:prstGeom prst="rect">
+            <a:avLst/>
+          </a:prstGeom>
+        </p:spPr>
+      </p:pic>
+      <p:pic>
+        <p:nvPicPr>
+          <p:cNvPr id="15" name="Picture 14"/>
           <p:cNvPicPr>
             <a:picLocks noChangeAspect="1"/>
           </p:cNvPicPr>
@@ -9823,17 +9104,17 @@
         </p:blipFill>
         <p:spPr>
           <a:xfrm>
-            <a:off x="4878741" y="249715"/>
-            <a:ext cx="1219200" cy="1219200"/>
-          </a:xfrm>
-          <a:prstGeom prst="rect">
-            <a:avLst/>
-          </a:prstGeom>
-        </p:spPr>
-      </p:pic>
-      <p:pic>
-        <p:nvPicPr>
-          <p:cNvPr id="6" name="Picture 5"/>
+            <a:off x="303629" y="1070428"/>
+            <a:ext cx="1219200" cy="1219200"/>
+          </a:xfrm>
+          <a:prstGeom prst="rect">
+            <a:avLst/>
+          </a:prstGeom>
+        </p:spPr>
+      </p:pic>
+      <p:pic>
+        <p:nvPicPr>
+          <p:cNvPr id="279" name="Picture 278"/>
           <p:cNvPicPr>
             <a:picLocks noChangeAspect="1"/>
           </p:cNvPicPr>
@@ -9854,17 +9135,17 @@
         </p:blipFill>
         <p:spPr>
           <a:xfrm>
-            <a:off x="7736400" y="249715"/>
-            <a:ext cx="1219200" cy="1219200"/>
-          </a:xfrm>
-          <a:prstGeom prst="rect">
-            <a:avLst/>
-          </a:prstGeom>
-        </p:spPr>
-      </p:pic>
-      <p:pic>
-        <p:nvPicPr>
-          <p:cNvPr id="7" name="Picture 6"/>
+            <a:off x="2950029" y="1070428"/>
+            <a:ext cx="1219200" cy="1219200"/>
+          </a:xfrm>
+          <a:prstGeom prst="rect">
+            <a:avLst/>
+          </a:prstGeom>
+        </p:spPr>
+      </p:pic>
+      <p:pic>
+        <p:nvPicPr>
+          <p:cNvPr id="280" name="Picture 279"/>
           <p:cNvPicPr>
             <a:picLocks noChangeAspect="1"/>
           </p:cNvPicPr>
@@ -9885,17 +9166,17 @@
         </p:blipFill>
         <p:spPr>
           <a:xfrm>
-            <a:off x="6396057" y="249715"/>
-            <a:ext cx="1219200" cy="1219200"/>
-          </a:xfrm>
-          <a:prstGeom prst="rect">
-            <a:avLst/>
-          </a:prstGeom>
-        </p:spPr>
-      </p:pic>
-      <p:pic>
-        <p:nvPicPr>
-          <p:cNvPr id="8" name="Picture 7"/>
+            <a:off x="1626829" y="1070428"/>
+            <a:ext cx="1219200" cy="1219200"/>
+          </a:xfrm>
+          <a:prstGeom prst="rect">
+            <a:avLst/>
+          </a:prstGeom>
+        </p:spPr>
+      </p:pic>
+      <p:pic>
+        <p:nvPicPr>
+          <p:cNvPr id="281" name="Picture 280"/>
           <p:cNvPicPr>
             <a:picLocks noChangeAspect="1"/>
           </p:cNvPicPr>
@@ -9916,17 +9197,17 @@
         </p:blipFill>
         <p:spPr>
           <a:xfrm>
-            <a:off x="322686" y="1525686"/>
-            <a:ext cx="1219200" cy="1219200"/>
-          </a:xfrm>
-          <a:prstGeom prst="rect">
-            <a:avLst/>
-          </a:prstGeom>
-        </p:spPr>
-      </p:pic>
-      <p:pic>
-        <p:nvPicPr>
-          <p:cNvPr id="9" name="Picture 8"/>
+            <a:off x="5596429" y="1107999"/>
+            <a:ext cx="1219200" cy="1219200"/>
+          </a:xfrm>
+          <a:prstGeom prst="rect">
+            <a:avLst/>
+          </a:prstGeom>
+        </p:spPr>
+      </p:pic>
+      <p:pic>
+        <p:nvPicPr>
+          <p:cNvPr id="282" name="Picture 281"/>
           <p:cNvPicPr>
             <a:picLocks noChangeAspect="1"/>
           </p:cNvPicPr>
@@ -9947,17 +9228,17 @@
         </p:blipFill>
         <p:spPr>
           <a:xfrm>
-            <a:off x="9120229" y="275315"/>
-            <a:ext cx="1219200" cy="1219200"/>
-          </a:xfrm>
-          <a:prstGeom prst="rect">
-            <a:avLst/>
-          </a:prstGeom>
-        </p:spPr>
-      </p:pic>
-      <p:pic>
-        <p:nvPicPr>
-          <p:cNvPr id="10" name="Picture 9"/>
+            <a:off x="4273229" y="1070428"/>
+            <a:ext cx="1219200" cy="1219200"/>
+          </a:xfrm>
+          <a:prstGeom prst="rect">
+            <a:avLst/>
+          </a:prstGeom>
+        </p:spPr>
+      </p:pic>
+      <p:pic>
+        <p:nvPicPr>
+          <p:cNvPr id="283" name="Picture 282"/>
           <p:cNvPicPr>
             <a:picLocks noChangeAspect="1"/>
           </p:cNvPicPr>
@@ -9978,17 +9259,17 @@
         </p:blipFill>
         <p:spPr>
           <a:xfrm>
-            <a:off x="10460572" y="306486"/>
-            <a:ext cx="1219200" cy="1219200"/>
-          </a:xfrm>
-          <a:prstGeom prst="rect">
-            <a:avLst/>
-          </a:prstGeom>
-        </p:spPr>
-      </p:pic>
-      <p:pic>
-        <p:nvPicPr>
-          <p:cNvPr id="11" name="Picture 10"/>
+            <a:off x="6919629" y="1107999"/>
+            <a:ext cx="1219200" cy="1219200"/>
+          </a:xfrm>
+          <a:prstGeom prst="rect">
+            <a:avLst/>
+          </a:prstGeom>
+        </p:spPr>
+      </p:pic>
+      <p:pic>
+        <p:nvPicPr>
+          <p:cNvPr id="284" name="Picture 283"/>
           <p:cNvPicPr>
             <a:picLocks noChangeAspect="1"/>
           </p:cNvPicPr>
@@ -10009,17 +9290,17 @@
         </p:blipFill>
         <p:spPr>
           <a:xfrm>
-            <a:off x="3179485" y="1494515"/>
-            <a:ext cx="1219200" cy="1219200"/>
-          </a:xfrm>
-          <a:prstGeom prst="rect">
-            <a:avLst/>
-          </a:prstGeom>
-        </p:spPr>
-      </p:pic>
-      <p:pic>
-        <p:nvPicPr>
-          <p:cNvPr id="12" name="Picture 11"/>
+            <a:off x="9105600" y="1070428"/>
+            <a:ext cx="1219200" cy="1219200"/>
+          </a:xfrm>
+          <a:prstGeom prst="rect">
+            <a:avLst/>
+          </a:prstGeom>
+        </p:spPr>
+      </p:pic>
+      <p:pic>
+        <p:nvPicPr>
+          <p:cNvPr id="285" name="Picture 284"/>
           <p:cNvPicPr>
             <a:picLocks noChangeAspect="1"/>
           </p:cNvPicPr>
@@ -10040,17 +9321,17 @@
         </p:blipFill>
         <p:spPr>
           <a:xfrm>
-            <a:off x="1841371" y="1525686"/>
-            <a:ext cx="1219200" cy="1219200"/>
-          </a:xfrm>
-          <a:prstGeom prst="rect">
-            <a:avLst/>
-          </a:prstGeom>
-        </p:spPr>
-      </p:pic>
-      <p:pic>
-        <p:nvPicPr>
-          <p:cNvPr id="13" name="Picture 12"/>
+            <a:off x="7988286" y="1070428"/>
+            <a:ext cx="1219200" cy="1219200"/>
+          </a:xfrm>
+          <a:prstGeom prst="rect">
+            <a:avLst/>
+          </a:prstGeom>
+        </p:spPr>
+      </p:pic>
+      <p:pic>
+        <p:nvPicPr>
+          <p:cNvPr id="286" name="Picture 285"/>
           <p:cNvPicPr>
             <a:picLocks noChangeAspect="1"/>
           </p:cNvPicPr>
@@ -10071,17 +9352,17 @@
         </p:blipFill>
         <p:spPr>
           <a:xfrm>
-            <a:off x="4728943" y="1468915"/>
-            <a:ext cx="1219200" cy="1219200"/>
-          </a:xfrm>
-          <a:prstGeom prst="rect">
-            <a:avLst/>
-          </a:prstGeom>
-        </p:spPr>
-      </p:pic>
-      <p:pic>
-        <p:nvPicPr>
-          <p:cNvPr id="14" name="Picture 13"/>
+            <a:off x="303629" y="2185742"/>
+            <a:ext cx="1219200" cy="1219200"/>
+          </a:xfrm>
+          <a:prstGeom prst="rect">
+            <a:avLst/>
+          </a:prstGeom>
+        </p:spPr>
+      </p:pic>
+      <p:pic>
+        <p:nvPicPr>
+          <p:cNvPr id="287" name="Picture 286"/>
           <p:cNvPicPr>
             <a:picLocks noChangeAspect="1"/>
           </p:cNvPicPr>
@@ -10102,17 +9383,17 @@
         </p:blipFill>
         <p:spPr>
           <a:xfrm>
-            <a:off x="7809086" y="1525686"/>
-            <a:ext cx="1219200" cy="1219200"/>
-          </a:xfrm>
-          <a:prstGeom prst="rect">
-            <a:avLst/>
-          </a:prstGeom>
-        </p:spPr>
-      </p:pic>
-      <p:pic>
-        <p:nvPicPr>
-          <p:cNvPr id="15" name="Picture 14"/>
+            <a:off x="10484143" y="1070428"/>
+            <a:ext cx="1219200" cy="1219200"/>
+          </a:xfrm>
+          <a:prstGeom prst="rect">
+            <a:avLst/>
+          </a:prstGeom>
+        </p:spPr>
+      </p:pic>
+      <p:pic>
+        <p:nvPicPr>
+          <p:cNvPr id="288" name="Picture 287"/>
           <p:cNvPicPr>
             <a:picLocks noChangeAspect="1"/>
           </p:cNvPicPr>
@@ -10133,17 +9414,17 @@
         </p:blipFill>
         <p:spPr>
           <a:xfrm>
-            <a:off x="6376800" y="1525686"/>
-            <a:ext cx="1219200" cy="1219200"/>
-          </a:xfrm>
-          <a:prstGeom prst="rect">
-            <a:avLst/>
-          </a:prstGeom>
-        </p:spPr>
-      </p:pic>
-      <p:pic>
-        <p:nvPicPr>
-          <p:cNvPr id="16" name="Picture 15"/>
+            <a:off x="2923629" y="2421599"/>
+            <a:ext cx="1219200" cy="1219200"/>
+          </a:xfrm>
+          <a:prstGeom prst="rect">
+            <a:avLst/>
+          </a:prstGeom>
+        </p:spPr>
+      </p:pic>
+      <p:pic>
+        <p:nvPicPr>
+          <p:cNvPr id="289" name="Picture 288"/>
           <p:cNvPicPr>
             <a:picLocks noChangeAspect="1"/>
           </p:cNvPicPr>
@@ -10164,17 +9445,17 @@
         </p:blipFill>
         <p:spPr>
           <a:xfrm>
-            <a:off x="9237900" y="1525686"/>
-            <a:ext cx="1219200" cy="1219200"/>
-          </a:xfrm>
-          <a:prstGeom prst="rect">
-            <a:avLst/>
-          </a:prstGeom>
-        </p:spPr>
-      </p:pic>
-      <p:pic>
-        <p:nvPicPr>
-          <p:cNvPr id="17" name="Picture 16"/>
+            <a:off x="4273229" y="2454485"/>
+            <a:ext cx="1219200" cy="1219200"/>
+          </a:xfrm>
+          <a:prstGeom prst="rect">
+            <a:avLst/>
+          </a:prstGeom>
+        </p:spPr>
+      </p:pic>
+      <p:pic>
+        <p:nvPicPr>
+          <p:cNvPr id="290" name="Picture 289"/>
           <p:cNvPicPr>
             <a:picLocks noChangeAspect="1"/>
           </p:cNvPicPr>
@@ -10195,17 +9476,17 @@
         </p:blipFill>
         <p:spPr>
           <a:xfrm>
-            <a:off x="10404571" y="1519943"/>
-            <a:ext cx="1219200" cy="1219200"/>
-          </a:xfrm>
-          <a:prstGeom prst="rect">
-            <a:avLst/>
-          </a:prstGeom>
-        </p:spPr>
-      </p:pic>
-      <p:pic>
-        <p:nvPicPr>
-          <p:cNvPr id="18" name="Picture 17"/>
+            <a:off x="1704429" y="2421599"/>
+            <a:ext cx="1219200" cy="1219200"/>
+          </a:xfrm>
+          <a:prstGeom prst="rect">
+            <a:avLst/>
+          </a:prstGeom>
+        </p:spPr>
+      </p:pic>
+      <p:pic>
+        <p:nvPicPr>
+          <p:cNvPr id="291" name="Picture 290"/>
           <p:cNvPicPr>
             <a:picLocks noChangeAspect="1"/>
           </p:cNvPicPr>
@@ -10226,17 +9507,17 @@
         </p:blipFill>
         <p:spPr>
           <a:xfrm>
-            <a:off x="1841371" y="3030143"/>
-            <a:ext cx="1219200" cy="1219200"/>
-          </a:xfrm>
-          <a:prstGeom prst="rect">
-            <a:avLst/>
-          </a:prstGeom>
-        </p:spPr>
-      </p:pic>
-      <p:pic>
-        <p:nvPicPr>
-          <p:cNvPr id="19" name="Picture 18"/>
+            <a:off x="6976800" y="2439628"/>
+            <a:ext cx="1219200" cy="1219200"/>
+          </a:xfrm>
+          <a:prstGeom prst="rect">
+            <a:avLst/>
+          </a:prstGeom>
+        </p:spPr>
+      </p:pic>
+      <p:pic>
+        <p:nvPicPr>
+          <p:cNvPr id="292" name="Picture 291"/>
           <p:cNvPicPr>
             <a:picLocks noChangeAspect="1"/>
           </p:cNvPicPr>
@@ -10257,17 +9538,17 @@
         </p:blipFill>
         <p:spPr>
           <a:xfrm>
-            <a:off x="322686" y="3030143"/>
-            <a:ext cx="1219200" cy="1219200"/>
-          </a:xfrm>
-          <a:prstGeom prst="rect">
-            <a:avLst/>
-          </a:prstGeom>
-        </p:spPr>
-      </p:pic>
-      <p:pic>
-        <p:nvPicPr>
-          <p:cNvPr id="20" name="Picture 19"/>
+            <a:off x="5622829" y="2454485"/>
+            <a:ext cx="1219200" cy="1219200"/>
+          </a:xfrm>
+          <a:prstGeom prst="rect">
+            <a:avLst/>
+          </a:prstGeom>
+        </p:spPr>
+      </p:pic>
+      <p:pic>
+        <p:nvPicPr>
+          <p:cNvPr id="293" name="Picture 292"/>
           <p:cNvPicPr>
             <a:picLocks noChangeAspect="1"/>
           </p:cNvPicPr>
@@ -10288,17 +9569,17 @@
         </p:blipFill>
         <p:spPr>
           <a:xfrm>
-            <a:off x="4728943" y="3030143"/>
-            <a:ext cx="1219200" cy="1219200"/>
-          </a:xfrm>
-          <a:prstGeom prst="rect">
-            <a:avLst/>
-          </a:prstGeom>
-        </p:spPr>
-      </p:pic>
-      <p:pic>
-        <p:nvPicPr>
-          <p:cNvPr id="21" name="Picture 20"/>
+            <a:off x="8336400" y="2534314"/>
+            <a:ext cx="1219200" cy="1219200"/>
+          </a:xfrm>
+          <a:prstGeom prst="rect">
+            <a:avLst/>
+          </a:prstGeom>
+        </p:spPr>
+      </p:pic>
+      <p:pic>
+        <p:nvPicPr>
+          <p:cNvPr id="294" name="Picture 293"/>
           <p:cNvPicPr>
             <a:picLocks noChangeAspect="1"/>
           </p:cNvPicPr>
@@ -10319,17 +9600,17 @@
         </p:blipFill>
         <p:spPr>
           <a:xfrm>
-            <a:off x="3338570" y="3030143"/>
-            <a:ext cx="1219200" cy="1219200"/>
-          </a:xfrm>
-          <a:prstGeom prst="rect">
-            <a:avLst/>
-          </a:prstGeom>
-        </p:spPr>
-      </p:pic>
-      <p:pic>
-        <p:nvPicPr>
-          <p:cNvPr id="22" name="Picture 21"/>
+            <a:off x="1522829" y="3910656"/>
+            <a:ext cx="1219200" cy="1219200"/>
+          </a:xfrm>
+          <a:prstGeom prst="rect">
+            <a:avLst/>
+          </a:prstGeom>
+        </p:spPr>
+      </p:pic>
+      <p:pic>
+        <p:nvPicPr>
+          <p:cNvPr id="295" name="Picture 294"/>
           <p:cNvPicPr>
             <a:picLocks noChangeAspect="1"/>
           </p:cNvPicPr>
@@ -10350,17 +9631,17 @@
         </p:blipFill>
         <p:spPr>
           <a:xfrm>
-            <a:off x="1835343" y="4534600"/>
-            <a:ext cx="1219200" cy="1219200"/>
-          </a:xfrm>
-          <a:prstGeom prst="rect">
-            <a:avLst/>
-          </a:prstGeom>
-        </p:spPr>
-      </p:pic>
-      <p:pic>
-        <p:nvPicPr>
-          <p:cNvPr id="23" name="Picture 22"/>
+            <a:off x="303629" y="4021971"/>
+            <a:ext cx="1219200" cy="1219200"/>
+          </a:xfrm>
+          <a:prstGeom prst="rect">
+            <a:avLst/>
+          </a:prstGeom>
+        </p:spPr>
+      </p:pic>
+      <p:pic>
+        <p:nvPicPr>
+          <p:cNvPr id="296" name="Picture 295"/>
           <p:cNvPicPr>
             <a:picLocks noChangeAspect="1"/>
           </p:cNvPicPr>
@@ -10381,17 +9662,17 @@
         </p:blipFill>
         <p:spPr>
           <a:xfrm>
-            <a:off x="322686" y="4534600"/>
-            <a:ext cx="1219200" cy="1219200"/>
-          </a:xfrm>
-          <a:prstGeom prst="rect">
-            <a:avLst/>
-          </a:prstGeom>
-        </p:spPr>
-      </p:pic>
-      <p:pic>
-        <p:nvPicPr>
-          <p:cNvPr id="24" name="Picture 23"/>
+            <a:off x="9762315" y="2534314"/>
+            <a:ext cx="1219200" cy="1219200"/>
+          </a:xfrm>
+          <a:prstGeom prst="rect">
+            <a:avLst/>
+          </a:prstGeom>
+        </p:spPr>
+      </p:pic>
+      <p:pic>
+        <p:nvPicPr>
+          <p:cNvPr id="297" name="Picture 296"/>
           <p:cNvPicPr>
             <a:picLocks noChangeAspect="1"/>
           </p:cNvPicPr>
@@ -10412,17 +9693,17 @@
         </p:blipFill>
         <p:spPr>
           <a:xfrm>
-            <a:off x="6376800" y="3162943"/>
-            <a:ext cx="1219200" cy="1219200"/>
-          </a:xfrm>
-          <a:prstGeom prst="rect">
-            <a:avLst/>
-          </a:prstGeom>
-        </p:spPr>
-      </p:pic>
-      <p:pic>
-        <p:nvPicPr>
-          <p:cNvPr id="25" name="Picture 24"/>
+            <a:off x="5998771" y="4004171"/>
+            <a:ext cx="1219200" cy="1219200"/>
+          </a:xfrm>
+          <a:prstGeom prst="rect">
+            <a:avLst/>
+          </a:prstGeom>
+        </p:spPr>
+      </p:pic>
+      <p:pic>
+        <p:nvPicPr>
+          <p:cNvPr id="298" name="Picture 297"/>
           <p:cNvPicPr>
             <a:picLocks noChangeAspect="1"/>
           </p:cNvPicPr>
@@ -10443,17 +9724,17 @@
         </p:blipFill>
         <p:spPr>
           <a:xfrm>
-            <a:off x="10404571" y="3109800"/>
-            <a:ext cx="1219200" cy="1219200"/>
-          </a:xfrm>
-          <a:prstGeom prst="rect">
-            <a:avLst/>
-          </a:prstGeom>
-        </p:spPr>
-      </p:pic>
-      <p:pic>
-        <p:nvPicPr>
-          <p:cNvPr id="26" name="Picture 25"/>
+            <a:off x="4526400" y="4021971"/>
+            <a:ext cx="1219200" cy="1219200"/>
+          </a:xfrm>
+          <a:prstGeom prst="rect">
+            <a:avLst/>
+          </a:prstGeom>
+        </p:spPr>
+      </p:pic>
+      <p:pic>
+        <p:nvPicPr>
+          <p:cNvPr id="299" name="Picture 298"/>
           <p:cNvPicPr>
             <a:picLocks noChangeAspect="1"/>
           </p:cNvPicPr>
@@ -10474,17 +9755,17 @@
         </p:blipFill>
         <p:spPr>
           <a:xfrm>
-            <a:off x="3338570" y="4534600"/>
-            <a:ext cx="1219200" cy="1219200"/>
-          </a:xfrm>
-          <a:prstGeom prst="rect">
-            <a:avLst/>
-          </a:prstGeom>
-        </p:spPr>
-      </p:pic>
-      <p:pic>
-        <p:nvPicPr>
-          <p:cNvPr id="27" name="Picture 26"/>
+            <a:off x="3054029" y="4021971"/>
+            <a:ext cx="1219200" cy="1219200"/>
+          </a:xfrm>
+          <a:prstGeom prst="rect">
+            <a:avLst/>
+          </a:prstGeom>
+        </p:spPr>
+      </p:pic>
+      <p:pic>
+        <p:nvPicPr>
+          <p:cNvPr id="300" name="Picture 299"/>
           <p:cNvPicPr>
             <a:picLocks noChangeAspect="1"/>
           </p:cNvPicPr>
@@ -10505,17 +9786,17 @@
         </p:blipFill>
         <p:spPr>
           <a:xfrm>
-            <a:off x="4831171" y="4560286"/>
-            <a:ext cx="1219200" cy="1219200"/>
-          </a:xfrm>
-          <a:prstGeom prst="rect">
-            <a:avLst/>
-          </a:prstGeom>
-        </p:spPr>
-      </p:pic>
-      <p:pic>
-        <p:nvPicPr>
-          <p:cNvPr id="28" name="Picture 27"/>
+            <a:off x="10221542" y="4145971"/>
+            <a:ext cx="1219200" cy="1219200"/>
+          </a:xfrm>
+          <a:prstGeom prst="rect">
+            <a:avLst/>
+          </a:prstGeom>
+        </p:spPr>
+      </p:pic>
+      <p:pic>
+        <p:nvPicPr>
+          <p:cNvPr id="301" name="Picture 300"/>
           <p:cNvPicPr>
             <a:picLocks noChangeAspect="1"/>
           </p:cNvPicPr>
@@ -10536,17 +9817,17 @@
         </p:blipFill>
         <p:spPr>
           <a:xfrm>
-            <a:off x="9028286" y="4560286"/>
-            <a:ext cx="1219200" cy="1219200"/>
-          </a:xfrm>
-          <a:prstGeom prst="rect">
-            <a:avLst/>
-          </a:prstGeom>
-        </p:spPr>
-      </p:pic>
-      <p:pic>
-        <p:nvPicPr>
-          <p:cNvPr id="29" name="Picture 28"/>
+            <a:off x="8858971" y="4120114"/>
+            <a:ext cx="1219200" cy="1219200"/>
+          </a:xfrm>
+          <a:prstGeom prst="rect">
+            <a:avLst/>
+          </a:prstGeom>
+        </p:spPr>
+      </p:pic>
+      <p:pic>
+        <p:nvPicPr>
+          <p:cNvPr id="302" name="Picture 301"/>
           <p:cNvPicPr>
             <a:picLocks noChangeAspect="1"/>
           </p:cNvPicPr>
@@ -10567,38 +9848,7 @@
         </p:blipFill>
         <p:spPr>
           <a:xfrm>
-            <a:off x="8955600" y="3315400"/>
-            <a:ext cx="1219200" cy="1219200"/>
-          </a:xfrm>
-          <a:prstGeom prst="rect">
-            <a:avLst/>
-          </a:prstGeom>
-        </p:spPr>
-      </p:pic>
-      <p:pic>
-        <p:nvPicPr>
-          <p:cNvPr id="30" name="Picture 29"/>
-          <p:cNvPicPr>
-            <a:picLocks noChangeAspect="1"/>
-          </p:cNvPicPr>
-          <p:nvPr/>
-        </p:nvPicPr>
-        <p:blipFill>
-          <a:blip r:embed="rId30">
-            <a:lum bright="70000" contrast="-70000"/>
-            <a:extLst>
-              <a:ext uri="{28A0092B-C50C-407E-A947-70E740481C1C}">
-                <a14:useLocalDpi xmlns:a14="http://schemas.microsoft.com/office/drawing/2010/main" val="0"/>
-              </a:ext>
-            </a:extLst>
-          </a:blip>
-          <a:stretch>
-            <a:fillRect/>
-          </a:stretch>
-        </p:blipFill>
-        <p:spPr>
-          <a:xfrm>
-            <a:off x="10457100" y="4534600"/>
+            <a:off x="7471142" y="4120114"/>
             <a:ext cx="1219200" cy="1219200"/>
           </a:xfrm>
           <a:prstGeom prst="rect">
@@ -10609,7 +9859,7 @@
     </p:spTree>
     <p:extLst>
       <p:ext uri="{BB962C8B-B14F-4D97-AF65-F5344CB8AC3E}">
-        <p14:creationId xmlns:p14="http://schemas.microsoft.com/office/powerpoint/2010/main" val="823657930"/>
+        <p14:creationId xmlns:p14="http://schemas.microsoft.com/office/powerpoint/2010/main" val="2451305448"/>
       </p:ext>
     </p:extLst>
   </p:cSld>
@@ -10659,7 +9909,7 @@
         </p:blipFill>
         <p:spPr>
           <a:xfrm>
-            <a:off x="130628" y="359229"/>
+            <a:off x="322686" y="250829"/>
             <a:ext cx="1219200" cy="1219200"/>
           </a:xfrm>
           <a:prstGeom prst="rect">
@@ -10690,7 +9940,7 @@
         </p:blipFill>
         <p:spPr>
           <a:xfrm>
-            <a:off x="94399" y="4550571"/>
+            <a:off x="1841371" y="306486"/>
             <a:ext cx="1219200" cy="1219200"/>
           </a:xfrm>
           <a:prstGeom prst="rect">
@@ -10721,7 +9971,7 @@
         </p:blipFill>
         <p:spPr>
           <a:xfrm>
-            <a:off x="94399" y="3153457"/>
+            <a:off x="3360056" y="250829"/>
             <a:ext cx="1219200" cy="1219200"/>
           </a:xfrm>
           <a:prstGeom prst="rect">
@@ -10752,7 +10002,7 @@
         </p:blipFill>
         <p:spPr>
           <a:xfrm>
-            <a:off x="94399" y="1756343"/>
+            <a:off x="4878741" y="249715"/>
             <a:ext cx="1219200" cy="1219200"/>
           </a:xfrm>
           <a:prstGeom prst="rect">
@@ -10783,7 +10033,7 @@
         </p:blipFill>
         <p:spPr>
           <a:xfrm>
-            <a:off x="1652285" y="359229"/>
+            <a:off x="7736400" y="249715"/>
             <a:ext cx="1219200" cy="1219200"/>
           </a:xfrm>
           <a:prstGeom prst="rect">
@@ -10814,7 +10064,7 @@
         </p:blipFill>
         <p:spPr>
           <a:xfrm>
-            <a:off x="1652285" y="1756343"/>
+            <a:off x="6396057" y="249715"/>
             <a:ext cx="1219200" cy="1219200"/>
           </a:xfrm>
           <a:prstGeom prst="rect">
@@ -10845,7 +10095,7 @@
         </p:blipFill>
         <p:spPr>
           <a:xfrm>
-            <a:off x="1652285" y="4550571"/>
+            <a:off x="322686" y="1525686"/>
             <a:ext cx="1219200" cy="1219200"/>
           </a:xfrm>
           <a:prstGeom prst="rect">
@@ -10876,7 +10126,7 @@
         </p:blipFill>
         <p:spPr>
           <a:xfrm>
-            <a:off x="1613599" y="3153457"/>
+            <a:off x="9120229" y="275315"/>
             <a:ext cx="1219200" cy="1219200"/>
           </a:xfrm>
           <a:prstGeom prst="rect">
@@ -10907,7 +10157,7 @@
         </p:blipFill>
         <p:spPr>
           <a:xfrm>
-            <a:off x="3173942" y="1813229"/>
+            <a:off x="10460572" y="306486"/>
             <a:ext cx="1219200" cy="1219200"/>
           </a:xfrm>
           <a:prstGeom prst="rect">
@@ -10938,7 +10188,7 @@
         </p:blipFill>
         <p:spPr>
           <a:xfrm>
-            <a:off x="3173942" y="359229"/>
+            <a:off x="3179485" y="1494515"/>
             <a:ext cx="1219200" cy="1219200"/>
           </a:xfrm>
           <a:prstGeom prst="rect">
@@ -10969,7 +10219,7 @@
         </p:blipFill>
         <p:spPr>
           <a:xfrm>
-            <a:off x="3198342" y="3153457"/>
+            <a:off x="1841371" y="1525686"/>
             <a:ext cx="1219200" cy="1219200"/>
           </a:xfrm>
           <a:prstGeom prst="rect">
@@ -11000,7 +10250,7 @@
         </p:blipFill>
         <p:spPr>
           <a:xfrm>
-            <a:off x="3157485" y="4607457"/>
+            <a:off x="4728943" y="1468915"/>
             <a:ext cx="1219200" cy="1219200"/>
           </a:xfrm>
           <a:prstGeom prst="rect">
@@ -11031,7 +10281,7 @@
         </p:blipFill>
         <p:spPr>
           <a:xfrm>
-            <a:off x="4695599" y="1756343"/>
+            <a:off x="7809086" y="1525686"/>
             <a:ext cx="1219200" cy="1219200"/>
           </a:xfrm>
           <a:prstGeom prst="rect">
@@ -11062,7 +10312,7 @@
         </p:blipFill>
         <p:spPr>
           <a:xfrm>
-            <a:off x="4727399" y="360686"/>
+            <a:off x="6376800" y="1525686"/>
             <a:ext cx="1219200" cy="1219200"/>
           </a:xfrm>
           <a:prstGeom prst="rect">
@@ -11093,7 +10343,7 @@
         </p:blipFill>
         <p:spPr>
           <a:xfrm>
-            <a:off x="6280856" y="359229"/>
+            <a:off x="9237900" y="1525686"/>
             <a:ext cx="1219200" cy="1219200"/>
           </a:xfrm>
           <a:prstGeom prst="rect">
@@ -11124,7 +10374,7 @@
         </p:blipFill>
         <p:spPr>
           <a:xfrm>
-            <a:off x="4783085" y="3247857"/>
+            <a:off x="10404571" y="1519943"/>
             <a:ext cx="1219200" cy="1219200"/>
           </a:xfrm>
           <a:prstGeom prst="rect">
@@ -11155,7 +10405,7 @@
         </p:blipFill>
         <p:spPr>
           <a:xfrm>
-            <a:off x="4826685" y="4643514"/>
+            <a:off x="1841371" y="3030143"/>
             <a:ext cx="1219200" cy="1219200"/>
           </a:xfrm>
           <a:prstGeom prst="rect">
@@ -11186,7 +10436,7 @@
         </p:blipFill>
         <p:spPr>
           <a:xfrm>
-            <a:off x="6280856" y="3247857"/>
+            <a:off x="322686" y="3030143"/>
             <a:ext cx="1219200" cy="1219200"/>
           </a:xfrm>
           <a:prstGeom prst="rect">
@@ -11217,7 +10467,7 @@
         </p:blipFill>
         <p:spPr>
           <a:xfrm>
-            <a:off x="6217256" y="1813229"/>
+            <a:off x="4728943" y="3030143"/>
             <a:ext cx="1219200" cy="1219200"/>
           </a:xfrm>
           <a:prstGeom prst="rect">
@@ -11248,7 +10498,7 @@
         </p:blipFill>
         <p:spPr>
           <a:xfrm>
-            <a:off x="7804999" y="1938286"/>
+            <a:off x="3338570" y="3030143"/>
             <a:ext cx="1219200" cy="1219200"/>
           </a:xfrm>
           <a:prstGeom prst="rect">
@@ -11279,7 +10529,7 @@
         </p:blipFill>
         <p:spPr>
           <a:xfrm>
-            <a:off x="7804999" y="412829"/>
+            <a:off x="1835343" y="4534600"/>
             <a:ext cx="1219200" cy="1219200"/>
           </a:xfrm>
           <a:prstGeom prst="rect">
@@ -11310,7 +10560,7 @@
         </p:blipFill>
         <p:spPr>
           <a:xfrm>
-            <a:off x="6280856" y="4607457"/>
+            <a:off x="322686" y="4534600"/>
             <a:ext cx="1219200" cy="1219200"/>
           </a:xfrm>
           <a:prstGeom prst="rect">
@@ -11341,7 +10591,7 @@
         </p:blipFill>
         <p:spPr>
           <a:xfrm>
-            <a:off x="9324170" y="412829"/>
+            <a:off x="6376800" y="3162943"/>
             <a:ext cx="1219200" cy="1219200"/>
           </a:xfrm>
           <a:prstGeom prst="rect">
@@ -11372,7 +10622,7 @@
         </p:blipFill>
         <p:spPr>
           <a:xfrm>
-            <a:off x="7778627" y="3247857"/>
+            <a:off x="10404571" y="3109800"/>
             <a:ext cx="1219200" cy="1219200"/>
           </a:xfrm>
           <a:prstGeom prst="rect">
@@ -11403,7 +10653,7 @@
         </p:blipFill>
         <p:spPr>
           <a:xfrm>
-            <a:off x="7804999" y="4683628"/>
+            <a:off x="3338570" y="4534600"/>
             <a:ext cx="1219200" cy="1219200"/>
           </a:xfrm>
           <a:prstGeom prst="rect">
@@ -11434,7 +10684,7 @@
         </p:blipFill>
         <p:spPr>
           <a:xfrm>
-            <a:off x="9392742" y="3247857"/>
+            <a:off x="4831171" y="4560286"/>
             <a:ext cx="1219200" cy="1219200"/>
           </a:xfrm>
           <a:prstGeom prst="rect">
@@ -11465,7 +10715,69 @@
         </p:blipFill>
         <p:spPr>
           <a:xfrm>
-            <a:off x="9392742" y="1813229"/>
+            <a:off x="9028286" y="4560286"/>
+            <a:ext cx="1219200" cy="1219200"/>
+          </a:xfrm>
+          <a:prstGeom prst="rect">
+            <a:avLst/>
+          </a:prstGeom>
+        </p:spPr>
+      </p:pic>
+      <p:pic>
+        <p:nvPicPr>
+          <p:cNvPr id="29" name="Picture 28"/>
+          <p:cNvPicPr>
+            <a:picLocks noChangeAspect="1"/>
+          </p:cNvPicPr>
+          <p:nvPr/>
+        </p:nvPicPr>
+        <p:blipFill>
+          <a:blip r:embed="rId29">
+            <a:lum bright="70000" contrast="-70000"/>
+            <a:extLst>
+              <a:ext uri="{28A0092B-C50C-407E-A947-70E740481C1C}">
+                <a14:useLocalDpi xmlns:a14="http://schemas.microsoft.com/office/drawing/2010/main" val="0"/>
+              </a:ext>
+            </a:extLst>
+          </a:blip>
+          <a:stretch>
+            <a:fillRect/>
+          </a:stretch>
+        </p:blipFill>
+        <p:spPr>
+          <a:xfrm>
+            <a:off x="8955600" y="3315400"/>
+            <a:ext cx="1219200" cy="1219200"/>
+          </a:xfrm>
+          <a:prstGeom prst="rect">
+            <a:avLst/>
+          </a:prstGeom>
+        </p:spPr>
+      </p:pic>
+      <p:pic>
+        <p:nvPicPr>
+          <p:cNvPr id="30" name="Picture 29"/>
+          <p:cNvPicPr>
+            <a:picLocks noChangeAspect="1"/>
+          </p:cNvPicPr>
+          <p:nvPr/>
+        </p:nvPicPr>
+        <p:blipFill>
+          <a:blip r:embed="rId30">
+            <a:lum bright="70000" contrast="-70000"/>
+            <a:extLst>
+              <a:ext uri="{28A0092B-C50C-407E-A947-70E740481C1C}">
+                <a14:useLocalDpi xmlns:a14="http://schemas.microsoft.com/office/drawing/2010/main" val="0"/>
+              </a:ext>
+            </a:extLst>
+          </a:blip>
+          <a:stretch>
+            <a:fillRect/>
+          </a:stretch>
+        </p:blipFill>
+        <p:spPr>
+          <a:xfrm>
+            <a:off x="10457100" y="4534600"/>
             <a:ext cx="1219200" cy="1219200"/>
           </a:xfrm>
           <a:prstGeom prst="rect">
@@ -11476,7 +10788,7 @@
     </p:spTree>
     <p:extLst>
       <p:ext uri="{BB962C8B-B14F-4D97-AF65-F5344CB8AC3E}">
-        <p14:creationId xmlns:p14="http://schemas.microsoft.com/office/powerpoint/2010/main" val="3126433562"/>
+        <p14:creationId xmlns:p14="http://schemas.microsoft.com/office/powerpoint/2010/main" val="823657930"/>
       </p:ext>
     </p:extLst>
   </p:cSld>
@@ -11526,7 +10838,7 @@
         </p:blipFill>
         <p:spPr>
           <a:xfrm>
-            <a:off x="643486" y="520286"/>
+            <a:off x="130628" y="359229"/>
             <a:ext cx="1219200" cy="1219200"/>
           </a:xfrm>
           <a:prstGeom prst="rect">
@@ -11557,7 +10869,7 @@
         </p:blipFill>
         <p:spPr>
           <a:xfrm>
-            <a:off x="654401" y="3364486"/>
+            <a:off x="94399" y="4550571"/>
             <a:ext cx="1219200" cy="1219200"/>
           </a:xfrm>
           <a:prstGeom prst="rect">
@@ -11588,7 +10900,7 @@
         </p:blipFill>
         <p:spPr>
           <a:xfrm>
-            <a:off x="571600" y="4830522"/>
+            <a:off x="94399" y="3153457"/>
             <a:ext cx="1219200" cy="1219200"/>
           </a:xfrm>
           <a:prstGeom prst="rect">
@@ -11619,7 +10931,7 @@
         </p:blipFill>
         <p:spPr>
           <a:xfrm>
-            <a:off x="2286800" y="4852844"/>
+            <a:off x="94399" y="1756343"/>
             <a:ext cx="1219200" cy="1219200"/>
           </a:xfrm>
           <a:prstGeom prst="rect">
@@ -11650,7 +10962,7 @@
         </p:blipFill>
         <p:spPr>
           <a:xfrm>
-            <a:off x="2155658" y="3397482"/>
+            <a:off x="1652285" y="359229"/>
             <a:ext cx="1219200" cy="1219200"/>
           </a:xfrm>
           <a:prstGeom prst="rect">
@@ -11681,7 +10993,7 @@
         </p:blipFill>
         <p:spPr>
           <a:xfrm>
-            <a:off x="2303086" y="1959441"/>
+            <a:off x="1652285" y="1756343"/>
             <a:ext cx="1219200" cy="1219200"/>
           </a:xfrm>
           <a:prstGeom prst="rect">
@@ -11712,7 +11024,7 @@
         </p:blipFill>
         <p:spPr>
           <a:xfrm>
-            <a:off x="2303086" y="521400"/>
+            <a:off x="1652285" y="4550571"/>
             <a:ext cx="1219200" cy="1219200"/>
           </a:xfrm>
           <a:prstGeom prst="rect">
@@ -11743,7 +11055,7 @@
         </p:blipFill>
         <p:spPr>
           <a:xfrm>
-            <a:off x="3878400" y="4868530"/>
+            <a:off x="1613599" y="3153457"/>
             <a:ext cx="1219200" cy="1219200"/>
           </a:xfrm>
           <a:prstGeom prst="rect">
@@ -11774,7 +11086,7 @@
         </p:blipFill>
         <p:spPr>
           <a:xfrm>
-            <a:off x="3907314" y="3421143"/>
+            <a:off x="3173942" y="1813229"/>
             <a:ext cx="1219200" cy="1219200"/>
           </a:xfrm>
           <a:prstGeom prst="rect">
@@ -11805,7 +11117,7 @@
         </p:blipFill>
         <p:spPr>
           <a:xfrm>
-            <a:off x="3907314" y="1750200"/>
+            <a:off x="3173942" y="359229"/>
             <a:ext cx="1219200" cy="1219200"/>
           </a:xfrm>
           <a:prstGeom prst="rect">
@@ -11836,7 +11148,7 @@
         </p:blipFill>
         <p:spPr>
           <a:xfrm>
-            <a:off x="4074799" y="371400"/>
+            <a:off x="3198342" y="3153457"/>
             <a:ext cx="1219200" cy="1219200"/>
           </a:xfrm>
           <a:prstGeom prst="rect">
@@ -11867,7 +11179,7 @@
         </p:blipFill>
         <p:spPr>
           <a:xfrm>
-            <a:off x="5554400" y="4868530"/>
+            <a:off x="3157485" y="4607457"/>
             <a:ext cx="1219200" cy="1219200"/>
           </a:xfrm>
           <a:prstGeom prst="rect">
@@ -11898,7 +11210,7 @@
         </p:blipFill>
         <p:spPr>
           <a:xfrm>
-            <a:off x="5554400" y="3364486"/>
+            <a:off x="4695599" y="1756343"/>
             <a:ext cx="1219200" cy="1219200"/>
           </a:xfrm>
           <a:prstGeom prst="rect">
@@ -11929,7 +11241,7 @@
         </p:blipFill>
         <p:spPr>
           <a:xfrm>
-            <a:off x="5554400" y="1750200"/>
+            <a:off x="4727399" y="360686"/>
             <a:ext cx="1219200" cy="1219200"/>
           </a:xfrm>
           <a:prstGeom prst="rect">
@@ -11960,7 +11272,7 @@
         </p:blipFill>
         <p:spPr>
           <a:xfrm>
-            <a:off x="5734399" y="361800"/>
+            <a:off x="6280856" y="359229"/>
             <a:ext cx="1219200" cy="1219200"/>
           </a:xfrm>
           <a:prstGeom prst="rect">
@@ -11991,7 +11303,7 @@
         </p:blipFill>
         <p:spPr>
           <a:xfrm>
-            <a:off x="7228400" y="4868530"/>
+            <a:off x="4783085" y="3247857"/>
             <a:ext cx="1219200" cy="1219200"/>
           </a:xfrm>
           <a:prstGeom prst="rect">
@@ -12022,7 +11334,7 @@
         </p:blipFill>
         <p:spPr>
           <a:xfrm>
-            <a:off x="8984800" y="4872758"/>
+            <a:off x="4826685" y="4643514"/>
             <a:ext cx="1219200" cy="1219200"/>
           </a:xfrm>
           <a:prstGeom prst="rect">
@@ -12053,7 +11365,7 @@
         </p:blipFill>
         <p:spPr>
           <a:xfrm>
-            <a:off x="10576400" y="4872758"/>
+            <a:off x="6280856" y="3247857"/>
             <a:ext cx="1219200" cy="1219200"/>
           </a:xfrm>
           <a:prstGeom prst="rect">
@@ -12084,7 +11396,7 @@
         </p:blipFill>
         <p:spPr>
           <a:xfrm>
-            <a:off x="7337714" y="3421143"/>
+            <a:off x="6217256" y="1813229"/>
             <a:ext cx="1219200" cy="1219200"/>
           </a:xfrm>
           <a:prstGeom prst="rect">
@@ -12115,7 +11427,7 @@
         </p:blipFill>
         <p:spPr>
           <a:xfrm>
-            <a:off x="7337714" y="1791156"/>
+            <a:off x="7804999" y="1938286"/>
             <a:ext cx="1219200" cy="1219200"/>
           </a:xfrm>
           <a:prstGeom prst="rect">
@@ -12146,7 +11458,7 @@
         </p:blipFill>
         <p:spPr>
           <a:xfrm>
-            <a:off x="7337714" y="435085"/>
+            <a:off x="7804999" y="412829"/>
             <a:ext cx="1219200" cy="1219200"/>
           </a:xfrm>
           <a:prstGeom prst="rect">
@@ -12177,7 +11489,7 @@
         </p:blipFill>
         <p:spPr>
           <a:xfrm>
-            <a:off x="8953200" y="3384857"/>
+            <a:off x="6280856" y="4607457"/>
             <a:ext cx="1219200" cy="1219200"/>
           </a:xfrm>
           <a:prstGeom prst="rect">
@@ -12208,7 +11520,7 @@
         </p:blipFill>
         <p:spPr>
           <a:xfrm>
-            <a:off x="8984800" y="1816042"/>
+            <a:off x="9324170" y="412829"/>
             <a:ext cx="1219200" cy="1219200"/>
           </a:xfrm>
           <a:prstGeom prst="rect">
@@ -12239,7 +11551,7 @@
         </p:blipFill>
         <p:spPr>
           <a:xfrm>
-            <a:off x="10683085" y="3400200"/>
+            <a:off x="7778627" y="3247857"/>
             <a:ext cx="1219200" cy="1219200"/>
           </a:xfrm>
           <a:prstGeom prst="rect">
@@ -12270,7 +11582,7 @@
         </p:blipFill>
         <p:spPr>
           <a:xfrm>
-            <a:off x="8984800" y="326114"/>
+            <a:off x="7804999" y="4683628"/>
             <a:ext cx="1219200" cy="1219200"/>
           </a:xfrm>
           <a:prstGeom prst="rect">
@@ -12301,7 +11613,7 @@
         </p:blipFill>
         <p:spPr>
           <a:xfrm>
-            <a:off x="10504000" y="1927642"/>
+            <a:off x="9392742" y="3247857"/>
             <a:ext cx="1219200" cy="1219200"/>
           </a:xfrm>
           <a:prstGeom prst="rect">
@@ -12332,7 +11644,7 @@
         </p:blipFill>
         <p:spPr>
           <a:xfrm>
-            <a:off x="10504000" y="314828"/>
+            <a:off x="9392742" y="1813229"/>
             <a:ext cx="1219200" cy="1219200"/>
           </a:xfrm>
           <a:prstGeom prst="rect">
@@ -12343,7 +11655,7 @@
     </p:spTree>
     <p:extLst>
       <p:ext uri="{BB962C8B-B14F-4D97-AF65-F5344CB8AC3E}">
-        <p14:creationId xmlns:p14="http://schemas.microsoft.com/office/powerpoint/2010/main" val="399454265"/>
+        <p14:creationId xmlns:p14="http://schemas.microsoft.com/office/powerpoint/2010/main" val="3126433562"/>
       </p:ext>
     </p:extLst>
   </p:cSld>
@@ -12393,7 +11705,7 @@
         </p:blipFill>
         <p:spPr>
           <a:xfrm>
-            <a:off x="166914" y="286715"/>
+            <a:off x="643486" y="520286"/>
             <a:ext cx="1219200" cy="1219200"/>
           </a:xfrm>
           <a:prstGeom prst="rect">
@@ -12424,7 +11736,7 @@
         </p:blipFill>
         <p:spPr>
           <a:xfrm>
-            <a:off x="166914" y="4395429"/>
+            <a:off x="654401" y="3364486"/>
             <a:ext cx="1219200" cy="1219200"/>
           </a:xfrm>
           <a:prstGeom prst="rect">
@@ -12455,7 +11767,7 @@
         </p:blipFill>
         <p:spPr>
           <a:xfrm>
-            <a:off x="166914" y="3069944"/>
+            <a:off x="571600" y="4830522"/>
             <a:ext cx="1219200" cy="1219200"/>
           </a:xfrm>
           <a:prstGeom prst="rect">
@@ -12486,7 +11798,7 @@
         </p:blipFill>
         <p:spPr>
           <a:xfrm>
-            <a:off x="254057" y="1744459"/>
+            <a:off x="2286800" y="4852844"/>
             <a:ext cx="1219200" cy="1219200"/>
           </a:xfrm>
           <a:prstGeom prst="rect">
@@ -12517,7 +11829,7 @@
         </p:blipFill>
         <p:spPr>
           <a:xfrm>
-            <a:off x="2114343" y="1662173"/>
+            <a:off x="2155658" y="3397482"/>
             <a:ext cx="1219200" cy="1219200"/>
           </a:xfrm>
           <a:prstGeom prst="rect">
@@ -12548,7 +11860,7 @@
         </p:blipFill>
         <p:spPr>
           <a:xfrm>
-            <a:off x="2114343" y="286715"/>
+            <a:off x="2303086" y="1959441"/>
             <a:ext cx="1219200" cy="1219200"/>
           </a:xfrm>
           <a:prstGeom prst="rect">
@@ -12579,7 +11891,7 @@
         </p:blipFill>
         <p:spPr>
           <a:xfrm>
-            <a:off x="2114343" y="3037631"/>
+            <a:off x="2303086" y="521400"/>
             <a:ext cx="1219200" cy="1219200"/>
           </a:xfrm>
           <a:prstGeom prst="rect">
@@ -12610,7 +11922,7 @@
         </p:blipFill>
         <p:spPr>
           <a:xfrm>
-            <a:off x="3873029" y="286715"/>
+            <a:off x="3878400" y="4868530"/>
             <a:ext cx="1219200" cy="1219200"/>
           </a:xfrm>
           <a:prstGeom prst="rect">
@@ -12641,7 +11953,7 @@
         </p:blipFill>
         <p:spPr>
           <a:xfrm>
-            <a:off x="2040743" y="4414490"/>
+            <a:off x="3907314" y="3421143"/>
             <a:ext cx="1219200" cy="1219200"/>
           </a:xfrm>
           <a:prstGeom prst="rect">
@@ -12672,7 +11984,7 @@
         </p:blipFill>
         <p:spPr>
           <a:xfrm>
-            <a:off x="3733828" y="4505915"/>
+            <a:off x="3907314" y="1750200"/>
             <a:ext cx="1219200" cy="1219200"/>
           </a:xfrm>
           <a:prstGeom prst="rect">
@@ -12703,7 +12015,7 @@
         </p:blipFill>
         <p:spPr>
           <a:xfrm>
-            <a:off x="3873029" y="1636715"/>
+            <a:off x="4074799" y="371400"/>
             <a:ext cx="1219200" cy="1219200"/>
           </a:xfrm>
           <a:prstGeom prst="rect">
@@ -12734,7 +12046,7 @@
         </p:blipFill>
         <p:spPr>
           <a:xfrm>
-            <a:off x="3899200" y="3136715"/>
+            <a:off x="5554400" y="4868530"/>
             <a:ext cx="1219200" cy="1219200"/>
           </a:xfrm>
           <a:prstGeom prst="rect">
@@ -12765,7 +12077,7 @@
         </p:blipFill>
         <p:spPr>
           <a:xfrm>
-            <a:off x="7286457" y="286715"/>
+            <a:off x="5554400" y="3364486"/>
             <a:ext cx="1219200" cy="1219200"/>
           </a:xfrm>
           <a:prstGeom prst="rect">
@@ -12796,7 +12108,7 @@
         </p:blipFill>
         <p:spPr>
           <a:xfrm>
-            <a:off x="5634543" y="1636715"/>
+            <a:off x="5554400" y="1750200"/>
             <a:ext cx="1219200" cy="1219200"/>
           </a:xfrm>
           <a:prstGeom prst="rect">
@@ -12827,7 +12139,7 @@
         </p:blipFill>
         <p:spPr>
           <a:xfrm>
-            <a:off x="10680457" y="3202203"/>
+            <a:off x="5734399" y="361800"/>
             <a:ext cx="1219200" cy="1219200"/>
           </a:xfrm>
           <a:prstGeom prst="rect">
@@ -12858,7 +12170,7 @@
         </p:blipFill>
         <p:spPr>
           <a:xfrm>
-            <a:off x="9215543" y="1744459"/>
+            <a:off x="7228400" y="4868530"/>
             <a:ext cx="1219200" cy="1219200"/>
           </a:xfrm>
           <a:prstGeom prst="rect">
@@ -12889,7 +12201,7 @@
         </p:blipFill>
         <p:spPr>
           <a:xfrm>
-            <a:off x="7396057" y="1805915"/>
+            <a:off x="8984800" y="4872758"/>
             <a:ext cx="1219200" cy="1219200"/>
           </a:xfrm>
           <a:prstGeom prst="rect">
@@ -12920,7 +12232,7 @@
         </p:blipFill>
         <p:spPr>
           <a:xfrm>
-            <a:off x="9167543" y="286715"/>
+            <a:off x="10576400" y="4872758"/>
             <a:ext cx="1219200" cy="1219200"/>
           </a:xfrm>
           <a:prstGeom prst="rect">
@@ -12951,7 +12263,7 @@
         </p:blipFill>
         <p:spPr>
           <a:xfrm>
-            <a:off x="10680457" y="1744459"/>
+            <a:off x="7337714" y="3421143"/>
             <a:ext cx="1219200" cy="1219200"/>
           </a:xfrm>
           <a:prstGeom prst="rect">
@@ -12982,7 +12294,7 @@
         </p:blipFill>
         <p:spPr>
           <a:xfrm>
-            <a:off x="10680457" y="286715"/>
+            <a:off x="7337714" y="1791156"/>
             <a:ext cx="1219200" cy="1219200"/>
           </a:xfrm>
           <a:prstGeom prst="rect">
@@ -13013,7 +12325,7 @@
         </p:blipFill>
         <p:spPr>
           <a:xfrm>
-            <a:off x="7396057" y="3202203"/>
+            <a:off x="7337714" y="435085"/>
             <a:ext cx="1219200" cy="1219200"/>
           </a:xfrm>
           <a:prstGeom prst="rect">
@@ -13044,7 +12356,7 @@
         </p:blipFill>
         <p:spPr>
           <a:xfrm>
-            <a:off x="9285314" y="3202203"/>
+            <a:off x="8953200" y="3384857"/>
             <a:ext cx="1219200" cy="1219200"/>
           </a:xfrm>
           <a:prstGeom prst="rect">
@@ -13075,7 +12387,7 @@
         </p:blipFill>
         <p:spPr>
           <a:xfrm>
-            <a:off x="7396057" y="4665515"/>
+            <a:off x="8984800" y="1816042"/>
             <a:ext cx="1219200" cy="1219200"/>
           </a:xfrm>
           <a:prstGeom prst="rect">
@@ -13106,7 +12418,7 @@
         </p:blipFill>
         <p:spPr>
           <a:xfrm>
-            <a:off x="9279343" y="4665515"/>
+            <a:off x="10683085" y="3400200"/>
             <a:ext cx="1219200" cy="1219200"/>
           </a:xfrm>
           <a:prstGeom prst="rect">
@@ -13137,7 +12449,7 @@
         </p:blipFill>
         <p:spPr>
           <a:xfrm>
-            <a:off x="10694114" y="4665515"/>
+            <a:off x="8984800" y="326114"/>
             <a:ext cx="1219200" cy="1219200"/>
           </a:xfrm>
           <a:prstGeom prst="rect">
@@ -13168,7 +12480,7 @@
         </p:blipFill>
         <p:spPr>
           <a:xfrm>
-            <a:off x="5634543" y="3176229"/>
+            <a:off x="10504000" y="1927642"/>
             <a:ext cx="1219200" cy="1219200"/>
           </a:xfrm>
           <a:prstGeom prst="rect">
@@ -13199,7 +12511,7 @@
         </p:blipFill>
         <p:spPr>
           <a:xfrm>
-            <a:off x="5634543" y="286715"/>
+            <a:off x="10504000" y="314828"/>
             <a:ext cx="1219200" cy="1219200"/>
           </a:xfrm>
           <a:prstGeom prst="rect">
@@ -13210,7 +12522,7 @@
     </p:spTree>
     <p:extLst>
       <p:ext uri="{BB962C8B-B14F-4D97-AF65-F5344CB8AC3E}">
-        <p14:creationId xmlns:p14="http://schemas.microsoft.com/office/powerpoint/2010/main" val="3324423259"/>
+        <p14:creationId xmlns:p14="http://schemas.microsoft.com/office/powerpoint/2010/main" val="399454265"/>
       </p:ext>
     </p:extLst>
   </p:cSld>
@@ -13260,7 +12572,7 @@
         </p:blipFill>
         <p:spPr>
           <a:xfrm>
-            <a:off x="2066300" y="4482743"/>
+            <a:off x="166914" y="286715"/>
             <a:ext cx="1219200" cy="1219200"/>
           </a:xfrm>
           <a:prstGeom prst="rect">
@@ -13291,7 +12603,7 @@
         </p:blipFill>
         <p:spPr>
           <a:xfrm>
-            <a:off x="3544387" y="3100200"/>
+            <a:off x="166914" y="4395429"/>
             <a:ext cx="1219200" cy="1219200"/>
           </a:xfrm>
           <a:prstGeom prst="rect">
@@ -13322,7 +12634,7 @@
         </p:blipFill>
         <p:spPr>
           <a:xfrm>
-            <a:off x="1959644" y="3077257"/>
+            <a:off x="166914" y="3069944"/>
             <a:ext cx="1219200" cy="1219200"/>
           </a:xfrm>
           <a:prstGeom prst="rect">
@@ -13353,7 +12665,7 @@
         </p:blipFill>
         <p:spPr>
           <a:xfrm>
-            <a:off x="220687" y="3077257"/>
+            <a:off x="254057" y="1744459"/>
             <a:ext cx="1219200" cy="1219200"/>
           </a:xfrm>
           <a:prstGeom prst="rect">
@@ -13384,7 +12696,7 @@
         </p:blipFill>
         <p:spPr>
           <a:xfrm>
-            <a:off x="252087" y="4629000"/>
+            <a:off x="2114343" y="1662173"/>
             <a:ext cx="1219200" cy="1219200"/>
           </a:xfrm>
           <a:prstGeom prst="rect">
@@ -13415,7 +12727,7 @@
         </p:blipFill>
         <p:spPr>
           <a:xfrm>
-            <a:off x="1959644" y="1565771"/>
+            <a:off x="2114343" y="286715"/>
             <a:ext cx="1219200" cy="1219200"/>
           </a:xfrm>
           <a:prstGeom prst="rect">
@@ -13446,7 +12758,7 @@
         </p:blipFill>
         <p:spPr>
           <a:xfrm>
-            <a:off x="3652987" y="4539457"/>
+            <a:off x="2114343" y="3037631"/>
             <a:ext cx="1219200" cy="1219200"/>
           </a:xfrm>
           <a:prstGeom prst="rect">
@@ -13477,7 +12789,7 @@
         </p:blipFill>
         <p:spPr>
           <a:xfrm>
-            <a:off x="2066300" y="346571"/>
+            <a:off x="3873029" y="286715"/>
             <a:ext cx="1219200" cy="1219200"/>
           </a:xfrm>
           <a:prstGeom prst="rect">
@@ -13508,7 +12820,7 @@
         </p:blipFill>
         <p:spPr>
           <a:xfrm>
-            <a:off x="5317644" y="358887"/>
+            <a:off x="2040743" y="4414490"/>
             <a:ext cx="1219200" cy="1219200"/>
           </a:xfrm>
           <a:prstGeom prst="rect">
@@ -13539,7 +12851,7 @@
         </p:blipFill>
         <p:spPr>
           <a:xfrm>
-            <a:off x="3638644" y="1685343"/>
+            <a:off x="3733828" y="4505915"/>
             <a:ext cx="1219200" cy="1219200"/>
           </a:xfrm>
           <a:prstGeom prst="rect">
@@ -13570,7 +12882,7 @@
         </p:blipFill>
         <p:spPr>
           <a:xfrm>
-            <a:off x="3638644" y="368315"/>
+            <a:off x="3873029" y="1636715"/>
             <a:ext cx="1219200" cy="1219200"/>
           </a:xfrm>
           <a:prstGeom prst="rect">
@@ -13601,7 +12913,7 @@
         </p:blipFill>
         <p:spPr>
           <a:xfrm>
-            <a:off x="5317644" y="4609800"/>
+            <a:off x="3899200" y="3136715"/>
             <a:ext cx="1219200" cy="1219200"/>
           </a:xfrm>
           <a:prstGeom prst="rect">
@@ -13632,7 +12944,7 @@
         </p:blipFill>
         <p:spPr>
           <a:xfrm>
-            <a:off x="5317644" y="1823228"/>
+            <a:off x="7286457" y="286715"/>
             <a:ext cx="1219200" cy="1219200"/>
           </a:xfrm>
           <a:prstGeom prst="rect">
@@ -13663,7 +12975,7 @@
         </p:blipFill>
         <p:spPr>
           <a:xfrm>
-            <a:off x="5317644" y="3208114"/>
+            <a:off x="5634543" y="1636715"/>
             <a:ext cx="1219200" cy="1219200"/>
           </a:xfrm>
           <a:prstGeom prst="rect">
@@ -13694,7 +13006,7 @@
         </p:blipFill>
         <p:spPr>
           <a:xfrm>
-            <a:off x="7078800" y="368315"/>
+            <a:off x="10680457" y="3202203"/>
             <a:ext cx="1219200" cy="1219200"/>
           </a:xfrm>
           <a:prstGeom prst="rect">
@@ -13725,7 +13037,7 @@
         </p:blipFill>
         <p:spPr>
           <a:xfrm>
-            <a:off x="7129600" y="1793142"/>
+            <a:off x="9215543" y="1744459"/>
             <a:ext cx="1219200" cy="1219200"/>
           </a:xfrm>
           <a:prstGeom prst="rect">
@@ -13756,7 +13068,7 @@
         </p:blipFill>
         <p:spPr>
           <a:xfrm>
-            <a:off x="7129600" y="3320257"/>
+            <a:off x="7396057" y="1805915"/>
             <a:ext cx="1219200" cy="1219200"/>
           </a:xfrm>
           <a:prstGeom prst="rect">
@@ -13787,7 +13099,7 @@
         </p:blipFill>
         <p:spPr>
           <a:xfrm>
-            <a:off x="7192200" y="4609800"/>
+            <a:off x="9167543" y="286715"/>
             <a:ext cx="1219200" cy="1219200"/>
           </a:xfrm>
           <a:prstGeom prst="rect">
@@ -13818,7 +13130,7 @@
         </p:blipFill>
         <p:spPr>
           <a:xfrm>
-            <a:off x="8757800" y="466143"/>
+            <a:off x="10680457" y="1744459"/>
             <a:ext cx="1219200" cy="1219200"/>
           </a:xfrm>
           <a:prstGeom prst="rect">
@@ -13849,7 +13161,7 @@
         </p:blipFill>
         <p:spPr>
           <a:xfrm>
-            <a:off x="8736429" y="3349857"/>
+            <a:off x="10680457" y="286715"/>
             <a:ext cx="1219200" cy="1219200"/>
           </a:xfrm>
           <a:prstGeom prst="rect">
@@ -13880,7 +13192,7 @@
         </p:blipFill>
         <p:spPr>
           <a:xfrm>
-            <a:off x="8786400" y="1865429"/>
+            <a:off x="7396057" y="3202203"/>
             <a:ext cx="1219200" cy="1219200"/>
           </a:xfrm>
           <a:prstGeom prst="rect">
@@ -13911,7 +13223,7 @@
         </p:blipFill>
         <p:spPr>
           <a:xfrm>
-            <a:off x="8729630" y="4750200"/>
+            <a:off x="9285314" y="3202203"/>
             <a:ext cx="1219200" cy="1219200"/>
           </a:xfrm>
           <a:prstGeom prst="rect">
@@ -13942,7 +13254,7 @@
         </p:blipFill>
         <p:spPr>
           <a:xfrm>
-            <a:off x="10436800" y="3320257"/>
+            <a:off x="7396057" y="4665515"/>
             <a:ext cx="1219200" cy="1219200"/>
           </a:xfrm>
           <a:prstGeom prst="rect">
@@ -13973,7 +13285,7 @@
         </p:blipFill>
         <p:spPr>
           <a:xfrm>
-            <a:off x="10525357" y="1988914"/>
+            <a:off x="9279343" y="4665515"/>
             <a:ext cx="1219200" cy="1219200"/>
           </a:xfrm>
           <a:prstGeom prst="rect">
@@ -14004,7 +13316,7 @@
         </p:blipFill>
         <p:spPr>
           <a:xfrm>
-            <a:off x="10436800" y="466143"/>
+            <a:off x="10694114" y="4665515"/>
             <a:ext cx="1219200" cy="1219200"/>
           </a:xfrm>
           <a:prstGeom prst="rect">
@@ -14035,7 +13347,7 @@
         </p:blipFill>
         <p:spPr>
           <a:xfrm>
-            <a:off x="249658" y="1685343"/>
+            <a:off x="5634543" y="3176229"/>
             <a:ext cx="1219200" cy="1219200"/>
           </a:xfrm>
           <a:prstGeom prst="rect">
@@ -14066,7 +13378,7 @@
         </p:blipFill>
         <p:spPr>
           <a:xfrm>
-            <a:off x="249658" y="325857"/>
+            <a:off x="5634543" y="286715"/>
             <a:ext cx="1219200" cy="1219200"/>
           </a:xfrm>
           <a:prstGeom prst="rect">
@@ -14077,7 +13389,7 @@
     </p:spTree>
     <p:extLst>
       <p:ext uri="{BB962C8B-B14F-4D97-AF65-F5344CB8AC3E}">
-        <p14:creationId xmlns:p14="http://schemas.microsoft.com/office/powerpoint/2010/main" val="438152526"/>
+        <p14:creationId xmlns:p14="http://schemas.microsoft.com/office/powerpoint/2010/main" val="3324423259"/>
       </p:ext>
     </p:extLst>
   </p:cSld>
@@ -14127,7 +13439,7 @@
         </p:blipFill>
         <p:spPr>
           <a:xfrm>
-            <a:off x="297543" y="293914"/>
+            <a:off x="2066300" y="4482743"/>
             <a:ext cx="1219200" cy="1219200"/>
           </a:xfrm>
           <a:prstGeom prst="rect">
@@ -14158,7 +13470,7 @@
         </p:blipFill>
         <p:spPr>
           <a:xfrm>
-            <a:off x="297543" y="1670372"/>
+            <a:off x="3544387" y="3100200"/>
             <a:ext cx="1219200" cy="1219200"/>
           </a:xfrm>
           <a:prstGeom prst="rect">
@@ -14189,7 +13501,7 @@
         </p:blipFill>
         <p:spPr>
           <a:xfrm>
-            <a:off x="375086" y="4580546"/>
+            <a:off x="1959644" y="3077257"/>
             <a:ext cx="1219200" cy="1219200"/>
           </a:xfrm>
           <a:prstGeom prst="rect">
@@ -14220,7 +13532,7 @@
         </p:blipFill>
         <p:spPr>
           <a:xfrm>
-            <a:off x="355657" y="3046830"/>
+            <a:off x="220687" y="3077257"/>
             <a:ext cx="1219200" cy="1219200"/>
           </a:xfrm>
           <a:prstGeom prst="rect">
@@ -14251,7 +13563,7 @@
         </p:blipFill>
         <p:spPr>
           <a:xfrm>
-            <a:off x="2065943" y="219000"/>
+            <a:off x="252087" y="4629000"/>
             <a:ext cx="1219200" cy="1219200"/>
           </a:xfrm>
           <a:prstGeom prst="rect">
@@ -14282,7 +13594,7 @@
         </p:blipFill>
         <p:spPr>
           <a:xfrm>
-            <a:off x="2065943" y="3100200"/>
+            <a:off x="1959644" y="1565771"/>
             <a:ext cx="1219200" cy="1219200"/>
           </a:xfrm>
           <a:prstGeom prst="rect">
@@ -14313,7 +13625,7 @@
         </p:blipFill>
         <p:spPr>
           <a:xfrm>
-            <a:off x="1974058" y="1670372"/>
+            <a:off x="3652987" y="4539457"/>
             <a:ext cx="1219200" cy="1219200"/>
           </a:xfrm>
           <a:prstGeom prst="rect">
@@ -14344,7 +13656,7 @@
         </p:blipFill>
         <p:spPr>
           <a:xfrm>
-            <a:off x="2030971" y="4594343"/>
+            <a:off x="2066300" y="346571"/>
             <a:ext cx="1219200" cy="1219200"/>
           </a:xfrm>
           <a:prstGeom prst="rect">
@@ -14375,7 +13687,7 @@
         </p:blipFill>
         <p:spPr>
           <a:xfrm>
-            <a:off x="3834343" y="219000"/>
+            <a:off x="5317644" y="358887"/>
             <a:ext cx="1219200" cy="1219200"/>
           </a:xfrm>
           <a:prstGeom prst="rect">
@@ -14406,7 +13718,7 @@
         </p:blipFill>
         <p:spPr>
           <a:xfrm>
-            <a:off x="3939743" y="4580546"/>
+            <a:off x="3638644" y="1685343"/>
             <a:ext cx="1219200" cy="1219200"/>
           </a:xfrm>
           <a:prstGeom prst="rect">
@@ -14437,7 +13749,7 @@
         </p:blipFill>
         <p:spPr>
           <a:xfrm>
-            <a:off x="3894857" y="1708115"/>
+            <a:off x="3638644" y="368315"/>
             <a:ext cx="1219200" cy="1219200"/>
           </a:xfrm>
           <a:prstGeom prst="rect">
@@ -14468,7 +13780,7 @@
         </p:blipFill>
         <p:spPr>
           <a:xfrm>
-            <a:off x="3941886" y="3046830"/>
+            <a:off x="5317644" y="4609800"/>
             <a:ext cx="1219200" cy="1219200"/>
           </a:xfrm>
           <a:prstGeom prst="rect">
@@ -14499,7 +13811,7 @@
         </p:blipFill>
         <p:spPr>
           <a:xfrm>
-            <a:off x="5571372" y="1767343"/>
+            <a:off x="5317644" y="1823228"/>
             <a:ext cx="1219200" cy="1219200"/>
           </a:xfrm>
           <a:prstGeom prst="rect">
@@ -14530,7 +13842,7 @@
         </p:blipFill>
         <p:spPr>
           <a:xfrm>
-            <a:off x="5602743" y="293914"/>
+            <a:off x="5317644" y="3208114"/>
             <a:ext cx="1219200" cy="1219200"/>
           </a:xfrm>
           <a:prstGeom prst="rect">
@@ -14561,7 +13873,7 @@
         </p:blipFill>
         <p:spPr>
           <a:xfrm>
-            <a:off x="5571372" y="3240772"/>
+            <a:off x="7078800" y="368315"/>
             <a:ext cx="1219200" cy="1219200"/>
           </a:xfrm>
           <a:prstGeom prst="rect">
@@ -14592,7 +13904,7 @@
         </p:blipFill>
         <p:spPr>
           <a:xfrm>
-            <a:off x="7117200" y="388543"/>
+            <a:off x="7129600" y="1793142"/>
             <a:ext cx="1219200" cy="1219200"/>
           </a:xfrm>
           <a:prstGeom prst="rect">
@@ -14623,7 +13935,7 @@
         </p:blipFill>
         <p:spPr>
           <a:xfrm>
-            <a:off x="7211944" y="1819487"/>
+            <a:off x="7129600" y="3320257"/>
             <a:ext cx="1219200" cy="1219200"/>
           </a:xfrm>
           <a:prstGeom prst="rect">
@@ -14654,7 +13966,7 @@
         </p:blipFill>
         <p:spPr>
           <a:xfrm>
-            <a:off x="5624857" y="4609800"/>
+            <a:off x="7192200" y="4609800"/>
             <a:ext cx="1219200" cy="1219200"/>
           </a:xfrm>
           <a:prstGeom prst="rect">
@@ -14685,7 +13997,7 @@
         </p:blipFill>
         <p:spPr>
           <a:xfrm>
-            <a:off x="7284514" y="3295545"/>
+            <a:off x="8757800" y="466143"/>
             <a:ext cx="1219200" cy="1219200"/>
           </a:xfrm>
           <a:prstGeom prst="rect">
@@ -14716,7 +14028,7 @@
         </p:blipFill>
         <p:spPr>
           <a:xfrm>
-            <a:off x="7309971" y="4675172"/>
+            <a:off x="8736429" y="3349857"/>
             <a:ext cx="1219200" cy="1219200"/>
           </a:xfrm>
           <a:prstGeom prst="rect">
@@ -14747,7 +14059,7 @@
         </p:blipFill>
         <p:spPr>
           <a:xfrm>
-            <a:off x="8636400" y="399829"/>
+            <a:off x="8786400" y="1865429"/>
             <a:ext cx="1219200" cy="1219200"/>
           </a:xfrm>
           <a:prstGeom prst="rect">
@@ -14778,7 +14090,7 @@
         </p:blipFill>
         <p:spPr>
           <a:xfrm>
-            <a:off x="10392629" y="488915"/>
+            <a:off x="8729630" y="4750200"/>
             <a:ext cx="1219200" cy="1219200"/>
           </a:xfrm>
           <a:prstGeom prst="rect">
@@ -14809,7 +14121,7 @@
         </p:blipFill>
         <p:spPr>
           <a:xfrm>
-            <a:off x="8731257" y="1827630"/>
+            <a:off x="10436800" y="3320257"/>
             <a:ext cx="1219200" cy="1219200"/>
           </a:xfrm>
           <a:prstGeom prst="rect">
@@ -14840,7 +14152,7 @@
         </p:blipFill>
         <p:spPr>
           <a:xfrm>
-            <a:off x="8784057" y="4774428"/>
+            <a:off x="10525357" y="1988914"/>
             <a:ext cx="1219200" cy="1219200"/>
           </a:xfrm>
           <a:prstGeom prst="rect">
@@ -14871,7 +14183,7 @@
         </p:blipFill>
         <p:spPr>
           <a:xfrm>
-            <a:off x="10396399" y="3390600"/>
+            <a:off x="10436800" y="466143"/>
             <a:ext cx="1219200" cy="1219200"/>
           </a:xfrm>
           <a:prstGeom prst="rect">
@@ -14902,7 +14214,7 @@
         </p:blipFill>
         <p:spPr>
           <a:xfrm>
-            <a:off x="10349658" y="2076345"/>
+            <a:off x="249658" y="1685343"/>
             <a:ext cx="1219200" cy="1219200"/>
           </a:xfrm>
           <a:prstGeom prst="rect">
@@ -14933,7 +14245,7 @@
         </p:blipFill>
         <p:spPr>
           <a:xfrm>
-            <a:off x="8773943" y="3438915"/>
+            <a:off x="249658" y="325857"/>
             <a:ext cx="1219200" cy="1219200"/>
           </a:xfrm>
           <a:prstGeom prst="rect">
@@ -14944,7 +14256,7 @@
     </p:spTree>
     <p:extLst>
       <p:ext uri="{BB962C8B-B14F-4D97-AF65-F5344CB8AC3E}">
-        <p14:creationId xmlns:p14="http://schemas.microsoft.com/office/powerpoint/2010/main" val="214978686"/>
+        <p14:creationId xmlns:p14="http://schemas.microsoft.com/office/powerpoint/2010/main" val="438152526"/>
       </p:ext>
     </p:extLst>
   </p:cSld>
@@ -14994,7 +14306,7 @@
         </p:blipFill>
         <p:spPr>
           <a:xfrm>
-            <a:off x="304800" y="373743"/>
+            <a:off x="297543" y="293914"/>
             <a:ext cx="1219200" cy="1219200"/>
           </a:xfrm>
           <a:prstGeom prst="rect">
@@ -15025,7 +14337,7 @@
         </p:blipFill>
         <p:spPr>
           <a:xfrm>
-            <a:off x="304800" y="2022400"/>
+            <a:off x="297543" y="1670372"/>
             <a:ext cx="1219200" cy="1219200"/>
           </a:xfrm>
           <a:prstGeom prst="rect">
@@ -15056,7 +14368,7 @@
         </p:blipFill>
         <p:spPr>
           <a:xfrm>
-            <a:off x="304800" y="3400200"/>
+            <a:off x="375086" y="4580546"/>
             <a:ext cx="1219200" cy="1219200"/>
           </a:xfrm>
           <a:prstGeom prst="rect">
@@ -15087,7 +14399,7 @@
         </p:blipFill>
         <p:spPr>
           <a:xfrm>
-            <a:off x="304800" y="4779000"/>
+            <a:off x="355657" y="3046830"/>
             <a:ext cx="1219200" cy="1219200"/>
           </a:xfrm>
           <a:prstGeom prst="rect">
@@ -15118,7 +14430,7 @@
         </p:blipFill>
         <p:spPr>
           <a:xfrm>
-            <a:off x="1942572" y="373743"/>
+            <a:off x="2065943" y="219000"/>
             <a:ext cx="1219200" cy="1219200"/>
           </a:xfrm>
           <a:prstGeom prst="rect">
@@ -15149,7 +14461,7 @@
         </p:blipFill>
         <p:spPr>
           <a:xfrm>
-            <a:off x="2020000" y="1907514"/>
+            <a:off x="2065943" y="3100200"/>
             <a:ext cx="1219200" cy="1219200"/>
           </a:xfrm>
           <a:prstGeom prst="rect">
@@ -15180,7 +14492,7 @@
         </p:blipFill>
         <p:spPr>
           <a:xfrm>
-            <a:off x="1838629" y="3400200"/>
+            <a:off x="1974058" y="1670372"/>
             <a:ext cx="1219200" cy="1219200"/>
           </a:xfrm>
           <a:prstGeom prst="rect">
@@ -15211,7 +14523,7 @@
         </p:blipFill>
         <p:spPr>
           <a:xfrm>
-            <a:off x="1976400" y="4787771"/>
+            <a:off x="2030971" y="4594343"/>
             <a:ext cx="1219200" cy="1219200"/>
           </a:xfrm>
           <a:prstGeom prst="rect">
@@ -15242,7 +14554,7 @@
         </p:blipFill>
         <p:spPr>
           <a:xfrm>
-            <a:off x="3580515" y="2022400"/>
+            <a:off x="3834343" y="219000"/>
             <a:ext cx="1219200" cy="1219200"/>
           </a:xfrm>
           <a:prstGeom prst="rect">
@@ -15273,7 +14585,7 @@
         </p:blipFill>
         <p:spPr>
           <a:xfrm>
-            <a:off x="3580515" y="373743"/>
+            <a:off x="3939743" y="4580546"/>
             <a:ext cx="1219200" cy="1219200"/>
           </a:xfrm>
           <a:prstGeom prst="rect">
@@ -15304,7 +14616,7 @@
         </p:blipFill>
         <p:spPr>
           <a:xfrm>
-            <a:off x="3517486" y="3400200"/>
+            <a:off x="3894857" y="1708115"/>
             <a:ext cx="1219200" cy="1219200"/>
           </a:xfrm>
           <a:prstGeom prst="rect">
@@ -15335,7 +14647,7 @@
         </p:blipFill>
         <p:spPr>
           <a:xfrm>
-            <a:off x="3580515" y="4742285"/>
+            <a:off x="3941886" y="3046830"/>
             <a:ext cx="1219200" cy="1219200"/>
           </a:xfrm>
           <a:prstGeom prst="rect">
@@ -15366,7 +14678,7 @@
         </p:blipFill>
         <p:spPr>
           <a:xfrm>
-            <a:off x="5476972" y="3584256"/>
+            <a:off x="5571372" y="1767343"/>
             <a:ext cx="1219200" cy="1219200"/>
           </a:xfrm>
           <a:prstGeom prst="rect">
@@ -15397,7 +14709,7 @@
         </p:blipFill>
         <p:spPr>
           <a:xfrm>
-            <a:off x="5476972" y="458658"/>
+            <a:off x="5602743" y="293914"/>
             <a:ext cx="1219200" cy="1219200"/>
           </a:xfrm>
           <a:prstGeom prst="rect">
@@ -15428,7 +14740,7 @@
         </p:blipFill>
         <p:spPr>
           <a:xfrm>
-            <a:off x="5476972" y="2021457"/>
+            <a:off x="5571372" y="3240772"/>
             <a:ext cx="1219200" cy="1219200"/>
           </a:xfrm>
           <a:prstGeom prst="rect">
@@ -15459,7 +14771,7 @@
         </p:blipFill>
         <p:spPr>
           <a:xfrm>
-            <a:off x="5476972" y="4909800"/>
+            <a:off x="7117200" y="388543"/>
             <a:ext cx="1219200" cy="1219200"/>
           </a:xfrm>
           <a:prstGeom prst="rect">
@@ -15490,7 +14802,7 @@
         </p:blipFill>
         <p:spPr>
           <a:xfrm>
-            <a:off x="7291771" y="505572"/>
+            <a:off x="7211944" y="1819487"/>
             <a:ext cx="1219200" cy="1219200"/>
           </a:xfrm>
           <a:prstGeom prst="rect">
@@ -15521,7 +14833,7 @@
         </p:blipFill>
         <p:spPr>
           <a:xfrm>
-            <a:off x="7373429" y="2021457"/>
+            <a:off x="5624857" y="4609800"/>
             <a:ext cx="1219200" cy="1219200"/>
           </a:xfrm>
           <a:prstGeom prst="rect">
@@ -15552,7 +14864,7 @@
         </p:blipFill>
         <p:spPr>
           <a:xfrm>
-            <a:off x="7496971" y="4953456"/>
+            <a:off x="7284514" y="3295545"/>
             <a:ext cx="1219200" cy="1219200"/>
           </a:xfrm>
           <a:prstGeom prst="rect">
@@ -15583,7 +14895,7 @@
         </p:blipFill>
         <p:spPr>
           <a:xfrm>
-            <a:off x="7357257" y="3584256"/>
+            <a:off x="7309971" y="4675172"/>
             <a:ext cx="1219200" cy="1219200"/>
           </a:xfrm>
           <a:prstGeom prst="rect">
@@ -15614,7 +14926,7 @@
         </p:blipFill>
         <p:spPr>
           <a:xfrm>
-            <a:off x="9106570" y="505572"/>
+            <a:off x="8636400" y="399829"/>
             <a:ext cx="1219200" cy="1219200"/>
           </a:xfrm>
           <a:prstGeom prst="rect">
@@ -15645,7 +14957,162 @@
         </p:blipFill>
         <p:spPr>
           <a:xfrm>
-            <a:off x="9106570" y="2021457"/>
+            <a:off x="10392629" y="488915"/>
+            <a:ext cx="1219200" cy="1219200"/>
+          </a:xfrm>
+          <a:prstGeom prst="rect">
+            <a:avLst/>
+          </a:prstGeom>
+        </p:spPr>
+      </p:pic>
+      <p:pic>
+        <p:nvPicPr>
+          <p:cNvPr id="24" name="Picture 23"/>
+          <p:cNvPicPr>
+            <a:picLocks noChangeAspect="1"/>
+          </p:cNvPicPr>
+          <p:nvPr/>
+        </p:nvPicPr>
+        <p:blipFill>
+          <a:blip r:embed="rId24">
+            <a:lum bright="70000" contrast="-70000"/>
+            <a:extLst>
+              <a:ext uri="{28A0092B-C50C-407E-A947-70E740481C1C}">
+                <a14:useLocalDpi xmlns:a14="http://schemas.microsoft.com/office/drawing/2010/main" val="0"/>
+              </a:ext>
+            </a:extLst>
+          </a:blip>
+          <a:stretch>
+            <a:fillRect/>
+          </a:stretch>
+        </p:blipFill>
+        <p:spPr>
+          <a:xfrm>
+            <a:off x="8731257" y="1827630"/>
+            <a:ext cx="1219200" cy="1219200"/>
+          </a:xfrm>
+          <a:prstGeom prst="rect">
+            <a:avLst/>
+          </a:prstGeom>
+        </p:spPr>
+      </p:pic>
+      <p:pic>
+        <p:nvPicPr>
+          <p:cNvPr id="25" name="Picture 24"/>
+          <p:cNvPicPr>
+            <a:picLocks noChangeAspect="1"/>
+          </p:cNvPicPr>
+          <p:nvPr/>
+        </p:nvPicPr>
+        <p:blipFill>
+          <a:blip r:embed="rId25">
+            <a:lum bright="70000" contrast="-70000"/>
+            <a:extLst>
+              <a:ext uri="{28A0092B-C50C-407E-A947-70E740481C1C}">
+                <a14:useLocalDpi xmlns:a14="http://schemas.microsoft.com/office/drawing/2010/main" val="0"/>
+              </a:ext>
+            </a:extLst>
+          </a:blip>
+          <a:stretch>
+            <a:fillRect/>
+          </a:stretch>
+        </p:blipFill>
+        <p:spPr>
+          <a:xfrm>
+            <a:off x="8784057" y="4774428"/>
+            <a:ext cx="1219200" cy="1219200"/>
+          </a:xfrm>
+          <a:prstGeom prst="rect">
+            <a:avLst/>
+          </a:prstGeom>
+        </p:spPr>
+      </p:pic>
+      <p:pic>
+        <p:nvPicPr>
+          <p:cNvPr id="26" name="Picture 25"/>
+          <p:cNvPicPr>
+            <a:picLocks noChangeAspect="1"/>
+          </p:cNvPicPr>
+          <p:nvPr/>
+        </p:nvPicPr>
+        <p:blipFill>
+          <a:blip r:embed="rId26">
+            <a:lum bright="70000" contrast="-70000"/>
+            <a:extLst>
+              <a:ext uri="{28A0092B-C50C-407E-A947-70E740481C1C}">
+                <a14:useLocalDpi xmlns:a14="http://schemas.microsoft.com/office/drawing/2010/main" val="0"/>
+              </a:ext>
+            </a:extLst>
+          </a:blip>
+          <a:stretch>
+            <a:fillRect/>
+          </a:stretch>
+        </p:blipFill>
+        <p:spPr>
+          <a:xfrm>
+            <a:off x="10396399" y="3390600"/>
+            <a:ext cx="1219200" cy="1219200"/>
+          </a:xfrm>
+          <a:prstGeom prst="rect">
+            <a:avLst/>
+          </a:prstGeom>
+        </p:spPr>
+      </p:pic>
+      <p:pic>
+        <p:nvPicPr>
+          <p:cNvPr id="27" name="Picture 26"/>
+          <p:cNvPicPr>
+            <a:picLocks noChangeAspect="1"/>
+          </p:cNvPicPr>
+          <p:nvPr/>
+        </p:nvPicPr>
+        <p:blipFill>
+          <a:blip r:embed="rId27">
+            <a:lum bright="70000" contrast="-70000"/>
+            <a:extLst>
+              <a:ext uri="{28A0092B-C50C-407E-A947-70E740481C1C}">
+                <a14:useLocalDpi xmlns:a14="http://schemas.microsoft.com/office/drawing/2010/main" val="0"/>
+              </a:ext>
+            </a:extLst>
+          </a:blip>
+          <a:stretch>
+            <a:fillRect/>
+          </a:stretch>
+        </p:blipFill>
+        <p:spPr>
+          <a:xfrm>
+            <a:off x="10349658" y="2076345"/>
+            <a:ext cx="1219200" cy="1219200"/>
+          </a:xfrm>
+          <a:prstGeom prst="rect">
+            <a:avLst/>
+          </a:prstGeom>
+        </p:spPr>
+      </p:pic>
+      <p:pic>
+        <p:nvPicPr>
+          <p:cNvPr id="28" name="Picture 27"/>
+          <p:cNvPicPr>
+            <a:picLocks noChangeAspect="1"/>
+          </p:cNvPicPr>
+          <p:nvPr/>
+        </p:nvPicPr>
+        <p:blipFill>
+          <a:blip r:embed="rId28">
+            <a:lum bright="70000" contrast="-70000"/>
+            <a:extLst>
+              <a:ext uri="{28A0092B-C50C-407E-A947-70E740481C1C}">
+                <a14:useLocalDpi xmlns:a14="http://schemas.microsoft.com/office/drawing/2010/main" val="0"/>
+              </a:ext>
+            </a:extLst>
+          </a:blip>
+          <a:stretch>
+            <a:fillRect/>
+          </a:stretch>
+        </p:blipFill>
+        <p:spPr>
+          <a:xfrm>
+            <a:off x="8773943" y="3438915"/>
             <a:ext cx="1219200" cy="1219200"/>
           </a:xfrm>
           <a:prstGeom prst="rect">
@@ -15656,7 +15123,7 @@
     </p:spTree>
     <p:extLst>
       <p:ext uri="{BB962C8B-B14F-4D97-AF65-F5344CB8AC3E}">
-        <p14:creationId xmlns:p14="http://schemas.microsoft.com/office/powerpoint/2010/main" val="3555470181"/>
+        <p14:creationId xmlns:p14="http://schemas.microsoft.com/office/powerpoint/2010/main" val="214978686"/>
       </p:ext>
     </p:extLst>
   </p:cSld>
@@ -16020,6 +15487,718 @@
 </file>
 
 <file path=ppt/slides/slide40.xml><?xml version="1.0" encoding="utf-8"?>
+<p:sld xmlns:a="http://schemas.openxmlformats.org/drawingml/2006/main" xmlns:r="http://schemas.openxmlformats.org/officeDocument/2006/relationships" xmlns:p="http://schemas.openxmlformats.org/presentationml/2006/main" show="0">
+  <p:cSld>
+    <p:spTree>
+      <p:nvGrpSpPr>
+        <p:cNvPr id="1" name=""/>
+        <p:cNvGrpSpPr/>
+        <p:nvPr/>
+      </p:nvGrpSpPr>
+      <p:grpSpPr>
+        <a:xfrm>
+          <a:off x="0" y="0"/>
+          <a:ext cx="0" cy="0"/>
+          <a:chOff x="0" y="0"/>
+          <a:chExt cx="0" cy="0"/>
+        </a:xfrm>
+      </p:grpSpPr>
+      <p:pic>
+        <p:nvPicPr>
+          <p:cNvPr id="2" name="Picture 1"/>
+          <p:cNvPicPr>
+            <a:picLocks noChangeAspect="1"/>
+          </p:cNvPicPr>
+          <p:nvPr/>
+        </p:nvPicPr>
+        <p:blipFill>
+          <a:blip r:embed="rId2">
+            <a:lum bright="70000" contrast="-70000"/>
+            <a:extLst>
+              <a:ext uri="{28A0092B-C50C-407E-A947-70E740481C1C}">
+                <a14:useLocalDpi xmlns:a14="http://schemas.microsoft.com/office/drawing/2010/main" val="0"/>
+              </a:ext>
+            </a:extLst>
+          </a:blip>
+          <a:stretch>
+            <a:fillRect/>
+          </a:stretch>
+        </p:blipFill>
+        <p:spPr>
+          <a:xfrm>
+            <a:off x="304800" y="373743"/>
+            <a:ext cx="1219200" cy="1219200"/>
+          </a:xfrm>
+          <a:prstGeom prst="rect">
+            <a:avLst/>
+          </a:prstGeom>
+        </p:spPr>
+      </p:pic>
+      <p:pic>
+        <p:nvPicPr>
+          <p:cNvPr id="3" name="Picture 2"/>
+          <p:cNvPicPr>
+            <a:picLocks noChangeAspect="1"/>
+          </p:cNvPicPr>
+          <p:nvPr/>
+        </p:nvPicPr>
+        <p:blipFill>
+          <a:blip r:embed="rId3">
+            <a:lum bright="70000" contrast="-70000"/>
+            <a:extLst>
+              <a:ext uri="{28A0092B-C50C-407E-A947-70E740481C1C}">
+                <a14:useLocalDpi xmlns:a14="http://schemas.microsoft.com/office/drawing/2010/main" val="0"/>
+              </a:ext>
+            </a:extLst>
+          </a:blip>
+          <a:stretch>
+            <a:fillRect/>
+          </a:stretch>
+        </p:blipFill>
+        <p:spPr>
+          <a:xfrm>
+            <a:off x="304800" y="2022400"/>
+            <a:ext cx="1219200" cy="1219200"/>
+          </a:xfrm>
+          <a:prstGeom prst="rect">
+            <a:avLst/>
+          </a:prstGeom>
+        </p:spPr>
+      </p:pic>
+      <p:pic>
+        <p:nvPicPr>
+          <p:cNvPr id="4" name="Picture 3"/>
+          <p:cNvPicPr>
+            <a:picLocks noChangeAspect="1"/>
+          </p:cNvPicPr>
+          <p:nvPr/>
+        </p:nvPicPr>
+        <p:blipFill>
+          <a:blip r:embed="rId4">
+            <a:lum bright="70000" contrast="-70000"/>
+            <a:extLst>
+              <a:ext uri="{28A0092B-C50C-407E-A947-70E740481C1C}">
+                <a14:useLocalDpi xmlns:a14="http://schemas.microsoft.com/office/drawing/2010/main" val="0"/>
+              </a:ext>
+            </a:extLst>
+          </a:blip>
+          <a:stretch>
+            <a:fillRect/>
+          </a:stretch>
+        </p:blipFill>
+        <p:spPr>
+          <a:xfrm>
+            <a:off x="304800" y="3400200"/>
+            <a:ext cx="1219200" cy="1219200"/>
+          </a:xfrm>
+          <a:prstGeom prst="rect">
+            <a:avLst/>
+          </a:prstGeom>
+        </p:spPr>
+      </p:pic>
+      <p:pic>
+        <p:nvPicPr>
+          <p:cNvPr id="5" name="Picture 4"/>
+          <p:cNvPicPr>
+            <a:picLocks noChangeAspect="1"/>
+          </p:cNvPicPr>
+          <p:nvPr/>
+        </p:nvPicPr>
+        <p:blipFill>
+          <a:blip r:embed="rId5">
+            <a:lum bright="70000" contrast="-70000"/>
+            <a:extLst>
+              <a:ext uri="{28A0092B-C50C-407E-A947-70E740481C1C}">
+                <a14:useLocalDpi xmlns:a14="http://schemas.microsoft.com/office/drawing/2010/main" val="0"/>
+              </a:ext>
+            </a:extLst>
+          </a:blip>
+          <a:stretch>
+            <a:fillRect/>
+          </a:stretch>
+        </p:blipFill>
+        <p:spPr>
+          <a:xfrm>
+            <a:off x="304800" y="4779000"/>
+            <a:ext cx="1219200" cy="1219200"/>
+          </a:xfrm>
+          <a:prstGeom prst="rect">
+            <a:avLst/>
+          </a:prstGeom>
+        </p:spPr>
+      </p:pic>
+      <p:pic>
+        <p:nvPicPr>
+          <p:cNvPr id="6" name="Picture 5"/>
+          <p:cNvPicPr>
+            <a:picLocks noChangeAspect="1"/>
+          </p:cNvPicPr>
+          <p:nvPr/>
+        </p:nvPicPr>
+        <p:blipFill>
+          <a:blip r:embed="rId6">
+            <a:lum bright="70000" contrast="-70000"/>
+            <a:extLst>
+              <a:ext uri="{28A0092B-C50C-407E-A947-70E740481C1C}">
+                <a14:useLocalDpi xmlns:a14="http://schemas.microsoft.com/office/drawing/2010/main" val="0"/>
+              </a:ext>
+            </a:extLst>
+          </a:blip>
+          <a:stretch>
+            <a:fillRect/>
+          </a:stretch>
+        </p:blipFill>
+        <p:spPr>
+          <a:xfrm>
+            <a:off x="1942572" y="373743"/>
+            <a:ext cx="1219200" cy="1219200"/>
+          </a:xfrm>
+          <a:prstGeom prst="rect">
+            <a:avLst/>
+          </a:prstGeom>
+        </p:spPr>
+      </p:pic>
+      <p:pic>
+        <p:nvPicPr>
+          <p:cNvPr id="7" name="Picture 6"/>
+          <p:cNvPicPr>
+            <a:picLocks noChangeAspect="1"/>
+          </p:cNvPicPr>
+          <p:nvPr/>
+        </p:nvPicPr>
+        <p:blipFill>
+          <a:blip r:embed="rId7">
+            <a:lum bright="70000" contrast="-70000"/>
+            <a:extLst>
+              <a:ext uri="{28A0092B-C50C-407E-A947-70E740481C1C}">
+                <a14:useLocalDpi xmlns:a14="http://schemas.microsoft.com/office/drawing/2010/main" val="0"/>
+              </a:ext>
+            </a:extLst>
+          </a:blip>
+          <a:stretch>
+            <a:fillRect/>
+          </a:stretch>
+        </p:blipFill>
+        <p:spPr>
+          <a:xfrm>
+            <a:off x="2020000" y="1907514"/>
+            <a:ext cx="1219200" cy="1219200"/>
+          </a:xfrm>
+          <a:prstGeom prst="rect">
+            <a:avLst/>
+          </a:prstGeom>
+        </p:spPr>
+      </p:pic>
+      <p:pic>
+        <p:nvPicPr>
+          <p:cNvPr id="8" name="Picture 7"/>
+          <p:cNvPicPr>
+            <a:picLocks noChangeAspect="1"/>
+          </p:cNvPicPr>
+          <p:nvPr/>
+        </p:nvPicPr>
+        <p:blipFill>
+          <a:blip r:embed="rId8">
+            <a:lum bright="70000" contrast="-70000"/>
+            <a:extLst>
+              <a:ext uri="{28A0092B-C50C-407E-A947-70E740481C1C}">
+                <a14:useLocalDpi xmlns:a14="http://schemas.microsoft.com/office/drawing/2010/main" val="0"/>
+              </a:ext>
+            </a:extLst>
+          </a:blip>
+          <a:stretch>
+            <a:fillRect/>
+          </a:stretch>
+        </p:blipFill>
+        <p:spPr>
+          <a:xfrm>
+            <a:off x="1838629" y="3400200"/>
+            <a:ext cx="1219200" cy="1219200"/>
+          </a:xfrm>
+          <a:prstGeom prst="rect">
+            <a:avLst/>
+          </a:prstGeom>
+        </p:spPr>
+      </p:pic>
+      <p:pic>
+        <p:nvPicPr>
+          <p:cNvPr id="9" name="Picture 8"/>
+          <p:cNvPicPr>
+            <a:picLocks noChangeAspect="1"/>
+          </p:cNvPicPr>
+          <p:nvPr/>
+        </p:nvPicPr>
+        <p:blipFill>
+          <a:blip r:embed="rId9">
+            <a:lum bright="70000" contrast="-70000"/>
+            <a:extLst>
+              <a:ext uri="{28A0092B-C50C-407E-A947-70E740481C1C}">
+                <a14:useLocalDpi xmlns:a14="http://schemas.microsoft.com/office/drawing/2010/main" val="0"/>
+              </a:ext>
+            </a:extLst>
+          </a:blip>
+          <a:stretch>
+            <a:fillRect/>
+          </a:stretch>
+        </p:blipFill>
+        <p:spPr>
+          <a:xfrm>
+            <a:off x="1976400" y="4787771"/>
+            <a:ext cx="1219200" cy="1219200"/>
+          </a:xfrm>
+          <a:prstGeom prst="rect">
+            <a:avLst/>
+          </a:prstGeom>
+        </p:spPr>
+      </p:pic>
+      <p:pic>
+        <p:nvPicPr>
+          <p:cNvPr id="10" name="Picture 9"/>
+          <p:cNvPicPr>
+            <a:picLocks noChangeAspect="1"/>
+          </p:cNvPicPr>
+          <p:nvPr/>
+        </p:nvPicPr>
+        <p:blipFill>
+          <a:blip r:embed="rId10">
+            <a:lum bright="70000" contrast="-70000"/>
+            <a:extLst>
+              <a:ext uri="{28A0092B-C50C-407E-A947-70E740481C1C}">
+                <a14:useLocalDpi xmlns:a14="http://schemas.microsoft.com/office/drawing/2010/main" val="0"/>
+              </a:ext>
+            </a:extLst>
+          </a:blip>
+          <a:stretch>
+            <a:fillRect/>
+          </a:stretch>
+        </p:blipFill>
+        <p:spPr>
+          <a:xfrm>
+            <a:off x="3580515" y="2022400"/>
+            <a:ext cx="1219200" cy="1219200"/>
+          </a:xfrm>
+          <a:prstGeom prst="rect">
+            <a:avLst/>
+          </a:prstGeom>
+        </p:spPr>
+      </p:pic>
+      <p:pic>
+        <p:nvPicPr>
+          <p:cNvPr id="11" name="Picture 10"/>
+          <p:cNvPicPr>
+            <a:picLocks noChangeAspect="1"/>
+          </p:cNvPicPr>
+          <p:nvPr/>
+        </p:nvPicPr>
+        <p:blipFill>
+          <a:blip r:embed="rId11">
+            <a:lum bright="70000" contrast="-70000"/>
+            <a:extLst>
+              <a:ext uri="{28A0092B-C50C-407E-A947-70E740481C1C}">
+                <a14:useLocalDpi xmlns:a14="http://schemas.microsoft.com/office/drawing/2010/main" val="0"/>
+              </a:ext>
+            </a:extLst>
+          </a:blip>
+          <a:stretch>
+            <a:fillRect/>
+          </a:stretch>
+        </p:blipFill>
+        <p:spPr>
+          <a:xfrm>
+            <a:off x="3580515" y="373743"/>
+            <a:ext cx="1219200" cy="1219200"/>
+          </a:xfrm>
+          <a:prstGeom prst="rect">
+            <a:avLst/>
+          </a:prstGeom>
+        </p:spPr>
+      </p:pic>
+      <p:pic>
+        <p:nvPicPr>
+          <p:cNvPr id="12" name="Picture 11"/>
+          <p:cNvPicPr>
+            <a:picLocks noChangeAspect="1"/>
+          </p:cNvPicPr>
+          <p:nvPr/>
+        </p:nvPicPr>
+        <p:blipFill>
+          <a:blip r:embed="rId12">
+            <a:lum bright="70000" contrast="-70000"/>
+            <a:extLst>
+              <a:ext uri="{28A0092B-C50C-407E-A947-70E740481C1C}">
+                <a14:useLocalDpi xmlns:a14="http://schemas.microsoft.com/office/drawing/2010/main" val="0"/>
+              </a:ext>
+            </a:extLst>
+          </a:blip>
+          <a:stretch>
+            <a:fillRect/>
+          </a:stretch>
+        </p:blipFill>
+        <p:spPr>
+          <a:xfrm>
+            <a:off x="3517486" y="3400200"/>
+            <a:ext cx="1219200" cy="1219200"/>
+          </a:xfrm>
+          <a:prstGeom prst="rect">
+            <a:avLst/>
+          </a:prstGeom>
+        </p:spPr>
+      </p:pic>
+      <p:pic>
+        <p:nvPicPr>
+          <p:cNvPr id="13" name="Picture 12"/>
+          <p:cNvPicPr>
+            <a:picLocks noChangeAspect="1"/>
+          </p:cNvPicPr>
+          <p:nvPr/>
+        </p:nvPicPr>
+        <p:blipFill>
+          <a:blip r:embed="rId13">
+            <a:lum bright="70000" contrast="-70000"/>
+            <a:extLst>
+              <a:ext uri="{28A0092B-C50C-407E-A947-70E740481C1C}">
+                <a14:useLocalDpi xmlns:a14="http://schemas.microsoft.com/office/drawing/2010/main" val="0"/>
+              </a:ext>
+            </a:extLst>
+          </a:blip>
+          <a:stretch>
+            <a:fillRect/>
+          </a:stretch>
+        </p:blipFill>
+        <p:spPr>
+          <a:xfrm>
+            <a:off x="3580515" y="4742285"/>
+            <a:ext cx="1219200" cy="1219200"/>
+          </a:xfrm>
+          <a:prstGeom prst="rect">
+            <a:avLst/>
+          </a:prstGeom>
+        </p:spPr>
+      </p:pic>
+      <p:pic>
+        <p:nvPicPr>
+          <p:cNvPr id="14" name="Picture 13"/>
+          <p:cNvPicPr>
+            <a:picLocks noChangeAspect="1"/>
+          </p:cNvPicPr>
+          <p:nvPr/>
+        </p:nvPicPr>
+        <p:blipFill>
+          <a:blip r:embed="rId14">
+            <a:lum bright="70000" contrast="-70000"/>
+            <a:extLst>
+              <a:ext uri="{28A0092B-C50C-407E-A947-70E740481C1C}">
+                <a14:useLocalDpi xmlns:a14="http://schemas.microsoft.com/office/drawing/2010/main" val="0"/>
+              </a:ext>
+            </a:extLst>
+          </a:blip>
+          <a:stretch>
+            <a:fillRect/>
+          </a:stretch>
+        </p:blipFill>
+        <p:spPr>
+          <a:xfrm>
+            <a:off x="5476972" y="3584256"/>
+            <a:ext cx="1219200" cy="1219200"/>
+          </a:xfrm>
+          <a:prstGeom prst="rect">
+            <a:avLst/>
+          </a:prstGeom>
+        </p:spPr>
+      </p:pic>
+      <p:pic>
+        <p:nvPicPr>
+          <p:cNvPr id="15" name="Picture 14"/>
+          <p:cNvPicPr>
+            <a:picLocks noChangeAspect="1"/>
+          </p:cNvPicPr>
+          <p:nvPr/>
+        </p:nvPicPr>
+        <p:blipFill>
+          <a:blip r:embed="rId15">
+            <a:lum bright="70000" contrast="-70000"/>
+            <a:extLst>
+              <a:ext uri="{28A0092B-C50C-407E-A947-70E740481C1C}">
+                <a14:useLocalDpi xmlns:a14="http://schemas.microsoft.com/office/drawing/2010/main" val="0"/>
+              </a:ext>
+            </a:extLst>
+          </a:blip>
+          <a:stretch>
+            <a:fillRect/>
+          </a:stretch>
+        </p:blipFill>
+        <p:spPr>
+          <a:xfrm>
+            <a:off x="5476972" y="458658"/>
+            <a:ext cx="1219200" cy="1219200"/>
+          </a:xfrm>
+          <a:prstGeom prst="rect">
+            <a:avLst/>
+          </a:prstGeom>
+        </p:spPr>
+      </p:pic>
+      <p:pic>
+        <p:nvPicPr>
+          <p:cNvPr id="16" name="Picture 15"/>
+          <p:cNvPicPr>
+            <a:picLocks noChangeAspect="1"/>
+          </p:cNvPicPr>
+          <p:nvPr/>
+        </p:nvPicPr>
+        <p:blipFill>
+          <a:blip r:embed="rId16">
+            <a:lum bright="70000" contrast="-70000"/>
+            <a:extLst>
+              <a:ext uri="{28A0092B-C50C-407E-A947-70E740481C1C}">
+                <a14:useLocalDpi xmlns:a14="http://schemas.microsoft.com/office/drawing/2010/main" val="0"/>
+              </a:ext>
+            </a:extLst>
+          </a:blip>
+          <a:stretch>
+            <a:fillRect/>
+          </a:stretch>
+        </p:blipFill>
+        <p:spPr>
+          <a:xfrm>
+            <a:off x="5476972" y="2021457"/>
+            <a:ext cx="1219200" cy="1219200"/>
+          </a:xfrm>
+          <a:prstGeom prst="rect">
+            <a:avLst/>
+          </a:prstGeom>
+        </p:spPr>
+      </p:pic>
+      <p:pic>
+        <p:nvPicPr>
+          <p:cNvPr id="17" name="Picture 16"/>
+          <p:cNvPicPr>
+            <a:picLocks noChangeAspect="1"/>
+          </p:cNvPicPr>
+          <p:nvPr/>
+        </p:nvPicPr>
+        <p:blipFill>
+          <a:blip r:embed="rId17">
+            <a:lum bright="70000" contrast="-70000"/>
+            <a:extLst>
+              <a:ext uri="{28A0092B-C50C-407E-A947-70E740481C1C}">
+                <a14:useLocalDpi xmlns:a14="http://schemas.microsoft.com/office/drawing/2010/main" val="0"/>
+              </a:ext>
+            </a:extLst>
+          </a:blip>
+          <a:stretch>
+            <a:fillRect/>
+          </a:stretch>
+        </p:blipFill>
+        <p:spPr>
+          <a:xfrm>
+            <a:off x="5476972" y="4909800"/>
+            <a:ext cx="1219200" cy="1219200"/>
+          </a:xfrm>
+          <a:prstGeom prst="rect">
+            <a:avLst/>
+          </a:prstGeom>
+        </p:spPr>
+      </p:pic>
+      <p:pic>
+        <p:nvPicPr>
+          <p:cNvPr id="18" name="Picture 17"/>
+          <p:cNvPicPr>
+            <a:picLocks noChangeAspect="1"/>
+          </p:cNvPicPr>
+          <p:nvPr/>
+        </p:nvPicPr>
+        <p:blipFill>
+          <a:blip r:embed="rId18">
+            <a:lum bright="70000" contrast="-70000"/>
+            <a:extLst>
+              <a:ext uri="{28A0092B-C50C-407E-A947-70E740481C1C}">
+                <a14:useLocalDpi xmlns:a14="http://schemas.microsoft.com/office/drawing/2010/main" val="0"/>
+              </a:ext>
+            </a:extLst>
+          </a:blip>
+          <a:stretch>
+            <a:fillRect/>
+          </a:stretch>
+        </p:blipFill>
+        <p:spPr>
+          <a:xfrm>
+            <a:off x="7291771" y="505572"/>
+            <a:ext cx="1219200" cy="1219200"/>
+          </a:xfrm>
+          <a:prstGeom prst="rect">
+            <a:avLst/>
+          </a:prstGeom>
+        </p:spPr>
+      </p:pic>
+      <p:pic>
+        <p:nvPicPr>
+          <p:cNvPr id="19" name="Picture 18"/>
+          <p:cNvPicPr>
+            <a:picLocks noChangeAspect="1"/>
+          </p:cNvPicPr>
+          <p:nvPr/>
+        </p:nvPicPr>
+        <p:blipFill>
+          <a:blip r:embed="rId19">
+            <a:lum bright="70000" contrast="-70000"/>
+            <a:extLst>
+              <a:ext uri="{28A0092B-C50C-407E-A947-70E740481C1C}">
+                <a14:useLocalDpi xmlns:a14="http://schemas.microsoft.com/office/drawing/2010/main" val="0"/>
+              </a:ext>
+            </a:extLst>
+          </a:blip>
+          <a:stretch>
+            <a:fillRect/>
+          </a:stretch>
+        </p:blipFill>
+        <p:spPr>
+          <a:xfrm>
+            <a:off x="7373429" y="2021457"/>
+            <a:ext cx="1219200" cy="1219200"/>
+          </a:xfrm>
+          <a:prstGeom prst="rect">
+            <a:avLst/>
+          </a:prstGeom>
+        </p:spPr>
+      </p:pic>
+      <p:pic>
+        <p:nvPicPr>
+          <p:cNvPr id="20" name="Picture 19"/>
+          <p:cNvPicPr>
+            <a:picLocks noChangeAspect="1"/>
+          </p:cNvPicPr>
+          <p:nvPr/>
+        </p:nvPicPr>
+        <p:blipFill>
+          <a:blip r:embed="rId20">
+            <a:lum bright="70000" contrast="-70000"/>
+            <a:extLst>
+              <a:ext uri="{28A0092B-C50C-407E-A947-70E740481C1C}">
+                <a14:useLocalDpi xmlns:a14="http://schemas.microsoft.com/office/drawing/2010/main" val="0"/>
+              </a:ext>
+            </a:extLst>
+          </a:blip>
+          <a:stretch>
+            <a:fillRect/>
+          </a:stretch>
+        </p:blipFill>
+        <p:spPr>
+          <a:xfrm>
+            <a:off x="7496971" y="4953456"/>
+            <a:ext cx="1219200" cy="1219200"/>
+          </a:xfrm>
+          <a:prstGeom prst="rect">
+            <a:avLst/>
+          </a:prstGeom>
+        </p:spPr>
+      </p:pic>
+      <p:pic>
+        <p:nvPicPr>
+          <p:cNvPr id="21" name="Picture 20"/>
+          <p:cNvPicPr>
+            <a:picLocks noChangeAspect="1"/>
+          </p:cNvPicPr>
+          <p:nvPr/>
+        </p:nvPicPr>
+        <p:blipFill>
+          <a:blip r:embed="rId21">
+            <a:lum bright="70000" contrast="-70000"/>
+            <a:extLst>
+              <a:ext uri="{28A0092B-C50C-407E-A947-70E740481C1C}">
+                <a14:useLocalDpi xmlns:a14="http://schemas.microsoft.com/office/drawing/2010/main" val="0"/>
+              </a:ext>
+            </a:extLst>
+          </a:blip>
+          <a:stretch>
+            <a:fillRect/>
+          </a:stretch>
+        </p:blipFill>
+        <p:spPr>
+          <a:xfrm>
+            <a:off x="7357257" y="3584256"/>
+            <a:ext cx="1219200" cy="1219200"/>
+          </a:xfrm>
+          <a:prstGeom prst="rect">
+            <a:avLst/>
+          </a:prstGeom>
+        </p:spPr>
+      </p:pic>
+      <p:pic>
+        <p:nvPicPr>
+          <p:cNvPr id="22" name="Picture 21"/>
+          <p:cNvPicPr>
+            <a:picLocks noChangeAspect="1"/>
+          </p:cNvPicPr>
+          <p:nvPr/>
+        </p:nvPicPr>
+        <p:blipFill>
+          <a:blip r:embed="rId22">
+            <a:lum bright="70000" contrast="-70000"/>
+            <a:extLst>
+              <a:ext uri="{28A0092B-C50C-407E-A947-70E740481C1C}">
+                <a14:useLocalDpi xmlns:a14="http://schemas.microsoft.com/office/drawing/2010/main" val="0"/>
+              </a:ext>
+            </a:extLst>
+          </a:blip>
+          <a:stretch>
+            <a:fillRect/>
+          </a:stretch>
+        </p:blipFill>
+        <p:spPr>
+          <a:xfrm>
+            <a:off x="9106570" y="505572"/>
+            <a:ext cx="1219200" cy="1219200"/>
+          </a:xfrm>
+          <a:prstGeom prst="rect">
+            <a:avLst/>
+          </a:prstGeom>
+        </p:spPr>
+      </p:pic>
+      <p:pic>
+        <p:nvPicPr>
+          <p:cNvPr id="23" name="Picture 22"/>
+          <p:cNvPicPr>
+            <a:picLocks noChangeAspect="1"/>
+          </p:cNvPicPr>
+          <p:nvPr/>
+        </p:nvPicPr>
+        <p:blipFill>
+          <a:blip r:embed="rId23">
+            <a:lum bright="70000" contrast="-70000"/>
+            <a:extLst>
+              <a:ext uri="{28A0092B-C50C-407E-A947-70E740481C1C}">
+                <a14:useLocalDpi xmlns:a14="http://schemas.microsoft.com/office/drawing/2010/main" val="0"/>
+              </a:ext>
+            </a:extLst>
+          </a:blip>
+          <a:stretch>
+            <a:fillRect/>
+          </a:stretch>
+        </p:blipFill>
+        <p:spPr>
+          <a:xfrm>
+            <a:off x="9106570" y="2021457"/>
+            <a:ext cx="1219200" cy="1219200"/>
+          </a:xfrm>
+          <a:prstGeom prst="rect">
+            <a:avLst/>
+          </a:prstGeom>
+        </p:spPr>
+      </p:pic>
+    </p:spTree>
+    <p:extLst>
+      <p:ext uri="{BB962C8B-B14F-4D97-AF65-F5344CB8AC3E}">
+        <p14:creationId xmlns:p14="http://schemas.microsoft.com/office/powerpoint/2010/main" val="3555470181"/>
+      </p:ext>
+    </p:extLst>
+  </p:cSld>
+  <p:clrMapOvr>
+    <a:masterClrMapping/>
+  </p:clrMapOvr>
+</p:sld>
+</file>
+
+<file path=ppt/slides/slide41.xml><?xml version="1.0" encoding="utf-8"?>
 <p:sld xmlns:a="http://schemas.openxmlformats.org/drawingml/2006/main" xmlns:r="http://schemas.openxmlformats.org/officeDocument/2006/relationships" xmlns:p="http://schemas.openxmlformats.org/presentationml/2006/main" show="0">
   <p:cSld>
     <p:spTree>
@@ -18445,18 +18624,18 @@
 </file>
 
 <file path=customXml/item1.xml><?xml version="1.0" encoding="utf-8"?>
+<p:properties xmlns:p="http://schemas.microsoft.com/office/2006/metadata/properties" xmlns:xsi="http://www.w3.org/2001/XMLSchema-instance" xmlns:pc="http://schemas.microsoft.com/office/infopath/2007/PartnerControls">
+  <documentManagement/>
+</p:properties>
+</file>
+
+<file path=customXml/item2.xml><?xml version="1.0" encoding="utf-8"?>
 <?mso-contentType ?>
 <FormTemplates xmlns="http://schemas.microsoft.com/sharepoint/v3/contenttype/forms">
   <Display>DocumentLibraryForm</Display>
   <Edit>DocumentLibraryForm</Edit>
   <New>DocumentLibraryForm</New>
 </FormTemplates>
-</file>
-
-<file path=customXml/item2.xml><?xml version="1.0" encoding="utf-8"?>
-<p:properties xmlns:p="http://schemas.microsoft.com/office/2006/metadata/properties" xmlns:xsi="http://www.w3.org/2001/XMLSchema-instance" xmlns:pc="http://schemas.microsoft.com/office/infopath/2007/PartnerControls">
-  <documentManagement/>
-</p:properties>
 </file>
 
 <file path=customXml/item3.xml><?xml version="1.0" encoding="utf-8"?>
@@ -18639,14 +18818,6 @@
 </file>
 
 <file path=customXml/itemProps1.xml><?xml version="1.0" encoding="utf-8"?>
-<ds:datastoreItem xmlns:ds="http://schemas.openxmlformats.org/officeDocument/2006/customXml" ds:itemID="{8F9099B0-B9E3-45A6-848D-7EA25626C078}">
-  <ds:schemaRefs>
-    <ds:schemaRef ds:uri="http://schemas.microsoft.com/sharepoint/v3/contenttype/forms"/>
-  </ds:schemaRefs>
-</ds:datastoreItem>
-</file>
-
-<file path=customXml/itemProps2.xml><?xml version="1.0" encoding="utf-8"?>
 <ds:datastoreItem xmlns:ds="http://schemas.openxmlformats.org/officeDocument/2006/customXml" ds:itemID="{AFF96CB3-579C-4369-8AB2-D91B353AC245}">
   <ds:schemaRefs>
     <ds:schemaRef ds:uri="http://purl.org/dc/elements/1.1/"/>
@@ -18659,6 +18830,14 @@
     <ds:schemaRef ds:uri="http://schemas.openxmlformats.org/package/2006/metadata/core-properties"/>
     <ds:schemaRef ds:uri="http://schemas.microsoft.com/office/2006/metadata/properties"/>
     <ds:schemaRef ds:uri="http://purl.org/dc/dcmitype/"/>
+  </ds:schemaRefs>
+</ds:datastoreItem>
+</file>
+
+<file path=customXml/itemProps2.xml><?xml version="1.0" encoding="utf-8"?>
+<ds:datastoreItem xmlns:ds="http://schemas.openxmlformats.org/officeDocument/2006/customXml" ds:itemID="{8F9099B0-B9E3-45A6-848D-7EA25626C078}">
+  <ds:schemaRefs>
+    <ds:schemaRef ds:uri="http://schemas.microsoft.com/sharepoint/v3/contenttype/forms"/>
   </ds:schemaRefs>
 </ds:datastoreItem>
 </file>
